--- a/docs/Lectures/Week02/Week02_InferentialStas.pptx
+++ b/docs/Lectures/Week02/Week02_InferentialStas.pptx
@@ -1100,10 +1100,9 @@
           </a:lstStyle>
           <a:p>
             <a:r>
-              <a:rPr lang="en-US"/>
+              <a:rPr lang="en-US" dirty="0"/>
               <a:t>Click to edit Master title style</a:t>
             </a:r>
-            <a:endParaRPr lang="en-US" dirty="0"/>
           </a:p>
         </p:txBody>
       </p:sp>
@@ -2893,38 +2892,37 @@
           <a:p>
             <a:pPr lvl="0"/>
             <a:r>
-              <a:rPr lang="en-US"/>
+              <a:rPr lang="en-US" dirty="0"/>
               <a:t>Click to edit Master text styles</a:t>
             </a:r>
           </a:p>
           <a:p>
             <a:pPr lvl="1"/>
             <a:r>
-              <a:rPr lang="en-US"/>
+              <a:rPr lang="en-US" dirty="0"/>
               <a:t>Second level</a:t>
             </a:r>
           </a:p>
           <a:p>
             <a:pPr lvl="2"/>
             <a:r>
-              <a:rPr lang="en-US"/>
+              <a:rPr lang="en-US" dirty="0"/>
               <a:t>Third level</a:t>
             </a:r>
           </a:p>
           <a:p>
             <a:pPr lvl="3"/>
             <a:r>
-              <a:rPr lang="en-US"/>
+              <a:rPr lang="en-US" dirty="0"/>
               <a:t>Fourth level</a:t>
             </a:r>
           </a:p>
           <a:p>
             <a:pPr lvl="4"/>
             <a:r>
-              <a:rPr lang="en-US"/>
+              <a:rPr lang="en-US" dirty="0"/>
               <a:t>Fifth level</a:t>
             </a:r>
-            <a:endParaRPr lang="en-US" dirty="0"/>
           </a:p>
         </p:txBody>
       </p:sp>
@@ -3149,10 +3147,9 @@
           <a:lstStyle/>
           <a:p>
             <a:r>
-              <a:rPr lang="en-US"/>
+              <a:rPr lang="en-US" dirty="0"/>
               <a:t>Click to edit Master title style</a:t>
             </a:r>
-            <a:endParaRPr lang="en-US" dirty="0"/>
           </a:p>
         </p:txBody>
       </p:sp>
@@ -3178,38 +3175,37 @@
           <a:p>
             <a:pPr lvl="0"/>
             <a:r>
-              <a:rPr lang="en-US"/>
+              <a:rPr lang="en-US" dirty="0"/>
               <a:t>Click to edit Master text styles</a:t>
             </a:r>
           </a:p>
           <a:p>
             <a:pPr lvl="1"/>
             <a:r>
-              <a:rPr lang="en-US"/>
+              <a:rPr lang="en-US" dirty="0"/>
               <a:t>Second level</a:t>
             </a:r>
           </a:p>
           <a:p>
             <a:pPr lvl="2"/>
             <a:r>
-              <a:rPr lang="en-US"/>
+              <a:rPr lang="en-US" dirty="0"/>
               <a:t>Third level</a:t>
             </a:r>
           </a:p>
           <a:p>
             <a:pPr lvl="3"/>
             <a:r>
-              <a:rPr lang="en-US"/>
+              <a:rPr lang="en-US" dirty="0"/>
               <a:t>Fourth level</a:t>
             </a:r>
           </a:p>
           <a:p>
             <a:pPr lvl="4"/>
             <a:r>
-              <a:rPr lang="en-US"/>
+              <a:rPr lang="en-US" dirty="0"/>
               <a:t>Fifth level</a:t>
             </a:r>
-            <a:endParaRPr lang="en-US" dirty="0"/>
           </a:p>
         </p:txBody>
       </p:sp>
@@ -4400,10 +4396,9 @@
           </a:lstStyle>
           <a:p>
             <a:r>
-              <a:rPr lang="en-US"/>
+              <a:rPr lang="en-US" dirty="0"/>
               <a:t>Click to edit Master title style</a:t>
             </a:r>
-            <a:endParaRPr lang="en-US" dirty="0"/>
           </a:p>
         </p:txBody>
       </p:sp>
@@ -4691,38 +4686,37 @@
           <a:p>
             <a:pPr lvl="0"/>
             <a:r>
-              <a:rPr lang="en-US"/>
+              <a:rPr lang="en-US" dirty="0"/>
               <a:t>Click to edit Master text styles</a:t>
             </a:r>
           </a:p>
           <a:p>
             <a:pPr lvl="1"/>
             <a:r>
-              <a:rPr lang="en-US"/>
+              <a:rPr lang="en-US" dirty="0"/>
               <a:t>Second level</a:t>
             </a:r>
           </a:p>
           <a:p>
             <a:pPr lvl="2"/>
             <a:r>
-              <a:rPr lang="en-US"/>
+              <a:rPr lang="en-US" dirty="0"/>
               <a:t>Third level</a:t>
             </a:r>
           </a:p>
           <a:p>
             <a:pPr lvl="3"/>
             <a:r>
-              <a:rPr lang="en-US"/>
+              <a:rPr lang="en-US" dirty="0"/>
               <a:t>Fourth level</a:t>
             </a:r>
           </a:p>
           <a:p>
             <a:pPr lvl="4"/>
             <a:r>
-              <a:rPr lang="en-US"/>
+              <a:rPr lang="en-US" dirty="0"/>
               <a:t>Fifth level</a:t>
             </a:r>
-            <a:endParaRPr lang="en-US" dirty="0"/>
           </a:p>
         </p:txBody>
       </p:sp>
@@ -4750,38 +4744,37 @@
           <a:p>
             <a:pPr lvl="0"/>
             <a:r>
-              <a:rPr lang="en-US"/>
+              <a:rPr lang="en-US" dirty="0"/>
               <a:t>Click to edit Master text styles</a:t>
             </a:r>
           </a:p>
           <a:p>
             <a:pPr lvl="1"/>
             <a:r>
-              <a:rPr lang="en-US"/>
+              <a:rPr lang="en-US" dirty="0"/>
               <a:t>Second level</a:t>
             </a:r>
           </a:p>
           <a:p>
             <a:pPr lvl="2"/>
             <a:r>
-              <a:rPr lang="en-US"/>
+              <a:rPr lang="en-US" dirty="0"/>
               <a:t>Third level</a:t>
             </a:r>
           </a:p>
           <a:p>
             <a:pPr lvl="3"/>
             <a:r>
-              <a:rPr lang="en-US"/>
+              <a:rPr lang="en-US" dirty="0"/>
               <a:t>Fourth level</a:t>
             </a:r>
           </a:p>
           <a:p>
             <a:pPr lvl="4"/>
             <a:r>
-              <a:rPr lang="en-US"/>
+              <a:rPr lang="en-US" dirty="0"/>
               <a:t>Fifth level</a:t>
             </a:r>
-            <a:endParaRPr lang="en-US" dirty="0"/>
           </a:p>
         </p:txBody>
       </p:sp>
@@ -5006,38 +4999,37 @@
           <a:p>
             <a:pPr lvl="0"/>
             <a:r>
-              <a:rPr lang="en-US"/>
+              <a:rPr lang="en-US" dirty="0"/>
               <a:t>Click to edit Master text styles</a:t>
             </a:r>
           </a:p>
           <a:p>
             <a:pPr lvl="1"/>
             <a:r>
-              <a:rPr lang="en-US"/>
+              <a:rPr lang="en-US" dirty="0"/>
               <a:t>Second level</a:t>
             </a:r>
           </a:p>
           <a:p>
             <a:pPr lvl="2"/>
             <a:r>
-              <a:rPr lang="en-US"/>
+              <a:rPr lang="en-US" dirty="0"/>
               <a:t>Third level</a:t>
             </a:r>
           </a:p>
           <a:p>
             <a:pPr lvl="3"/>
             <a:r>
-              <a:rPr lang="en-US"/>
+              <a:rPr lang="en-US" dirty="0"/>
               <a:t>Fourth level</a:t>
             </a:r>
           </a:p>
           <a:p>
             <a:pPr lvl="4"/>
             <a:r>
-              <a:rPr lang="en-US"/>
+              <a:rPr lang="en-US" dirty="0"/>
               <a:t>Fifth level</a:t>
             </a:r>
-            <a:endParaRPr lang="en-US" dirty="0"/>
           </a:p>
         </p:txBody>
       </p:sp>
@@ -5685,38 +5677,37 @@
           <a:p>
             <a:pPr lvl="0"/>
             <a:r>
-              <a:rPr lang="en-US"/>
+              <a:rPr lang="en-US" dirty="0"/>
               <a:t>Click to edit Master text styles</a:t>
             </a:r>
           </a:p>
           <a:p>
             <a:pPr lvl="1"/>
             <a:r>
-              <a:rPr lang="en-US"/>
+              <a:rPr lang="en-US" dirty="0"/>
               <a:t>Second level</a:t>
             </a:r>
           </a:p>
           <a:p>
             <a:pPr lvl="2"/>
             <a:r>
-              <a:rPr lang="en-US"/>
+              <a:rPr lang="en-US" dirty="0"/>
               <a:t>Third level</a:t>
             </a:r>
           </a:p>
           <a:p>
             <a:pPr lvl="3"/>
             <a:r>
-              <a:rPr lang="en-US"/>
+              <a:rPr lang="en-US" dirty="0"/>
               <a:t>Fourth level</a:t>
             </a:r>
           </a:p>
           <a:p>
             <a:pPr lvl="4"/>
             <a:r>
-              <a:rPr lang="en-US"/>
+              <a:rPr lang="en-US" dirty="0"/>
               <a:t>Fifth level</a:t>
             </a:r>
-            <a:endParaRPr lang="en-US" dirty="0"/>
           </a:p>
         </p:txBody>
       </p:sp>
@@ -7036,38 +7027,37 @@
           <a:p>
             <a:pPr lvl="0"/>
             <a:r>
-              <a:rPr lang="en-US"/>
+              <a:rPr lang="en-US" dirty="0"/>
               <a:t>Click to edit Master text styles</a:t>
             </a:r>
           </a:p>
           <a:p>
             <a:pPr lvl="1"/>
             <a:r>
-              <a:rPr lang="en-US"/>
+              <a:rPr lang="en-US" dirty="0"/>
               <a:t>Second level</a:t>
             </a:r>
           </a:p>
           <a:p>
             <a:pPr lvl="2"/>
             <a:r>
-              <a:rPr lang="en-US"/>
+              <a:rPr lang="en-US" dirty="0"/>
               <a:t>Third level</a:t>
             </a:r>
           </a:p>
           <a:p>
             <a:pPr lvl="3"/>
             <a:r>
-              <a:rPr lang="en-US"/>
+              <a:rPr lang="en-US" dirty="0"/>
               <a:t>Fourth level</a:t>
             </a:r>
           </a:p>
           <a:p>
             <a:pPr lvl="4"/>
             <a:r>
-              <a:rPr lang="en-US"/>
+              <a:rPr lang="en-US" dirty="0"/>
               <a:t>Fifth level</a:t>
             </a:r>
-            <a:endParaRPr lang="en-US" dirty="0"/>
           </a:p>
         </p:txBody>
       </p:sp>
@@ -8316,8 +8306,8 @@
           </a:p>
         </p:txBody>
       </p:sp>
-      <mc:AlternateContent xmlns:mc="http://schemas.openxmlformats.org/markup-compatibility/2006">
-        <mc:Choice xmlns:a14="http://schemas.microsoft.com/office/drawing/2010/main" Requires="a14">
+      <mc:AlternateContent xmlns:mc="http://schemas.openxmlformats.org/markup-compatibility/2006" xmlns:a14="http://schemas.microsoft.com/office/drawing/2010/main">
+        <mc:Choice Requires="a14">
           <p:sp>
             <p:nvSpPr>
               <p:cNvPr id="3" name="Content Placeholder 2">
@@ -8392,7 +8382,7 @@
             </p:txBody>
           </p:sp>
         </mc:Choice>
-        <mc:Fallback>
+        <mc:Fallback xmlns="">
           <p:sp>
             <p:nvSpPr>
               <p:cNvPr id="3" name="Content Placeholder 2">
@@ -8466,8 +8456,8 @@
           </a:prstGeom>
         </p:spPr>
       </p:pic>
-      <mc:AlternateContent xmlns:mc="http://schemas.openxmlformats.org/markup-compatibility/2006">
-        <mc:Choice xmlns:a14="http://schemas.microsoft.com/office/drawing/2010/main" Requires="a14">
+      <mc:AlternateContent xmlns:mc="http://schemas.openxmlformats.org/markup-compatibility/2006" xmlns:a14="http://schemas.microsoft.com/office/drawing/2010/main">
+        <mc:Choice Requires="a14">
           <p:sp>
             <p:nvSpPr>
               <p:cNvPr id="6" name="TextBox 5">
@@ -8496,6 +8486,7 @@
               </a:bodyPr>
               <a:lstStyle/>
               <a:p>
+                <a:pPr/>
                 <a14:m>
                   <m:oMathPara xmlns:m="http://schemas.openxmlformats.org/officeDocument/2006/math">
                     <m:oMathParaPr>
@@ -8675,7 +8666,7 @@
             </p:txBody>
           </p:sp>
         </mc:Choice>
-        <mc:Fallback>
+        <mc:Fallback xmlns="">
           <p:sp>
             <p:nvSpPr>
               <p:cNvPr id="6" name="TextBox 5">
@@ -8750,8 +8741,8 @@
           <a:chExt cx="0" cy="0"/>
         </a:xfrm>
       </p:grpSpPr>
-      <mc:AlternateContent xmlns:mc="http://schemas.openxmlformats.org/markup-compatibility/2006">
-        <mc:Choice xmlns:a14="http://schemas.microsoft.com/office/drawing/2010/main" Requires="a14">
+      <mc:AlternateContent xmlns:mc="http://schemas.openxmlformats.org/markup-compatibility/2006" xmlns:a14="http://schemas.microsoft.com/office/drawing/2010/main">
+        <mc:Choice Requires="a14">
           <p:sp>
             <p:nvSpPr>
               <p:cNvPr id="3" name="Content Placeholder 2">
@@ -8843,7 +8834,7 @@
             </p:txBody>
           </p:sp>
         </mc:Choice>
-        <mc:Fallback>
+        <mc:Fallback xmlns="">
           <p:sp>
             <p:nvSpPr>
               <p:cNvPr id="3" name="Content Placeholder 2">
@@ -10074,8 +10065,8 @@
           </a:prstGeom>
         </p:spPr>
       </p:pic>
-      <mc:AlternateContent xmlns:mc="http://schemas.openxmlformats.org/markup-compatibility/2006">
-        <mc:Choice xmlns:a14="http://schemas.microsoft.com/office/drawing/2010/main" Requires="a14">
+      <mc:AlternateContent xmlns:mc="http://schemas.openxmlformats.org/markup-compatibility/2006" xmlns:a14="http://schemas.microsoft.com/office/drawing/2010/main">
+        <mc:Choice Requires="a14">
           <p:sp>
             <p:nvSpPr>
               <p:cNvPr id="8" name="TextBox 7">
@@ -10178,7 +10169,7 @@
             </p:txBody>
           </p:sp>
         </mc:Choice>
-        <mc:Fallback>
+        <mc:Fallback xmlns="">
           <p:sp>
             <p:nvSpPr>
               <p:cNvPr id="8" name="TextBox 7">
@@ -11192,8 +11183,8 @@
           </a:p>
         </p:txBody>
       </p:sp>
-      <mc:AlternateContent xmlns:mc="http://schemas.openxmlformats.org/markup-compatibility/2006">
-        <mc:Choice xmlns:a14="http://schemas.microsoft.com/office/drawing/2010/main" Requires="a14">
+      <mc:AlternateContent xmlns:mc="http://schemas.openxmlformats.org/markup-compatibility/2006" xmlns:a14="http://schemas.microsoft.com/office/drawing/2010/main">
+        <mc:Choice Requires="a14">
           <p:sp>
             <p:nvSpPr>
               <p:cNvPr id="3" name="Content Placeholder 2">
@@ -11447,7 +11438,7 @@
             </p:txBody>
           </p:sp>
         </mc:Choice>
-        <mc:Fallback>
+        <mc:Fallback xmlns="">
           <p:sp>
             <p:nvSpPr>
               <p:cNvPr id="3" name="Content Placeholder 2">
@@ -11724,8 +11715,8 @@
           </a:prstGeom>
         </p:spPr>
       </p:pic>
-      <mc:AlternateContent xmlns:mc="http://schemas.openxmlformats.org/markup-compatibility/2006">
-        <mc:Choice xmlns:a14="http://schemas.microsoft.com/office/drawing/2010/main" Requires="a14">
+      <mc:AlternateContent xmlns:mc="http://schemas.openxmlformats.org/markup-compatibility/2006" xmlns:a14="http://schemas.microsoft.com/office/drawing/2010/main">
+        <mc:Choice Requires="a14">
           <p:sp>
             <p:nvSpPr>
               <p:cNvPr id="3" name="Content Placeholder 2">
@@ -11851,7 +11842,7 @@
             </p:txBody>
           </p:sp>
         </mc:Choice>
-        <mc:Fallback>
+        <mc:Fallback xmlns="">
           <p:sp>
             <p:nvSpPr>
               <p:cNvPr id="3" name="Content Placeholder 2">
@@ -11895,8 +11886,8 @@
           </p:sp>
         </mc:Fallback>
       </mc:AlternateContent>
-      <mc:AlternateContent xmlns:mc="http://schemas.openxmlformats.org/markup-compatibility/2006">
-        <mc:Choice xmlns:a14="http://schemas.microsoft.com/office/drawing/2010/main" Requires="a14">
+      <mc:AlternateContent xmlns:mc="http://schemas.openxmlformats.org/markup-compatibility/2006" xmlns:a14="http://schemas.microsoft.com/office/drawing/2010/main">
+        <mc:Choice Requires="a14">
           <p:sp>
             <p:nvSpPr>
               <p:cNvPr id="6" name="Content Placeholder 2">
@@ -12252,7 +12243,7 @@
             </p:txBody>
           </p:sp>
         </mc:Choice>
-        <mc:Fallback>
+        <mc:Fallback xmlns="">
           <p:sp>
             <p:nvSpPr>
               <p:cNvPr id="6" name="Content Placeholder 2">
@@ -13281,8 +13272,8 @@
           </a:p>
         </p:txBody>
       </p:sp>
-      <mc:AlternateContent xmlns:mc="http://schemas.openxmlformats.org/markup-compatibility/2006">
-        <mc:Choice xmlns:a14="http://schemas.microsoft.com/office/drawing/2010/main" Requires="a14">
+      <mc:AlternateContent xmlns:mc="http://schemas.openxmlformats.org/markup-compatibility/2006" xmlns:a14="http://schemas.microsoft.com/office/drawing/2010/main">
+        <mc:Choice Requires="a14">
           <p:sp>
             <p:nvSpPr>
               <p:cNvPr id="3" name="Content Placeholder 2">
@@ -13524,7 +13515,7 @@
             </p:txBody>
           </p:sp>
         </mc:Choice>
-        <mc:Fallback>
+        <mc:Fallback xmlns="">
           <p:sp>
             <p:nvSpPr>
               <p:cNvPr id="3" name="Content Placeholder 2">
@@ -15017,8 +15008,8 @@
           </a:p>
         </p:txBody>
       </p:sp>
-      <mc:AlternateContent xmlns:mc="http://schemas.openxmlformats.org/markup-compatibility/2006">
-        <mc:Choice xmlns:a14="http://schemas.microsoft.com/office/drawing/2010/main" Requires="a14">
+      <mc:AlternateContent xmlns:mc="http://schemas.openxmlformats.org/markup-compatibility/2006" xmlns:a14="http://schemas.microsoft.com/office/drawing/2010/main">
+        <mc:Choice Requires="a14">
           <p:graphicFrame>
             <p:nvGraphicFramePr>
               <p:cNvPr id="8" name="Table 7">
@@ -15612,7 +15603,7 @@
             </a:graphic>
           </p:graphicFrame>
         </mc:Choice>
-        <mc:Fallback>
+        <mc:Fallback xmlns="">
           <p:graphicFrame>
             <p:nvGraphicFramePr>
               <p:cNvPr id="8" name="Table 7">
@@ -16238,8 +16229,8 @@
           </a:p>
         </p:txBody>
       </p:sp>
-      <mc:AlternateContent xmlns:mc="http://schemas.openxmlformats.org/markup-compatibility/2006">
-        <mc:Choice xmlns:a14="http://schemas.microsoft.com/office/drawing/2010/main" Requires="a14">
+      <mc:AlternateContent xmlns:mc="http://schemas.openxmlformats.org/markup-compatibility/2006" xmlns:a14="http://schemas.microsoft.com/office/drawing/2010/main">
+        <mc:Choice Requires="a14">
           <p:graphicFrame>
             <p:nvGraphicFramePr>
               <p:cNvPr id="4" name="Table 3">
@@ -16878,7 +16869,7 @@
             </a:graphic>
           </p:graphicFrame>
         </mc:Choice>
-        <mc:Fallback>
+        <mc:Fallback xmlns="">
           <p:graphicFrame>
             <p:nvGraphicFramePr>
               <p:cNvPr id="4" name="Table 3">
@@ -17481,13 +17472,22 @@
           <a:p>
             <a:pPr algn="l"/>
             <a:r>
+              <a:rPr lang="en-US" sz="1800" b="1" i="0" u="none" strike="noStrike" baseline="0" dirty="0">
+                <a:solidFill>
+                  <a:schemeClr val="tx1"/>
+                </a:solidFill>
+                <a:latin typeface="NimbusSanL-Regu-Slant_167"/>
+              </a:rPr>
+              <a:t>Error</a:t>
+            </a:r>
+            <a:r>
               <a:rPr lang="en-US" sz="1800" b="0" i="0" u="none" strike="noStrike" baseline="0" dirty="0">
                 <a:solidFill>
                   <a:srgbClr val="0DA6FF"/>
                 </a:solidFill>
                 <a:latin typeface="NimbusSanL-Regu-Slant_167"/>
               </a:rPr>
-              <a:t>Error </a:t>
+              <a:t> </a:t>
             </a:r>
             <a:r>
               <a:rPr lang="en-US" sz="1800" b="0" i="0" u="none" strike="noStrike" baseline="0" dirty="0">
@@ -17510,7 +17510,7 @@
             <a:r>
               <a:rPr lang="en-US" sz="1800" b="0" i="0" u="none" strike="noStrike" baseline="0" dirty="0">
                 <a:solidFill>
-                  <a:srgbClr val="0DA6FF"/>
+                  <a:schemeClr val="tx1"/>
                 </a:solidFill>
                 <a:latin typeface="NimbusSanL-Regu-Slant_167"/>
               </a:rPr>
@@ -17857,80 +17857,16 @@
         <a:srgbClr val="7F7F7F"/>
       </a:folHlink>
     </a:clrScheme>
-    <a:fontScheme name="Dividend">
+    <a:fontScheme name="Custom 2">
       <a:majorFont>
-        <a:latin typeface="Gill Sans MT" panose="020B0502020104020203"/>
+        <a:latin typeface="Calibri"/>
         <a:ea typeface=""/>
         <a:cs typeface=""/>
-        <a:font script="Grek" typeface="Corbel"/>
-        <a:font script="Cyrl" typeface="Corbel"/>
-        <a:font script="Jpan" typeface="HGｺﾞｼｯｸE"/>
-        <a:font script="Hang" typeface="휴먼매직체"/>
-        <a:font script="Hans" typeface="华文中宋"/>
-        <a:font script="Hant" typeface="微軟正黑體"/>
-        <a:font script="Arab" typeface="Majalla UI"/>
-        <a:font script="Hebr" typeface="Arial"/>
-        <a:font script="Thai" typeface="Cordia New"/>
-        <a:font script="Ethi" typeface="Nyala"/>
-        <a:font script="Beng" typeface="Vrinda"/>
-        <a:font script="Gujr" typeface="Shruti"/>
-        <a:font script="Khmr" typeface="DaunPenh"/>
-        <a:font script="Knda" typeface="Tunga"/>
-        <a:font script="Guru" typeface="Raavi"/>
-        <a:font script="Cans" typeface="Euphemia"/>
-        <a:font script="Cher" typeface="Plantagenet Cherokee"/>
-        <a:font script="Yiii" typeface="Microsoft Yi Baiti"/>
-        <a:font script="Tibt" typeface="Microsoft Himalaya"/>
-        <a:font script="Thaa" typeface="MV Boli"/>
-        <a:font script="Deva" typeface="Mangal"/>
-        <a:font script="Telu" typeface="Gautami"/>
-        <a:font script="Taml" typeface="Latha"/>
-        <a:font script="Syrc" typeface="Estrangelo Edessa"/>
-        <a:font script="Orya" typeface="Kalinga"/>
-        <a:font script="Mlym" typeface="Kartika"/>
-        <a:font script="Laoo" typeface="DokChampa"/>
-        <a:font script="Sinh" typeface="Iskoola Pota"/>
-        <a:font script="Mong" typeface="Mongolian Baiti"/>
-        <a:font script="Viet" typeface="Tahoma"/>
-        <a:font script="Uigh" typeface="Microsoft Uighur"/>
-        <a:font script="Geor" typeface="Sylfaen"/>
       </a:majorFont>
       <a:minorFont>
-        <a:latin typeface="Gill Sans MT" panose="020B0502020104020203"/>
+        <a:latin typeface="Calibri"/>
         <a:ea typeface=""/>
         <a:cs typeface=""/>
-        <a:font script="Grek" typeface="Corbel"/>
-        <a:font script="Cyrl" typeface="Corbel"/>
-        <a:font script="Jpan" typeface="HGｺﾞｼｯｸE"/>
-        <a:font script="Hang" typeface="휴먼매직체"/>
-        <a:font script="Hans" typeface="华文中宋"/>
-        <a:font script="Hant" typeface="微軟正黑體"/>
-        <a:font script="Arab" typeface="Majalla UI"/>
-        <a:font script="Hebr" typeface="Arial"/>
-        <a:font script="Thai" typeface="Cordia New"/>
-        <a:font script="Ethi" typeface="Nyala"/>
-        <a:font script="Beng" typeface="Vrinda"/>
-        <a:font script="Gujr" typeface="Shruti"/>
-        <a:font script="Khmr" typeface="DaunPenh"/>
-        <a:font script="Knda" typeface="Tunga"/>
-        <a:font script="Guru" typeface="Raavi"/>
-        <a:font script="Cans" typeface="Euphemia"/>
-        <a:font script="Cher" typeface="Plantagenet Cherokee"/>
-        <a:font script="Yiii" typeface="Microsoft Yi Baiti"/>
-        <a:font script="Tibt" typeface="Microsoft Himalaya"/>
-        <a:font script="Thaa" typeface="MV Boli"/>
-        <a:font script="Deva" typeface="Mangal"/>
-        <a:font script="Telu" typeface="Gautami"/>
-        <a:font script="Taml" typeface="Latha"/>
-        <a:font script="Syrc" typeface="Estrangelo Edessa"/>
-        <a:font script="Orya" typeface="Kalinga"/>
-        <a:font script="Mlym" typeface="Kartika"/>
-        <a:font script="Laoo" typeface="DokChampa"/>
-        <a:font script="Sinh" typeface="Iskoola Pota"/>
-        <a:font script="Mong" typeface="Mongolian Baiti"/>
-        <a:font script="Viet" typeface="Tahoma"/>
-        <a:font script="Uigh" typeface="Microsoft Uighur"/>
-        <a:font script="Geor" typeface="Sylfaen"/>
       </a:minorFont>
     </a:fontScheme>
     <a:fmtScheme name="Dividend">

--- a/docs/Lectures/Week02/Week02_InferentialStas.pptx
+++ b/docs/Lectures/Week02/Week02_InferentialStas.pptx
@@ -373,7 +373,7 @@
           <a:p>
             <a:fld id="{ED291B17-9318-49DB-B28B-6E5994AE9581}" type="datetime1">
               <a:rPr lang="en-US" smtClean="0"/>
-              <a:t>1/5/2025</a:t>
+              <a:t>1/6/2025</a:t>
             </a:fld>
             <a:endParaRPr lang="en-US" dirty="0"/>
           </a:p>
@@ -576,7 +576,7 @@
           <a:p>
             <a:fld id="{2CED4963-E985-44C4-B8C4-FDD613B7C2F8}" type="datetime1">
               <a:rPr lang="en-US" smtClean="0"/>
-              <a:t>1/5/2025</a:t>
+              <a:t>1/6/2025</a:t>
             </a:fld>
             <a:endParaRPr lang="en-US" dirty="0"/>
           </a:p>
@@ -938,7 +938,7 @@
           <a:p>
             <a:fld id="{ED291B17-9318-49DB-B28B-6E5994AE9581}" type="datetime1">
               <a:rPr lang="en-US" smtClean="0"/>
-              <a:t>1/5/2025</a:t>
+              <a:t>1/6/2025</a:t>
             </a:fld>
             <a:endParaRPr lang="en-US" dirty="0"/>
           </a:p>
@@ -1248,7 +1248,7 @@
           <a:p>
             <a:fld id="{ED291B17-9318-49DB-B28B-6E5994AE9581}" type="datetime1">
               <a:rPr lang="en-US" smtClean="0"/>
-              <a:t>1/5/2025</a:t>
+              <a:t>1/6/2025</a:t>
             </a:fld>
             <a:endParaRPr lang="en-US" dirty="0"/>
           </a:p>
@@ -1445,7 +1445,7 @@
           <a:p>
             <a:fld id="{78DD82B9-B8EE-4375-B6FF-88FA6ABB15D9}" type="datetime1">
               <a:rPr lang="en-US" smtClean="0"/>
-              <a:t>1/5/2025</a:t>
+              <a:t>1/6/2025</a:t>
             </a:fld>
             <a:endParaRPr lang="en-US" dirty="0"/>
           </a:p>
@@ -1756,7 +1756,7 @@
           <a:p>
             <a:fld id="{B2497495-0637-405E-AE64-5CC7506D51F5}" type="datetime1">
               <a:rPr lang="en-US" smtClean="0"/>
-              <a:t>1/5/2025</a:t>
+              <a:t>1/6/2025</a:t>
             </a:fld>
             <a:endParaRPr lang="en-US" dirty="0"/>
           </a:p>
@@ -2009,7 +2009,7 @@
           <a:p>
             <a:fld id="{7BFFD690-9426-415D-8B65-26881E07B2D4}" type="datetime1">
               <a:rPr lang="en-US" smtClean="0"/>
-              <a:t>1/5/2025</a:t>
+              <a:t>1/6/2025</a:t>
             </a:fld>
             <a:endParaRPr lang="en-US" dirty="0"/>
           </a:p>
@@ -2431,7 +2431,7 @@
           <a:p>
             <a:fld id="{04C4989A-474C-40DE-95B9-011C28B71673}" type="datetime1">
               <a:rPr lang="en-US" smtClean="0"/>
-              <a:t>1/5/2025</a:t>
+              <a:t>1/6/2025</a:t>
             </a:fld>
             <a:endParaRPr lang="en-US" dirty="0"/>
           </a:p>
@@ -2554,7 +2554,7 @@
           <a:p>
             <a:fld id="{5DB4ED54-5B5E-4A04-93D3-5772E3CE3818}" type="datetime1">
               <a:rPr lang="en-US" smtClean="0"/>
-              <a:t>1/5/2025</a:t>
+              <a:t>1/6/2025</a:t>
             </a:fld>
             <a:endParaRPr lang="en-US" dirty="0"/>
           </a:p>
@@ -2649,7 +2649,7 @@
           <a:p>
             <a:fld id="{4EDE50D6-574B-40AF-946F-D52A04ADE379}" type="datetime1">
               <a:rPr lang="en-US" smtClean="0"/>
-              <a:t>1/5/2025</a:t>
+              <a:t>1/6/2025</a:t>
             </a:fld>
             <a:endParaRPr lang="en-US" dirty="0"/>
           </a:p>
@@ -3025,7 +3025,7 @@
           <a:p>
             <a:fld id="{D82884F1-FFEA-405F-9602-3DCA865EDA4E}" type="datetime1">
               <a:rPr lang="en-US" smtClean="0"/>
-              <a:t>1/5/2025</a:t>
+              <a:t>1/6/2025</a:t>
             </a:fld>
             <a:endParaRPr lang="en-US" dirty="0"/>
           </a:p>
@@ -3232,7 +3232,7 @@
           <a:p>
             <a:fld id="{78DD82B9-B8EE-4375-B6FF-88FA6ABB15D9}" type="datetime1">
               <a:rPr lang="en-US" smtClean="0"/>
-              <a:t>1/5/2025</a:t>
+              <a:t>1/6/2025</a:t>
             </a:fld>
             <a:endParaRPr lang="en-US" dirty="0"/>
           </a:p>
@@ -3514,7 +3514,7 @@
           <a:p>
             <a:fld id="{7E18DB4A-8810-4A10-AD5C-D5E2C667F5B3}" type="datetime1">
               <a:rPr lang="en-US" smtClean="0"/>
-              <a:t>1/5/2025</a:t>
+              <a:t>1/6/2025</a:t>
             </a:fld>
             <a:endParaRPr lang="en-US" dirty="0"/>
           </a:p>
@@ -3706,7 +3706,7 @@
           <a:p>
             <a:fld id="{2CED4963-E985-44C4-B8C4-FDD613B7C2F8}" type="datetime1">
               <a:rPr lang="en-US" smtClean="0"/>
-              <a:t>1/5/2025</a:t>
+              <a:t>1/6/2025</a:t>
             </a:fld>
             <a:endParaRPr lang="en-US" dirty="0"/>
           </a:p>
@@ -4068,7 +4068,7 @@
           <a:p>
             <a:fld id="{ED291B17-9318-49DB-B28B-6E5994AE9581}" type="datetime1">
               <a:rPr lang="en-US" smtClean="0"/>
-              <a:t>1/5/2025</a:t>
+              <a:t>1/6/2025</a:t>
             </a:fld>
             <a:endParaRPr lang="en-US" dirty="0"/>
           </a:p>
@@ -4544,7 +4544,7 @@
           <a:p>
             <a:fld id="{B2497495-0637-405E-AE64-5CC7506D51F5}" type="datetime1">
               <a:rPr lang="en-US" smtClean="0"/>
-              <a:t>1/5/2025</a:t>
+              <a:t>1/6/2025</a:t>
             </a:fld>
             <a:endParaRPr lang="en-US" dirty="0"/>
           </a:p>
@@ -4795,7 +4795,7 @@
           <a:p>
             <a:fld id="{7BFFD690-9426-415D-8B65-26881E07B2D4}" type="datetime1">
               <a:rPr lang="en-US" smtClean="0"/>
-              <a:t>1/5/2025</a:t>
+              <a:t>1/6/2025</a:t>
             </a:fld>
             <a:endParaRPr lang="en-US" dirty="0"/>
           </a:p>
@@ -5216,7 +5216,7 @@
           <a:p>
             <a:fld id="{04C4989A-474C-40DE-95B9-011C28B71673}" type="datetime1">
               <a:rPr lang="en-US" smtClean="0"/>
-              <a:t>1/5/2025</a:t>
+              <a:t>1/6/2025</a:t>
             </a:fld>
             <a:endParaRPr lang="en-US" dirty="0"/>
           </a:p>
@@ -5339,7 +5339,7 @@
           <a:p>
             <a:fld id="{5DB4ED54-5B5E-4A04-93D3-5772E3CE3818}" type="datetime1">
               <a:rPr lang="en-US" smtClean="0"/>
-              <a:t>1/5/2025</a:t>
+              <a:t>1/6/2025</a:t>
             </a:fld>
             <a:endParaRPr lang="en-US" dirty="0"/>
           </a:p>
@@ -5434,7 +5434,7 @@
           <a:p>
             <a:fld id="{4EDE50D6-574B-40AF-946F-D52A04ADE379}" type="datetime1">
               <a:rPr lang="en-US" smtClean="0"/>
-              <a:t>1/5/2025</a:t>
+              <a:t>1/6/2025</a:t>
             </a:fld>
             <a:endParaRPr lang="en-US" dirty="0"/>
           </a:p>
@@ -5810,7 +5810,7 @@
           <a:p>
             <a:fld id="{D82884F1-FFEA-405F-9602-3DCA865EDA4E}" type="datetime1">
               <a:rPr lang="en-US" smtClean="0"/>
-              <a:t>1/5/2025</a:t>
+              <a:t>1/6/2025</a:t>
             </a:fld>
             <a:endParaRPr lang="en-US" dirty="0"/>
           </a:p>
@@ -6103,7 +6103,7 @@
           <a:p>
             <a:fld id="{7E18DB4A-8810-4A10-AD5C-D5E2C667F5B3}" type="datetime1">
               <a:rPr lang="en-US" smtClean="0"/>
-              <a:t>1/5/2025</a:t>
+              <a:t>1/6/2025</a:t>
             </a:fld>
             <a:endParaRPr lang="en-US" dirty="0"/>
           </a:p>
@@ -6318,7 +6318,7 @@
           <a:p>
             <a:fld id="{ED291B17-9318-49DB-B28B-6E5994AE9581}" type="datetime1">
               <a:rPr lang="en-US" smtClean="0"/>
-              <a:t>1/5/2025</a:t>
+              <a:t>1/6/2025</a:t>
             </a:fld>
             <a:endParaRPr lang="en-US" dirty="0"/>
           </a:p>
@@ -7097,7 +7097,7 @@
           <a:p>
             <a:fld id="{ED291B17-9318-49DB-B28B-6E5994AE9581}" type="datetime1">
               <a:rPr lang="en-US" smtClean="0"/>
-              <a:t>1/5/2025</a:t>
+              <a:t>1/6/2025</a:t>
             </a:fld>
             <a:endParaRPr lang="en-US" dirty="0"/>
           </a:p>
@@ -13831,42 +13831,17 @@
               <a:t>TA: </a:t>
             </a:r>
             <a:r>
-              <a:rPr kumimoji="0" lang="en-US" sz="3200" b="0" i="0" u="none" strike="noStrike" kern="1200" cap="none" spc="0" normalizeH="0" baseline="0" noProof="0" dirty="0" err="1">
-                <a:ln>
-                  <a:noFill/>
-                </a:ln>
+              <a:rPr lang="en-US" sz="3200" dirty="0">
                 <a:solidFill>
                   <a:srgbClr val="FFFFFF">
                     <a:alpha val="75000"/>
                   </a:srgbClr>
                 </a:solidFill>
-                <a:effectLst/>
-                <a:uLnTx/>
-                <a:uFillTx/>
-                <a:latin typeface="Calibri"/>
-                <a:ea typeface="+mn-ea"/>
-                <a:cs typeface="+mn-cs"/>
+                <a:latin typeface="Calibri" panose="020F0502020204030204" pitchFamily="34" charset="0"/>
+                <a:ea typeface="Calibri" panose="020F0502020204030204" pitchFamily="34" charset="0"/>
+                <a:cs typeface="Calibri" panose="020F0502020204030204" pitchFamily="34" charset="0"/>
               </a:rPr>
-              <a:t>Vanchy</a:t>
-            </a:r>
-            <a:r>
-              <a:rPr kumimoji="0" lang="en-US" sz="3200" b="0" i="0" u="none" strike="noStrike" kern="1200" cap="none" spc="0" normalizeH="0" baseline="0" noProof="0" dirty="0">
-                <a:ln>
-                  <a:noFill/>
-                </a:ln>
-                <a:solidFill>
-                  <a:srgbClr val="FFFFFF">
-                    <a:alpha val="75000"/>
-                  </a:srgbClr>
-                </a:solidFill>
-                <a:effectLst/>
-                <a:uLnTx/>
-                <a:uFillTx/>
-                <a:latin typeface="Calibri"/>
-                <a:ea typeface="+mn-ea"/>
-                <a:cs typeface="+mn-cs"/>
-              </a:rPr>
-              <a:t> Li</a:t>
+              <a:t>Khadija Nisar</a:t>
             </a:r>
           </a:p>
           <a:p>

--- a/docs/Lectures/Week02/Week02_InferentialStas.pptx
+++ b/docs/Lectures/Week02/Week02_InferentialStas.pptx
@@ -27,8 +27,6 @@
     <p:sldId id="857" r:id="rId21"/>
     <p:sldId id="856" r:id="rId22"/>
     <p:sldId id="265" r:id="rId23"/>
-    <p:sldId id="328" r:id="rId24"/>
-    <p:sldId id="858" r:id="rId25"/>
   </p:sldIdLst>
   <p:sldSz cx="12192000" cy="6858000"/>
   <p:notesSz cx="6858000" cy="9144000"/>
@@ -373,7 +371,7 @@
           <a:p>
             <a:fld id="{ED291B17-9318-49DB-B28B-6E5994AE9581}" type="datetime1">
               <a:rPr lang="en-US" smtClean="0"/>
-              <a:t>1/6/2025</a:t>
+              <a:t>1/8/2025</a:t>
             </a:fld>
             <a:endParaRPr lang="en-US" dirty="0"/>
           </a:p>
@@ -576,7 +574,7 @@
           <a:p>
             <a:fld id="{2CED4963-E985-44C4-B8C4-FDD613B7C2F8}" type="datetime1">
               <a:rPr lang="en-US" smtClean="0"/>
-              <a:t>1/6/2025</a:t>
+              <a:t>1/8/2025</a:t>
             </a:fld>
             <a:endParaRPr lang="en-US" dirty="0"/>
           </a:p>
@@ -938,7 +936,7 @@
           <a:p>
             <a:fld id="{ED291B17-9318-49DB-B28B-6E5994AE9581}" type="datetime1">
               <a:rPr lang="en-US" smtClean="0"/>
-              <a:t>1/6/2025</a:t>
+              <a:t>1/8/2025</a:t>
             </a:fld>
             <a:endParaRPr lang="en-US" dirty="0"/>
           </a:p>
@@ -1248,7 +1246,7 @@
           <a:p>
             <a:fld id="{ED291B17-9318-49DB-B28B-6E5994AE9581}" type="datetime1">
               <a:rPr lang="en-US" smtClean="0"/>
-              <a:t>1/6/2025</a:t>
+              <a:t>1/8/2025</a:t>
             </a:fld>
             <a:endParaRPr lang="en-US" dirty="0"/>
           </a:p>
@@ -1445,7 +1443,7 @@
           <a:p>
             <a:fld id="{78DD82B9-B8EE-4375-B6FF-88FA6ABB15D9}" type="datetime1">
               <a:rPr lang="en-US" smtClean="0"/>
-              <a:t>1/6/2025</a:t>
+              <a:t>1/8/2025</a:t>
             </a:fld>
             <a:endParaRPr lang="en-US" dirty="0"/>
           </a:p>
@@ -1756,7 +1754,7 @@
           <a:p>
             <a:fld id="{B2497495-0637-405E-AE64-5CC7506D51F5}" type="datetime1">
               <a:rPr lang="en-US" smtClean="0"/>
-              <a:t>1/6/2025</a:t>
+              <a:t>1/8/2025</a:t>
             </a:fld>
             <a:endParaRPr lang="en-US" dirty="0"/>
           </a:p>
@@ -2009,7 +2007,7 @@
           <a:p>
             <a:fld id="{7BFFD690-9426-415D-8B65-26881E07B2D4}" type="datetime1">
               <a:rPr lang="en-US" smtClean="0"/>
-              <a:t>1/6/2025</a:t>
+              <a:t>1/8/2025</a:t>
             </a:fld>
             <a:endParaRPr lang="en-US" dirty="0"/>
           </a:p>
@@ -2431,7 +2429,7 @@
           <a:p>
             <a:fld id="{04C4989A-474C-40DE-95B9-011C28B71673}" type="datetime1">
               <a:rPr lang="en-US" smtClean="0"/>
-              <a:t>1/6/2025</a:t>
+              <a:t>1/8/2025</a:t>
             </a:fld>
             <a:endParaRPr lang="en-US" dirty="0"/>
           </a:p>
@@ -2554,7 +2552,7 @@
           <a:p>
             <a:fld id="{5DB4ED54-5B5E-4A04-93D3-5772E3CE3818}" type="datetime1">
               <a:rPr lang="en-US" smtClean="0"/>
-              <a:t>1/6/2025</a:t>
+              <a:t>1/8/2025</a:t>
             </a:fld>
             <a:endParaRPr lang="en-US" dirty="0"/>
           </a:p>
@@ -2649,7 +2647,7 @@
           <a:p>
             <a:fld id="{4EDE50D6-574B-40AF-946F-D52A04ADE379}" type="datetime1">
               <a:rPr lang="en-US" smtClean="0"/>
-              <a:t>1/6/2025</a:t>
+              <a:t>1/8/2025</a:t>
             </a:fld>
             <a:endParaRPr lang="en-US" dirty="0"/>
           </a:p>
@@ -3025,7 +3023,7 @@
           <a:p>
             <a:fld id="{D82884F1-FFEA-405F-9602-3DCA865EDA4E}" type="datetime1">
               <a:rPr lang="en-US" smtClean="0"/>
-              <a:t>1/6/2025</a:t>
+              <a:t>1/8/2025</a:t>
             </a:fld>
             <a:endParaRPr lang="en-US" dirty="0"/>
           </a:p>
@@ -3232,7 +3230,7 @@
           <a:p>
             <a:fld id="{78DD82B9-B8EE-4375-B6FF-88FA6ABB15D9}" type="datetime1">
               <a:rPr lang="en-US" smtClean="0"/>
-              <a:t>1/6/2025</a:t>
+              <a:t>1/8/2025</a:t>
             </a:fld>
             <a:endParaRPr lang="en-US" dirty="0"/>
           </a:p>
@@ -3514,7 +3512,7 @@
           <a:p>
             <a:fld id="{7E18DB4A-8810-4A10-AD5C-D5E2C667F5B3}" type="datetime1">
               <a:rPr lang="en-US" smtClean="0"/>
-              <a:t>1/6/2025</a:t>
+              <a:t>1/8/2025</a:t>
             </a:fld>
             <a:endParaRPr lang="en-US" dirty="0"/>
           </a:p>
@@ -3706,7 +3704,7 @@
           <a:p>
             <a:fld id="{2CED4963-E985-44C4-B8C4-FDD613B7C2F8}" type="datetime1">
               <a:rPr lang="en-US" smtClean="0"/>
-              <a:t>1/6/2025</a:t>
+              <a:t>1/8/2025</a:t>
             </a:fld>
             <a:endParaRPr lang="en-US" dirty="0"/>
           </a:p>
@@ -4068,7 +4066,7 @@
           <a:p>
             <a:fld id="{ED291B17-9318-49DB-B28B-6E5994AE9581}" type="datetime1">
               <a:rPr lang="en-US" smtClean="0"/>
-              <a:t>1/6/2025</a:t>
+              <a:t>1/8/2025</a:t>
             </a:fld>
             <a:endParaRPr lang="en-US" dirty="0"/>
           </a:p>
@@ -4544,7 +4542,7 @@
           <a:p>
             <a:fld id="{B2497495-0637-405E-AE64-5CC7506D51F5}" type="datetime1">
               <a:rPr lang="en-US" smtClean="0"/>
-              <a:t>1/6/2025</a:t>
+              <a:t>1/8/2025</a:t>
             </a:fld>
             <a:endParaRPr lang="en-US" dirty="0"/>
           </a:p>
@@ -4795,7 +4793,7 @@
           <a:p>
             <a:fld id="{7BFFD690-9426-415D-8B65-26881E07B2D4}" type="datetime1">
               <a:rPr lang="en-US" smtClean="0"/>
-              <a:t>1/6/2025</a:t>
+              <a:t>1/8/2025</a:t>
             </a:fld>
             <a:endParaRPr lang="en-US" dirty="0"/>
           </a:p>
@@ -5216,7 +5214,7 @@
           <a:p>
             <a:fld id="{04C4989A-474C-40DE-95B9-011C28B71673}" type="datetime1">
               <a:rPr lang="en-US" smtClean="0"/>
-              <a:t>1/6/2025</a:t>
+              <a:t>1/8/2025</a:t>
             </a:fld>
             <a:endParaRPr lang="en-US" dirty="0"/>
           </a:p>
@@ -5339,7 +5337,7 @@
           <a:p>
             <a:fld id="{5DB4ED54-5B5E-4A04-93D3-5772E3CE3818}" type="datetime1">
               <a:rPr lang="en-US" smtClean="0"/>
-              <a:t>1/6/2025</a:t>
+              <a:t>1/8/2025</a:t>
             </a:fld>
             <a:endParaRPr lang="en-US" dirty="0"/>
           </a:p>
@@ -5434,7 +5432,7 @@
           <a:p>
             <a:fld id="{4EDE50D6-574B-40AF-946F-D52A04ADE379}" type="datetime1">
               <a:rPr lang="en-US" smtClean="0"/>
-              <a:t>1/6/2025</a:t>
+              <a:t>1/8/2025</a:t>
             </a:fld>
             <a:endParaRPr lang="en-US" dirty="0"/>
           </a:p>
@@ -5810,7 +5808,7 @@
           <a:p>
             <a:fld id="{D82884F1-FFEA-405F-9602-3DCA865EDA4E}" type="datetime1">
               <a:rPr lang="en-US" smtClean="0"/>
-              <a:t>1/6/2025</a:t>
+              <a:t>1/8/2025</a:t>
             </a:fld>
             <a:endParaRPr lang="en-US" dirty="0"/>
           </a:p>
@@ -6103,7 +6101,7 @@
           <a:p>
             <a:fld id="{7E18DB4A-8810-4A10-AD5C-D5E2C667F5B3}" type="datetime1">
               <a:rPr lang="en-US" smtClean="0"/>
-              <a:t>1/6/2025</a:t>
+              <a:t>1/8/2025</a:t>
             </a:fld>
             <a:endParaRPr lang="en-US" dirty="0"/>
           </a:p>
@@ -6318,7 +6316,7 @@
           <a:p>
             <a:fld id="{ED291B17-9318-49DB-B28B-6E5994AE9581}" type="datetime1">
               <a:rPr lang="en-US" smtClean="0"/>
-              <a:t>1/6/2025</a:t>
+              <a:t>1/8/2025</a:t>
             </a:fld>
             <a:endParaRPr lang="en-US" dirty="0"/>
           </a:p>
@@ -7097,7 +7095,7 @@
           <a:p>
             <a:fld id="{ED291B17-9318-49DB-B28B-6E5994AE9581}" type="datetime1">
               <a:rPr lang="en-US" smtClean="0"/>
-              <a:t>1/6/2025</a:t>
+              <a:t>1/8/2025</a:t>
             </a:fld>
             <a:endParaRPr lang="en-US" dirty="0"/>
           </a:p>
@@ -13994,884 +13992,6 @@
     <p:extLst>
       <p:ext uri="{BB962C8B-B14F-4D97-AF65-F5344CB8AC3E}">
         <p14:creationId xmlns:p14="http://schemas.microsoft.com/office/powerpoint/2010/main" val="121643133"/>
-      </p:ext>
-    </p:extLst>
-  </p:cSld>
-  <p:clrMapOvr>
-    <a:masterClrMapping/>
-  </p:clrMapOvr>
-</p:sld>
-</file>
-
-<file path=ppt/slides/slide22.xml><?xml version="1.0" encoding="utf-8"?>
-<p:sld xmlns:a="http://schemas.openxmlformats.org/drawingml/2006/main" xmlns:r="http://schemas.openxmlformats.org/officeDocument/2006/relationships" xmlns:p="http://schemas.openxmlformats.org/presentationml/2006/main">
-  <p:cSld>
-    <p:bg>
-      <p:bgPr>
-        <a:solidFill>
-          <a:schemeClr val="bg1"/>
-        </a:solidFill>
-        <a:effectLst/>
-      </p:bgPr>
-    </p:bg>
-    <p:spTree>
-      <p:nvGrpSpPr>
-        <p:cNvPr id="1" name="">
-          <a:extLst>
-            <a:ext uri="{FF2B5EF4-FFF2-40B4-BE49-F238E27FC236}">
-              <a16:creationId xmlns:a16="http://schemas.microsoft.com/office/drawing/2014/main" id="{7CF76537-05AE-301D-CEB2-297013921104}"/>
-            </a:ext>
-          </a:extLst>
-        </p:cNvPr>
-        <p:cNvGrpSpPr/>
-        <p:nvPr/>
-      </p:nvGrpSpPr>
-      <p:grpSpPr>
-        <a:xfrm>
-          <a:off x="0" y="0"/>
-          <a:ext cx="0" cy="0"/>
-          <a:chOff x="0" y="0"/>
-          <a:chExt cx="0" cy="0"/>
-        </a:xfrm>
-      </p:grpSpPr>
-      <p:sp>
-        <p:nvSpPr>
-          <p:cNvPr id="55" name="Rectangle 54">
-            <a:extLst>
-              <a:ext uri="{FF2B5EF4-FFF2-40B4-BE49-F238E27FC236}">
-                <a16:creationId xmlns:a16="http://schemas.microsoft.com/office/drawing/2014/main" id="{DCF4EB5C-ED25-4675-8255-2F5B12CFFCF0}"/>
-              </a:ext>
-              <a:ext uri="{C183D7F6-B498-43B3-948B-1728B52AA6E4}">
-                <adec:decorative xmlns:adec="http://schemas.microsoft.com/office/drawing/2017/decorative" val="1"/>
-              </a:ext>
-            </a:extLst>
-          </p:cNvPr>
-          <p:cNvSpPr>
-            <a:spLocks noGrp="1" noRot="1" noChangeAspect="1" noMove="1" noResize="1" noEditPoints="1" noAdjustHandles="1" noChangeArrowheads="1" noChangeShapeType="1" noTextEdit="1"/>
-          </p:cNvSpPr>
-          <p:nvPr>
-            <p:extLst>
-              <p:ext uri="{386F3935-93C4-4BCD-93E2-E3B085C9AB24}">
-                <p16:designElem xmlns:p16="http://schemas.microsoft.com/office/powerpoint/2015/main" val="1"/>
-              </p:ext>
-            </p:extLst>
-          </p:nvPr>
-        </p:nvSpPr>
-        <p:spPr>
-          <a:xfrm>
-            <a:off x="446534" y="457200"/>
-            <a:ext cx="3703320" cy="94997"/>
-          </a:xfrm>
-          <a:prstGeom prst="rect">
-            <a:avLst/>
-          </a:prstGeom>
-          <a:solidFill>
-            <a:srgbClr val="465359"/>
-          </a:solidFill>
-          <a:ln>
-            <a:noFill/>
-          </a:ln>
-          <a:effectLst/>
-        </p:spPr>
-        <p:style>
-          <a:lnRef idx="1">
-            <a:schemeClr val="accent1"/>
-          </a:lnRef>
-          <a:fillRef idx="3">
-            <a:schemeClr val="accent1"/>
-          </a:fillRef>
-          <a:effectRef idx="2">
-            <a:schemeClr val="accent1"/>
-          </a:effectRef>
-          <a:fontRef idx="minor">
-            <a:schemeClr val="lt1"/>
-          </a:fontRef>
-        </p:style>
-        <p:txBody>
-          <a:bodyPr/>
-          <a:lstStyle/>
-          <a:p>
-            <a:pPr marL="0" marR="0" lvl="0" indent="0" algn="l" defTabSz="457200" rtl="0" eaLnBrk="1" fontAlgn="auto" latinLnBrk="0" hangingPunct="1">
-              <a:lnSpc>
-                <a:spcPct val="100000"/>
-              </a:lnSpc>
-              <a:spcBef>
-                <a:spcPts val="0"/>
-              </a:spcBef>
-              <a:spcAft>
-                <a:spcPts val="0"/>
-              </a:spcAft>
-              <a:buClrTx/>
-              <a:buSzTx/>
-              <a:buFontTx/>
-              <a:buNone/>
-              <a:tabLst/>
-              <a:defRPr/>
-            </a:pPr>
-            <a:endParaRPr kumimoji="0" lang="en-US" sz="1800" b="0" i="0" u="none" strike="noStrike" kern="1200" cap="none" spc="0" normalizeH="0" baseline="0" noProof="0">
-              <a:ln>
-                <a:noFill/>
-              </a:ln>
-              <a:solidFill>
-                <a:srgbClr val="FFFFFF"/>
-              </a:solidFill>
-              <a:effectLst/>
-              <a:uLnTx/>
-              <a:uFillTx/>
-              <a:latin typeface="Calibri"/>
-              <a:ea typeface="+mn-ea"/>
-              <a:cs typeface="+mn-cs"/>
-            </a:endParaRPr>
-          </a:p>
-        </p:txBody>
-      </p:sp>
-      <p:sp>
-        <p:nvSpPr>
-          <p:cNvPr id="57" name="Rectangle 56">
-            <a:extLst>
-              <a:ext uri="{FF2B5EF4-FFF2-40B4-BE49-F238E27FC236}">
-                <a16:creationId xmlns:a16="http://schemas.microsoft.com/office/drawing/2014/main" id="{9514EC6E-A557-42A2-BCDC-3ABFFC5E564D}"/>
-              </a:ext>
-              <a:ext uri="{C183D7F6-B498-43B3-948B-1728B52AA6E4}">
-                <adec:decorative xmlns:adec="http://schemas.microsoft.com/office/drawing/2017/decorative" val="1"/>
-              </a:ext>
-            </a:extLst>
-          </p:cNvPr>
-          <p:cNvSpPr>
-            <a:spLocks noGrp="1" noRot="1" noChangeAspect="1" noMove="1" noResize="1" noEditPoints="1" noAdjustHandles="1" noChangeArrowheads="1" noChangeShapeType="1" noTextEdit="1"/>
-          </p:cNvSpPr>
-          <p:nvPr>
-            <p:extLst>
-              <p:ext uri="{386F3935-93C4-4BCD-93E2-E3B085C9AB24}">
-                <p16:designElem xmlns:p16="http://schemas.microsoft.com/office/powerpoint/2015/main" val="1"/>
-              </p:ext>
-            </p:extLst>
-          </p:nvPr>
-        </p:nvSpPr>
-        <p:spPr>
-          <a:xfrm>
-            <a:off x="8042147" y="453643"/>
-            <a:ext cx="3703320" cy="98554"/>
-          </a:xfrm>
-          <a:prstGeom prst="rect">
-            <a:avLst/>
-          </a:prstGeom>
-          <a:solidFill>
-            <a:srgbClr val="969FA7"/>
-          </a:solidFill>
-          <a:ln>
-            <a:noFill/>
-          </a:ln>
-          <a:effectLst/>
-        </p:spPr>
-        <p:style>
-          <a:lnRef idx="1">
-            <a:schemeClr val="accent1"/>
-          </a:lnRef>
-          <a:fillRef idx="3">
-            <a:schemeClr val="accent1"/>
-          </a:fillRef>
-          <a:effectRef idx="2">
-            <a:schemeClr val="accent1"/>
-          </a:effectRef>
-          <a:fontRef idx="minor">
-            <a:schemeClr val="lt1"/>
-          </a:fontRef>
-        </p:style>
-        <p:txBody>
-          <a:bodyPr/>
-          <a:lstStyle/>
-          <a:p>
-            <a:pPr marL="0" marR="0" lvl="0" indent="0" algn="l" defTabSz="457200" rtl="0" eaLnBrk="1" fontAlgn="auto" latinLnBrk="0" hangingPunct="1">
-              <a:lnSpc>
-                <a:spcPct val="100000"/>
-              </a:lnSpc>
-              <a:spcBef>
-                <a:spcPts val="0"/>
-              </a:spcBef>
-              <a:spcAft>
-                <a:spcPts val="0"/>
-              </a:spcAft>
-              <a:buClrTx/>
-              <a:buSzTx/>
-              <a:buFontTx/>
-              <a:buNone/>
-              <a:tabLst/>
-              <a:defRPr/>
-            </a:pPr>
-            <a:endParaRPr kumimoji="0" lang="en-US" sz="1800" b="0" i="0" u="none" strike="noStrike" kern="1200" cap="none" spc="0" normalizeH="0" baseline="0" noProof="0">
-              <a:ln>
-                <a:noFill/>
-              </a:ln>
-              <a:solidFill>
-                <a:srgbClr val="FFFFFF"/>
-              </a:solidFill>
-              <a:effectLst/>
-              <a:uLnTx/>
-              <a:uFillTx/>
-              <a:latin typeface="Calibri"/>
-              <a:ea typeface="+mn-ea"/>
-              <a:cs typeface="+mn-cs"/>
-            </a:endParaRPr>
-          </a:p>
-        </p:txBody>
-      </p:sp>
-      <p:sp>
-        <p:nvSpPr>
-          <p:cNvPr id="59" name="Rectangle 58">
-            <a:extLst>
-              <a:ext uri="{FF2B5EF4-FFF2-40B4-BE49-F238E27FC236}">
-                <a16:creationId xmlns:a16="http://schemas.microsoft.com/office/drawing/2014/main" id="{905482C9-EB42-4BFE-95BF-7FD661F07657}"/>
-              </a:ext>
-              <a:ext uri="{C183D7F6-B498-43B3-948B-1728B52AA6E4}">
-                <adec:decorative xmlns:adec="http://schemas.microsoft.com/office/drawing/2017/decorative" val="1"/>
-              </a:ext>
-            </a:extLst>
-          </p:cNvPr>
-          <p:cNvSpPr>
-            <a:spLocks noGrp="1" noRot="1" noChangeAspect="1" noMove="1" noResize="1" noEditPoints="1" noAdjustHandles="1" noChangeArrowheads="1" noChangeShapeType="1" noTextEdit="1"/>
-          </p:cNvSpPr>
-          <p:nvPr>
-            <p:extLst>
-              <p:ext uri="{386F3935-93C4-4BCD-93E2-E3B085C9AB24}">
-                <p16:designElem xmlns:p16="http://schemas.microsoft.com/office/powerpoint/2015/main" val="1"/>
-              </p:ext>
-            </p:extLst>
-          </p:nvPr>
-        </p:nvSpPr>
-        <p:spPr>
-          <a:xfrm>
-            <a:off x="4241830" y="457200"/>
-            <a:ext cx="3703320" cy="91440"/>
-          </a:xfrm>
-          <a:prstGeom prst="rect">
-            <a:avLst/>
-          </a:prstGeom>
-          <a:solidFill>
-            <a:schemeClr val="accent1"/>
-          </a:solidFill>
-          <a:ln>
-            <a:noFill/>
-          </a:ln>
-          <a:effectLst/>
-        </p:spPr>
-        <p:style>
-          <a:lnRef idx="1">
-            <a:schemeClr val="accent1"/>
-          </a:lnRef>
-          <a:fillRef idx="3">
-            <a:schemeClr val="accent1"/>
-          </a:fillRef>
-          <a:effectRef idx="2">
-            <a:schemeClr val="accent1"/>
-          </a:effectRef>
-          <a:fontRef idx="minor">
-            <a:schemeClr val="lt1"/>
-          </a:fontRef>
-        </p:style>
-        <p:txBody>
-          <a:bodyPr/>
-          <a:lstStyle/>
-          <a:p>
-            <a:pPr marL="0" marR="0" lvl="0" indent="0" algn="l" defTabSz="457200" rtl="0" eaLnBrk="1" fontAlgn="auto" latinLnBrk="0" hangingPunct="1">
-              <a:lnSpc>
-                <a:spcPct val="100000"/>
-              </a:lnSpc>
-              <a:spcBef>
-                <a:spcPts val="0"/>
-              </a:spcBef>
-              <a:spcAft>
-                <a:spcPts val="0"/>
-              </a:spcAft>
-              <a:buClrTx/>
-              <a:buSzTx/>
-              <a:buFontTx/>
-              <a:buNone/>
-              <a:tabLst/>
-              <a:defRPr/>
-            </a:pPr>
-            <a:endParaRPr kumimoji="0" lang="en-US" sz="1800" b="0" i="0" u="none" strike="noStrike" kern="1200" cap="none" spc="0" normalizeH="0" baseline="0" noProof="0">
-              <a:ln>
-                <a:noFill/>
-              </a:ln>
-              <a:solidFill>
-                <a:srgbClr val="FFFFFF"/>
-              </a:solidFill>
-              <a:effectLst/>
-              <a:uLnTx/>
-              <a:uFillTx/>
-              <a:latin typeface="Calibri"/>
-              <a:ea typeface="+mn-ea"/>
-              <a:cs typeface="+mn-cs"/>
-            </a:endParaRPr>
-          </a:p>
-        </p:txBody>
-      </p:sp>
-      <p:sp>
-        <p:nvSpPr>
-          <p:cNvPr id="61" name="Rectangle 60">
-            <a:extLst>
-              <a:ext uri="{FF2B5EF4-FFF2-40B4-BE49-F238E27FC236}">
-                <a16:creationId xmlns:a16="http://schemas.microsoft.com/office/drawing/2014/main" id="{7539E646-A625-4A26-86ED-BD90EDD329F7}"/>
-              </a:ext>
-              <a:ext uri="{C183D7F6-B498-43B3-948B-1728B52AA6E4}">
-                <adec:decorative xmlns:adec="http://schemas.microsoft.com/office/drawing/2017/decorative" val="1"/>
-              </a:ext>
-            </a:extLst>
-          </p:cNvPr>
-          <p:cNvSpPr>
-            <a:spLocks noGrp="1" noRot="1" noChangeAspect="1" noMove="1" noResize="1" noEditPoints="1" noAdjustHandles="1" noChangeArrowheads="1" noChangeShapeType="1" noTextEdit="1"/>
-          </p:cNvSpPr>
-          <p:nvPr>
-            <p:extLst>
-              <p:ext uri="{386F3935-93C4-4BCD-93E2-E3B085C9AB24}">
-                <p16:designElem xmlns:p16="http://schemas.microsoft.com/office/powerpoint/2015/main" val="1"/>
-              </p:ext>
-            </p:extLst>
-          </p:nvPr>
-        </p:nvSpPr>
-        <p:spPr>
-          <a:xfrm>
-            <a:off x="446534" y="3085764"/>
-            <a:ext cx="11298932" cy="3338149"/>
-          </a:xfrm>
-          <a:prstGeom prst="rect">
-            <a:avLst/>
-          </a:prstGeom>
-          <a:solidFill>
-            <a:srgbClr val="465359"/>
-          </a:solidFill>
-          <a:ln>
-            <a:noFill/>
-          </a:ln>
-          <a:effectLst/>
-        </p:spPr>
-        <p:style>
-          <a:lnRef idx="1">
-            <a:schemeClr val="accent1"/>
-          </a:lnRef>
-          <a:fillRef idx="3">
-            <a:schemeClr val="accent1"/>
-          </a:fillRef>
-          <a:effectRef idx="2">
-            <a:schemeClr val="accent1"/>
-          </a:effectRef>
-          <a:fontRef idx="minor">
-            <a:schemeClr val="lt1"/>
-          </a:fontRef>
-        </p:style>
-        <p:txBody>
-          <a:bodyPr/>
-          <a:lstStyle/>
-          <a:p>
-            <a:pPr marL="0" marR="0" lvl="0" indent="0" algn="l" defTabSz="457200" rtl="0" eaLnBrk="1" fontAlgn="auto" latinLnBrk="0" hangingPunct="1">
-              <a:lnSpc>
-                <a:spcPct val="100000"/>
-              </a:lnSpc>
-              <a:spcBef>
-                <a:spcPts val="0"/>
-              </a:spcBef>
-              <a:spcAft>
-                <a:spcPts val="0"/>
-              </a:spcAft>
-              <a:buClrTx/>
-              <a:buSzTx/>
-              <a:buFontTx/>
-              <a:buNone/>
-              <a:tabLst/>
-              <a:defRPr/>
-            </a:pPr>
-            <a:endParaRPr kumimoji="0" lang="en-US" sz="1800" b="0" i="0" u="none" strike="noStrike" kern="1200" cap="none" spc="0" normalizeH="0" baseline="0" noProof="0">
-              <a:ln>
-                <a:noFill/>
-              </a:ln>
-              <a:solidFill>
-                <a:srgbClr val="FFFFFF"/>
-              </a:solidFill>
-              <a:effectLst/>
-              <a:uLnTx/>
-              <a:uFillTx/>
-              <a:latin typeface="Calibri"/>
-              <a:ea typeface="+mn-ea"/>
-              <a:cs typeface="+mn-cs"/>
-            </a:endParaRPr>
-          </a:p>
-        </p:txBody>
-      </p:sp>
-      <p:sp useBgFill="1">
-        <p:nvSpPr>
-          <p:cNvPr id="63" name="Rectangle 62">
-            <a:extLst>
-              <a:ext uri="{FF2B5EF4-FFF2-40B4-BE49-F238E27FC236}">
-                <a16:creationId xmlns:a16="http://schemas.microsoft.com/office/drawing/2014/main" id="{9FE6175D-CE1B-4C8E-8FF8-7309F21F31C5}"/>
-              </a:ext>
-              <a:ext uri="{C183D7F6-B498-43B3-948B-1728B52AA6E4}">
-                <adec:decorative xmlns:adec="http://schemas.microsoft.com/office/drawing/2017/decorative" val="1"/>
-              </a:ext>
-            </a:extLst>
-          </p:cNvPr>
-          <p:cNvSpPr>
-            <a:spLocks noGrp="1" noRot="1" noChangeAspect="1" noMove="1" noResize="1" noEditPoints="1" noAdjustHandles="1" noChangeArrowheads="1" noChangeShapeType="1" noTextEdit="1"/>
-          </p:cNvSpPr>
-          <p:nvPr>
-            <p:extLst>
-              <p:ext uri="{386F3935-93C4-4BCD-93E2-E3B085C9AB24}">
-                <p16:designElem xmlns:p16="http://schemas.microsoft.com/office/powerpoint/2015/main" val="1"/>
-              </p:ext>
-            </p:extLst>
-          </p:nvPr>
-        </p:nvSpPr>
-        <p:spPr>
-          <a:xfrm>
-            <a:off x="0" y="0"/>
-            <a:ext cx="12192000" cy="6858000"/>
-          </a:xfrm>
-          <a:prstGeom prst="rect">
-            <a:avLst/>
-          </a:prstGeom>
-          <a:ln>
-            <a:noFill/>
-          </a:ln>
-        </p:spPr>
-        <p:style>
-          <a:lnRef idx="2">
-            <a:schemeClr val="accent1">
-              <a:shade val="50000"/>
-            </a:schemeClr>
-          </a:lnRef>
-          <a:fillRef idx="1">
-            <a:schemeClr val="accent1"/>
-          </a:fillRef>
-          <a:effectRef idx="0">
-            <a:schemeClr val="accent1"/>
-          </a:effectRef>
-          <a:fontRef idx="minor">
-            <a:schemeClr val="lt1"/>
-          </a:fontRef>
-        </p:style>
-        <p:txBody>
-          <a:bodyPr rtlCol="0" anchor="ctr"/>
-          <a:lstStyle/>
-          <a:p>
-            <a:pPr marL="0" marR="0" lvl="0" indent="0" algn="ctr" defTabSz="457200" rtl="0" eaLnBrk="1" fontAlgn="auto" latinLnBrk="0" hangingPunct="1">
-              <a:lnSpc>
-                <a:spcPct val="100000"/>
-              </a:lnSpc>
-              <a:spcBef>
-                <a:spcPts val="0"/>
-              </a:spcBef>
-              <a:spcAft>
-                <a:spcPts val="0"/>
-              </a:spcAft>
-              <a:buClrTx/>
-              <a:buSzTx/>
-              <a:buFontTx/>
-              <a:buNone/>
-              <a:tabLst/>
-              <a:defRPr/>
-            </a:pPr>
-            <a:endParaRPr kumimoji="0" lang="en-US" sz="1800" b="0" i="0" u="none" strike="noStrike" kern="1200" cap="none" spc="0" normalizeH="0" baseline="0" noProof="0">
-              <a:ln>
-                <a:noFill/>
-              </a:ln>
-              <a:solidFill>
-                <a:srgbClr val="FFFFFF"/>
-              </a:solidFill>
-              <a:effectLst/>
-              <a:uLnTx/>
-              <a:uFillTx/>
-              <a:latin typeface="Calibri"/>
-              <a:ea typeface="+mn-ea"/>
-              <a:cs typeface="+mn-cs"/>
-            </a:endParaRPr>
-          </a:p>
-        </p:txBody>
-      </p:sp>
-      <p:sp>
-        <p:nvSpPr>
-          <p:cNvPr id="2" name="Title 1">
-            <a:extLst>
-              <a:ext uri="{FF2B5EF4-FFF2-40B4-BE49-F238E27FC236}">
-                <a16:creationId xmlns:a16="http://schemas.microsoft.com/office/drawing/2014/main" id="{06E2D6A9-0F1B-4AF5-7E13-81A1ED31665A}"/>
-              </a:ext>
-            </a:extLst>
-          </p:cNvPr>
-          <p:cNvSpPr>
-            <a:spLocks noGrp="1"/>
-          </p:cNvSpPr>
-          <p:nvPr>
-            <p:ph type="title"/>
-          </p:nvPr>
-        </p:nvSpPr>
-        <p:spPr>
-          <a:xfrm>
-            <a:off x="4389121" y="863695"/>
-            <a:ext cx="7204036" cy="4947169"/>
-          </a:xfrm>
-        </p:spPr>
-        <p:txBody>
-          <a:bodyPr vert="horz" lIns="91440" tIns="45720" rIns="91440" bIns="45720" rtlCol="0" anchor="ctr">
-            <a:normAutofit/>
-          </a:bodyPr>
-          <a:lstStyle/>
-          <a:p>
-            <a:r>
-              <a:rPr lang="en-US" sz="4400" b="0" kern="1200" cap="all" dirty="0">
-                <a:solidFill>
-                  <a:schemeClr val="tx1">
-                    <a:lumMod val="85000"/>
-                    <a:lumOff val="15000"/>
-                  </a:schemeClr>
-                </a:solidFill>
-                <a:latin typeface="+mj-lt"/>
-                <a:ea typeface="+mj-ea"/>
-                <a:cs typeface="+mj-cs"/>
-              </a:rPr>
-              <a:t>2.2.1 task 1</a:t>
-            </a:r>
-          </a:p>
-        </p:txBody>
-      </p:sp>
-      <p:sp>
-        <p:nvSpPr>
-          <p:cNvPr id="65" name="Rectangle 64">
-            <a:extLst>
-              <a:ext uri="{FF2B5EF4-FFF2-40B4-BE49-F238E27FC236}">
-                <a16:creationId xmlns:a16="http://schemas.microsoft.com/office/drawing/2014/main" id="{0DF8C05A-3103-44B5-AFBC-A8FC5AF00AFD}"/>
-              </a:ext>
-              <a:ext uri="{C183D7F6-B498-43B3-948B-1728B52AA6E4}">
-                <adec:decorative xmlns:adec="http://schemas.microsoft.com/office/drawing/2017/decorative" val="1"/>
-              </a:ext>
-            </a:extLst>
-          </p:cNvPr>
-          <p:cNvSpPr>
-            <a:spLocks noGrp="1" noRot="1" noChangeAspect="1" noMove="1" noResize="1" noEditPoints="1" noAdjustHandles="1" noChangeArrowheads="1" noChangeShapeType="1" noTextEdit="1"/>
-          </p:cNvSpPr>
-          <p:nvPr>
-            <p:extLst>
-              <p:ext uri="{386F3935-93C4-4BCD-93E2-E3B085C9AB24}">
-                <p16:designElem xmlns:p16="http://schemas.microsoft.com/office/powerpoint/2015/main" val="1"/>
-              </p:ext>
-            </p:extLst>
-          </p:nvPr>
-        </p:nvSpPr>
-        <p:spPr>
-          <a:xfrm>
-            <a:off x="446534" y="457200"/>
-            <a:ext cx="3703320" cy="91440"/>
-          </a:xfrm>
-          <a:prstGeom prst="rect">
-            <a:avLst/>
-          </a:prstGeom>
-          <a:solidFill>
-            <a:schemeClr val="accent1"/>
-          </a:solidFill>
-          <a:ln>
-            <a:noFill/>
-          </a:ln>
-          <a:effectLst/>
-        </p:spPr>
-        <p:style>
-          <a:lnRef idx="1">
-            <a:schemeClr val="accent1"/>
-          </a:lnRef>
-          <a:fillRef idx="3">
-            <a:schemeClr val="accent1"/>
-          </a:fillRef>
-          <a:effectRef idx="2">
-            <a:schemeClr val="accent1"/>
-          </a:effectRef>
-          <a:fontRef idx="minor">
-            <a:schemeClr val="lt1"/>
-          </a:fontRef>
-        </p:style>
-        <p:txBody>
-          <a:bodyPr/>
-          <a:lstStyle/>
-          <a:p>
-            <a:pPr marL="0" marR="0" lvl="0" indent="0" algn="l" defTabSz="457200" rtl="0" eaLnBrk="1" fontAlgn="auto" latinLnBrk="0" hangingPunct="1">
-              <a:lnSpc>
-                <a:spcPct val="100000"/>
-              </a:lnSpc>
-              <a:spcBef>
-                <a:spcPts val="0"/>
-              </a:spcBef>
-              <a:spcAft>
-                <a:spcPts val="0"/>
-              </a:spcAft>
-              <a:buClrTx/>
-              <a:buSzTx/>
-              <a:buFontTx/>
-              <a:buNone/>
-              <a:tabLst/>
-              <a:defRPr/>
-            </a:pPr>
-            <a:endParaRPr kumimoji="0" lang="en-US" sz="1800" b="0" i="0" u="none" strike="noStrike" kern="1200" cap="none" spc="0" normalizeH="0" baseline="0" noProof="0">
-              <a:ln>
-                <a:noFill/>
-              </a:ln>
-              <a:solidFill>
-                <a:srgbClr val="FFFFFF"/>
-              </a:solidFill>
-              <a:effectLst/>
-              <a:uLnTx/>
-              <a:uFillTx/>
-              <a:latin typeface="Calibri"/>
-              <a:ea typeface="+mn-ea"/>
-              <a:cs typeface="+mn-cs"/>
-            </a:endParaRPr>
-          </a:p>
-        </p:txBody>
-      </p:sp>
-      <p:sp>
-        <p:nvSpPr>
-          <p:cNvPr id="67" name="Rectangle 66">
-            <a:extLst>
-              <a:ext uri="{FF2B5EF4-FFF2-40B4-BE49-F238E27FC236}">
-                <a16:creationId xmlns:a16="http://schemas.microsoft.com/office/drawing/2014/main" id="{0794EE00-AFAB-44F8-902F-E94445806663}"/>
-              </a:ext>
-              <a:ext uri="{C183D7F6-B498-43B3-948B-1728B52AA6E4}">
-                <adec:decorative xmlns:adec="http://schemas.microsoft.com/office/drawing/2017/decorative" val="1"/>
-              </a:ext>
-            </a:extLst>
-          </p:cNvPr>
-          <p:cNvSpPr>
-            <a:spLocks noGrp="1" noRot="1" noChangeAspect="1" noMove="1" noResize="1" noEditPoints="1" noAdjustHandles="1" noChangeArrowheads="1" noChangeShapeType="1" noTextEdit="1"/>
-          </p:cNvSpPr>
-          <p:nvPr>
-            <p:extLst>
-              <p:ext uri="{386F3935-93C4-4BCD-93E2-E3B085C9AB24}">
-                <p16:designElem xmlns:p16="http://schemas.microsoft.com/office/powerpoint/2015/main" val="1"/>
-              </p:ext>
-            </p:extLst>
-          </p:nvPr>
-        </p:nvSpPr>
-        <p:spPr>
-          <a:xfrm>
-            <a:off x="4241830" y="453643"/>
-            <a:ext cx="7503637" cy="94997"/>
-          </a:xfrm>
-          <a:prstGeom prst="rect">
-            <a:avLst/>
-          </a:prstGeom>
-          <a:solidFill>
-            <a:srgbClr val="465359"/>
-          </a:solidFill>
-          <a:ln>
-            <a:noFill/>
-          </a:ln>
-          <a:effectLst/>
-        </p:spPr>
-        <p:style>
-          <a:lnRef idx="1">
-            <a:schemeClr val="accent1"/>
-          </a:lnRef>
-          <a:fillRef idx="3">
-            <a:schemeClr val="accent1"/>
-          </a:fillRef>
-          <a:effectRef idx="2">
-            <a:schemeClr val="accent1"/>
-          </a:effectRef>
-          <a:fontRef idx="minor">
-            <a:schemeClr val="lt1"/>
-          </a:fontRef>
-        </p:style>
-        <p:txBody>
-          <a:bodyPr/>
-          <a:lstStyle/>
-          <a:p>
-            <a:pPr marL="0" marR="0" lvl="0" indent="0" algn="l" defTabSz="457200" rtl="0" eaLnBrk="1" fontAlgn="auto" latinLnBrk="0" hangingPunct="1">
-              <a:lnSpc>
-                <a:spcPct val="100000"/>
-              </a:lnSpc>
-              <a:spcBef>
-                <a:spcPts val="0"/>
-              </a:spcBef>
-              <a:spcAft>
-                <a:spcPts val="0"/>
-              </a:spcAft>
-              <a:buClrTx/>
-              <a:buSzTx/>
-              <a:buFontTx/>
-              <a:buNone/>
-              <a:tabLst/>
-              <a:defRPr/>
-            </a:pPr>
-            <a:endParaRPr kumimoji="0" lang="en-US" sz="1800" b="0" i="0" u="none" strike="noStrike" kern="1200" cap="none" spc="0" normalizeH="0" baseline="0" noProof="0">
-              <a:ln>
-                <a:noFill/>
-              </a:ln>
-              <a:solidFill>
-                <a:srgbClr val="FFFFFF"/>
-              </a:solidFill>
-              <a:effectLst/>
-              <a:uLnTx/>
-              <a:uFillTx/>
-              <a:latin typeface="Calibri"/>
-              <a:ea typeface="+mn-ea"/>
-              <a:cs typeface="+mn-cs"/>
-            </a:endParaRPr>
-          </a:p>
-        </p:txBody>
-      </p:sp>
-      <p:sp>
-        <p:nvSpPr>
-          <p:cNvPr id="69" name="Rectangle 68">
-            <a:extLst>
-              <a:ext uri="{FF2B5EF4-FFF2-40B4-BE49-F238E27FC236}">
-                <a16:creationId xmlns:a16="http://schemas.microsoft.com/office/drawing/2014/main" id="{95F12ABC-29DF-4D0F-9FE7-873B7F8E32DC}"/>
-              </a:ext>
-              <a:ext uri="{C183D7F6-B498-43B3-948B-1728B52AA6E4}">
-                <adec:decorative xmlns:adec="http://schemas.microsoft.com/office/drawing/2017/decorative" val="1"/>
-              </a:ext>
-            </a:extLst>
-          </p:cNvPr>
-          <p:cNvSpPr>
-            <a:spLocks noGrp="1" noRot="1" noChangeAspect="1" noMove="1" noResize="1" noEditPoints="1" noAdjustHandles="1" noChangeArrowheads="1" noChangeShapeType="1" noTextEdit="1"/>
-          </p:cNvSpPr>
-          <p:nvPr>
-            <p:extLst>
-              <p:ext uri="{386F3935-93C4-4BCD-93E2-E3B085C9AB24}">
-                <p16:designElem xmlns:p16="http://schemas.microsoft.com/office/powerpoint/2015/main" val="1"/>
-              </p:ext>
-            </p:extLst>
-          </p:nvPr>
-        </p:nvSpPr>
-        <p:spPr>
-          <a:xfrm>
-            <a:off x="446534" y="614044"/>
-            <a:ext cx="3703320" cy="5745836"/>
-          </a:xfrm>
-          <a:prstGeom prst="rect">
-            <a:avLst/>
-          </a:prstGeom>
-          <a:solidFill>
-            <a:schemeClr val="accent1"/>
-          </a:solidFill>
-          <a:ln>
-            <a:noFill/>
-          </a:ln>
-          <a:effectLst/>
-        </p:spPr>
-        <p:style>
-          <a:lnRef idx="1">
-            <a:schemeClr val="accent1"/>
-          </a:lnRef>
-          <a:fillRef idx="3">
-            <a:schemeClr val="accent1"/>
-          </a:fillRef>
-          <a:effectRef idx="2">
-            <a:schemeClr val="accent1"/>
-          </a:effectRef>
-          <a:fontRef idx="minor">
-            <a:schemeClr val="lt1"/>
-          </a:fontRef>
-        </p:style>
-        <p:txBody>
-          <a:bodyPr/>
-          <a:lstStyle/>
-          <a:p>
-            <a:pPr marL="0" marR="0" lvl="0" indent="0" algn="l" defTabSz="457200" rtl="0" eaLnBrk="1" fontAlgn="auto" latinLnBrk="0" hangingPunct="1">
-              <a:lnSpc>
-                <a:spcPct val="100000"/>
-              </a:lnSpc>
-              <a:spcBef>
-                <a:spcPts val="0"/>
-              </a:spcBef>
-              <a:spcAft>
-                <a:spcPts val="0"/>
-              </a:spcAft>
-              <a:buClrTx/>
-              <a:buSzTx/>
-              <a:buFontTx/>
-              <a:buNone/>
-              <a:tabLst/>
-              <a:defRPr/>
-            </a:pPr>
-            <a:endParaRPr kumimoji="0" lang="en-US" sz="1800" b="0" i="0" u="none" strike="noStrike" kern="1200" cap="none" spc="0" normalizeH="0" baseline="0" noProof="0">
-              <a:ln>
-                <a:noFill/>
-              </a:ln>
-              <a:solidFill>
-                <a:srgbClr val="FFFFFF"/>
-              </a:solidFill>
-              <a:effectLst/>
-              <a:uLnTx/>
-              <a:uFillTx/>
-              <a:latin typeface="Calibri"/>
-              <a:ea typeface="+mn-ea"/>
-              <a:cs typeface="+mn-cs"/>
-            </a:endParaRPr>
-          </a:p>
-        </p:txBody>
-      </p:sp>
-    </p:spTree>
-    <p:extLst>
-      <p:ext uri="{BB962C8B-B14F-4D97-AF65-F5344CB8AC3E}">
-        <p14:creationId xmlns:p14="http://schemas.microsoft.com/office/powerpoint/2010/main" val="1783749850"/>
-      </p:ext>
-    </p:extLst>
-  </p:cSld>
-  <p:clrMapOvr>
-    <a:masterClrMapping/>
-  </p:clrMapOvr>
-</p:sld>
-</file>
-
-<file path=ppt/slides/slide23.xml><?xml version="1.0" encoding="utf-8"?>
-<p:sld xmlns:a="http://schemas.openxmlformats.org/drawingml/2006/main" xmlns:r="http://schemas.openxmlformats.org/officeDocument/2006/relationships" xmlns:p="http://schemas.openxmlformats.org/presentationml/2006/main">
-  <p:cSld>
-    <p:spTree>
-      <p:nvGrpSpPr>
-        <p:cNvPr id="1" name=""/>
-        <p:cNvGrpSpPr/>
-        <p:nvPr/>
-      </p:nvGrpSpPr>
-      <p:grpSpPr>
-        <a:xfrm>
-          <a:off x="0" y="0"/>
-          <a:ext cx="0" cy="0"/>
-          <a:chOff x="0" y="0"/>
-          <a:chExt cx="0" cy="0"/>
-        </a:xfrm>
-      </p:grpSpPr>
-      <p:sp>
-        <p:nvSpPr>
-          <p:cNvPr id="2" name="Title 1">
-            <a:extLst>
-              <a:ext uri="{FF2B5EF4-FFF2-40B4-BE49-F238E27FC236}">
-                <a16:creationId xmlns:a16="http://schemas.microsoft.com/office/drawing/2014/main" id="{DBB91409-4B0B-F6CA-8AC4-A09AC9277A2E}"/>
-              </a:ext>
-            </a:extLst>
-          </p:cNvPr>
-          <p:cNvSpPr>
-            <a:spLocks noGrp="1"/>
-          </p:cNvSpPr>
-          <p:nvPr>
-            <p:ph type="title"/>
-          </p:nvPr>
-        </p:nvSpPr>
-        <p:spPr>
-          <a:xfrm>
-            <a:off x="581192" y="702156"/>
-            <a:ext cx="11029616" cy="660300"/>
-          </a:xfrm>
-        </p:spPr>
-        <p:txBody>
-          <a:bodyPr/>
-          <a:lstStyle/>
-          <a:p>
-            <a:r>
-              <a:rPr lang="en-US" dirty="0"/>
-              <a:t>Confidence interval</a:t>
-            </a:r>
-          </a:p>
-        </p:txBody>
-      </p:sp>
-    </p:spTree>
-    <p:extLst>
-      <p:ext uri="{BB962C8B-B14F-4D97-AF65-F5344CB8AC3E}">
-        <p14:creationId xmlns:p14="http://schemas.microsoft.com/office/powerpoint/2010/main" val="1337307238"/>
       </p:ext>
     </p:extLst>
   </p:cSld>

--- a/docs/Lectures/Week02/Week02_InferentialStas.pptx
+++ b/docs/Lectures/Week02/Week02_InferentialStas.pptx
@@ -371,7 +371,7 @@
           <a:p>
             <a:fld id="{ED291B17-9318-49DB-B28B-6E5994AE9581}" type="datetime1">
               <a:rPr lang="en-US" smtClean="0"/>
-              <a:t>1/8/2025</a:t>
+              <a:t>1/20/2025</a:t>
             </a:fld>
             <a:endParaRPr lang="en-US" dirty="0"/>
           </a:p>
@@ -574,7 +574,7 @@
           <a:p>
             <a:fld id="{2CED4963-E985-44C4-B8C4-FDD613B7C2F8}" type="datetime1">
               <a:rPr lang="en-US" smtClean="0"/>
-              <a:t>1/8/2025</a:t>
+              <a:t>1/20/2025</a:t>
             </a:fld>
             <a:endParaRPr lang="en-US" dirty="0"/>
           </a:p>
@@ -936,7 +936,7 @@
           <a:p>
             <a:fld id="{ED291B17-9318-49DB-B28B-6E5994AE9581}" type="datetime1">
               <a:rPr lang="en-US" smtClean="0"/>
-              <a:t>1/8/2025</a:t>
+              <a:t>1/20/2025</a:t>
             </a:fld>
             <a:endParaRPr lang="en-US" dirty="0"/>
           </a:p>
@@ -1246,7 +1246,7 @@
           <a:p>
             <a:fld id="{ED291B17-9318-49DB-B28B-6E5994AE9581}" type="datetime1">
               <a:rPr lang="en-US" smtClean="0"/>
-              <a:t>1/8/2025</a:t>
+              <a:t>1/20/2025</a:t>
             </a:fld>
             <a:endParaRPr lang="en-US" dirty="0"/>
           </a:p>
@@ -1443,7 +1443,7 @@
           <a:p>
             <a:fld id="{78DD82B9-B8EE-4375-B6FF-88FA6ABB15D9}" type="datetime1">
               <a:rPr lang="en-US" smtClean="0"/>
-              <a:t>1/8/2025</a:t>
+              <a:t>1/20/2025</a:t>
             </a:fld>
             <a:endParaRPr lang="en-US" dirty="0"/>
           </a:p>
@@ -1754,7 +1754,7 @@
           <a:p>
             <a:fld id="{B2497495-0637-405E-AE64-5CC7506D51F5}" type="datetime1">
               <a:rPr lang="en-US" smtClean="0"/>
-              <a:t>1/8/2025</a:t>
+              <a:t>1/20/2025</a:t>
             </a:fld>
             <a:endParaRPr lang="en-US" dirty="0"/>
           </a:p>
@@ -2007,7 +2007,7 @@
           <a:p>
             <a:fld id="{7BFFD690-9426-415D-8B65-26881E07B2D4}" type="datetime1">
               <a:rPr lang="en-US" smtClean="0"/>
-              <a:t>1/8/2025</a:t>
+              <a:t>1/20/2025</a:t>
             </a:fld>
             <a:endParaRPr lang="en-US" dirty="0"/>
           </a:p>
@@ -2429,7 +2429,7 @@
           <a:p>
             <a:fld id="{04C4989A-474C-40DE-95B9-011C28B71673}" type="datetime1">
               <a:rPr lang="en-US" smtClean="0"/>
-              <a:t>1/8/2025</a:t>
+              <a:t>1/20/2025</a:t>
             </a:fld>
             <a:endParaRPr lang="en-US" dirty="0"/>
           </a:p>
@@ -2552,7 +2552,7 @@
           <a:p>
             <a:fld id="{5DB4ED54-5B5E-4A04-93D3-5772E3CE3818}" type="datetime1">
               <a:rPr lang="en-US" smtClean="0"/>
-              <a:t>1/8/2025</a:t>
+              <a:t>1/20/2025</a:t>
             </a:fld>
             <a:endParaRPr lang="en-US" dirty="0"/>
           </a:p>
@@ -2647,7 +2647,7 @@
           <a:p>
             <a:fld id="{4EDE50D6-574B-40AF-946F-D52A04ADE379}" type="datetime1">
               <a:rPr lang="en-US" smtClean="0"/>
-              <a:t>1/8/2025</a:t>
+              <a:t>1/20/2025</a:t>
             </a:fld>
             <a:endParaRPr lang="en-US" dirty="0"/>
           </a:p>
@@ -3023,7 +3023,7 @@
           <a:p>
             <a:fld id="{D82884F1-FFEA-405F-9602-3DCA865EDA4E}" type="datetime1">
               <a:rPr lang="en-US" smtClean="0"/>
-              <a:t>1/8/2025</a:t>
+              <a:t>1/20/2025</a:t>
             </a:fld>
             <a:endParaRPr lang="en-US" dirty="0"/>
           </a:p>
@@ -3230,7 +3230,7 @@
           <a:p>
             <a:fld id="{78DD82B9-B8EE-4375-B6FF-88FA6ABB15D9}" type="datetime1">
               <a:rPr lang="en-US" smtClean="0"/>
-              <a:t>1/8/2025</a:t>
+              <a:t>1/20/2025</a:t>
             </a:fld>
             <a:endParaRPr lang="en-US" dirty="0"/>
           </a:p>
@@ -3512,7 +3512,7 @@
           <a:p>
             <a:fld id="{7E18DB4A-8810-4A10-AD5C-D5E2C667F5B3}" type="datetime1">
               <a:rPr lang="en-US" smtClean="0"/>
-              <a:t>1/8/2025</a:t>
+              <a:t>1/20/2025</a:t>
             </a:fld>
             <a:endParaRPr lang="en-US" dirty="0"/>
           </a:p>
@@ -3704,7 +3704,7 @@
           <a:p>
             <a:fld id="{2CED4963-E985-44C4-B8C4-FDD613B7C2F8}" type="datetime1">
               <a:rPr lang="en-US" smtClean="0"/>
-              <a:t>1/8/2025</a:t>
+              <a:t>1/20/2025</a:t>
             </a:fld>
             <a:endParaRPr lang="en-US" dirty="0"/>
           </a:p>
@@ -4066,7 +4066,7 @@
           <a:p>
             <a:fld id="{ED291B17-9318-49DB-B28B-6E5994AE9581}" type="datetime1">
               <a:rPr lang="en-US" smtClean="0"/>
-              <a:t>1/8/2025</a:t>
+              <a:t>1/20/2025</a:t>
             </a:fld>
             <a:endParaRPr lang="en-US" dirty="0"/>
           </a:p>
@@ -4542,7 +4542,7 @@
           <a:p>
             <a:fld id="{B2497495-0637-405E-AE64-5CC7506D51F5}" type="datetime1">
               <a:rPr lang="en-US" smtClean="0"/>
-              <a:t>1/8/2025</a:t>
+              <a:t>1/20/2025</a:t>
             </a:fld>
             <a:endParaRPr lang="en-US" dirty="0"/>
           </a:p>
@@ -4793,7 +4793,7 @@
           <a:p>
             <a:fld id="{7BFFD690-9426-415D-8B65-26881E07B2D4}" type="datetime1">
               <a:rPr lang="en-US" smtClean="0"/>
-              <a:t>1/8/2025</a:t>
+              <a:t>1/20/2025</a:t>
             </a:fld>
             <a:endParaRPr lang="en-US" dirty="0"/>
           </a:p>
@@ -5214,7 +5214,7 @@
           <a:p>
             <a:fld id="{04C4989A-474C-40DE-95B9-011C28B71673}" type="datetime1">
               <a:rPr lang="en-US" smtClean="0"/>
-              <a:t>1/8/2025</a:t>
+              <a:t>1/20/2025</a:t>
             </a:fld>
             <a:endParaRPr lang="en-US" dirty="0"/>
           </a:p>
@@ -5337,7 +5337,7 @@
           <a:p>
             <a:fld id="{5DB4ED54-5B5E-4A04-93D3-5772E3CE3818}" type="datetime1">
               <a:rPr lang="en-US" smtClean="0"/>
-              <a:t>1/8/2025</a:t>
+              <a:t>1/20/2025</a:t>
             </a:fld>
             <a:endParaRPr lang="en-US" dirty="0"/>
           </a:p>
@@ -5432,7 +5432,7 @@
           <a:p>
             <a:fld id="{4EDE50D6-574B-40AF-946F-D52A04ADE379}" type="datetime1">
               <a:rPr lang="en-US" smtClean="0"/>
-              <a:t>1/8/2025</a:t>
+              <a:t>1/20/2025</a:t>
             </a:fld>
             <a:endParaRPr lang="en-US" dirty="0"/>
           </a:p>
@@ -5808,7 +5808,7 @@
           <a:p>
             <a:fld id="{D82884F1-FFEA-405F-9602-3DCA865EDA4E}" type="datetime1">
               <a:rPr lang="en-US" smtClean="0"/>
-              <a:t>1/8/2025</a:t>
+              <a:t>1/20/2025</a:t>
             </a:fld>
             <a:endParaRPr lang="en-US" dirty="0"/>
           </a:p>
@@ -6101,7 +6101,7 @@
           <a:p>
             <a:fld id="{7E18DB4A-8810-4A10-AD5C-D5E2C667F5B3}" type="datetime1">
               <a:rPr lang="en-US" smtClean="0"/>
-              <a:t>1/8/2025</a:t>
+              <a:t>1/20/2025</a:t>
             </a:fld>
             <a:endParaRPr lang="en-US" dirty="0"/>
           </a:p>
@@ -6316,7 +6316,7 @@
           <a:p>
             <a:fld id="{ED291B17-9318-49DB-B28B-6E5994AE9581}" type="datetime1">
               <a:rPr lang="en-US" smtClean="0"/>
-              <a:t>1/8/2025</a:t>
+              <a:t>1/20/2025</a:t>
             </a:fld>
             <a:endParaRPr lang="en-US" dirty="0"/>
           </a:p>
@@ -7095,7 +7095,7 @@
           <a:p>
             <a:fld id="{ED291B17-9318-49DB-B28B-6E5994AE9581}" type="datetime1">
               <a:rPr lang="en-US" smtClean="0"/>
-              <a:t>1/8/2025</a:t>
+              <a:t>1/20/2025</a:t>
             </a:fld>
             <a:endParaRPr lang="en-US" dirty="0"/>
           </a:p>
@@ -10063,8 +10063,8 @@
           </a:prstGeom>
         </p:spPr>
       </p:pic>
-      <mc:AlternateContent xmlns:mc="http://schemas.openxmlformats.org/markup-compatibility/2006" xmlns:a14="http://schemas.microsoft.com/office/drawing/2010/main">
-        <mc:Choice Requires="a14">
+      <mc:AlternateContent xmlns:mc="http://schemas.openxmlformats.org/markup-compatibility/2006">
+        <mc:Choice xmlns:a14="http://schemas.microsoft.com/office/drawing/2010/main" Requires="a14">
           <p:sp>
             <p:nvSpPr>
               <p:cNvPr id="8" name="TextBox 7">
@@ -10080,7 +10080,7 @@
             <p:spPr>
               <a:xfrm>
                 <a:off x="1285279" y="1098434"/>
-                <a:ext cx="5028237" cy="1200329"/>
+                <a:ext cx="9278812" cy="1487010"/>
               </a:xfrm>
               <a:prstGeom prst="rect">
                 <a:avLst/>
@@ -10098,6 +10098,91 @@
                 </a:endParaRPr>
               </a:p>
               <a:p>
+                <a:r>
+                  <a:rPr lang="en-US" dirty="0"/>
+                  <a:t> = point estimate </a:t>
+                </a:r>
+                <a14:m>
+                  <m:oMath xmlns:m="http://schemas.openxmlformats.org/officeDocument/2006/math">
+                    <m:r>
+                      <a:rPr lang="en-US" i="1">
+                        <a:latin typeface="Cambria Math" panose="02040503050406030204" pitchFamily="18" charset="0"/>
+                        <a:ea typeface="Cambria Math" panose="02040503050406030204" pitchFamily="18" charset="0"/>
+                      </a:rPr>
+                      <m:t>± </m:t>
+                    </m:r>
+                    <m:sSub>
+                      <m:sSubPr>
+                        <m:ctrlPr>
+                          <a:rPr lang="en-US" i="1">
+                            <a:latin typeface="Cambria Math" panose="02040503050406030204" pitchFamily="18" charset="0"/>
+                            <a:ea typeface="Cambria Math" panose="02040503050406030204" pitchFamily="18" charset="0"/>
+                          </a:rPr>
+                        </m:ctrlPr>
+                      </m:sSubPr>
+                      <m:e>
+                        <m:r>
+                          <a:rPr lang="en-US" i="1">
+                            <a:latin typeface="Cambria Math" panose="02040503050406030204" pitchFamily="18" charset="0"/>
+                            <a:ea typeface="Cambria Math" panose="02040503050406030204" pitchFamily="18" charset="0"/>
+                          </a:rPr>
+                          <m:t>𝑧</m:t>
+                        </m:r>
+                      </m:e>
+                      <m:sub>
+                        <m:f>
+                          <m:fPr>
+                            <m:ctrlPr>
+                              <a:rPr lang="en-US" i="1">
+                                <a:latin typeface="Cambria Math" panose="02040503050406030204" pitchFamily="18" charset="0"/>
+                                <a:ea typeface="Cambria Math" panose="02040503050406030204" pitchFamily="18" charset="0"/>
+                              </a:rPr>
+                            </m:ctrlPr>
+                          </m:fPr>
+                          <m:num>
+                            <m:r>
+                              <a:rPr lang="en-US" i="1">
+                                <a:latin typeface="Cambria Math" panose="02040503050406030204" pitchFamily="18" charset="0"/>
+                                <a:ea typeface="Cambria Math" panose="02040503050406030204" pitchFamily="18" charset="0"/>
+                              </a:rPr>
+                              <m:t>𝛼</m:t>
+                            </m:r>
+                          </m:num>
+                          <m:den>
+                            <m:r>
+                              <a:rPr lang="en-US" i="1">
+                                <a:latin typeface="Cambria Math" panose="02040503050406030204" pitchFamily="18" charset="0"/>
+                                <a:ea typeface="Cambria Math" panose="02040503050406030204" pitchFamily="18" charset="0"/>
+                              </a:rPr>
+                              <m:t>2</m:t>
+                            </m:r>
+                          </m:den>
+                        </m:f>
+                      </m:sub>
+                    </m:sSub>
+                    <m:r>
+                      <a:rPr lang="en-US" i="1">
+                        <a:latin typeface="Cambria Math" panose="02040503050406030204" pitchFamily="18" charset="0"/>
+                        <a:ea typeface="Cambria Math" panose="02040503050406030204" pitchFamily="18" charset="0"/>
+                      </a:rPr>
+                      <m:t> ∗</m:t>
+                    </m:r>
+                    <m:r>
+                      <a:rPr lang="en-US" b="0" i="1" smtClean="0">
+                        <a:latin typeface="Cambria Math" panose="02040503050406030204" pitchFamily="18" charset="0"/>
+                        <a:ea typeface="Cambria Math" panose="02040503050406030204" pitchFamily="18" charset="0"/>
+                      </a:rPr>
+                      <m:t>𝑠𝑒</m:t>
+                    </m:r>
+                    <m:r>
+                      <a:rPr lang="en-US" b="0" i="1" smtClean="0">
+                        <a:latin typeface="Cambria Math" panose="02040503050406030204" pitchFamily="18" charset="0"/>
+                        <a:ea typeface="Cambria Math" panose="02040503050406030204" pitchFamily="18" charset="0"/>
+                      </a:rPr>
+                      <m:t>= </m:t>
+                    </m:r>
+                  </m:oMath>
+                </a14:m>
                 <a:r>
                   <a:rPr lang="en-US" dirty="0"/>
                   <a:t>point estimate </a:t>
@@ -10118,13 +10203,55 @@
                       </a:rPr>
                       <m:t> </m:t>
                     </m:r>
-                    <m:r>
-                      <a:rPr lang="en-US" b="0" i="1" smtClean="0">
-                        <a:latin typeface="Cambria Math" panose="02040503050406030204" pitchFamily="18" charset="0"/>
-                        <a:ea typeface="Cambria Math" panose="02040503050406030204" pitchFamily="18" charset="0"/>
-                      </a:rPr>
-                      <m:t>𝑧</m:t>
-                    </m:r>
+                    <m:sSub>
+                      <m:sSubPr>
+                        <m:ctrlPr>
+                          <a:rPr lang="en-US" b="0" i="1" smtClean="0">
+                            <a:latin typeface="Cambria Math" panose="02040503050406030204" pitchFamily="18" charset="0"/>
+                            <a:ea typeface="Cambria Math" panose="02040503050406030204" pitchFamily="18" charset="0"/>
+                          </a:rPr>
+                        </m:ctrlPr>
+                      </m:sSubPr>
+                      <m:e>
+                        <m:r>
+                          <a:rPr lang="en-US" b="0" i="1" smtClean="0">
+                            <a:latin typeface="Cambria Math" panose="02040503050406030204" pitchFamily="18" charset="0"/>
+                            <a:ea typeface="Cambria Math" panose="02040503050406030204" pitchFamily="18" charset="0"/>
+                          </a:rPr>
+                          <m:t>𝑧</m:t>
+                        </m:r>
+                      </m:e>
+                      <m:sub>
+                        <m:f>
+                          <m:fPr>
+                            <m:ctrlPr>
+                              <a:rPr lang="en-US" b="0" i="1" smtClean="0">
+                                <a:latin typeface="Cambria Math" panose="02040503050406030204" pitchFamily="18" charset="0"/>
+                                <a:ea typeface="Cambria Math" panose="02040503050406030204" pitchFamily="18" charset="0"/>
+                              </a:rPr>
+                            </m:ctrlPr>
+                          </m:fPr>
+                          <m:num>
+                            <m:r>
+                              <a:rPr lang="en-US" b="0" i="1" smtClean="0">
+                                <a:latin typeface="Cambria Math" panose="02040503050406030204" pitchFamily="18" charset="0"/>
+                                <a:ea typeface="Cambria Math" panose="02040503050406030204" pitchFamily="18" charset="0"/>
+                              </a:rPr>
+                              <m:t>𝛼</m:t>
+                            </m:r>
+                          </m:num>
+                          <m:den>
+                            <m:r>
+                              <a:rPr lang="en-US" b="0" i="1" smtClean="0">
+                                <a:latin typeface="Cambria Math" panose="02040503050406030204" pitchFamily="18" charset="0"/>
+                                <a:ea typeface="Cambria Math" panose="02040503050406030204" pitchFamily="18" charset="0"/>
+                              </a:rPr>
+                              <m:t>2</m:t>
+                            </m:r>
+                          </m:den>
+                        </m:f>
+                      </m:sub>
+                    </m:sSub>
                     <m:r>
                       <a:rPr lang="en-US" b="0" i="1" smtClean="0">
                         <a:latin typeface="Cambria Math" panose="02040503050406030204" pitchFamily="18" charset="0"/>
@@ -10132,13 +10259,107 @@
                       </a:rPr>
                       <m:t> ∗</m:t>
                     </m:r>
-                    <m:r>
-                      <a:rPr lang="en-US" b="0" i="1" smtClean="0">
-                        <a:latin typeface="Cambria Math" panose="02040503050406030204" pitchFamily="18" charset="0"/>
-                        <a:ea typeface="Cambria Math" panose="02040503050406030204" pitchFamily="18" charset="0"/>
-                      </a:rPr>
-                      <m:t>𝑆𝐸</m:t>
-                    </m:r>
+                    <m:rad>
+                      <m:radPr>
+                        <m:degHide m:val="on"/>
+                        <m:ctrlPr>
+                          <a:rPr lang="en-US" b="0" i="1" smtClean="0">
+                            <a:latin typeface="Cambria Math" panose="02040503050406030204" pitchFamily="18" charset="0"/>
+                            <a:ea typeface="Cambria Math" panose="02040503050406030204" pitchFamily="18" charset="0"/>
+                          </a:rPr>
+                        </m:ctrlPr>
+                      </m:radPr>
+                      <m:deg/>
+                      <m:e>
+                        <m:f>
+                          <m:fPr>
+                            <m:ctrlPr>
+                              <a:rPr lang="en-US" b="0" i="1" smtClean="0">
+                                <a:latin typeface="Cambria Math" panose="02040503050406030204" pitchFamily="18" charset="0"/>
+                                <a:ea typeface="Cambria Math" panose="02040503050406030204" pitchFamily="18" charset="0"/>
+                              </a:rPr>
+                            </m:ctrlPr>
+                          </m:fPr>
+                          <m:num>
+                            <m:acc>
+                              <m:accPr>
+                                <m:chr m:val="̂"/>
+                                <m:ctrlPr>
+                                  <a:rPr lang="en-US" b="0" i="1" smtClean="0">
+                                    <a:latin typeface="Cambria Math" panose="02040503050406030204" pitchFamily="18" charset="0"/>
+                                    <a:ea typeface="Cambria Math" panose="02040503050406030204" pitchFamily="18" charset="0"/>
+                                  </a:rPr>
+                                </m:ctrlPr>
+                              </m:accPr>
+                              <m:e>
+                                <m:r>
+                                  <a:rPr lang="en-US" b="0" i="1" smtClean="0">
+                                    <a:latin typeface="Cambria Math" panose="02040503050406030204" pitchFamily="18" charset="0"/>
+                                    <a:ea typeface="Cambria Math" panose="02040503050406030204" pitchFamily="18" charset="0"/>
+                                  </a:rPr>
+                                  <m:t>𝑝</m:t>
+                                </m:r>
+                              </m:e>
+                            </m:acc>
+                            <m:r>
+                              <a:rPr lang="en-US" b="0" i="1" smtClean="0">
+                                <a:latin typeface="Cambria Math" panose="02040503050406030204" pitchFamily="18" charset="0"/>
+                                <a:ea typeface="Cambria Math" panose="02040503050406030204" pitchFamily="18" charset="0"/>
+                              </a:rPr>
+                              <m:t>−</m:t>
+                            </m:r>
+                            <m:d>
+                              <m:dPr>
+                                <m:ctrlPr>
+                                  <a:rPr lang="en-US" b="0" i="1" smtClean="0">
+                                    <a:latin typeface="Cambria Math" panose="02040503050406030204" pitchFamily="18" charset="0"/>
+                                    <a:ea typeface="Cambria Math" panose="02040503050406030204" pitchFamily="18" charset="0"/>
+                                  </a:rPr>
+                                </m:ctrlPr>
+                              </m:dPr>
+                              <m:e>
+                                <m:r>
+                                  <a:rPr lang="en-US" b="0" i="1" smtClean="0">
+                                    <a:latin typeface="Cambria Math" panose="02040503050406030204" pitchFamily="18" charset="0"/>
+                                    <a:ea typeface="Cambria Math" panose="02040503050406030204" pitchFamily="18" charset="0"/>
+                                  </a:rPr>
+                                  <m:t>1−</m:t>
+                                </m:r>
+                                <m:acc>
+                                  <m:accPr>
+                                    <m:chr m:val="̂"/>
+                                    <m:ctrlPr>
+                                      <a:rPr lang="en-US" i="1">
+                                        <a:latin typeface="Cambria Math" panose="02040503050406030204" pitchFamily="18" charset="0"/>
+                                        <a:ea typeface="Cambria Math" panose="02040503050406030204" pitchFamily="18" charset="0"/>
+                                      </a:rPr>
+                                    </m:ctrlPr>
+                                  </m:accPr>
+                                  <m:e>
+                                    <m:r>
+                                      <a:rPr lang="en-US" i="1">
+                                        <a:latin typeface="Cambria Math" panose="02040503050406030204" pitchFamily="18" charset="0"/>
+                                        <a:ea typeface="Cambria Math" panose="02040503050406030204" pitchFamily="18" charset="0"/>
+                                      </a:rPr>
+                                      <m:t>𝑝</m:t>
+                                    </m:r>
+                                  </m:e>
+                                </m:acc>
+                              </m:e>
+                            </m:d>
+                          </m:num>
+                          <m:den>
+                            <m:r>
+                              <a:rPr lang="en-US" b="0" i="1" smtClean="0">
+                                <a:latin typeface="Cambria Math" panose="02040503050406030204" pitchFamily="18" charset="0"/>
+                                <a:ea typeface="Cambria Math" panose="02040503050406030204" pitchFamily="18" charset="0"/>
+                              </a:rPr>
+                              <m:t>𝑛</m:t>
+                            </m:r>
+                          </m:den>
+                        </m:f>
+                      </m:e>
+                    </m:rad>
                   </m:oMath>
                 </a14:m>
                 <a:endParaRPr lang="en-US" b="0" dirty="0">
@@ -10167,7 +10388,7 @@
             </p:txBody>
           </p:sp>
         </mc:Choice>
-        <mc:Fallback xmlns="">
+        <mc:Fallback>
           <p:sp>
             <p:nvSpPr>
               <p:cNvPr id="8" name="TextBox 7">
@@ -10185,7 +10406,7 @@
             <p:spPr>
               <a:xfrm>
                 <a:off x="1285279" y="1098434"/>
-                <a:ext cx="5028237" cy="1200329"/>
+                <a:ext cx="9278812" cy="1487010"/>
               </a:xfrm>
               <a:prstGeom prst="rect">
                 <a:avLst/>
@@ -10193,7 +10414,7 @@
               <a:blipFill>
                 <a:blip r:embed="rId3"/>
                 <a:stretch>
-                  <a:fillRect l="-1091" b="-7107"/>
+                  <a:fillRect b="-5738"/>
                 </a:stretch>
               </a:blipFill>
             </p:spPr>
@@ -11615,7 +11836,7 @@
               <a:buNone/>
             </a:pPr>
             <a:r>
-              <a:rPr lang="en-US" dirty="0"/>
+              <a:rPr lang="en-US" sz="1800" dirty="0"/>
               <a:t>If p-value &gt; α, fail to reject the null hypothesis.</a:t>
             </a:r>
           </a:p>
@@ -13703,12 +13924,20 @@
               </a:rPr>
             </a:br>
             <a:r>
+              <a:rPr lang="en-US" altLang="zh-CN" sz="4000" dirty="0">
+                <a:solidFill>
+                  <a:srgbClr val="FFFFFF"/>
+                </a:solidFill>
+              </a:rPr>
+              <a:t>demo</a:t>
+            </a:r>
+            <a:r>
               <a:rPr lang="en-US" sz="4000" dirty="0">
                 <a:solidFill>
                   <a:srgbClr val="FFFFFF"/>
                 </a:solidFill>
               </a:rPr>
-              <a:t>Lab </a:t>
+              <a:t> </a:t>
             </a:r>
             <a:r>
               <a:rPr lang="en-US" altLang="zh-CN" sz="4000" dirty="0">

--- a/docs/Lectures/Week02/Week02_InferentialStas.pptx
+++ b/docs/Lectures/Week02/Week02_InferentialStas.pptx
@@ -5,6 +5,9 @@
     <p:sldMasterId id="2147483685" r:id="rId1"/>
     <p:sldMasterId id="2147483686" r:id="rId2"/>
   </p:sldMasterIdLst>
+  <p:notesMasterIdLst>
+    <p:notesMasterId r:id="rId23"/>
+  </p:notesMasterIdLst>
   <p:sldIdLst>
     <p:sldId id="256" r:id="rId3"/>
     <p:sldId id="323" r:id="rId4"/>
@@ -12,21 +15,20 @@
     <p:sldId id="842" r:id="rId6"/>
     <p:sldId id="841" r:id="rId7"/>
     <p:sldId id="844" r:id="rId8"/>
-    <p:sldId id="847" r:id="rId9"/>
-    <p:sldId id="843" r:id="rId10"/>
-    <p:sldId id="845" r:id="rId11"/>
-    <p:sldId id="846" r:id="rId12"/>
-    <p:sldId id="850" r:id="rId13"/>
-    <p:sldId id="851" r:id="rId14"/>
-    <p:sldId id="849" r:id="rId15"/>
-    <p:sldId id="848" r:id="rId16"/>
-    <p:sldId id="852" r:id="rId17"/>
-    <p:sldId id="853" r:id="rId18"/>
-    <p:sldId id="854" r:id="rId19"/>
-    <p:sldId id="855" r:id="rId20"/>
-    <p:sldId id="857" r:id="rId21"/>
-    <p:sldId id="856" r:id="rId22"/>
-    <p:sldId id="265" r:id="rId23"/>
+    <p:sldId id="858" r:id="rId9"/>
+    <p:sldId id="847" r:id="rId10"/>
+    <p:sldId id="843" r:id="rId11"/>
+    <p:sldId id="930" r:id="rId12"/>
+    <p:sldId id="849" r:id="rId13"/>
+    <p:sldId id="848" r:id="rId14"/>
+    <p:sldId id="964" r:id="rId15"/>
+    <p:sldId id="852" r:id="rId16"/>
+    <p:sldId id="853" r:id="rId17"/>
+    <p:sldId id="854" r:id="rId18"/>
+    <p:sldId id="855" r:id="rId19"/>
+    <p:sldId id="857" r:id="rId20"/>
+    <p:sldId id="856" r:id="rId21"/>
+    <p:sldId id="265" r:id="rId22"/>
   </p:sldIdLst>
   <p:sldSz cx="12192000" cy="6858000"/>
   <p:notesSz cx="6858000" cy="9144000"/>
@@ -133,6 +135,464 @@
 </p:presentation>
 </file>
 
+<file path=ppt/notesMasters/notesMaster1.xml><?xml version="1.0" encoding="utf-8"?>
+<p:notesMaster xmlns:a="http://schemas.openxmlformats.org/drawingml/2006/main" xmlns:r="http://schemas.openxmlformats.org/officeDocument/2006/relationships" xmlns:p="http://schemas.openxmlformats.org/presentationml/2006/main">
+  <p:cSld>
+    <p:bg>
+      <p:bgRef idx="1001">
+        <a:schemeClr val="bg1"/>
+      </p:bgRef>
+    </p:bg>
+    <p:spTree>
+      <p:nvGrpSpPr>
+        <p:cNvPr id="1" name=""/>
+        <p:cNvGrpSpPr/>
+        <p:nvPr/>
+      </p:nvGrpSpPr>
+      <p:grpSpPr>
+        <a:xfrm>
+          <a:off x="0" y="0"/>
+          <a:ext cx="0" cy="0"/>
+          <a:chOff x="0" y="0"/>
+          <a:chExt cx="0" cy="0"/>
+        </a:xfrm>
+      </p:grpSpPr>
+      <p:sp>
+        <p:nvSpPr>
+          <p:cNvPr id="2" name="Header Placeholder 1"/>
+          <p:cNvSpPr>
+            <a:spLocks noGrp="1"/>
+          </p:cNvSpPr>
+          <p:nvPr>
+            <p:ph type="hdr" sz="quarter"/>
+          </p:nvPr>
+        </p:nvSpPr>
+        <p:spPr>
+          <a:xfrm>
+            <a:off x="0" y="0"/>
+            <a:ext cx="2971800" cy="458788"/>
+          </a:xfrm>
+          <a:prstGeom prst="rect">
+            <a:avLst/>
+          </a:prstGeom>
+        </p:spPr>
+        <p:txBody>
+          <a:bodyPr vert="horz" lIns="91440" tIns="45720" rIns="91440" bIns="45720" rtlCol="0"/>
+          <a:lstStyle>
+            <a:lvl1pPr algn="l">
+              <a:defRPr sz="1200"/>
+            </a:lvl1pPr>
+          </a:lstStyle>
+          <a:p>
+            <a:endParaRPr lang="en-US"/>
+          </a:p>
+        </p:txBody>
+      </p:sp>
+      <p:sp>
+        <p:nvSpPr>
+          <p:cNvPr id="3" name="Date Placeholder 2"/>
+          <p:cNvSpPr>
+            <a:spLocks noGrp="1"/>
+          </p:cNvSpPr>
+          <p:nvPr>
+            <p:ph type="dt" idx="1"/>
+          </p:nvPr>
+        </p:nvSpPr>
+        <p:spPr>
+          <a:xfrm>
+            <a:off x="3884613" y="0"/>
+            <a:ext cx="2971800" cy="458788"/>
+          </a:xfrm>
+          <a:prstGeom prst="rect">
+            <a:avLst/>
+          </a:prstGeom>
+        </p:spPr>
+        <p:txBody>
+          <a:bodyPr vert="horz" lIns="91440" tIns="45720" rIns="91440" bIns="45720" rtlCol="0"/>
+          <a:lstStyle>
+            <a:lvl1pPr algn="r">
+              <a:defRPr sz="1200"/>
+            </a:lvl1pPr>
+          </a:lstStyle>
+          <a:p>
+            <a:fld id="{1DA9B3D4-E602-49D2-A308-0F82597276F4}" type="datetimeFigureOut">
+              <a:rPr lang="en-US" smtClean="0"/>
+              <a:t>1/21/2025</a:t>
+            </a:fld>
+            <a:endParaRPr lang="en-US"/>
+          </a:p>
+        </p:txBody>
+      </p:sp>
+      <p:sp>
+        <p:nvSpPr>
+          <p:cNvPr id="4" name="Slide Image Placeholder 3"/>
+          <p:cNvSpPr>
+            <a:spLocks noGrp="1" noRot="1" noChangeAspect="1"/>
+          </p:cNvSpPr>
+          <p:nvPr>
+            <p:ph type="sldImg" idx="2"/>
+          </p:nvPr>
+        </p:nvSpPr>
+        <p:spPr>
+          <a:xfrm>
+            <a:off x="685800" y="1143000"/>
+            <a:ext cx="5486400" cy="3086100"/>
+          </a:xfrm>
+          <a:prstGeom prst="rect">
+            <a:avLst/>
+          </a:prstGeom>
+          <a:noFill/>
+          <a:ln w="12700">
+            <a:solidFill>
+              <a:prstClr val="black"/>
+            </a:solidFill>
+          </a:ln>
+        </p:spPr>
+        <p:txBody>
+          <a:bodyPr vert="horz" lIns="91440" tIns="45720" rIns="91440" bIns="45720" rtlCol="0" anchor="ctr"/>
+          <a:lstStyle/>
+          <a:p>
+            <a:endParaRPr lang="en-US"/>
+          </a:p>
+        </p:txBody>
+      </p:sp>
+      <p:sp>
+        <p:nvSpPr>
+          <p:cNvPr id="5" name="Notes Placeholder 4"/>
+          <p:cNvSpPr>
+            <a:spLocks noGrp="1"/>
+          </p:cNvSpPr>
+          <p:nvPr>
+            <p:ph type="body" sz="quarter" idx="3"/>
+          </p:nvPr>
+        </p:nvSpPr>
+        <p:spPr>
+          <a:xfrm>
+            <a:off x="685800" y="4400550"/>
+            <a:ext cx="5486400" cy="3600450"/>
+          </a:xfrm>
+          <a:prstGeom prst="rect">
+            <a:avLst/>
+          </a:prstGeom>
+        </p:spPr>
+        <p:txBody>
+          <a:bodyPr vert="horz" lIns="91440" tIns="45720" rIns="91440" bIns="45720" rtlCol="0"/>
+          <a:lstStyle/>
+          <a:p>
+            <a:pPr lvl="0"/>
+            <a:r>
+              <a:rPr lang="en-US"/>
+              <a:t>Click to edit Master text styles</a:t>
+            </a:r>
+          </a:p>
+          <a:p>
+            <a:pPr lvl="1"/>
+            <a:r>
+              <a:rPr lang="en-US"/>
+              <a:t>Second level</a:t>
+            </a:r>
+          </a:p>
+          <a:p>
+            <a:pPr lvl="2"/>
+            <a:r>
+              <a:rPr lang="en-US"/>
+              <a:t>Third level</a:t>
+            </a:r>
+          </a:p>
+          <a:p>
+            <a:pPr lvl="3"/>
+            <a:r>
+              <a:rPr lang="en-US"/>
+              <a:t>Fourth level</a:t>
+            </a:r>
+          </a:p>
+          <a:p>
+            <a:pPr lvl="4"/>
+            <a:r>
+              <a:rPr lang="en-US"/>
+              <a:t>Fifth level</a:t>
+            </a:r>
+          </a:p>
+        </p:txBody>
+      </p:sp>
+      <p:sp>
+        <p:nvSpPr>
+          <p:cNvPr id="6" name="Footer Placeholder 5"/>
+          <p:cNvSpPr>
+            <a:spLocks noGrp="1"/>
+          </p:cNvSpPr>
+          <p:nvPr>
+            <p:ph type="ftr" sz="quarter" idx="4"/>
+          </p:nvPr>
+        </p:nvSpPr>
+        <p:spPr>
+          <a:xfrm>
+            <a:off x="0" y="8685213"/>
+            <a:ext cx="2971800" cy="458787"/>
+          </a:xfrm>
+          <a:prstGeom prst="rect">
+            <a:avLst/>
+          </a:prstGeom>
+        </p:spPr>
+        <p:txBody>
+          <a:bodyPr vert="horz" lIns="91440" tIns="45720" rIns="91440" bIns="45720" rtlCol="0" anchor="b"/>
+          <a:lstStyle>
+            <a:lvl1pPr algn="l">
+              <a:defRPr sz="1200"/>
+            </a:lvl1pPr>
+          </a:lstStyle>
+          <a:p>
+            <a:endParaRPr lang="en-US"/>
+          </a:p>
+        </p:txBody>
+      </p:sp>
+      <p:sp>
+        <p:nvSpPr>
+          <p:cNvPr id="7" name="Slide Number Placeholder 6"/>
+          <p:cNvSpPr>
+            <a:spLocks noGrp="1"/>
+          </p:cNvSpPr>
+          <p:nvPr>
+            <p:ph type="sldNum" sz="quarter" idx="5"/>
+          </p:nvPr>
+        </p:nvSpPr>
+        <p:spPr>
+          <a:xfrm>
+            <a:off x="3884613" y="8685213"/>
+            <a:ext cx="2971800" cy="458787"/>
+          </a:xfrm>
+          <a:prstGeom prst="rect">
+            <a:avLst/>
+          </a:prstGeom>
+        </p:spPr>
+        <p:txBody>
+          <a:bodyPr vert="horz" lIns="91440" tIns="45720" rIns="91440" bIns="45720" rtlCol="0" anchor="b"/>
+          <a:lstStyle>
+            <a:lvl1pPr algn="r">
+              <a:defRPr sz="1200"/>
+            </a:lvl1pPr>
+          </a:lstStyle>
+          <a:p>
+            <a:fld id="{2A181960-9012-4FDF-9CCF-0A118C0A1A37}" type="slidenum">
+              <a:rPr lang="en-US" smtClean="0"/>
+              <a:t>‹#›</a:t>
+            </a:fld>
+            <a:endParaRPr lang="en-US"/>
+          </a:p>
+        </p:txBody>
+      </p:sp>
+    </p:spTree>
+    <p:extLst>
+      <p:ext uri="{BB962C8B-B14F-4D97-AF65-F5344CB8AC3E}">
+        <p14:creationId xmlns:p14="http://schemas.microsoft.com/office/powerpoint/2010/main" val="301824987"/>
+      </p:ext>
+    </p:extLst>
+  </p:cSld>
+  <p:clrMap bg1="lt1" tx1="dk1" bg2="lt2" tx2="dk2" accent1="accent1" accent2="accent2" accent3="accent3" accent4="accent4" accent5="accent5" accent6="accent6" hlink="hlink" folHlink="folHlink"/>
+  <p:notesStyle>
+    <a:lvl1pPr marL="0" algn="l" defTabSz="914400" rtl="0" eaLnBrk="1" latinLnBrk="0" hangingPunct="1">
+      <a:defRPr sz="1200" kern="1200">
+        <a:solidFill>
+          <a:schemeClr val="tx1"/>
+        </a:solidFill>
+        <a:latin typeface="+mn-lt"/>
+        <a:ea typeface="+mn-ea"/>
+        <a:cs typeface="+mn-cs"/>
+      </a:defRPr>
+    </a:lvl1pPr>
+    <a:lvl2pPr marL="457200" algn="l" defTabSz="914400" rtl="0" eaLnBrk="1" latinLnBrk="0" hangingPunct="1">
+      <a:defRPr sz="1200" kern="1200">
+        <a:solidFill>
+          <a:schemeClr val="tx1"/>
+        </a:solidFill>
+        <a:latin typeface="+mn-lt"/>
+        <a:ea typeface="+mn-ea"/>
+        <a:cs typeface="+mn-cs"/>
+      </a:defRPr>
+    </a:lvl2pPr>
+    <a:lvl3pPr marL="914400" algn="l" defTabSz="914400" rtl="0" eaLnBrk="1" latinLnBrk="0" hangingPunct="1">
+      <a:defRPr sz="1200" kern="1200">
+        <a:solidFill>
+          <a:schemeClr val="tx1"/>
+        </a:solidFill>
+        <a:latin typeface="+mn-lt"/>
+        <a:ea typeface="+mn-ea"/>
+        <a:cs typeface="+mn-cs"/>
+      </a:defRPr>
+    </a:lvl3pPr>
+    <a:lvl4pPr marL="1371600" algn="l" defTabSz="914400" rtl="0" eaLnBrk="1" latinLnBrk="0" hangingPunct="1">
+      <a:defRPr sz="1200" kern="1200">
+        <a:solidFill>
+          <a:schemeClr val="tx1"/>
+        </a:solidFill>
+        <a:latin typeface="+mn-lt"/>
+        <a:ea typeface="+mn-ea"/>
+        <a:cs typeface="+mn-cs"/>
+      </a:defRPr>
+    </a:lvl4pPr>
+    <a:lvl5pPr marL="1828800" algn="l" defTabSz="914400" rtl="0" eaLnBrk="1" latinLnBrk="0" hangingPunct="1">
+      <a:defRPr sz="1200" kern="1200">
+        <a:solidFill>
+          <a:schemeClr val="tx1"/>
+        </a:solidFill>
+        <a:latin typeface="+mn-lt"/>
+        <a:ea typeface="+mn-ea"/>
+        <a:cs typeface="+mn-cs"/>
+      </a:defRPr>
+    </a:lvl5pPr>
+    <a:lvl6pPr marL="2286000" algn="l" defTabSz="914400" rtl="0" eaLnBrk="1" latinLnBrk="0" hangingPunct="1">
+      <a:defRPr sz="1200" kern="1200">
+        <a:solidFill>
+          <a:schemeClr val="tx1"/>
+        </a:solidFill>
+        <a:latin typeface="+mn-lt"/>
+        <a:ea typeface="+mn-ea"/>
+        <a:cs typeface="+mn-cs"/>
+      </a:defRPr>
+    </a:lvl6pPr>
+    <a:lvl7pPr marL="2743200" algn="l" defTabSz="914400" rtl="0" eaLnBrk="1" latinLnBrk="0" hangingPunct="1">
+      <a:defRPr sz="1200" kern="1200">
+        <a:solidFill>
+          <a:schemeClr val="tx1"/>
+        </a:solidFill>
+        <a:latin typeface="+mn-lt"/>
+        <a:ea typeface="+mn-ea"/>
+        <a:cs typeface="+mn-cs"/>
+      </a:defRPr>
+    </a:lvl7pPr>
+    <a:lvl8pPr marL="3200400" algn="l" defTabSz="914400" rtl="0" eaLnBrk="1" latinLnBrk="0" hangingPunct="1">
+      <a:defRPr sz="1200" kern="1200">
+        <a:solidFill>
+          <a:schemeClr val="tx1"/>
+        </a:solidFill>
+        <a:latin typeface="+mn-lt"/>
+        <a:ea typeface="+mn-ea"/>
+        <a:cs typeface="+mn-cs"/>
+      </a:defRPr>
+    </a:lvl8pPr>
+    <a:lvl9pPr marL="3657600" algn="l" defTabSz="914400" rtl="0" eaLnBrk="1" latinLnBrk="0" hangingPunct="1">
+      <a:defRPr sz="1200" kern="1200">
+        <a:solidFill>
+          <a:schemeClr val="tx1"/>
+        </a:solidFill>
+        <a:latin typeface="+mn-lt"/>
+        <a:ea typeface="+mn-ea"/>
+        <a:cs typeface="+mn-cs"/>
+      </a:defRPr>
+    </a:lvl9pPr>
+  </p:notesStyle>
+</p:notesMaster>
+</file>
+
+<file path=ppt/notesSlides/notesSlide1.xml><?xml version="1.0" encoding="utf-8"?>
+<p:notes xmlns:a="http://schemas.openxmlformats.org/drawingml/2006/main" xmlns:r="http://schemas.openxmlformats.org/officeDocument/2006/relationships" xmlns:p="http://schemas.openxmlformats.org/presentationml/2006/main" showMasterSp="0" showMasterPhAnim="0">
+  <p:cSld>
+    <p:spTree>
+      <p:nvGrpSpPr>
+        <p:cNvPr id="1" name="Shape 204"/>
+        <p:cNvGrpSpPr/>
+        <p:nvPr/>
+      </p:nvGrpSpPr>
+      <p:grpSpPr>
+        <a:xfrm>
+          <a:off x="0" y="0"/>
+          <a:ext cx="0" cy="0"/>
+          <a:chOff x="0" y="0"/>
+          <a:chExt cx="0" cy="0"/>
+        </a:xfrm>
+      </p:grpSpPr>
+      <p:sp>
+        <p:nvSpPr>
+          <p:cNvPr id="205" name="Google Shape;205;g2a5098262_054:notes"/>
+          <p:cNvSpPr>
+            <a:spLocks noGrp="1" noRot="1" noChangeAspect="1"/>
+          </p:cNvSpPr>
+          <p:nvPr>
+            <p:ph type="sldImg" idx="2"/>
+          </p:nvPr>
+        </p:nvSpPr>
+        <p:spPr>
+          <a:xfrm>
+            <a:off x="381000" y="685800"/>
+            <a:ext cx="6096000" cy="3429000"/>
+          </a:xfrm>
+          <a:custGeom>
+            <a:avLst/>
+            <a:gdLst/>
+            <a:ahLst/>
+            <a:cxnLst/>
+            <a:rect l="l" t="t" r="r" b="b"/>
+            <a:pathLst>
+              <a:path w="120000" h="120000" extrusionOk="0">
+                <a:moveTo>
+                  <a:pt x="0" y="0"/>
+                </a:moveTo>
+                <a:lnTo>
+                  <a:pt x="120000" y="0"/>
+                </a:lnTo>
+                <a:lnTo>
+                  <a:pt x="120000" y="120000"/>
+                </a:lnTo>
+                <a:lnTo>
+                  <a:pt x="0" y="120000"/>
+                </a:lnTo>
+                <a:close/>
+              </a:path>
+            </a:pathLst>
+          </a:custGeom>
+        </p:spPr>
+      </p:sp>
+      <p:sp>
+        <p:nvSpPr>
+          <p:cNvPr id="206" name="Google Shape;206;g2a5098262_054:notes"/>
+          <p:cNvSpPr txBox="1">
+            <a:spLocks noGrp="1"/>
+          </p:cNvSpPr>
+          <p:nvPr>
+            <p:ph type="body" idx="1"/>
+          </p:nvPr>
+        </p:nvSpPr>
+        <p:spPr>
+          <a:xfrm>
+            <a:off x="685800" y="4343400"/>
+            <a:ext cx="5486400" cy="4114800"/>
+          </a:xfrm>
+          <a:prstGeom prst="rect">
+            <a:avLst/>
+          </a:prstGeom>
+        </p:spPr>
+        <p:txBody>
+          <a:bodyPr spcFirstLastPara="1" wrap="square" lIns="91425" tIns="91425" rIns="91425" bIns="91425" anchor="t" anchorCtr="0">
+            <a:noAutofit/>
+          </a:bodyPr>
+          <a:lstStyle/>
+          <a:p>
+            <a:pPr marL="0" lvl="0" indent="0" algn="l" rtl="0">
+              <a:spcBef>
+                <a:spcPts val="0"/>
+              </a:spcBef>
+              <a:spcAft>
+                <a:spcPts val="0"/>
+              </a:spcAft>
+              <a:buNone/>
+            </a:pPr>
+            <a:endParaRPr/>
+          </a:p>
+        </p:txBody>
+      </p:sp>
+    </p:spTree>
+    <p:extLst>
+      <p:ext uri="{BB962C8B-B14F-4D97-AF65-F5344CB8AC3E}">
+        <p14:creationId xmlns:p14="http://schemas.microsoft.com/office/powerpoint/2010/main" val="1105120892"/>
+      </p:ext>
+    </p:extLst>
+  </p:cSld>
+  <p:clrMapOvr>
+    <a:masterClrMapping/>
+  </p:clrMapOvr>
+</p:notes>
+</file>
+
 <file path=ppt/slideLayouts/slideLayout1.xml><?xml version="1.0" encoding="utf-8"?>
 <p:sldLayout xmlns:a="http://schemas.openxmlformats.org/drawingml/2006/main" xmlns:r="http://schemas.openxmlformats.org/officeDocument/2006/relationships" xmlns:p="http://schemas.openxmlformats.org/presentationml/2006/main" type="title" preserve="1">
   <p:cSld name="Title Slide">
@@ -371,7 +831,7 @@
           <a:p>
             <a:fld id="{ED291B17-9318-49DB-B28B-6E5994AE9581}" type="datetime1">
               <a:rPr lang="en-US" smtClean="0"/>
-              <a:t>1/20/2025</a:t>
+              <a:t>1/21/2025</a:t>
             </a:fld>
             <a:endParaRPr lang="en-US" dirty="0"/>
           </a:p>
@@ -574,7 +1034,7 @@
           <a:p>
             <a:fld id="{2CED4963-E985-44C4-B8C4-FDD613B7C2F8}" type="datetime1">
               <a:rPr lang="en-US" smtClean="0"/>
-              <a:t>1/20/2025</a:t>
+              <a:t>1/21/2025</a:t>
             </a:fld>
             <a:endParaRPr lang="en-US" dirty="0"/>
           </a:p>
@@ -936,7 +1396,7 @@
           <a:p>
             <a:fld id="{ED291B17-9318-49DB-B28B-6E5994AE9581}" type="datetime1">
               <a:rPr lang="en-US" smtClean="0"/>
-              <a:t>1/20/2025</a:t>
+              <a:t>1/21/2025</a:t>
             </a:fld>
             <a:endParaRPr lang="en-US" dirty="0"/>
           </a:p>
@@ -1010,6 +1470,365 @@
 </file>
 
 <file path=ppt/slideLayouts/slideLayout12.xml><?xml version="1.0" encoding="utf-8"?>
+<p:sldLayout xmlns:a="http://schemas.openxmlformats.org/drawingml/2006/main" xmlns:r="http://schemas.openxmlformats.org/officeDocument/2006/relationships" xmlns:p="http://schemas.openxmlformats.org/presentationml/2006/main" matchingName="Title and body" type="tx">
+  <p:cSld name="Title and body">
+    <p:spTree>
+      <p:nvGrpSpPr>
+        <p:cNvPr id="1" name="Shape 16"/>
+        <p:cNvGrpSpPr/>
+        <p:nvPr/>
+      </p:nvGrpSpPr>
+      <p:grpSpPr>
+        <a:xfrm>
+          <a:off x="0" y="0"/>
+          <a:ext cx="0" cy="0"/>
+          <a:chOff x="0" y="0"/>
+          <a:chExt cx="0" cy="0"/>
+        </a:xfrm>
+      </p:grpSpPr>
+      <p:sp>
+        <p:nvSpPr>
+          <p:cNvPr id="17" name="Google Shape;17;p4"/>
+          <p:cNvSpPr txBox="1">
+            <a:spLocks noGrp="1"/>
+          </p:cNvSpPr>
+          <p:nvPr>
+            <p:ph type="title"/>
+          </p:nvPr>
+        </p:nvSpPr>
+        <p:spPr>
+          <a:xfrm>
+            <a:off x="415600" y="593367"/>
+            <a:ext cx="11360800" cy="763600"/>
+          </a:xfrm>
+          <a:prstGeom prst="rect">
+            <a:avLst/>
+          </a:prstGeom>
+        </p:spPr>
+        <p:txBody>
+          <a:bodyPr spcFirstLastPara="1" wrap="square" lIns="91425" tIns="91425" rIns="91425" bIns="91425" anchor="t" anchorCtr="0">
+            <a:noAutofit/>
+          </a:bodyPr>
+          <a:lstStyle>
+            <a:lvl1pPr lvl="0">
+              <a:spcBef>
+                <a:spcPts val="0"/>
+              </a:spcBef>
+              <a:spcAft>
+                <a:spcPts val="0"/>
+              </a:spcAft>
+              <a:buSzPts val="2800"/>
+              <a:buNone/>
+              <a:defRPr/>
+            </a:lvl1pPr>
+            <a:lvl2pPr lvl="1">
+              <a:spcBef>
+                <a:spcPts val="0"/>
+              </a:spcBef>
+              <a:spcAft>
+                <a:spcPts val="0"/>
+              </a:spcAft>
+              <a:buSzPts val="2800"/>
+              <a:buNone/>
+              <a:defRPr/>
+            </a:lvl2pPr>
+            <a:lvl3pPr lvl="2">
+              <a:spcBef>
+                <a:spcPts val="0"/>
+              </a:spcBef>
+              <a:spcAft>
+                <a:spcPts val="0"/>
+              </a:spcAft>
+              <a:buSzPts val="2800"/>
+              <a:buNone/>
+              <a:defRPr/>
+            </a:lvl3pPr>
+            <a:lvl4pPr lvl="3">
+              <a:spcBef>
+                <a:spcPts val="0"/>
+              </a:spcBef>
+              <a:spcAft>
+                <a:spcPts val="0"/>
+              </a:spcAft>
+              <a:buSzPts val="2800"/>
+              <a:buNone/>
+              <a:defRPr/>
+            </a:lvl4pPr>
+            <a:lvl5pPr lvl="4">
+              <a:spcBef>
+                <a:spcPts val="0"/>
+              </a:spcBef>
+              <a:spcAft>
+                <a:spcPts val="0"/>
+              </a:spcAft>
+              <a:buSzPts val="2800"/>
+              <a:buNone/>
+              <a:defRPr/>
+            </a:lvl5pPr>
+            <a:lvl6pPr lvl="5">
+              <a:spcBef>
+                <a:spcPts val="0"/>
+              </a:spcBef>
+              <a:spcAft>
+                <a:spcPts val="0"/>
+              </a:spcAft>
+              <a:buSzPts val="2800"/>
+              <a:buNone/>
+              <a:defRPr/>
+            </a:lvl6pPr>
+            <a:lvl7pPr lvl="6">
+              <a:spcBef>
+                <a:spcPts val="0"/>
+              </a:spcBef>
+              <a:spcAft>
+                <a:spcPts val="0"/>
+              </a:spcAft>
+              <a:buSzPts val="2800"/>
+              <a:buNone/>
+              <a:defRPr/>
+            </a:lvl7pPr>
+            <a:lvl8pPr lvl="7">
+              <a:spcBef>
+                <a:spcPts val="0"/>
+              </a:spcBef>
+              <a:spcAft>
+                <a:spcPts val="0"/>
+              </a:spcAft>
+              <a:buSzPts val="2800"/>
+              <a:buNone/>
+              <a:defRPr/>
+            </a:lvl8pPr>
+            <a:lvl9pPr lvl="8">
+              <a:spcBef>
+                <a:spcPts val="0"/>
+              </a:spcBef>
+              <a:spcAft>
+                <a:spcPts val="0"/>
+              </a:spcAft>
+              <a:buSzPts val="2800"/>
+              <a:buNone/>
+              <a:defRPr/>
+            </a:lvl9pPr>
+          </a:lstStyle>
+          <a:p>
+            <a:endParaRPr/>
+          </a:p>
+        </p:txBody>
+      </p:sp>
+      <p:sp>
+        <p:nvSpPr>
+          <p:cNvPr id="18" name="Google Shape;18;p4"/>
+          <p:cNvSpPr txBox="1">
+            <a:spLocks noGrp="1"/>
+          </p:cNvSpPr>
+          <p:nvPr>
+            <p:ph type="body" idx="1"/>
+          </p:nvPr>
+        </p:nvSpPr>
+        <p:spPr>
+          <a:xfrm>
+            <a:off x="415600" y="1536633"/>
+            <a:ext cx="11360800" cy="4555200"/>
+          </a:xfrm>
+          <a:prstGeom prst="rect">
+            <a:avLst/>
+          </a:prstGeom>
+        </p:spPr>
+        <p:txBody>
+          <a:bodyPr spcFirstLastPara="1" wrap="square" lIns="91425" tIns="91425" rIns="91425" bIns="91425" anchor="t" anchorCtr="0">
+            <a:noAutofit/>
+          </a:bodyPr>
+          <a:lstStyle>
+            <a:lvl1pPr marL="609585" lvl="0" indent="-457189">
+              <a:spcBef>
+                <a:spcPts val="0"/>
+              </a:spcBef>
+              <a:spcAft>
+                <a:spcPts val="0"/>
+              </a:spcAft>
+              <a:buSzPts val="1800"/>
+              <a:buChar char="●"/>
+              <a:defRPr/>
+            </a:lvl1pPr>
+            <a:lvl2pPr marL="1219170" lvl="1" indent="-423323">
+              <a:spcBef>
+                <a:spcPts val="2133"/>
+              </a:spcBef>
+              <a:spcAft>
+                <a:spcPts val="0"/>
+              </a:spcAft>
+              <a:buSzPts val="1400"/>
+              <a:buChar char="○"/>
+              <a:defRPr/>
+            </a:lvl2pPr>
+            <a:lvl3pPr marL="1828754" lvl="2" indent="-423323">
+              <a:spcBef>
+                <a:spcPts val="2133"/>
+              </a:spcBef>
+              <a:spcAft>
+                <a:spcPts val="0"/>
+              </a:spcAft>
+              <a:buSzPts val="1400"/>
+              <a:buChar char="■"/>
+              <a:defRPr/>
+            </a:lvl3pPr>
+            <a:lvl4pPr marL="2438339" lvl="3" indent="-423323">
+              <a:spcBef>
+                <a:spcPts val="2133"/>
+              </a:spcBef>
+              <a:spcAft>
+                <a:spcPts val="0"/>
+              </a:spcAft>
+              <a:buSzPts val="1400"/>
+              <a:buChar char="●"/>
+              <a:defRPr/>
+            </a:lvl4pPr>
+            <a:lvl5pPr marL="3047924" lvl="4" indent="-423323">
+              <a:spcBef>
+                <a:spcPts val="2133"/>
+              </a:spcBef>
+              <a:spcAft>
+                <a:spcPts val="0"/>
+              </a:spcAft>
+              <a:buSzPts val="1400"/>
+              <a:buChar char="○"/>
+              <a:defRPr/>
+            </a:lvl5pPr>
+            <a:lvl6pPr marL="3657509" lvl="5" indent="-423323">
+              <a:spcBef>
+                <a:spcPts val="2133"/>
+              </a:spcBef>
+              <a:spcAft>
+                <a:spcPts val="0"/>
+              </a:spcAft>
+              <a:buSzPts val="1400"/>
+              <a:buChar char="■"/>
+              <a:defRPr/>
+            </a:lvl6pPr>
+            <a:lvl7pPr marL="4267093" lvl="6" indent="-423323">
+              <a:spcBef>
+                <a:spcPts val="2133"/>
+              </a:spcBef>
+              <a:spcAft>
+                <a:spcPts val="0"/>
+              </a:spcAft>
+              <a:buSzPts val="1400"/>
+              <a:buChar char="●"/>
+              <a:defRPr/>
+            </a:lvl7pPr>
+            <a:lvl8pPr marL="4876678" lvl="7" indent="-423323">
+              <a:spcBef>
+                <a:spcPts val="2133"/>
+              </a:spcBef>
+              <a:spcAft>
+                <a:spcPts val="0"/>
+              </a:spcAft>
+              <a:buSzPts val="1400"/>
+              <a:buChar char="○"/>
+              <a:defRPr/>
+            </a:lvl8pPr>
+            <a:lvl9pPr marL="5486263" lvl="8" indent="-423323">
+              <a:spcBef>
+                <a:spcPts val="2133"/>
+              </a:spcBef>
+              <a:spcAft>
+                <a:spcPts val="2133"/>
+              </a:spcAft>
+              <a:buSzPts val="1400"/>
+              <a:buChar char="■"/>
+              <a:defRPr/>
+            </a:lvl9pPr>
+          </a:lstStyle>
+          <a:p>
+            <a:endParaRPr/>
+          </a:p>
+        </p:txBody>
+      </p:sp>
+      <p:sp>
+        <p:nvSpPr>
+          <p:cNvPr id="19" name="Google Shape;19;p4"/>
+          <p:cNvSpPr txBox="1">
+            <a:spLocks noGrp="1"/>
+          </p:cNvSpPr>
+          <p:nvPr>
+            <p:ph type="sldNum" idx="12"/>
+          </p:nvPr>
+        </p:nvSpPr>
+        <p:spPr>
+          <a:xfrm>
+            <a:off x="11296611" y="6217623"/>
+            <a:ext cx="731600" cy="524800"/>
+          </a:xfrm>
+          <a:prstGeom prst="rect">
+            <a:avLst/>
+          </a:prstGeom>
+        </p:spPr>
+        <p:txBody>
+          <a:bodyPr spcFirstLastPara="1" wrap="square" lIns="91425" tIns="91425" rIns="91425" bIns="91425" anchor="ctr" anchorCtr="0">
+            <a:noAutofit/>
+          </a:bodyPr>
+          <a:lstStyle>
+            <a:lvl1pPr lvl="0">
+              <a:buNone/>
+              <a:defRPr/>
+            </a:lvl1pPr>
+            <a:lvl2pPr lvl="1">
+              <a:buNone/>
+              <a:defRPr/>
+            </a:lvl2pPr>
+            <a:lvl3pPr lvl="2">
+              <a:buNone/>
+              <a:defRPr/>
+            </a:lvl3pPr>
+            <a:lvl4pPr lvl="3">
+              <a:buNone/>
+              <a:defRPr/>
+            </a:lvl4pPr>
+            <a:lvl5pPr lvl="4">
+              <a:buNone/>
+              <a:defRPr/>
+            </a:lvl5pPr>
+            <a:lvl6pPr lvl="5">
+              <a:buNone/>
+              <a:defRPr/>
+            </a:lvl6pPr>
+            <a:lvl7pPr lvl="6">
+              <a:buNone/>
+              <a:defRPr/>
+            </a:lvl7pPr>
+            <a:lvl8pPr lvl="7">
+              <a:buNone/>
+              <a:defRPr/>
+            </a:lvl8pPr>
+            <a:lvl9pPr lvl="8">
+              <a:buNone/>
+              <a:defRPr/>
+            </a:lvl9pPr>
+          </a:lstStyle>
+          <a:p>
+            <a:fld id="{00000000-1234-1234-1234-123412341234}" type="slidenum">
+              <a:rPr lang="en" smtClean="0"/>
+              <a:pPr/>
+              <a:t>‹#›</a:t>
+            </a:fld>
+            <a:endParaRPr lang="en"/>
+          </a:p>
+        </p:txBody>
+      </p:sp>
+    </p:spTree>
+    <p:extLst>
+      <p:ext uri="{BB962C8B-B14F-4D97-AF65-F5344CB8AC3E}">
+        <p14:creationId xmlns:p14="http://schemas.microsoft.com/office/powerpoint/2010/main" val="2263214122"/>
+      </p:ext>
+    </p:extLst>
+  </p:cSld>
+  <p:clrMapOvr>
+    <a:masterClrMapping/>
+  </p:clrMapOvr>
+</p:sldLayout>
+</file>
+
+<file path=ppt/slideLayouts/slideLayout13.xml><?xml version="1.0" encoding="utf-8"?>
 <p:sldLayout xmlns:a="http://schemas.openxmlformats.org/drawingml/2006/main" xmlns:r="http://schemas.openxmlformats.org/officeDocument/2006/relationships" xmlns:p="http://schemas.openxmlformats.org/presentationml/2006/main" type="title" preserve="1">
   <p:cSld name="Title Slide">
     <p:spTree>
@@ -1246,7 +2065,7 @@
           <a:p>
             <a:fld id="{ED291B17-9318-49DB-B28B-6E5994AE9581}" type="datetime1">
               <a:rPr lang="en-US" smtClean="0"/>
-              <a:t>1/20/2025</a:t>
+              <a:t>1/21/2025</a:t>
             </a:fld>
             <a:endParaRPr lang="en-US" dirty="0"/>
           </a:p>
@@ -1319,7 +2138,7 @@
 </p:sldLayout>
 </file>
 
-<file path=ppt/slideLayouts/slideLayout13.xml><?xml version="1.0" encoding="utf-8"?>
+<file path=ppt/slideLayouts/slideLayout14.xml><?xml version="1.0" encoding="utf-8"?>
 <p:sldLayout xmlns:a="http://schemas.openxmlformats.org/drawingml/2006/main" xmlns:r="http://schemas.openxmlformats.org/officeDocument/2006/relationships" xmlns:p="http://schemas.openxmlformats.org/presentationml/2006/main" type="obj" preserve="1">
   <p:cSld name="Title and Content">
     <p:spTree>
@@ -1443,7 +2262,7 @@
           <a:p>
             <a:fld id="{78DD82B9-B8EE-4375-B6FF-88FA6ABB15D9}" type="datetime1">
               <a:rPr lang="en-US" smtClean="0"/>
-              <a:t>1/20/2025</a:t>
+              <a:t>1/21/2025</a:t>
             </a:fld>
             <a:endParaRPr lang="en-US" dirty="0"/>
           </a:p>
@@ -1516,7 +2335,7 @@
 </p:sldLayout>
 </file>
 
-<file path=ppt/slideLayouts/slideLayout14.xml><?xml version="1.0" encoding="utf-8"?>
+<file path=ppt/slideLayouts/slideLayout15.xml><?xml version="1.0" encoding="utf-8"?>
 <p:sldLayout xmlns:a="http://schemas.openxmlformats.org/drawingml/2006/main" xmlns:r="http://schemas.openxmlformats.org/officeDocument/2006/relationships" xmlns:p="http://schemas.openxmlformats.org/presentationml/2006/main" type="secHead" preserve="1">
   <p:cSld name="Section Header">
     <p:spTree>
@@ -1754,7 +2573,7 @@
           <a:p>
             <a:fld id="{B2497495-0637-405E-AE64-5CC7506D51F5}" type="datetime1">
               <a:rPr lang="en-US" smtClean="0"/>
-              <a:t>1/20/2025</a:t>
+              <a:t>1/21/2025</a:t>
             </a:fld>
             <a:endParaRPr lang="en-US" dirty="0"/>
           </a:p>
@@ -1827,7 +2646,7 @@
 </p:sldLayout>
 </file>
 
-<file path=ppt/slideLayouts/slideLayout15.xml><?xml version="1.0" encoding="utf-8"?>
+<file path=ppt/slideLayouts/slideLayout16.xml><?xml version="1.0" encoding="utf-8"?>
 <p:sldLayout xmlns:a="http://schemas.openxmlformats.org/drawingml/2006/main" xmlns:r="http://schemas.openxmlformats.org/officeDocument/2006/relationships" xmlns:p="http://schemas.openxmlformats.org/presentationml/2006/main" type="twoObj" preserve="1">
   <p:cSld name="Two Content">
     <p:spTree>
@@ -2007,7 +2826,7 @@
           <a:p>
             <a:fld id="{7BFFD690-9426-415D-8B65-26881E07B2D4}" type="datetime1">
               <a:rPr lang="en-US" smtClean="0"/>
-              <a:t>1/20/2025</a:t>
+              <a:t>1/21/2025</a:t>
             </a:fld>
             <a:endParaRPr lang="en-US" dirty="0"/>
           </a:p>
@@ -2068,7 +2887,7 @@
 </p:sldLayout>
 </file>
 
-<file path=ppt/slideLayouts/slideLayout16.xml><?xml version="1.0" encoding="utf-8"?>
+<file path=ppt/slideLayouts/slideLayout17.xml><?xml version="1.0" encoding="utf-8"?>
 <p:sldLayout xmlns:a="http://schemas.openxmlformats.org/drawingml/2006/main" xmlns:r="http://schemas.openxmlformats.org/officeDocument/2006/relationships" xmlns:p="http://schemas.openxmlformats.org/presentationml/2006/main" preserve="1">
   <p:cSld name="Comparison">
     <p:spTree>
@@ -2429,7 +3248,7 @@
           <a:p>
             <a:fld id="{04C4989A-474C-40DE-95B9-011C28B71673}" type="datetime1">
               <a:rPr lang="en-US" smtClean="0"/>
-              <a:t>1/20/2025</a:t>
+              <a:t>1/21/2025</a:t>
             </a:fld>
             <a:endParaRPr lang="en-US" dirty="0"/>
           </a:p>
@@ -2490,7 +3309,7 @@
 </p:sldLayout>
 </file>
 
-<file path=ppt/slideLayouts/slideLayout17.xml><?xml version="1.0" encoding="utf-8"?>
+<file path=ppt/slideLayouts/slideLayout18.xml><?xml version="1.0" encoding="utf-8"?>
 <p:sldLayout xmlns:a="http://schemas.openxmlformats.org/drawingml/2006/main" xmlns:r="http://schemas.openxmlformats.org/officeDocument/2006/relationships" xmlns:p="http://schemas.openxmlformats.org/presentationml/2006/main" type="titleOnly" preserve="1">
   <p:cSld name="Title Only">
     <p:spTree>
@@ -2552,7 +3371,7 @@
           <a:p>
             <a:fld id="{5DB4ED54-5B5E-4A04-93D3-5772E3CE3818}" type="datetime1">
               <a:rPr lang="en-US" smtClean="0"/>
-              <a:t>1/20/2025</a:t>
+              <a:t>1/21/2025</a:t>
             </a:fld>
             <a:endParaRPr lang="en-US" dirty="0"/>
           </a:p>
@@ -2613,7 +3432,7 @@
 </p:sldLayout>
 </file>
 
-<file path=ppt/slideLayouts/slideLayout18.xml><?xml version="1.0" encoding="utf-8"?>
+<file path=ppt/slideLayouts/slideLayout19.xml><?xml version="1.0" encoding="utf-8"?>
 <p:sldLayout xmlns:a="http://schemas.openxmlformats.org/drawingml/2006/main" xmlns:r="http://schemas.openxmlformats.org/officeDocument/2006/relationships" xmlns:p="http://schemas.openxmlformats.org/presentationml/2006/main" type="blank" preserve="1">
   <p:cSld name="Blank">
     <p:spTree>
@@ -2647,7 +3466,7 @@
           <a:p>
             <a:fld id="{4EDE50D6-574B-40AF-946F-D52A04ADE379}" type="datetime1">
               <a:rPr lang="en-US" smtClean="0"/>
-              <a:t>1/20/2025</a:t>
+              <a:t>1/21/2025</a:t>
             </a:fld>
             <a:endParaRPr lang="en-US" dirty="0"/>
           </a:p>
@@ -2708,7 +3527,203 @@
 </p:sldLayout>
 </file>
 
-<file path=ppt/slideLayouts/slideLayout19.xml><?xml version="1.0" encoding="utf-8"?>
+<file path=ppt/slideLayouts/slideLayout2.xml><?xml version="1.0" encoding="utf-8"?>
+<p:sldLayout xmlns:a="http://schemas.openxmlformats.org/drawingml/2006/main" xmlns:r="http://schemas.openxmlformats.org/officeDocument/2006/relationships" xmlns:p="http://schemas.openxmlformats.org/presentationml/2006/main" type="obj" preserve="1">
+  <p:cSld name="Title and Content">
+    <p:spTree>
+      <p:nvGrpSpPr>
+        <p:cNvPr id="1" name=""/>
+        <p:cNvGrpSpPr/>
+        <p:nvPr/>
+      </p:nvGrpSpPr>
+      <p:grpSpPr>
+        <a:xfrm>
+          <a:off x="0" y="0"/>
+          <a:ext cx="0" cy="0"/>
+          <a:chOff x="0" y="0"/>
+          <a:chExt cx="0" cy="0"/>
+        </a:xfrm>
+      </p:grpSpPr>
+      <p:sp>
+        <p:nvSpPr>
+          <p:cNvPr id="2" name="Title 1"/>
+          <p:cNvSpPr>
+            <a:spLocks noGrp="1"/>
+          </p:cNvSpPr>
+          <p:nvPr>
+            <p:ph type="title"/>
+          </p:nvPr>
+        </p:nvSpPr>
+        <p:spPr>
+          <a:xfrm>
+            <a:off x="581192" y="702156"/>
+            <a:ext cx="11029616" cy="1188720"/>
+          </a:xfrm>
+        </p:spPr>
+        <p:txBody>
+          <a:bodyPr/>
+          <a:lstStyle/>
+          <a:p>
+            <a:r>
+              <a:rPr lang="en-US" dirty="0"/>
+              <a:t>Click to edit Master title style</a:t>
+            </a:r>
+          </a:p>
+        </p:txBody>
+      </p:sp>
+      <p:sp>
+        <p:nvSpPr>
+          <p:cNvPr id="3" name="Content Placeholder 2"/>
+          <p:cNvSpPr>
+            <a:spLocks noGrp="1"/>
+          </p:cNvSpPr>
+          <p:nvPr>
+            <p:ph idx="1"/>
+          </p:nvPr>
+        </p:nvSpPr>
+        <p:spPr>
+          <a:xfrm>
+            <a:off x="581192" y="2340864"/>
+            <a:ext cx="11029615" cy="3634486"/>
+          </a:xfrm>
+        </p:spPr>
+        <p:txBody>
+          <a:bodyPr/>
+          <a:lstStyle/>
+          <a:p>
+            <a:pPr lvl="0"/>
+            <a:r>
+              <a:rPr lang="en-US" dirty="0"/>
+              <a:t>Click to edit Master text styles</a:t>
+            </a:r>
+          </a:p>
+          <a:p>
+            <a:pPr lvl="1"/>
+            <a:r>
+              <a:rPr lang="en-US" dirty="0"/>
+              <a:t>Second level</a:t>
+            </a:r>
+          </a:p>
+          <a:p>
+            <a:pPr lvl="2"/>
+            <a:r>
+              <a:rPr lang="en-US" dirty="0"/>
+              <a:t>Third level</a:t>
+            </a:r>
+          </a:p>
+          <a:p>
+            <a:pPr lvl="3"/>
+            <a:r>
+              <a:rPr lang="en-US" dirty="0"/>
+              <a:t>Fourth level</a:t>
+            </a:r>
+          </a:p>
+          <a:p>
+            <a:pPr lvl="4"/>
+            <a:r>
+              <a:rPr lang="en-US" dirty="0"/>
+              <a:t>Fifth level</a:t>
+            </a:r>
+          </a:p>
+        </p:txBody>
+      </p:sp>
+      <p:sp>
+        <p:nvSpPr>
+          <p:cNvPr id="8" name="Date Placeholder 7">
+            <a:extLst>
+              <a:ext uri="{FF2B5EF4-FFF2-40B4-BE49-F238E27FC236}">
+                <a16:creationId xmlns:a16="http://schemas.microsoft.com/office/drawing/2014/main" id="{770E6237-3456-439F-802D-3BA93FC7E3E5}"/>
+              </a:ext>
+            </a:extLst>
+          </p:cNvPr>
+          <p:cNvSpPr>
+            <a:spLocks noGrp="1"/>
+          </p:cNvSpPr>
+          <p:nvPr>
+            <p:ph type="dt" sz="half" idx="10"/>
+          </p:nvPr>
+        </p:nvSpPr>
+        <p:spPr/>
+        <p:txBody>
+          <a:bodyPr/>
+          <a:lstStyle/>
+          <a:p>
+            <a:fld id="{78DD82B9-B8EE-4375-B6FF-88FA6ABB15D9}" type="datetime1">
+              <a:rPr lang="en-US" smtClean="0"/>
+              <a:t>1/21/2025</a:t>
+            </a:fld>
+            <a:endParaRPr lang="en-US" dirty="0"/>
+          </a:p>
+        </p:txBody>
+      </p:sp>
+      <p:sp>
+        <p:nvSpPr>
+          <p:cNvPr id="9" name="Footer Placeholder 8">
+            <a:extLst>
+              <a:ext uri="{FF2B5EF4-FFF2-40B4-BE49-F238E27FC236}">
+                <a16:creationId xmlns:a16="http://schemas.microsoft.com/office/drawing/2014/main" id="{1356D3B5-6063-4A89-B88F-9D3043916FF8}"/>
+              </a:ext>
+            </a:extLst>
+          </p:cNvPr>
+          <p:cNvSpPr>
+            <a:spLocks noGrp="1"/>
+          </p:cNvSpPr>
+          <p:nvPr>
+            <p:ph type="ftr" sz="quarter" idx="11"/>
+          </p:nvPr>
+        </p:nvSpPr>
+        <p:spPr/>
+        <p:txBody>
+          <a:bodyPr/>
+          <a:lstStyle/>
+          <a:p>
+            <a:endParaRPr lang="en-US" dirty="0"/>
+          </a:p>
+        </p:txBody>
+      </p:sp>
+      <p:sp>
+        <p:nvSpPr>
+          <p:cNvPr id="10" name="Slide Number Placeholder 9">
+            <a:extLst>
+              <a:ext uri="{FF2B5EF4-FFF2-40B4-BE49-F238E27FC236}">
+                <a16:creationId xmlns:a16="http://schemas.microsoft.com/office/drawing/2014/main" id="{02B78BF7-69D3-4CE0-A631-50EFD41EEEB8}"/>
+              </a:ext>
+            </a:extLst>
+          </p:cNvPr>
+          <p:cNvSpPr>
+            <a:spLocks noGrp="1"/>
+          </p:cNvSpPr>
+          <p:nvPr>
+            <p:ph type="sldNum" sz="quarter" idx="12"/>
+          </p:nvPr>
+        </p:nvSpPr>
+        <p:spPr/>
+        <p:txBody>
+          <a:bodyPr/>
+          <a:lstStyle/>
+          <a:p>
+            <a:fld id="{3A98EE3D-8CD1-4C3F-BD1C-C98C9596463C}" type="slidenum">
+              <a:rPr lang="en-US" smtClean="0"/>
+              <a:t>‹#›</a:t>
+            </a:fld>
+            <a:endParaRPr lang="en-US" dirty="0"/>
+          </a:p>
+        </p:txBody>
+      </p:sp>
+    </p:spTree>
+    <p:extLst>
+      <p:ext uri="{BB962C8B-B14F-4D97-AF65-F5344CB8AC3E}">
+        <p14:creationId xmlns:p14="http://schemas.microsoft.com/office/powerpoint/2010/main" val="3358017315"/>
+      </p:ext>
+    </p:extLst>
+  </p:cSld>
+  <p:clrMapOvr>
+    <a:masterClrMapping/>
+  </p:clrMapOvr>
+</p:sldLayout>
+</file>
+
+<file path=ppt/slideLayouts/slideLayout20.xml><?xml version="1.0" encoding="utf-8"?>
 <p:sldLayout xmlns:a="http://schemas.openxmlformats.org/drawingml/2006/main" xmlns:r="http://schemas.openxmlformats.org/officeDocument/2006/relationships" xmlns:p="http://schemas.openxmlformats.org/presentationml/2006/main" type="objTx" preserve="1">
   <p:cSld name="Content with Caption">
     <p:spTree>
@@ -3023,7 +4038,7 @@
           <a:p>
             <a:fld id="{D82884F1-FFEA-405F-9602-3DCA865EDA4E}" type="datetime1">
               <a:rPr lang="en-US" smtClean="0"/>
-              <a:t>1/20/2025</a:t>
+              <a:t>1/21/2025</a:t>
             </a:fld>
             <a:endParaRPr lang="en-US" dirty="0"/>
           </a:p>
@@ -3107,203 +4122,7 @@
 </p:sldLayout>
 </file>
 
-<file path=ppt/slideLayouts/slideLayout2.xml><?xml version="1.0" encoding="utf-8"?>
-<p:sldLayout xmlns:a="http://schemas.openxmlformats.org/drawingml/2006/main" xmlns:r="http://schemas.openxmlformats.org/officeDocument/2006/relationships" xmlns:p="http://schemas.openxmlformats.org/presentationml/2006/main" type="obj" preserve="1">
-  <p:cSld name="Title and Content">
-    <p:spTree>
-      <p:nvGrpSpPr>
-        <p:cNvPr id="1" name=""/>
-        <p:cNvGrpSpPr/>
-        <p:nvPr/>
-      </p:nvGrpSpPr>
-      <p:grpSpPr>
-        <a:xfrm>
-          <a:off x="0" y="0"/>
-          <a:ext cx="0" cy="0"/>
-          <a:chOff x="0" y="0"/>
-          <a:chExt cx="0" cy="0"/>
-        </a:xfrm>
-      </p:grpSpPr>
-      <p:sp>
-        <p:nvSpPr>
-          <p:cNvPr id="2" name="Title 1"/>
-          <p:cNvSpPr>
-            <a:spLocks noGrp="1"/>
-          </p:cNvSpPr>
-          <p:nvPr>
-            <p:ph type="title"/>
-          </p:nvPr>
-        </p:nvSpPr>
-        <p:spPr>
-          <a:xfrm>
-            <a:off x="581192" y="702156"/>
-            <a:ext cx="11029616" cy="1188720"/>
-          </a:xfrm>
-        </p:spPr>
-        <p:txBody>
-          <a:bodyPr/>
-          <a:lstStyle/>
-          <a:p>
-            <a:r>
-              <a:rPr lang="en-US" dirty="0"/>
-              <a:t>Click to edit Master title style</a:t>
-            </a:r>
-          </a:p>
-        </p:txBody>
-      </p:sp>
-      <p:sp>
-        <p:nvSpPr>
-          <p:cNvPr id="3" name="Content Placeholder 2"/>
-          <p:cNvSpPr>
-            <a:spLocks noGrp="1"/>
-          </p:cNvSpPr>
-          <p:nvPr>
-            <p:ph idx="1"/>
-          </p:nvPr>
-        </p:nvSpPr>
-        <p:spPr>
-          <a:xfrm>
-            <a:off x="581192" y="2340864"/>
-            <a:ext cx="11029615" cy="3634486"/>
-          </a:xfrm>
-        </p:spPr>
-        <p:txBody>
-          <a:bodyPr/>
-          <a:lstStyle/>
-          <a:p>
-            <a:pPr lvl="0"/>
-            <a:r>
-              <a:rPr lang="en-US" dirty="0"/>
-              <a:t>Click to edit Master text styles</a:t>
-            </a:r>
-          </a:p>
-          <a:p>
-            <a:pPr lvl="1"/>
-            <a:r>
-              <a:rPr lang="en-US" dirty="0"/>
-              <a:t>Second level</a:t>
-            </a:r>
-          </a:p>
-          <a:p>
-            <a:pPr lvl="2"/>
-            <a:r>
-              <a:rPr lang="en-US" dirty="0"/>
-              <a:t>Third level</a:t>
-            </a:r>
-          </a:p>
-          <a:p>
-            <a:pPr lvl="3"/>
-            <a:r>
-              <a:rPr lang="en-US" dirty="0"/>
-              <a:t>Fourth level</a:t>
-            </a:r>
-          </a:p>
-          <a:p>
-            <a:pPr lvl="4"/>
-            <a:r>
-              <a:rPr lang="en-US" dirty="0"/>
-              <a:t>Fifth level</a:t>
-            </a:r>
-          </a:p>
-        </p:txBody>
-      </p:sp>
-      <p:sp>
-        <p:nvSpPr>
-          <p:cNvPr id="8" name="Date Placeholder 7">
-            <a:extLst>
-              <a:ext uri="{FF2B5EF4-FFF2-40B4-BE49-F238E27FC236}">
-                <a16:creationId xmlns:a16="http://schemas.microsoft.com/office/drawing/2014/main" id="{770E6237-3456-439F-802D-3BA93FC7E3E5}"/>
-              </a:ext>
-            </a:extLst>
-          </p:cNvPr>
-          <p:cNvSpPr>
-            <a:spLocks noGrp="1"/>
-          </p:cNvSpPr>
-          <p:nvPr>
-            <p:ph type="dt" sz="half" idx="10"/>
-          </p:nvPr>
-        </p:nvSpPr>
-        <p:spPr/>
-        <p:txBody>
-          <a:bodyPr/>
-          <a:lstStyle/>
-          <a:p>
-            <a:fld id="{78DD82B9-B8EE-4375-B6FF-88FA6ABB15D9}" type="datetime1">
-              <a:rPr lang="en-US" smtClean="0"/>
-              <a:t>1/20/2025</a:t>
-            </a:fld>
-            <a:endParaRPr lang="en-US" dirty="0"/>
-          </a:p>
-        </p:txBody>
-      </p:sp>
-      <p:sp>
-        <p:nvSpPr>
-          <p:cNvPr id="9" name="Footer Placeholder 8">
-            <a:extLst>
-              <a:ext uri="{FF2B5EF4-FFF2-40B4-BE49-F238E27FC236}">
-                <a16:creationId xmlns:a16="http://schemas.microsoft.com/office/drawing/2014/main" id="{1356D3B5-6063-4A89-B88F-9D3043916FF8}"/>
-              </a:ext>
-            </a:extLst>
-          </p:cNvPr>
-          <p:cNvSpPr>
-            <a:spLocks noGrp="1"/>
-          </p:cNvSpPr>
-          <p:nvPr>
-            <p:ph type="ftr" sz="quarter" idx="11"/>
-          </p:nvPr>
-        </p:nvSpPr>
-        <p:spPr/>
-        <p:txBody>
-          <a:bodyPr/>
-          <a:lstStyle/>
-          <a:p>
-            <a:endParaRPr lang="en-US" dirty="0"/>
-          </a:p>
-        </p:txBody>
-      </p:sp>
-      <p:sp>
-        <p:nvSpPr>
-          <p:cNvPr id="10" name="Slide Number Placeholder 9">
-            <a:extLst>
-              <a:ext uri="{FF2B5EF4-FFF2-40B4-BE49-F238E27FC236}">
-                <a16:creationId xmlns:a16="http://schemas.microsoft.com/office/drawing/2014/main" id="{02B78BF7-69D3-4CE0-A631-50EFD41EEEB8}"/>
-              </a:ext>
-            </a:extLst>
-          </p:cNvPr>
-          <p:cNvSpPr>
-            <a:spLocks noGrp="1"/>
-          </p:cNvSpPr>
-          <p:nvPr>
-            <p:ph type="sldNum" sz="quarter" idx="12"/>
-          </p:nvPr>
-        </p:nvSpPr>
-        <p:spPr/>
-        <p:txBody>
-          <a:bodyPr/>
-          <a:lstStyle/>
-          <a:p>
-            <a:fld id="{3A98EE3D-8CD1-4C3F-BD1C-C98C9596463C}" type="slidenum">
-              <a:rPr lang="en-US" smtClean="0"/>
-              <a:t>‹#›</a:t>
-            </a:fld>
-            <a:endParaRPr lang="en-US" dirty="0"/>
-          </a:p>
-        </p:txBody>
-      </p:sp>
-    </p:spTree>
-    <p:extLst>
-      <p:ext uri="{BB962C8B-B14F-4D97-AF65-F5344CB8AC3E}">
-        <p14:creationId xmlns:p14="http://schemas.microsoft.com/office/powerpoint/2010/main" val="3358017315"/>
-      </p:ext>
-    </p:extLst>
-  </p:cSld>
-  <p:clrMapOvr>
-    <a:masterClrMapping/>
-  </p:clrMapOvr>
-</p:sldLayout>
-</file>
-
-<file path=ppt/slideLayouts/slideLayout20.xml><?xml version="1.0" encoding="utf-8"?>
+<file path=ppt/slideLayouts/slideLayout21.xml><?xml version="1.0" encoding="utf-8"?>
 <p:sldLayout xmlns:a="http://schemas.openxmlformats.org/drawingml/2006/main" xmlns:r="http://schemas.openxmlformats.org/officeDocument/2006/relationships" xmlns:p="http://schemas.openxmlformats.org/presentationml/2006/main" type="picTx" preserve="1">
   <p:cSld name="Picture with Caption">
     <p:spTree>
@@ -3512,7 +4331,7 @@
           <a:p>
             <a:fld id="{7E18DB4A-8810-4A10-AD5C-D5E2C667F5B3}" type="datetime1">
               <a:rPr lang="en-US" smtClean="0"/>
-              <a:t>1/20/2025</a:t>
+              <a:t>1/21/2025</a:t>
             </a:fld>
             <a:endParaRPr lang="en-US" dirty="0"/>
           </a:p>
@@ -3574,7 +4393,7 @@
 </p:sldLayout>
 </file>
 
-<file path=ppt/slideLayouts/slideLayout21.xml><?xml version="1.0" encoding="utf-8"?>
+<file path=ppt/slideLayouts/slideLayout22.xml><?xml version="1.0" encoding="utf-8"?>
 <p:sldLayout xmlns:a="http://schemas.openxmlformats.org/drawingml/2006/main" xmlns:r="http://schemas.openxmlformats.org/officeDocument/2006/relationships" xmlns:p="http://schemas.openxmlformats.org/presentationml/2006/main" type="vertTx" preserve="1">
   <p:cSld name="Title and Vertical Text">
     <p:spTree>
@@ -3704,7 +4523,7 @@
           <a:p>
             <a:fld id="{2CED4963-E985-44C4-B8C4-FDD613B7C2F8}" type="datetime1">
               <a:rPr lang="en-US" smtClean="0"/>
-              <a:t>1/20/2025</a:t>
+              <a:t>1/21/2025</a:t>
             </a:fld>
             <a:endParaRPr lang="en-US" dirty="0"/>
           </a:p>
@@ -3765,7 +4584,7 @@
 </p:sldLayout>
 </file>
 
-<file path=ppt/slideLayouts/slideLayout22.xml><?xml version="1.0" encoding="utf-8"?>
+<file path=ppt/slideLayouts/slideLayout23.xml><?xml version="1.0" encoding="utf-8"?>
 <p:sldLayout xmlns:a="http://schemas.openxmlformats.org/drawingml/2006/main" xmlns:r="http://schemas.openxmlformats.org/officeDocument/2006/relationships" xmlns:p="http://schemas.openxmlformats.org/presentationml/2006/main" showMasterSp="0" type="vertTitleAndTx" preserve="1">
   <p:cSld name="Vertical Title and Text">
     <p:spTree>
@@ -4066,7 +4885,7 @@
           <a:p>
             <a:fld id="{ED291B17-9318-49DB-B28B-6E5994AE9581}" type="datetime1">
               <a:rPr lang="en-US" smtClean="0"/>
-              <a:t>1/20/2025</a:t>
+              <a:t>1/21/2025</a:t>
             </a:fld>
             <a:endParaRPr lang="en-US" dirty="0"/>
           </a:p>
@@ -4139,7 +4958,7 @@
 </p:sldLayout>
 </file>
 
-<file path=ppt/slideLayouts/slideLayout23.xml><?xml version="1.0" encoding="utf-8"?>
+<file path=ppt/slideLayouts/slideLayout24.xml><?xml version="1.0" encoding="utf-8"?>
 <p:sldLayout xmlns:a="http://schemas.openxmlformats.org/drawingml/2006/main" xmlns:r="http://schemas.openxmlformats.org/officeDocument/2006/relationships" xmlns:p="http://schemas.openxmlformats.org/presentationml/2006/main" matchingName="Title and body 1">
   <p:cSld name="Title and body 1">
     <p:spTree>
@@ -4542,7 +5361,7 @@
           <a:p>
             <a:fld id="{B2497495-0637-405E-AE64-5CC7506D51F5}" type="datetime1">
               <a:rPr lang="en-US" smtClean="0"/>
-              <a:t>1/20/2025</a:t>
+              <a:t>1/21/2025</a:t>
             </a:fld>
             <a:endParaRPr lang="en-US" dirty="0"/>
           </a:p>
@@ -4793,7 +5612,7 @@
           <a:p>
             <a:fld id="{7BFFD690-9426-415D-8B65-26881E07B2D4}" type="datetime1">
               <a:rPr lang="en-US" smtClean="0"/>
-              <a:t>1/20/2025</a:t>
+              <a:t>1/21/2025</a:t>
             </a:fld>
             <a:endParaRPr lang="en-US" dirty="0"/>
           </a:p>
@@ -5214,7 +6033,7 @@
           <a:p>
             <a:fld id="{04C4989A-474C-40DE-95B9-011C28B71673}" type="datetime1">
               <a:rPr lang="en-US" smtClean="0"/>
-              <a:t>1/20/2025</a:t>
+              <a:t>1/21/2025</a:t>
             </a:fld>
             <a:endParaRPr lang="en-US" dirty="0"/>
           </a:p>
@@ -5337,7 +6156,7 @@
           <a:p>
             <a:fld id="{5DB4ED54-5B5E-4A04-93D3-5772E3CE3818}" type="datetime1">
               <a:rPr lang="en-US" smtClean="0"/>
-              <a:t>1/20/2025</a:t>
+              <a:t>1/21/2025</a:t>
             </a:fld>
             <a:endParaRPr lang="en-US" dirty="0"/>
           </a:p>
@@ -5432,7 +6251,7 @@
           <a:p>
             <a:fld id="{4EDE50D6-574B-40AF-946F-D52A04ADE379}" type="datetime1">
               <a:rPr lang="en-US" smtClean="0"/>
-              <a:t>1/20/2025</a:t>
+              <a:t>1/21/2025</a:t>
             </a:fld>
             <a:endParaRPr lang="en-US" dirty="0"/>
           </a:p>
@@ -5808,7 +6627,7 @@
           <a:p>
             <a:fld id="{D82884F1-FFEA-405F-9602-3DCA865EDA4E}" type="datetime1">
               <a:rPr lang="en-US" smtClean="0"/>
-              <a:t>1/20/2025</a:t>
+              <a:t>1/21/2025</a:t>
             </a:fld>
             <a:endParaRPr lang="en-US" dirty="0"/>
           </a:p>
@@ -6101,7 +6920,7 @@
           <a:p>
             <a:fld id="{7E18DB4A-8810-4A10-AD5C-D5E2C667F5B3}" type="datetime1">
               <a:rPr lang="en-US" smtClean="0"/>
-              <a:t>1/20/2025</a:t>
+              <a:t>1/21/2025</a:t>
             </a:fld>
             <a:endParaRPr lang="en-US" dirty="0"/>
           </a:p>
@@ -6316,7 +7135,7 @@
           <a:p>
             <a:fld id="{ED291B17-9318-49DB-B28B-6E5994AE9581}" type="datetime1">
               <a:rPr lang="en-US" smtClean="0"/>
-              <a:t>1/20/2025</a:t>
+              <a:t>1/21/2025</a:t>
             </a:fld>
             <a:endParaRPr lang="en-US" dirty="0"/>
           </a:p>
@@ -6533,6 +7352,7 @@
     <p:sldLayoutId id="2147483676" r:id="rId9"/>
     <p:sldLayoutId id="2147483677" r:id="rId10"/>
     <p:sldLayoutId id="2147483679" r:id="rId11"/>
+    <p:sldLayoutId id="2147483699" r:id="rId12"/>
   </p:sldLayoutIdLst>
   <p:hf sldNum="0" hdr="0" ftr="0" dt="0"/>
   <p:txStyles>
@@ -7095,7 +7915,7 @@
           <a:p>
             <a:fld id="{ED291B17-9318-49DB-B28B-6E5994AE9581}" type="datetime1">
               <a:rPr lang="en-US" smtClean="0"/>
-              <a:t>1/20/2025</a:t>
+              <a:t>1/21/2025</a:t>
             </a:fld>
             <a:endParaRPr lang="en-US" dirty="0"/>
           </a:p>
@@ -8138,13 +8958,7 @@
       </p:grpSpPr>
       <p:sp>
         <p:nvSpPr>
-          <p:cNvPr id="2" name="Title 1">
-            <a:extLst>
-              <a:ext uri="{FF2B5EF4-FFF2-40B4-BE49-F238E27FC236}">
-                <a16:creationId xmlns:a16="http://schemas.microsoft.com/office/drawing/2014/main" id="{418EC4AF-3D67-37CC-CBC7-8691B1A0C83D}"/>
-              </a:ext>
-            </a:extLst>
-          </p:cNvPr>
+          <p:cNvPr id="2" name="Title 1"/>
           <p:cNvSpPr>
             <a:spLocks noGrp="1"/>
           </p:cNvSpPr>
@@ -8154,41 +8968,8 @@
         </p:nvSpPr>
         <p:spPr>
           <a:xfrm>
-            <a:off x="581192" y="702156"/>
-            <a:ext cx="11029616" cy="614580"/>
-          </a:xfrm>
-        </p:spPr>
-        <p:txBody>
-          <a:bodyPr/>
-          <a:lstStyle/>
-          <a:p>
-            <a:r>
-              <a:rPr lang="en-US" dirty="0"/>
-              <a:t>Sampling distribution - proportion</a:t>
-            </a:r>
-          </a:p>
-        </p:txBody>
-      </p:sp>
-      <p:sp>
-        <p:nvSpPr>
-          <p:cNvPr id="3" name="Content Placeholder 2">
-            <a:extLst>
-              <a:ext uri="{FF2B5EF4-FFF2-40B4-BE49-F238E27FC236}">
-                <a16:creationId xmlns:a16="http://schemas.microsoft.com/office/drawing/2014/main" id="{39EB90AF-FDC6-F9B6-48B7-342B01D44BFF}"/>
-              </a:ext>
-            </a:extLst>
-          </p:cNvPr>
-          <p:cNvSpPr>
-            <a:spLocks noGrp="1"/>
-          </p:cNvSpPr>
-          <p:nvPr>
-            <p:ph idx="1"/>
-          </p:nvPr>
-        </p:nvSpPr>
-        <p:spPr>
-          <a:xfrm>
-            <a:off x="581192" y="1435608"/>
-            <a:ext cx="11029615" cy="685800"/>
+            <a:off x="343746" y="702487"/>
+            <a:ext cx="5506720" cy="1381760"/>
           </a:xfrm>
         </p:spPr>
         <p:txBody>
@@ -8197,281 +8978,117 @@
           </a:bodyPr>
           <a:lstStyle/>
           <a:p>
-            <a:pPr algn="l"/>
-            <a:r>
-              <a:rPr lang="en-US" sz="1800" b="0" i="0" u="none" strike="noStrike" baseline="0" dirty="0">
-                <a:solidFill>
-                  <a:srgbClr val="23373B"/>
-                </a:solidFill>
-                <a:latin typeface="NimbusSanL-Regu-Slant_167"/>
-              </a:rPr>
-              <a:t>A reasonable guess for the true population proportion is the center of this distribution, approximately 0.88.</a:t>
-            </a:r>
-            <a:endParaRPr lang="en-US" dirty="0"/>
+            <a:r>
+              <a:rPr lang="en-US" dirty="0"/>
+              <a:t>Central Limit Theorem</a:t>
+            </a:r>
+            <a:br>
+              <a:rPr lang="en-US" dirty="0"/>
+            </a:br>
+            <a:r>
+              <a:rPr lang="en-US" dirty="0"/>
+              <a:t>according to </a:t>
+            </a:r>
+            <a:br>
+              <a:rPr lang="en-US" dirty="0"/>
+            </a:br>
+            <a:r>
+              <a:rPr lang="en-US" dirty="0" err="1"/>
+              <a:t>OpenIntroStatistics</a:t>
+            </a:r>
+            <a:r>
+              <a:rPr lang="en-US" dirty="0"/>
+              <a:t> Version4 </a:t>
+            </a:r>
           </a:p>
         </p:txBody>
       </p:sp>
       <p:pic>
         <p:nvPicPr>
-          <p:cNvPr id="5" name="Picture 4">
+          <p:cNvPr id="5" name="Content Placeholder 4"/>
+          <p:cNvPicPr>
+            <a:picLocks noGrp="1" noChangeAspect="1"/>
+          </p:cNvPicPr>
+          <p:nvPr>
+            <p:ph idx="1"/>
+          </p:nvPr>
+        </p:nvPicPr>
+        <p:blipFill rotWithShape="1">
+          <a:blip r:embed="rId2" cstate="print">
             <a:extLst>
-              <a:ext uri="{FF2B5EF4-FFF2-40B4-BE49-F238E27FC236}">
-                <a16:creationId xmlns:a16="http://schemas.microsoft.com/office/drawing/2014/main" id="{00118DAB-8005-0380-3AD5-739395205A35}"/>
+              <a:ext uri="{28A0092B-C50C-407E-A947-70E740481C1C}">
+                <a14:useLocalDpi xmlns:a14="http://schemas.microsoft.com/office/drawing/2010/main" val="0"/>
               </a:ext>
             </a:extLst>
-          </p:cNvPr>
+          </a:blip>
+          <a:srcRect l="5550" t="2835" r="3390" b="4936"/>
+          <a:stretch/>
+        </p:blipFill>
+        <p:spPr>
+          <a:xfrm rot="5400000">
+            <a:off x="6238511" y="1292753"/>
+            <a:ext cx="6217378" cy="4775200"/>
+          </a:xfrm>
+        </p:spPr>
+      </p:pic>
+      <p:sp>
+        <p:nvSpPr>
+          <p:cNvPr id="4" name="Slide Number Placeholder 3"/>
+          <p:cNvSpPr>
+            <a:spLocks noGrp="1"/>
+          </p:cNvSpPr>
+          <p:nvPr>
+            <p:ph type="sldNum" sz="quarter" idx="12"/>
+          </p:nvPr>
+        </p:nvSpPr>
+        <p:spPr/>
+        <p:txBody>
+          <a:bodyPr/>
+          <a:lstStyle/>
+          <a:p>
+            <a:fld id="{385401C2-AC7F-4F33-8F2D-F0C2C119B8B2}" type="slidenum">
+              <a:rPr lang="en-US" smtClean="0"/>
+              <a:t>10</a:t>
+            </a:fld>
+            <a:endParaRPr lang="en-US"/>
+          </a:p>
+        </p:txBody>
+      </p:sp>
+      <p:pic>
+        <p:nvPicPr>
+          <p:cNvPr id="7" name="Picture 6"/>
           <p:cNvPicPr>
             <a:picLocks noChangeAspect="1"/>
           </p:cNvPicPr>
           <p:nvPr/>
         </p:nvPicPr>
-        <p:blipFill>
-          <a:blip r:embed="rId2"/>
-          <a:stretch>
-            <a:fillRect/>
-          </a:stretch>
+        <p:blipFill rotWithShape="1">
+          <a:blip r:embed="rId3"/>
+          <a:srcRect l="30053" t="22931" r="14929" b="57548"/>
+          <a:stretch/>
         </p:blipFill>
         <p:spPr>
           <a:xfrm>
-            <a:off x="2931495" y="2798065"/>
-            <a:ext cx="5938186" cy="3883222"/>
+            <a:off x="152091" y="2322860"/>
+            <a:ext cx="6655418" cy="1328360"/>
           </a:xfrm>
           <a:prstGeom prst="rect">
             <a:avLst/>
           </a:prstGeom>
         </p:spPr>
       </p:pic>
-    </p:spTree>
-    <p:extLst>
-      <p:ext uri="{BB962C8B-B14F-4D97-AF65-F5344CB8AC3E}">
-        <p14:creationId xmlns:p14="http://schemas.microsoft.com/office/powerpoint/2010/main" val="819214115"/>
-      </p:ext>
-    </p:extLst>
-  </p:cSld>
-  <p:clrMapOvr>
-    <a:masterClrMapping/>
-  </p:clrMapOvr>
-</p:sld>
-</file>
-
-<file path=ppt/slides/slide11.xml><?xml version="1.0" encoding="utf-8"?>
-<p:sld xmlns:a="http://schemas.openxmlformats.org/drawingml/2006/main" xmlns:r="http://schemas.openxmlformats.org/officeDocument/2006/relationships" xmlns:p="http://schemas.openxmlformats.org/presentationml/2006/main">
-  <p:cSld>
-    <p:spTree>
-      <p:nvGrpSpPr>
-        <p:cNvPr id="1" name=""/>
-        <p:cNvGrpSpPr/>
-        <p:nvPr/>
-      </p:nvGrpSpPr>
-      <p:grpSpPr>
-        <a:xfrm>
-          <a:off x="0" y="0"/>
-          <a:ext cx="0" cy="0"/>
-          <a:chOff x="0" y="0"/>
-          <a:chExt cx="0" cy="0"/>
-        </a:xfrm>
-      </p:grpSpPr>
-      <p:sp>
-        <p:nvSpPr>
-          <p:cNvPr id="2" name="Title 1">
-            <a:extLst>
-              <a:ext uri="{FF2B5EF4-FFF2-40B4-BE49-F238E27FC236}">
-                <a16:creationId xmlns:a16="http://schemas.microsoft.com/office/drawing/2014/main" id="{F19870CE-CFB5-B4CB-7FD1-6B2480336775}"/>
-              </a:ext>
-            </a:extLst>
-          </p:cNvPr>
-          <p:cNvSpPr>
-            <a:spLocks noGrp="1"/>
-          </p:cNvSpPr>
-          <p:nvPr>
-            <p:ph type="title"/>
-          </p:nvPr>
-        </p:nvSpPr>
-        <p:spPr>
-          <a:xfrm>
-            <a:off x="581192" y="702156"/>
-            <a:ext cx="11029616" cy="578004"/>
-          </a:xfrm>
-        </p:spPr>
-        <p:txBody>
-          <a:bodyPr/>
-          <a:lstStyle/>
-          <a:p>
-            <a:r>
-              <a:rPr lang="en-US" dirty="0"/>
-              <a:t>Central limit theorem</a:t>
-            </a:r>
-          </a:p>
-        </p:txBody>
-      </p:sp>
-      <mc:AlternateContent xmlns:mc="http://schemas.openxmlformats.org/markup-compatibility/2006" xmlns:a14="http://schemas.microsoft.com/office/drawing/2010/main">
-        <mc:Choice Requires="a14">
+      <mc:AlternateContent xmlns:mc="http://schemas.openxmlformats.org/markup-compatibility/2006">
+        <mc:Choice xmlns:a14="http://schemas.microsoft.com/office/drawing/2010/main" Requires="a14">
           <p:sp>
             <p:nvSpPr>
-              <p:cNvPr id="3" name="Content Placeholder 2">
-                <a:extLst>
-                  <a:ext uri="{FF2B5EF4-FFF2-40B4-BE49-F238E27FC236}">
-                    <a16:creationId xmlns:a16="http://schemas.microsoft.com/office/drawing/2014/main" id="{F8B82BA8-3237-3D67-1971-7F6547358535}"/>
-                  </a:ext>
-                </a:extLst>
-              </p:cNvPr>
-              <p:cNvSpPr>
-                <a:spLocks noGrp="1"/>
-              </p:cNvSpPr>
-              <p:nvPr>
-                <p:ph idx="1"/>
-              </p:nvPr>
-            </p:nvSpPr>
-            <p:spPr>
-              <a:xfrm>
-                <a:off x="581191" y="1435607"/>
-                <a:ext cx="11029615" cy="775281"/>
-              </a:xfrm>
-            </p:spPr>
-            <p:txBody>
-              <a:bodyPr>
-                <a:normAutofit/>
-              </a:bodyPr>
-              <a:lstStyle/>
-              <a:p>
-                <a:pPr algn="l"/>
-                <a:r>
-                  <a:rPr lang="en-US" sz="1800" b="0" i="0" u="none" strike="noStrike" baseline="0" dirty="0">
-                    <a:latin typeface="CMR10"/>
-                  </a:rPr>
-                  <a:t>The sample size is sufficiently large, the sample proportion </a:t>
-                </a:r>
-                <a14:m>
-                  <m:oMath xmlns:m="http://schemas.openxmlformats.org/officeDocument/2006/math">
-                    <m:acc>
-                      <m:accPr>
-                        <m:chr m:val="̂"/>
-                        <m:ctrlPr>
-                          <a:rPr lang="en-US" sz="1800" b="0" i="1" u="none" strike="noStrike" baseline="0" smtClean="0">
-                            <a:latin typeface="Cambria Math" panose="02040503050406030204" pitchFamily="18" charset="0"/>
-                          </a:rPr>
-                        </m:ctrlPr>
-                      </m:accPr>
-                      <m:e>
-                        <m:r>
-                          <a:rPr lang="en-US" sz="1800" b="0" i="1" u="none" strike="noStrike" baseline="0" smtClean="0">
-                            <a:latin typeface="Cambria Math" panose="02040503050406030204" pitchFamily="18" charset="0"/>
-                          </a:rPr>
-                          <m:t>𝑃</m:t>
-                        </m:r>
-                      </m:e>
-                    </m:acc>
-                  </m:oMath>
-                </a14:m>
-                <a:r>
-                  <a:rPr lang="en-US" sz="1800" b="0" i="0" u="none" strike="noStrike" baseline="0" dirty="0">
-                    <a:latin typeface="CMMI10"/>
-                  </a:rPr>
-                  <a:t> </a:t>
-                </a:r>
-                <a:r>
-                  <a:rPr lang="en-US" sz="1800" b="0" i="0" u="none" strike="noStrike" baseline="0" dirty="0">
-                    <a:latin typeface="CMR10"/>
-                  </a:rPr>
-                  <a:t>will tend to follow a normal distribution with the following mean and standard error:</a:t>
-                </a:r>
-                <a:endParaRPr lang="en-US" dirty="0"/>
-              </a:p>
-            </p:txBody>
-          </p:sp>
-        </mc:Choice>
-        <mc:Fallback xmlns="">
-          <p:sp>
-            <p:nvSpPr>
-              <p:cNvPr id="3" name="Content Placeholder 2">
-                <a:extLst>
-                  <a:ext uri="{FF2B5EF4-FFF2-40B4-BE49-F238E27FC236}">
-                    <a16:creationId xmlns:a16="http://schemas.microsoft.com/office/drawing/2014/main" id="{F8B82BA8-3237-3D67-1971-7F6547358535}"/>
-                  </a:ext>
-                </a:extLst>
-              </p:cNvPr>
-              <p:cNvSpPr>
-                <a:spLocks noGrp="1" noRot="1" noChangeAspect="1" noMove="1" noResize="1" noEditPoints="1" noAdjustHandles="1" noChangeArrowheads="1" noChangeShapeType="1" noTextEdit="1"/>
-              </p:cNvSpPr>
-              <p:nvPr>
-                <p:ph idx="1"/>
-              </p:nvPr>
-            </p:nvSpPr>
-            <p:spPr>
-              <a:xfrm>
-                <a:off x="581191" y="1435607"/>
-                <a:ext cx="11029615" cy="775281"/>
-              </a:xfrm>
-              <a:blipFill>
-                <a:blip r:embed="rId2"/>
-                <a:stretch>
-                  <a:fillRect l="-221" b="-4688"/>
-                </a:stretch>
-              </a:blipFill>
-            </p:spPr>
-            <p:txBody>
-              <a:bodyPr/>
-              <a:lstStyle/>
-              <a:p>
-                <a:r>
-                  <a:rPr lang="en-US">
-                    <a:noFill/>
-                  </a:rPr>
-                  <a:t> </a:t>
-                </a:r>
-              </a:p>
-            </p:txBody>
-          </p:sp>
-        </mc:Fallback>
-      </mc:AlternateContent>
-      <p:pic>
-        <p:nvPicPr>
-          <p:cNvPr id="5" name="Picture 4">
-            <a:extLst>
-              <a:ext uri="{FF2B5EF4-FFF2-40B4-BE49-F238E27FC236}">
-                <a16:creationId xmlns:a16="http://schemas.microsoft.com/office/drawing/2014/main" id="{B288D0F0-F0AB-5912-57E4-5D25D2D546DD}"/>
-              </a:ext>
-            </a:extLst>
-          </p:cNvPr>
-          <p:cNvPicPr>
-            <a:picLocks noChangeAspect="1"/>
-          </p:cNvPicPr>
-          <p:nvPr/>
-        </p:nvPicPr>
-        <p:blipFill>
-          <a:blip r:embed="rId3"/>
-          <a:stretch>
-            <a:fillRect/>
-          </a:stretch>
-        </p:blipFill>
-        <p:spPr>
-          <a:xfrm>
-            <a:off x="2600324" y="3429000"/>
-            <a:ext cx="6991350" cy="3409950"/>
-          </a:xfrm>
-          <a:prstGeom prst="rect">
-            <a:avLst/>
-          </a:prstGeom>
-        </p:spPr>
-      </p:pic>
-      <mc:AlternateContent xmlns:mc="http://schemas.openxmlformats.org/markup-compatibility/2006" xmlns:a14="http://schemas.microsoft.com/office/drawing/2010/main">
-        <mc:Choice Requires="a14">
-          <p:sp>
-            <p:nvSpPr>
-              <p:cNvPr id="6" name="TextBox 5">
-                <a:extLst>
-                  <a:ext uri="{FF2B5EF4-FFF2-40B4-BE49-F238E27FC236}">
-                    <a16:creationId xmlns:a16="http://schemas.microsoft.com/office/drawing/2014/main" id="{58978B12-293B-CF9A-1BB2-2C7A31A70B6F}"/>
-                  </a:ext>
-                </a:extLst>
-              </p:cNvPr>
+              <p:cNvPr id="8" name="TextBox 7"/>
               <p:cNvSpPr txBox="1"/>
               <p:nvPr/>
             </p:nvSpPr>
             <p:spPr>
               <a:xfrm>
-                <a:off x="3364610" y="2364595"/>
-                <a:ext cx="6227064" cy="910699"/>
+                <a:off x="0" y="3870960"/>
+                <a:ext cx="6959600" cy="1938992"/>
               </a:xfrm>
               <a:prstGeom prst="rect">
                 <a:avLst/>
@@ -8484,196 +9101,82 @@
               </a:bodyPr>
               <a:lstStyle/>
               <a:p>
-                <a:pPr/>
+                <a:r>
+                  <a:rPr lang="en-US" sz="2400" dirty="0"/>
+                  <a:t>The distribution refers to a histogram of x</a:t>
+                </a:r>
+              </a:p>
+              <a:p>
+                <a:endParaRPr lang="en-US" sz="2400" dirty="0"/>
+              </a:p>
+              <a:p>
+                <a:r>
+                  <a:rPr lang="en-US" sz="2400" dirty="0"/>
+                  <a:t>The sampling distribution refers to a histogram of </a:t>
+                </a:r>
                 <a14:m>
-                  <m:oMathPara xmlns:m="http://schemas.openxmlformats.org/officeDocument/2006/math">
-                    <m:oMathParaPr>
-                      <m:jc m:val="centerGroup"/>
-                    </m:oMathParaPr>
-                    <m:oMath xmlns:m="http://schemas.openxmlformats.org/officeDocument/2006/math">
-                      <m:sSub>
-                        <m:sSubPr>
-                          <m:ctrlPr>
-                            <a:rPr lang="en-US" b="0" i="1" smtClean="0">
-                              <a:latin typeface="Cambria Math" panose="02040503050406030204" pitchFamily="18" charset="0"/>
-                            </a:rPr>
-                          </m:ctrlPr>
-                        </m:sSubPr>
-                        <m:e>
-                          <m:r>
-                            <a:rPr lang="en-US" b="0" i="1" smtClean="0">
-                              <a:latin typeface="Cambria Math" panose="02040503050406030204" pitchFamily="18" charset="0"/>
-                            </a:rPr>
-                            <m:t>𝜇</m:t>
-                          </m:r>
-                        </m:e>
-                        <m:sub>
-                          <m:acc>
-                            <m:accPr>
-                              <m:chr m:val="̂"/>
-                              <m:ctrlPr>
-                                <a:rPr lang="en-US" b="0" i="1" smtClean="0">
-                                  <a:latin typeface="Cambria Math" panose="02040503050406030204" pitchFamily="18" charset="0"/>
-                                </a:rPr>
-                              </m:ctrlPr>
-                            </m:accPr>
-                            <m:e>
-                              <m:r>
-                                <a:rPr lang="en-US" b="0" i="1" smtClean="0">
-                                  <a:latin typeface="Cambria Math" panose="02040503050406030204" pitchFamily="18" charset="0"/>
-                                </a:rPr>
-                                <m:t>𝑝</m:t>
-                              </m:r>
-                            </m:e>
-                          </m:acc>
-                        </m:sub>
-                      </m:sSub>
-                      <m:r>
-                        <a:rPr lang="en-US" b="0" i="1" smtClean="0">
-                          <a:latin typeface="Cambria Math" panose="02040503050406030204" pitchFamily="18" charset="0"/>
-                        </a:rPr>
-                        <m:t>=</m:t>
-                      </m:r>
-                      <m:r>
-                        <a:rPr lang="en-US" b="0" i="1" smtClean="0">
-                          <a:latin typeface="Cambria Math" panose="02040503050406030204" pitchFamily="18" charset="0"/>
-                        </a:rPr>
-                        <m:t>𝑝</m:t>
-                      </m:r>
-                      <m:r>
-                        <a:rPr lang="en-US" b="0" i="1" smtClean="0">
-                          <a:latin typeface="Cambria Math" panose="02040503050406030204" pitchFamily="18" charset="0"/>
-                        </a:rPr>
-                        <m:t>                                                 </m:t>
-                      </m:r>
-                      <m:r>
-                        <a:rPr lang="en-US" b="0" i="1" smtClean="0">
-                          <a:latin typeface="Cambria Math" panose="02040503050406030204" pitchFamily="18" charset="0"/>
-                        </a:rPr>
-                        <m:t>𝑆</m:t>
-                      </m:r>
-                      <m:sSub>
-                        <m:sSubPr>
-                          <m:ctrlPr>
-                            <a:rPr lang="en-US" b="0" i="1" smtClean="0">
-                              <a:latin typeface="Cambria Math" panose="02040503050406030204" pitchFamily="18" charset="0"/>
-                            </a:rPr>
-                          </m:ctrlPr>
-                        </m:sSubPr>
-                        <m:e>
-                          <m:r>
-                            <a:rPr lang="en-US" b="0" i="1" smtClean="0">
-                              <a:latin typeface="Cambria Math" panose="02040503050406030204" pitchFamily="18" charset="0"/>
-                            </a:rPr>
-                            <m:t>𝐸</m:t>
-                          </m:r>
-                        </m:e>
-                        <m:sub>
-                          <m:acc>
-                            <m:accPr>
-                              <m:chr m:val="̂"/>
-                              <m:ctrlPr>
-                                <a:rPr lang="en-US" i="1">
-                                  <a:latin typeface="Cambria Math" panose="02040503050406030204" pitchFamily="18" charset="0"/>
-                                </a:rPr>
-                              </m:ctrlPr>
-                            </m:accPr>
-                            <m:e>
-                              <m:r>
-                                <a:rPr lang="en-US" i="1">
-                                  <a:latin typeface="Cambria Math" panose="02040503050406030204" pitchFamily="18" charset="0"/>
-                                </a:rPr>
-                                <m:t>𝑝</m:t>
-                              </m:r>
-                            </m:e>
-                          </m:acc>
-                        </m:sub>
-                      </m:sSub>
-                      <m:r>
-                        <a:rPr lang="en-US" b="0" i="1" smtClean="0">
-                          <a:latin typeface="Cambria Math" panose="02040503050406030204" pitchFamily="18" charset="0"/>
-                        </a:rPr>
-                        <m:t>=</m:t>
-                      </m:r>
-                      <m:rad>
-                        <m:radPr>
-                          <m:degHide m:val="on"/>
-                          <m:ctrlPr>
-                            <a:rPr lang="en-US" b="0" i="1" smtClean="0">
-                              <a:latin typeface="Cambria Math" panose="02040503050406030204" pitchFamily="18" charset="0"/>
-                            </a:rPr>
-                          </m:ctrlPr>
-                        </m:radPr>
-                        <m:deg/>
-                        <m:e>
-                          <m:f>
-                            <m:fPr>
-                              <m:ctrlPr>
-                                <a:rPr lang="en-US" b="0" i="1" smtClean="0">
-                                  <a:latin typeface="Cambria Math" panose="02040503050406030204" pitchFamily="18" charset="0"/>
-                                </a:rPr>
-                              </m:ctrlPr>
-                            </m:fPr>
-                            <m:num>
-                              <m:r>
-                                <a:rPr lang="en-US" b="0" i="1" smtClean="0">
-                                  <a:latin typeface="Cambria Math" panose="02040503050406030204" pitchFamily="18" charset="0"/>
-                                </a:rPr>
-                                <m:t>𝑝</m:t>
-                              </m:r>
-                              <m:d>
-                                <m:dPr>
-                                  <m:ctrlPr>
-                                    <a:rPr lang="en-US" b="0" i="1" smtClean="0">
-                                      <a:latin typeface="Cambria Math" panose="02040503050406030204" pitchFamily="18" charset="0"/>
-                                    </a:rPr>
-                                  </m:ctrlPr>
-                                </m:dPr>
-                                <m:e>
-                                  <m:r>
-                                    <a:rPr lang="en-US" b="0" i="1" smtClean="0">
-                                      <a:latin typeface="Cambria Math" panose="02040503050406030204" pitchFamily="18" charset="0"/>
-                                    </a:rPr>
-                                    <m:t>1−</m:t>
-                                  </m:r>
-                                  <m:r>
-                                    <a:rPr lang="en-US" b="0" i="1" smtClean="0">
-                                      <a:latin typeface="Cambria Math" panose="02040503050406030204" pitchFamily="18" charset="0"/>
-                                    </a:rPr>
-                                    <m:t>𝑝</m:t>
-                                  </m:r>
-                                </m:e>
-                              </m:d>
-                            </m:num>
-                            <m:den>
-                              <m:r>
-                                <a:rPr lang="en-US" b="0" i="1" smtClean="0">
-                                  <a:latin typeface="Cambria Math" panose="02040503050406030204" pitchFamily="18" charset="0"/>
-                                </a:rPr>
-                                <m:t>𝑛</m:t>
-                              </m:r>
-                            </m:den>
-                          </m:f>
-                        </m:e>
-                      </m:rad>
-                    </m:oMath>
-                  </m:oMathPara>
+                  <m:oMath xmlns:m="http://schemas.openxmlformats.org/officeDocument/2006/math">
+                    <m:acc>
+                      <m:accPr>
+                        <m:chr m:val="̅"/>
+                        <m:ctrlPr>
+                          <a:rPr lang="en-US" sz="2400" i="1">
+                            <a:latin typeface="Cambria Math" panose="02040503050406030204" pitchFamily="18" charset="0"/>
+                          </a:rPr>
+                        </m:ctrlPr>
+                      </m:accPr>
+                      <m:e>
+                        <m:r>
+                          <a:rPr lang="en-US" sz="2400" i="1">
+                            <a:latin typeface="Cambria Math" panose="02040503050406030204" pitchFamily="18" charset="0"/>
+                          </a:rPr>
+                          <m:t>𝑥</m:t>
+                        </m:r>
+                      </m:e>
+                    </m:acc>
+                  </m:oMath>
                 </a14:m>
-                <a:endParaRPr lang="en-US" dirty="0"/>
+                <a:endParaRPr lang="en-US" sz="2400" dirty="0"/>
+              </a:p>
+              <a:p>
+                <a:endParaRPr lang="en-US" sz="2400" dirty="0"/>
+              </a:p>
+              <a:p>
+                <a:r>
+                  <a:rPr lang="en-US" sz="2400" dirty="0"/>
+                  <a:t>Standard Error is the standard deviation of </a:t>
+                </a:r>
+                <a14:m>
+                  <m:oMath xmlns:m="http://schemas.openxmlformats.org/officeDocument/2006/math">
+                    <m:acc>
+                      <m:accPr>
+                        <m:chr m:val="̅"/>
+                        <m:ctrlPr>
+                          <a:rPr lang="en-US" sz="2400" i="1" smtClean="0">
+                            <a:latin typeface="Cambria Math" panose="02040503050406030204" pitchFamily="18" charset="0"/>
+                          </a:rPr>
+                        </m:ctrlPr>
+                      </m:accPr>
+                      <m:e>
+                        <m:r>
+                          <a:rPr lang="en-US" sz="2400" b="0" i="1" smtClean="0">
+                            <a:latin typeface="Cambria Math" panose="02040503050406030204" pitchFamily="18" charset="0"/>
+                          </a:rPr>
+                          <m:t>𝑥</m:t>
+                        </m:r>
+                      </m:e>
+                    </m:acc>
+                  </m:oMath>
+                </a14:m>
+                <a:endParaRPr lang="en-US" sz="2400" dirty="0"/>
               </a:p>
             </p:txBody>
           </p:sp>
         </mc:Choice>
-        <mc:Fallback xmlns="">
+        <mc:Fallback>
           <p:sp>
             <p:nvSpPr>
-              <p:cNvPr id="6" name="TextBox 5">
-                <a:extLst>
-                  <a:ext uri="{FF2B5EF4-FFF2-40B4-BE49-F238E27FC236}">
-                    <a16:creationId xmlns:a16="http://schemas.microsoft.com/office/drawing/2014/main" id="{58978B12-293B-CF9A-1BB2-2C7A31A70B6F}"/>
-                  </a:ext>
-                </a:extLst>
-              </p:cNvPr>
+              <p:cNvPr id="8" name="TextBox 7"/>
               <p:cNvSpPr txBox="1">
                 <a:spLocks noRot="1" noChangeAspect="1" noMove="1" noResize="1" noEditPoints="1" noAdjustHandles="1" noChangeArrowheads="1" noChangeShapeType="1" noTextEdit="1"/>
               </p:cNvSpPr>
@@ -8681,8 +9184,8 @@
             </p:nvSpPr>
             <p:spPr>
               <a:xfrm>
-                <a:off x="3364610" y="2364595"/>
-                <a:ext cx="6227064" cy="910699"/>
+                <a:off x="0" y="3870960"/>
+                <a:ext cx="6959600" cy="1938992"/>
               </a:xfrm>
               <a:prstGeom prst="rect">
                 <a:avLst/>
@@ -8690,7 +9193,7 @@
               <a:blipFill>
                 <a:blip r:embed="rId4"/>
                 <a:stretch>
-                  <a:fillRect/>
+                  <a:fillRect l="-1313" t="-2516" b="-6289"/>
                 </a:stretch>
               </a:blipFill>
             </p:spPr>
@@ -8712,7 +9215,7 @@
     </p:spTree>
     <p:extLst>
       <p:ext uri="{BB962C8B-B14F-4D97-AF65-F5344CB8AC3E}">
-        <p14:creationId xmlns:p14="http://schemas.microsoft.com/office/powerpoint/2010/main" val="3837981272"/>
+        <p14:creationId xmlns:p14="http://schemas.microsoft.com/office/powerpoint/2010/main" val="3409992879"/>
       </p:ext>
     </p:extLst>
   </p:cSld>
@@ -8722,204 +9225,7 @@
 </p:sld>
 </file>
 
-<file path=ppt/slides/slide12.xml><?xml version="1.0" encoding="utf-8"?>
-<p:sld xmlns:a="http://schemas.openxmlformats.org/drawingml/2006/main" xmlns:r="http://schemas.openxmlformats.org/officeDocument/2006/relationships" xmlns:p="http://schemas.openxmlformats.org/presentationml/2006/main">
-  <p:cSld>
-    <p:spTree>
-      <p:nvGrpSpPr>
-        <p:cNvPr id="1" name=""/>
-        <p:cNvGrpSpPr/>
-        <p:nvPr/>
-      </p:nvGrpSpPr>
-      <p:grpSpPr>
-        <a:xfrm>
-          <a:off x="0" y="0"/>
-          <a:ext cx="0" cy="0"/>
-          <a:chOff x="0" y="0"/>
-          <a:chExt cx="0" cy="0"/>
-        </a:xfrm>
-      </p:grpSpPr>
-      <mc:AlternateContent xmlns:mc="http://schemas.openxmlformats.org/markup-compatibility/2006" xmlns:a14="http://schemas.microsoft.com/office/drawing/2010/main">
-        <mc:Choice Requires="a14">
-          <p:sp>
-            <p:nvSpPr>
-              <p:cNvPr id="3" name="Content Placeholder 2">
-                <a:extLst>
-                  <a:ext uri="{FF2B5EF4-FFF2-40B4-BE49-F238E27FC236}">
-                    <a16:creationId xmlns:a16="http://schemas.microsoft.com/office/drawing/2014/main" id="{6307686A-0CFF-9FA0-B833-B896364FBB31}"/>
-                  </a:ext>
-                </a:extLst>
-              </p:cNvPr>
-              <p:cNvSpPr>
-                <a:spLocks noGrp="1"/>
-              </p:cNvSpPr>
-              <p:nvPr>
-                <p:ph idx="1"/>
-              </p:nvPr>
-            </p:nvSpPr>
-            <p:spPr>
-              <a:xfrm>
-                <a:off x="408419" y="1400956"/>
-                <a:ext cx="3377197" cy="1040491"/>
-              </a:xfrm>
-            </p:spPr>
-            <p:txBody>
-              <a:bodyPr/>
-              <a:lstStyle/>
-              <a:p>
-                <a:r>
-                  <a:rPr lang="en-US" dirty="0"/>
-                  <a:t>What happens when </a:t>
-                </a:r>
-                <a14:m>
-                  <m:oMath xmlns:m="http://schemas.openxmlformats.org/officeDocument/2006/math">
-                    <m:r>
-                      <a:rPr lang="en-US" b="0" i="1" smtClean="0">
-                        <a:latin typeface="Cambria Math" panose="02040503050406030204" pitchFamily="18" charset="0"/>
-                      </a:rPr>
-                      <m:t>𝑛𝑝</m:t>
-                    </m:r>
-                  </m:oMath>
-                </a14:m>
-                <a:r>
-                  <a:rPr lang="en-US" dirty="0"/>
-                  <a:t> and/or </a:t>
-                </a:r>
-                <a14:m>
-                  <m:oMath xmlns:m="http://schemas.openxmlformats.org/officeDocument/2006/math">
-                    <m:r>
-                      <a:rPr lang="en-US" b="0" i="1" smtClean="0">
-                        <a:latin typeface="Cambria Math" panose="02040503050406030204" pitchFamily="18" charset="0"/>
-                      </a:rPr>
-                      <m:t>𝑛</m:t>
-                    </m:r>
-                    <m:d>
-                      <m:dPr>
-                        <m:ctrlPr>
-                          <a:rPr lang="en-US" b="0" i="1" smtClean="0">
-                            <a:latin typeface="Cambria Math" panose="02040503050406030204" pitchFamily="18" charset="0"/>
-                          </a:rPr>
-                        </m:ctrlPr>
-                      </m:dPr>
-                      <m:e>
-                        <m:r>
-                          <a:rPr lang="en-US" b="0" i="1" smtClean="0">
-                            <a:latin typeface="Cambria Math" panose="02040503050406030204" pitchFamily="18" charset="0"/>
-                          </a:rPr>
-                          <m:t>1−</m:t>
-                        </m:r>
-                        <m:r>
-                          <a:rPr lang="en-US" b="0" i="1" smtClean="0">
-                            <a:latin typeface="Cambria Math" panose="02040503050406030204" pitchFamily="18" charset="0"/>
-                          </a:rPr>
-                          <m:t>𝑝</m:t>
-                        </m:r>
-                      </m:e>
-                    </m:d>
-                    <m:r>
-                      <a:rPr lang="en-US" b="0" i="1" smtClean="0">
-                        <a:latin typeface="Cambria Math" panose="02040503050406030204" pitchFamily="18" charset="0"/>
-                      </a:rPr>
-                      <m:t>&lt;10</m:t>
-                    </m:r>
-                  </m:oMath>
-                </a14:m>
-                <a:r>
-                  <a:rPr lang="en-US" dirty="0"/>
-                  <a:t>?</a:t>
-                </a:r>
-              </a:p>
-            </p:txBody>
-          </p:sp>
-        </mc:Choice>
-        <mc:Fallback xmlns="">
-          <p:sp>
-            <p:nvSpPr>
-              <p:cNvPr id="3" name="Content Placeholder 2">
-                <a:extLst>
-                  <a:ext uri="{FF2B5EF4-FFF2-40B4-BE49-F238E27FC236}">
-                    <a16:creationId xmlns:a16="http://schemas.microsoft.com/office/drawing/2014/main" id="{6307686A-0CFF-9FA0-B833-B896364FBB31}"/>
-                  </a:ext>
-                </a:extLst>
-              </p:cNvPr>
-              <p:cNvSpPr>
-                <a:spLocks noGrp="1" noRot="1" noChangeAspect="1" noMove="1" noResize="1" noEditPoints="1" noAdjustHandles="1" noChangeArrowheads="1" noChangeShapeType="1" noTextEdit="1"/>
-              </p:cNvSpPr>
-              <p:nvPr>
-                <p:ph idx="1"/>
-              </p:nvPr>
-            </p:nvSpPr>
-            <p:spPr>
-              <a:xfrm>
-                <a:off x="408419" y="1400956"/>
-                <a:ext cx="3377197" cy="1040491"/>
-              </a:xfrm>
-              <a:blipFill>
-                <a:blip r:embed="rId2"/>
-                <a:stretch>
-                  <a:fillRect l="-722"/>
-                </a:stretch>
-              </a:blipFill>
-            </p:spPr>
-            <p:txBody>
-              <a:bodyPr/>
-              <a:lstStyle/>
-              <a:p>
-                <a:r>
-                  <a:rPr lang="en-US">
-                    <a:noFill/>
-                  </a:rPr>
-                  <a:t> </a:t>
-                </a:r>
-              </a:p>
-            </p:txBody>
-          </p:sp>
-        </mc:Fallback>
-      </mc:AlternateContent>
-      <p:pic>
-        <p:nvPicPr>
-          <p:cNvPr id="5" name="Picture 4">
-            <a:extLst>
-              <a:ext uri="{FF2B5EF4-FFF2-40B4-BE49-F238E27FC236}">
-                <a16:creationId xmlns:a16="http://schemas.microsoft.com/office/drawing/2014/main" id="{6AD58051-2DE0-2DDB-6CDA-421620BA4F03}"/>
-              </a:ext>
-            </a:extLst>
-          </p:cNvPr>
-          <p:cNvPicPr>
-            <a:picLocks noChangeAspect="1"/>
-          </p:cNvPicPr>
-          <p:nvPr/>
-        </p:nvPicPr>
-        <p:blipFill>
-          <a:blip r:embed="rId3"/>
-          <a:stretch>
-            <a:fillRect/>
-          </a:stretch>
-        </p:blipFill>
-        <p:spPr>
-          <a:xfrm>
-            <a:off x="3452050" y="607194"/>
-            <a:ext cx="8471726" cy="5992197"/>
-          </a:xfrm>
-          <a:prstGeom prst="rect">
-            <a:avLst/>
-          </a:prstGeom>
-        </p:spPr>
-      </p:pic>
-    </p:spTree>
-    <p:extLst>
-      <p:ext uri="{BB962C8B-B14F-4D97-AF65-F5344CB8AC3E}">
-        <p14:creationId xmlns:p14="http://schemas.microsoft.com/office/powerpoint/2010/main" val="2620160541"/>
-      </p:ext>
-    </p:extLst>
-  </p:cSld>
-  <p:clrMapOvr>
-    <a:masterClrMapping/>
-  </p:clrMapOvr>
-</p:sld>
-</file>
-
-<file path=ppt/slides/slide13.xml><?xml version="1.0" encoding="utf-8"?>
+<file path=ppt/slides/slide11.xml><?xml version="1.0" encoding="utf-8"?>
 <p:sld xmlns:a="http://schemas.openxmlformats.org/drawingml/2006/main" xmlns:r="http://schemas.openxmlformats.org/officeDocument/2006/relationships" xmlns:p="http://schemas.openxmlformats.org/presentationml/2006/main">
   <p:cSld>
     <p:bg>
@@ -9825,7 +10131,7 @@
 </p:sld>
 </file>
 
-<file path=ppt/slides/slide14.xml><?xml version="1.0" encoding="utf-8"?>
+<file path=ppt/slides/slide12.xml><?xml version="1.0" encoding="utf-8"?>
 <p:sld xmlns:a="http://schemas.openxmlformats.org/drawingml/2006/main" xmlns:r="http://schemas.openxmlformats.org/officeDocument/2006/relationships" xmlns:p="http://schemas.openxmlformats.org/presentationml/2006/main">
   <p:cSld>
     <p:spTree>
@@ -9978,7 +10284,355 @@
 </p:sld>
 </file>
 
-<file path=ppt/slides/slide15.xml><?xml version="1.0" encoding="utf-8"?>
+<file path=ppt/slides/slide13.xml><?xml version="1.0" encoding="utf-8"?>
+<p:sld xmlns:a="http://schemas.openxmlformats.org/drawingml/2006/main" xmlns:r="http://schemas.openxmlformats.org/officeDocument/2006/relationships" xmlns:p="http://schemas.openxmlformats.org/presentationml/2006/main">
+  <p:cSld>
+    <p:spTree>
+      <p:nvGrpSpPr>
+        <p:cNvPr id="1" name="Shape 207"/>
+        <p:cNvGrpSpPr/>
+        <p:nvPr/>
+      </p:nvGrpSpPr>
+      <p:grpSpPr>
+        <a:xfrm>
+          <a:off x="0" y="0"/>
+          <a:ext cx="0" cy="0"/>
+          <a:chOff x="0" y="0"/>
+          <a:chExt cx="0" cy="0"/>
+        </a:xfrm>
+      </p:grpSpPr>
+      <p:sp>
+        <p:nvSpPr>
+          <p:cNvPr id="208" name="Google Shape;208;p40"/>
+          <p:cNvSpPr txBox="1">
+            <a:spLocks noGrp="1"/>
+          </p:cNvSpPr>
+          <p:nvPr>
+            <p:ph type="body" idx="1"/>
+          </p:nvPr>
+        </p:nvSpPr>
+        <p:spPr>
+          <a:xfrm flipH="1">
+            <a:off x="-3" y="3455468"/>
+            <a:ext cx="5900288" cy="2088960"/>
+          </a:xfrm>
+          <a:prstGeom prst="rect">
+            <a:avLst/>
+          </a:prstGeom>
+        </p:spPr>
+        <p:txBody>
+          <a:bodyPr spcFirstLastPara="1" vert="horz" wrap="square" lIns="91425" tIns="91425" rIns="91425" bIns="91425" rtlCol="0" anchor="t" anchorCtr="0">
+            <a:noAutofit/>
+          </a:bodyPr>
+          <a:lstStyle/>
+          <a:p>
+            <a:pPr marL="101600" indent="0">
+              <a:lnSpc>
+                <a:spcPct val="115000"/>
+              </a:lnSpc>
+              <a:spcBef>
+                <a:spcPts val="0"/>
+              </a:spcBef>
+              <a:buSzPts val="2000"/>
+              <a:buNone/>
+            </a:pPr>
+            <a:r>
+              <a:rPr lang="en" sz="2000" dirty="0"/>
+              <a:t>The figure shows 25 confidence intervals, each of which derives from an experiment that takes several random samples. Each experiment examines different data because of random sampling.</a:t>
+            </a:r>
+          </a:p>
+          <a:p>
+            <a:pPr marL="101600" indent="0">
+              <a:lnSpc>
+                <a:spcPct val="115000"/>
+              </a:lnSpc>
+              <a:spcBef>
+                <a:spcPts val="0"/>
+              </a:spcBef>
+              <a:buSzPts val="2000"/>
+              <a:buNone/>
+            </a:pPr>
+            <a:endParaRPr lang="en" sz="2000" dirty="0"/>
+          </a:p>
+          <a:p>
+            <a:pPr marL="101600" indent="0">
+              <a:lnSpc>
+                <a:spcPct val="115000"/>
+              </a:lnSpc>
+              <a:spcBef>
+                <a:spcPts val="0"/>
+              </a:spcBef>
+              <a:buSzPts val="2000"/>
+              <a:buNone/>
+            </a:pPr>
+            <a:r>
+              <a:rPr lang="en-US" sz="2000" dirty="0"/>
+              <a:t>The dashed line shows the population parameter. </a:t>
+            </a:r>
+            <a:r>
+              <a:rPr lang="en" sz="2000" dirty="0"/>
+              <a:t>We see that 24 of the 25 resulting confidence intervals contain the population parameter while one does not.</a:t>
+            </a:r>
+          </a:p>
+        </p:txBody>
+      </p:sp>
+      <p:sp>
+        <p:nvSpPr>
+          <p:cNvPr id="209" name="Google Shape;209;p40"/>
+          <p:cNvSpPr txBox="1">
+            <a:spLocks noGrp="1"/>
+          </p:cNvSpPr>
+          <p:nvPr>
+            <p:ph type="body" idx="1"/>
+          </p:nvPr>
+        </p:nvSpPr>
+        <p:spPr>
+          <a:xfrm flipH="1">
+            <a:off x="-1" y="1055517"/>
+            <a:ext cx="12192000" cy="3418500"/>
+          </a:xfrm>
+          <a:prstGeom prst="rect">
+            <a:avLst/>
+          </a:prstGeom>
+        </p:spPr>
+        <p:txBody>
+          <a:bodyPr spcFirstLastPara="1" vert="horz" wrap="square" lIns="91425" tIns="91425" rIns="91425" bIns="91425" rtlCol="0" anchor="t" anchorCtr="0">
+            <a:noAutofit/>
+          </a:bodyPr>
+          <a:lstStyle/>
+          <a:p>
+            <a:pPr marL="101600" indent="0">
+              <a:lnSpc>
+                <a:spcPct val="115000"/>
+              </a:lnSpc>
+              <a:spcBef>
+                <a:spcPts val="0"/>
+              </a:spcBef>
+              <a:buSzPts val="2000"/>
+              <a:buNone/>
+            </a:pPr>
+            <a:r>
+              <a:rPr lang="en" sz="2000" dirty="0"/>
+              <a:t>Some people tell Pontius that a (1-alpha)% confidence interval means that we are (1-alpha)% </a:t>
+            </a:r>
+            <a:r>
+              <a:rPr lang="en" sz="2000" i="1" dirty="0"/>
+              <a:t>confident</a:t>
+            </a:r>
+            <a:r>
+              <a:rPr lang="en" sz="2000" dirty="0"/>
+              <a:t> that the interval contains the population parameter. Pontius asks “What is the meaning of </a:t>
+            </a:r>
+            <a:r>
+              <a:rPr lang="en" sz="2000" i="1" dirty="0"/>
+              <a:t>confident</a:t>
+            </a:r>
+            <a:r>
+              <a:rPr lang="en" sz="2000" dirty="0"/>
+              <a:t>?”</a:t>
+            </a:r>
+          </a:p>
+          <a:p>
+            <a:pPr marL="101600" indent="0">
+              <a:lnSpc>
+                <a:spcPct val="115000"/>
+              </a:lnSpc>
+              <a:spcBef>
+                <a:spcPts val="0"/>
+              </a:spcBef>
+              <a:buSzPts val="2000"/>
+              <a:buNone/>
+            </a:pPr>
+            <a:r>
+              <a:rPr lang="en" sz="2000" dirty="0"/>
+              <a:t>Suppose we repeated an experiment several times and built a 95% confidence interval from each experiment using the expression:</a:t>
+            </a:r>
+          </a:p>
+          <a:p>
+            <a:pPr marL="101600" indent="0">
+              <a:lnSpc>
+                <a:spcPct val="115000"/>
+              </a:lnSpc>
+              <a:spcBef>
+                <a:spcPts val="0"/>
+              </a:spcBef>
+              <a:buSzPts val="2000"/>
+              <a:buNone/>
+            </a:pPr>
+            <a:r>
+              <a:rPr lang="en" sz="2000" i="1" dirty="0"/>
+              <a:t>	point estimate ± Z</a:t>
+            </a:r>
+            <a:r>
+              <a:rPr lang="el-GR" sz="2000" i="1" baseline="-25000" dirty="0"/>
+              <a:t>α</a:t>
+            </a:r>
+            <a:r>
+              <a:rPr lang="en-US" sz="2000" i="1" baseline="-25000" dirty="0"/>
+              <a:t>/2</a:t>
+            </a:r>
+            <a:r>
+              <a:rPr lang="en" sz="2000" i="1" dirty="0"/>
+              <a:t> (Standard Error)</a:t>
+            </a:r>
+            <a:endParaRPr sz="2000" dirty="0"/>
+          </a:p>
+          <a:p>
+            <a:pPr marL="101600" indent="0">
+              <a:lnSpc>
+                <a:spcPct val="115000"/>
+              </a:lnSpc>
+              <a:spcBef>
+                <a:spcPts val="0"/>
+              </a:spcBef>
+              <a:buSzPts val="2000"/>
+              <a:buNone/>
+            </a:pPr>
+            <a:r>
+              <a:rPr lang="en" sz="2000" dirty="0"/>
+              <a:t>Then we expect about 95% of those intervals would contain the population parameter.</a:t>
+            </a:r>
+            <a:endParaRPr sz="2000" dirty="0"/>
+          </a:p>
+        </p:txBody>
+      </p:sp>
+      <p:sp>
+        <p:nvSpPr>
+          <p:cNvPr id="210" name="Google Shape;210;p40"/>
+          <p:cNvSpPr txBox="1">
+            <a:spLocks noGrp="1"/>
+          </p:cNvSpPr>
+          <p:nvPr>
+            <p:ph type="title"/>
+          </p:nvPr>
+        </p:nvSpPr>
+        <p:spPr>
+          <a:xfrm>
+            <a:off x="1981200" y="-12"/>
+            <a:ext cx="8229600" cy="1143000"/>
+          </a:xfrm>
+          <a:prstGeom prst="rect">
+            <a:avLst/>
+          </a:prstGeom>
+        </p:spPr>
+        <p:txBody>
+          <a:bodyPr spcFirstLastPara="1" vert="horz" wrap="square" lIns="91425" tIns="91425" rIns="91425" bIns="91425" rtlCol="0" anchor="b" anchorCtr="0">
+            <a:noAutofit/>
+          </a:bodyPr>
+          <a:lstStyle/>
+          <a:p>
+            <a:r>
+              <a:rPr lang="en">
+                <a:solidFill>
+                  <a:schemeClr val="accent1"/>
+                </a:solidFill>
+              </a:rPr>
+              <a:t>What does 95% confident mean?</a:t>
+            </a:r>
+            <a:endParaRPr>
+              <a:solidFill>
+                <a:schemeClr val="accent1"/>
+              </a:solidFill>
+            </a:endParaRPr>
+          </a:p>
+        </p:txBody>
+      </p:sp>
+      <p:pic>
+        <p:nvPicPr>
+          <p:cNvPr id="211" name="Google Shape;211;p40"/>
+          <p:cNvPicPr preferRelativeResize="0"/>
+          <p:nvPr/>
+        </p:nvPicPr>
+        <p:blipFill>
+          <a:blip r:embed="rId3">
+            <a:alphaModFix/>
+          </a:blip>
+          <a:stretch>
+            <a:fillRect/>
+          </a:stretch>
+        </p:blipFill>
+        <p:spPr>
+          <a:xfrm>
+            <a:off x="6022444" y="3272590"/>
+            <a:ext cx="5633750" cy="2935706"/>
+          </a:xfrm>
+          <a:prstGeom prst="rect">
+            <a:avLst/>
+          </a:prstGeom>
+          <a:noFill/>
+          <a:ln>
+            <a:noFill/>
+          </a:ln>
+        </p:spPr>
+      </p:pic>
+      <p:sp>
+        <p:nvSpPr>
+          <p:cNvPr id="2" name="TextBox 1"/>
+          <p:cNvSpPr txBox="1"/>
+          <p:nvPr/>
+        </p:nvSpPr>
+        <p:spPr>
+          <a:xfrm>
+            <a:off x="8730114" y="6112043"/>
+            <a:ext cx="529389" cy="369332"/>
+          </a:xfrm>
+          <a:prstGeom prst="rect">
+            <a:avLst/>
+          </a:prstGeom>
+          <a:noFill/>
+        </p:spPr>
+        <p:txBody>
+          <a:bodyPr wrap="square" rtlCol="0">
+            <a:spAutoFit/>
+          </a:bodyPr>
+          <a:lstStyle/>
+          <a:p>
+            <a:r>
+              <a:rPr lang="el-GR" i="1" dirty="0"/>
+              <a:t>μ</a:t>
+            </a:r>
+            <a:endParaRPr lang="en-US" i="1" dirty="0"/>
+          </a:p>
+        </p:txBody>
+      </p:sp>
+      <p:sp>
+        <p:nvSpPr>
+          <p:cNvPr id="3" name="Slide Number Placeholder 2"/>
+          <p:cNvSpPr>
+            <a:spLocks noGrp="1"/>
+          </p:cNvSpPr>
+          <p:nvPr>
+            <p:ph type="sldNum" idx="12"/>
+          </p:nvPr>
+        </p:nvSpPr>
+        <p:spPr/>
+        <p:txBody>
+          <a:bodyPr/>
+          <a:lstStyle/>
+          <a:p>
+            <a:fld id="{00000000-1234-1234-1234-123412341234}" type="slidenum">
+              <a:rPr lang="en" smtClean="0"/>
+              <a:pPr/>
+              <a:t>13</a:t>
+            </a:fld>
+            <a:endParaRPr lang="en"/>
+          </a:p>
+        </p:txBody>
+      </p:sp>
+    </p:spTree>
+    <p:extLst>
+      <p:ext uri="{BB962C8B-B14F-4D97-AF65-F5344CB8AC3E}">
+        <p14:creationId xmlns:p14="http://schemas.microsoft.com/office/powerpoint/2010/main" val="3341003561"/>
+      </p:ext>
+    </p:extLst>
+  </p:cSld>
+  <p:clrMapOvr>
+    <a:masterClrMapping/>
+  </p:clrMapOvr>
+</p:sld>
+</file>
+
+<file path=ppt/slides/slide14.xml><?xml version="1.0" encoding="utf-8"?>
 <p:sld xmlns:a="http://schemas.openxmlformats.org/drawingml/2006/main" xmlns:r="http://schemas.openxmlformats.org/officeDocument/2006/relationships" xmlns:p="http://schemas.openxmlformats.org/presentationml/2006/main">
   <p:cSld>
     <p:spTree>
@@ -10063,8 +10717,8 @@
           </a:prstGeom>
         </p:spPr>
       </p:pic>
-      <mc:AlternateContent xmlns:mc="http://schemas.openxmlformats.org/markup-compatibility/2006">
-        <mc:Choice xmlns:a14="http://schemas.microsoft.com/office/drawing/2010/main" Requires="a14">
+      <mc:AlternateContent xmlns:mc="http://schemas.openxmlformats.org/markup-compatibility/2006" xmlns:a14="http://schemas.microsoft.com/office/drawing/2010/main">
+        <mc:Choice Requires="a14">
           <p:sp>
             <p:nvSpPr>
               <p:cNvPr id="8" name="TextBox 7">
@@ -10388,7 +11042,7 @@
             </p:txBody>
           </p:sp>
         </mc:Choice>
-        <mc:Fallback>
+        <mc:Fallback xmlns="">
           <p:sp>
             <p:nvSpPr>
               <p:cNvPr id="8" name="TextBox 7">
@@ -10446,7 +11100,7 @@
 </p:sld>
 </file>
 
-<file path=ppt/slides/slide16.xml><?xml version="1.0" encoding="utf-8"?>
+<file path=ppt/slides/slide15.xml><?xml version="1.0" encoding="utf-8"?>
 <p:sld xmlns:a="http://schemas.openxmlformats.org/drawingml/2006/main" xmlns:r="http://schemas.openxmlformats.org/officeDocument/2006/relationships" xmlns:p="http://schemas.openxmlformats.org/presentationml/2006/main">
   <p:cSld>
     <p:bg>
@@ -11352,7 +12006,7 @@
 </p:sld>
 </file>
 
-<file path=ppt/slides/slide17.xml><?xml version="1.0" encoding="utf-8"?>
+<file path=ppt/slides/slide16.xml><?xml version="1.0" encoding="utf-8"?>
 <p:sld xmlns:a="http://schemas.openxmlformats.org/drawingml/2006/main" xmlns:r="http://schemas.openxmlformats.org/officeDocument/2006/relationships" xmlns:p="http://schemas.openxmlformats.org/presentationml/2006/main">
   <p:cSld>
     <p:spTree>
@@ -11714,7 +12368,7 @@
 </p:sld>
 </file>
 
-<file path=ppt/slides/slide18.xml><?xml version="1.0" encoding="utf-8"?>
+<file path=ppt/slides/slide17.xml><?xml version="1.0" encoding="utf-8"?>
 <p:sld xmlns:a="http://schemas.openxmlformats.org/drawingml/2006/main" xmlns:r="http://schemas.openxmlformats.org/officeDocument/2006/relationships" xmlns:p="http://schemas.openxmlformats.org/presentationml/2006/main">
   <p:cSld>
     <p:spTree>
@@ -11888,7 +12542,7 @@
 </p:sld>
 </file>
 
-<file path=ppt/slides/slide19.xml><?xml version="1.0" encoding="utf-8"?>
+<file path=ppt/slides/slide18.xml><?xml version="1.0" encoding="utf-8"?>
 <p:sld xmlns:a="http://schemas.openxmlformats.org/drawingml/2006/main" xmlns:r="http://schemas.openxmlformats.org/officeDocument/2006/relationships" xmlns:p="http://schemas.openxmlformats.org/presentationml/2006/main">
   <p:cSld>
     <p:spTree>
@@ -12520,928 +13174,7 @@
 </p:sld>
 </file>
 
-<file path=ppt/slides/slide2.xml><?xml version="1.0" encoding="utf-8"?>
-<p:sld xmlns:a="http://schemas.openxmlformats.org/drawingml/2006/main" xmlns:r="http://schemas.openxmlformats.org/officeDocument/2006/relationships" xmlns:p="http://schemas.openxmlformats.org/presentationml/2006/main">
-  <p:cSld>
-    <p:bg>
-      <p:bgPr>
-        <a:solidFill>
-          <a:schemeClr val="bg1"/>
-        </a:solidFill>
-        <a:effectLst/>
-      </p:bgPr>
-    </p:bg>
-    <p:spTree>
-      <p:nvGrpSpPr>
-        <p:cNvPr id="1" name=""/>
-        <p:cNvGrpSpPr/>
-        <p:nvPr/>
-      </p:nvGrpSpPr>
-      <p:grpSpPr>
-        <a:xfrm>
-          <a:off x="0" y="0"/>
-          <a:ext cx="0" cy="0"/>
-          <a:chOff x="0" y="0"/>
-          <a:chExt cx="0" cy="0"/>
-        </a:xfrm>
-      </p:grpSpPr>
-      <p:sp>
-        <p:nvSpPr>
-          <p:cNvPr id="36" name="Rectangle 35">
-            <a:extLst>
-              <a:ext uri="{FF2B5EF4-FFF2-40B4-BE49-F238E27FC236}">
-                <a16:creationId xmlns:a16="http://schemas.microsoft.com/office/drawing/2014/main" id="{DCF4EB5C-ED25-4675-8255-2F5B12CFFCF0}"/>
-              </a:ext>
-              <a:ext uri="{C183D7F6-B498-43B3-948B-1728B52AA6E4}">
-                <adec:decorative xmlns:adec="http://schemas.microsoft.com/office/drawing/2017/decorative" val="1"/>
-              </a:ext>
-            </a:extLst>
-          </p:cNvPr>
-          <p:cNvSpPr>
-            <a:spLocks noGrp="1" noRot="1" noChangeAspect="1" noMove="1" noResize="1" noEditPoints="1" noAdjustHandles="1" noChangeArrowheads="1" noChangeShapeType="1" noTextEdit="1"/>
-          </p:cNvSpPr>
-          <p:nvPr>
-            <p:extLst>
-              <p:ext uri="{386F3935-93C4-4BCD-93E2-E3B085C9AB24}">
-                <p16:designElem xmlns:p16="http://schemas.microsoft.com/office/powerpoint/2015/main" val="1"/>
-              </p:ext>
-            </p:extLst>
-          </p:nvPr>
-        </p:nvSpPr>
-        <p:spPr>
-          <a:xfrm>
-            <a:off x="446534" y="457200"/>
-            <a:ext cx="3703320" cy="94997"/>
-          </a:xfrm>
-          <a:prstGeom prst="rect">
-            <a:avLst/>
-          </a:prstGeom>
-          <a:solidFill>
-            <a:srgbClr val="465359"/>
-          </a:solidFill>
-          <a:ln>
-            <a:noFill/>
-          </a:ln>
-          <a:effectLst/>
-        </p:spPr>
-        <p:style>
-          <a:lnRef idx="1">
-            <a:schemeClr val="accent1"/>
-          </a:lnRef>
-          <a:fillRef idx="3">
-            <a:schemeClr val="accent1"/>
-          </a:fillRef>
-          <a:effectRef idx="2">
-            <a:schemeClr val="accent1"/>
-          </a:effectRef>
-          <a:fontRef idx="minor">
-            <a:schemeClr val="lt1"/>
-          </a:fontRef>
-        </p:style>
-        <p:txBody>
-          <a:bodyPr/>
-          <a:lstStyle/>
-          <a:p>
-            <a:pPr marL="0" marR="0" lvl="0" indent="0" algn="l" defTabSz="457200" rtl="0" eaLnBrk="1" fontAlgn="auto" latinLnBrk="0" hangingPunct="1">
-              <a:lnSpc>
-                <a:spcPct val="100000"/>
-              </a:lnSpc>
-              <a:spcBef>
-                <a:spcPts val="0"/>
-              </a:spcBef>
-              <a:spcAft>
-                <a:spcPts val="0"/>
-              </a:spcAft>
-              <a:buClrTx/>
-              <a:buSzTx/>
-              <a:buFontTx/>
-              <a:buNone/>
-              <a:tabLst/>
-              <a:defRPr/>
-            </a:pPr>
-            <a:endParaRPr kumimoji="0" lang="en-US" sz="1800" b="0" i="0" u="none" strike="noStrike" kern="1200" cap="none" spc="0" normalizeH="0" baseline="0" noProof="0">
-              <a:ln>
-                <a:noFill/>
-              </a:ln>
-              <a:solidFill>
-                <a:srgbClr val="FFFFFF"/>
-              </a:solidFill>
-              <a:effectLst/>
-              <a:uLnTx/>
-              <a:uFillTx/>
-              <a:latin typeface="Calibri"/>
-              <a:ea typeface="+mn-ea"/>
-              <a:cs typeface="+mn-cs"/>
-            </a:endParaRPr>
-          </a:p>
-        </p:txBody>
-      </p:sp>
-      <p:sp>
-        <p:nvSpPr>
-          <p:cNvPr id="38" name="Rectangle 37">
-            <a:extLst>
-              <a:ext uri="{FF2B5EF4-FFF2-40B4-BE49-F238E27FC236}">
-                <a16:creationId xmlns:a16="http://schemas.microsoft.com/office/drawing/2014/main" id="{9514EC6E-A557-42A2-BCDC-3ABFFC5E564D}"/>
-              </a:ext>
-              <a:ext uri="{C183D7F6-B498-43B3-948B-1728B52AA6E4}">
-                <adec:decorative xmlns:adec="http://schemas.microsoft.com/office/drawing/2017/decorative" val="1"/>
-              </a:ext>
-            </a:extLst>
-          </p:cNvPr>
-          <p:cNvSpPr>
-            <a:spLocks noGrp="1" noRot="1" noChangeAspect="1" noMove="1" noResize="1" noEditPoints="1" noAdjustHandles="1" noChangeArrowheads="1" noChangeShapeType="1" noTextEdit="1"/>
-          </p:cNvSpPr>
-          <p:nvPr>
-            <p:extLst>
-              <p:ext uri="{386F3935-93C4-4BCD-93E2-E3B085C9AB24}">
-                <p16:designElem xmlns:p16="http://schemas.microsoft.com/office/powerpoint/2015/main" val="1"/>
-              </p:ext>
-            </p:extLst>
-          </p:nvPr>
-        </p:nvSpPr>
-        <p:spPr>
-          <a:xfrm>
-            <a:off x="8042147" y="453643"/>
-            <a:ext cx="3703320" cy="98554"/>
-          </a:xfrm>
-          <a:prstGeom prst="rect">
-            <a:avLst/>
-          </a:prstGeom>
-          <a:solidFill>
-            <a:srgbClr val="969FA7"/>
-          </a:solidFill>
-          <a:ln>
-            <a:noFill/>
-          </a:ln>
-          <a:effectLst/>
-        </p:spPr>
-        <p:style>
-          <a:lnRef idx="1">
-            <a:schemeClr val="accent1"/>
-          </a:lnRef>
-          <a:fillRef idx="3">
-            <a:schemeClr val="accent1"/>
-          </a:fillRef>
-          <a:effectRef idx="2">
-            <a:schemeClr val="accent1"/>
-          </a:effectRef>
-          <a:fontRef idx="minor">
-            <a:schemeClr val="lt1"/>
-          </a:fontRef>
-        </p:style>
-        <p:txBody>
-          <a:bodyPr/>
-          <a:lstStyle/>
-          <a:p>
-            <a:pPr marL="0" marR="0" lvl="0" indent="0" algn="l" defTabSz="457200" rtl="0" eaLnBrk="1" fontAlgn="auto" latinLnBrk="0" hangingPunct="1">
-              <a:lnSpc>
-                <a:spcPct val="100000"/>
-              </a:lnSpc>
-              <a:spcBef>
-                <a:spcPts val="0"/>
-              </a:spcBef>
-              <a:spcAft>
-                <a:spcPts val="0"/>
-              </a:spcAft>
-              <a:buClrTx/>
-              <a:buSzTx/>
-              <a:buFontTx/>
-              <a:buNone/>
-              <a:tabLst/>
-              <a:defRPr/>
-            </a:pPr>
-            <a:endParaRPr kumimoji="0" lang="en-US" sz="1800" b="0" i="0" u="none" strike="noStrike" kern="1200" cap="none" spc="0" normalizeH="0" baseline="0" noProof="0">
-              <a:ln>
-                <a:noFill/>
-              </a:ln>
-              <a:solidFill>
-                <a:srgbClr val="FFFFFF"/>
-              </a:solidFill>
-              <a:effectLst/>
-              <a:uLnTx/>
-              <a:uFillTx/>
-              <a:latin typeface="Calibri"/>
-              <a:ea typeface="+mn-ea"/>
-              <a:cs typeface="+mn-cs"/>
-            </a:endParaRPr>
-          </a:p>
-        </p:txBody>
-      </p:sp>
-      <p:sp>
-        <p:nvSpPr>
-          <p:cNvPr id="40" name="Rectangle 39">
-            <a:extLst>
-              <a:ext uri="{FF2B5EF4-FFF2-40B4-BE49-F238E27FC236}">
-                <a16:creationId xmlns:a16="http://schemas.microsoft.com/office/drawing/2014/main" id="{905482C9-EB42-4BFE-95BF-7FD661F07657}"/>
-              </a:ext>
-              <a:ext uri="{C183D7F6-B498-43B3-948B-1728B52AA6E4}">
-                <adec:decorative xmlns:adec="http://schemas.microsoft.com/office/drawing/2017/decorative" val="1"/>
-              </a:ext>
-            </a:extLst>
-          </p:cNvPr>
-          <p:cNvSpPr>
-            <a:spLocks noGrp="1" noRot="1" noChangeAspect="1" noMove="1" noResize="1" noEditPoints="1" noAdjustHandles="1" noChangeArrowheads="1" noChangeShapeType="1" noTextEdit="1"/>
-          </p:cNvSpPr>
-          <p:nvPr>
-            <p:extLst>
-              <p:ext uri="{386F3935-93C4-4BCD-93E2-E3B085C9AB24}">
-                <p16:designElem xmlns:p16="http://schemas.microsoft.com/office/powerpoint/2015/main" val="1"/>
-              </p:ext>
-            </p:extLst>
-          </p:nvPr>
-        </p:nvSpPr>
-        <p:spPr>
-          <a:xfrm>
-            <a:off x="4241830" y="457200"/>
-            <a:ext cx="3703320" cy="91440"/>
-          </a:xfrm>
-          <a:prstGeom prst="rect">
-            <a:avLst/>
-          </a:prstGeom>
-          <a:solidFill>
-            <a:schemeClr val="accent1"/>
-          </a:solidFill>
-          <a:ln>
-            <a:noFill/>
-          </a:ln>
-          <a:effectLst/>
-        </p:spPr>
-        <p:style>
-          <a:lnRef idx="1">
-            <a:schemeClr val="accent1"/>
-          </a:lnRef>
-          <a:fillRef idx="3">
-            <a:schemeClr val="accent1"/>
-          </a:fillRef>
-          <a:effectRef idx="2">
-            <a:schemeClr val="accent1"/>
-          </a:effectRef>
-          <a:fontRef idx="minor">
-            <a:schemeClr val="lt1"/>
-          </a:fontRef>
-        </p:style>
-        <p:txBody>
-          <a:bodyPr/>
-          <a:lstStyle/>
-          <a:p>
-            <a:pPr marL="0" marR="0" lvl="0" indent="0" algn="l" defTabSz="457200" rtl="0" eaLnBrk="1" fontAlgn="auto" latinLnBrk="0" hangingPunct="1">
-              <a:lnSpc>
-                <a:spcPct val="100000"/>
-              </a:lnSpc>
-              <a:spcBef>
-                <a:spcPts val="0"/>
-              </a:spcBef>
-              <a:spcAft>
-                <a:spcPts val="0"/>
-              </a:spcAft>
-              <a:buClrTx/>
-              <a:buSzTx/>
-              <a:buFontTx/>
-              <a:buNone/>
-              <a:tabLst/>
-              <a:defRPr/>
-            </a:pPr>
-            <a:endParaRPr kumimoji="0" lang="en-US" sz="1800" b="0" i="0" u="none" strike="noStrike" kern="1200" cap="none" spc="0" normalizeH="0" baseline="0" noProof="0">
-              <a:ln>
-                <a:noFill/>
-              </a:ln>
-              <a:solidFill>
-                <a:srgbClr val="FFFFFF"/>
-              </a:solidFill>
-              <a:effectLst/>
-              <a:uLnTx/>
-              <a:uFillTx/>
-              <a:latin typeface="Calibri"/>
-              <a:ea typeface="+mn-ea"/>
-              <a:cs typeface="+mn-cs"/>
-            </a:endParaRPr>
-          </a:p>
-        </p:txBody>
-      </p:sp>
-      <p:sp>
-        <p:nvSpPr>
-          <p:cNvPr id="42" name="Rectangle 41">
-            <a:extLst>
-              <a:ext uri="{FF2B5EF4-FFF2-40B4-BE49-F238E27FC236}">
-                <a16:creationId xmlns:a16="http://schemas.microsoft.com/office/drawing/2014/main" id="{7539E646-A625-4A26-86ED-BD90EDD329F7}"/>
-              </a:ext>
-              <a:ext uri="{C183D7F6-B498-43B3-948B-1728B52AA6E4}">
-                <adec:decorative xmlns:adec="http://schemas.microsoft.com/office/drawing/2017/decorative" val="1"/>
-              </a:ext>
-            </a:extLst>
-          </p:cNvPr>
-          <p:cNvSpPr>
-            <a:spLocks noGrp="1" noRot="1" noChangeAspect="1" noMove="1" noResize="1" noEditPoints="1" noAdjustHandles="1" noChangeArrowheads="1" noChangeShapeType="1" noTextEdit="1"/>
-          </p:cNvSpPr>
-          <p:nvPr>
-            <p:extLst>
-              <p:ext uri="{386F3935-93C4-4BCD-93E2-E3B085C9AB24}">
-                <p16:designElem xmlns:p16="http://schemas.microsoft.com/office/powerpoint/2015/main" val="1"/>
-              </p:ext>
-            </p:extLst>
-          </p:nvPr>
-        </p:nvSpPr>
-        <p:spPr>
-          <a:xfrm>
-            <a:off x="446534" y="3085764"/>
-            <a:ext cx="11298932" cy="3338149"/>
-          </a:xfrm>
-          <a:prstGeom prst="rect">
-            <a:avLst/>
-          </a:prstGeom>
-          <a:solidFill>
-            <a:srgbClr val="465359"/>
-          </a:solidFill>
-          <a:ln>
-            <a:noFill/>
-          </a:ln>
-          <a:effectLst/>
-        </p:spPr>
-        <p:style>
-          <a:lnRef idx="1">
-            <a:schemeClr val="accent1"/>
-          </a:lnRef>
-          <a:fillRef idx="3">
-            <a:schemeClr val="accent1"/>
-          </a:fillRef>
-          <a:effectRef idx="2">
-            <a:schemeClr val="accent1"/>
-          </a:effectRef>
-          <a:fontRef idx="minor">
-            <a:schemeClr val="lt1"/>
-          </a:fontRef>
-        </p:style>
-        <p:txBody>
-          <a:bodyPr/>
-          <a:lstStyle/>
-          <a:p>
-            <a:pPr marL="0" marR="0" lvl="0" indent="0" algn="l" defTabSz="457200" rtl="0" eaLnBrk="1" fontAlgn="auto" latinLnBrk="0" hangingPunct="1">
-              <a:lnSpc>
-                <a:spcPct val="100000"/>
-              </a:lnSpc>
-              <a:spcBef>
-                <a:spcPts val="0"/>
-              </a:spcBef>
-              <a:spcAft>
-                <a:spcPts val="0"/>
-              </a:spcAft>
-              <a:buClrTx/>
-              <a:buSzTx/>
-              <a:buFontTx/>
-              <a:buNone/>
-              <a:tabLst/>
-              <a:defRPr/>
-            </a:pPr>
-            <a:endParaRPr kumimoji="0" lang="en-US" sz="1800" b="0" i="0" u="none" strike="noStrike" kern="1200" cap="none" spc="0" normalizeH="0" baseline="0" noProof="0">
-              <a:ln>
-                <a:noFill/>
-              </a:ln>
-              <a:solidFill>
-                <a:srgbClr val="FFFFFF"/>
-              </a:solidFill>
-              <a:effectLst/>
-              <a:uLnTx/>
-              <a:uFillTx/>
-              <a:latin typeface="Calibri"/>
-              <a:ea typeface="+mn-ea"/>
-              <a:cs typeface="+mn-cs"/>
-            </a:endParaRPr>
-          </a:p>
-        </p:txBody>
-      </p:sp>
-      <p:sp useBgFill="1">
-        <p:nvSpPr>
-          <p:cNvPr id="44" name="Rectangle 43">
-            <a:extLst>
-              <a:ext uri="{FF2B5EF4-FFF2-40B4-BE49-F238E27FC236}">
-                <a16:creationId xmlns:a16="http://schemas.microsoft.com/office/drawing/2014/main" id="{39171204-6A50-40E1-B631-84CEDFC9396A}"/>
-              </a:ext>
-              <a:ext uri="{C183D7F6-B498-43B3-948B-1728B52AA6E4}">
-                <adec:decorative xmlns:adec="http://schemas.microsoft.com/office/drawing/2017/decorative" val="1"/>
-              </a:ext>
-            </a:extLst>
-          </p:cNvPr>
-          <p:cNvSpPr>
-            <a:spLocks noGrp="1" noRot="1" noChangeAspect="1" noMove="1" noResize="1" noEditPoints="1" noAdjustHandles="1" noChangeArrowheads="1" noChangeShapeType="1" noTextEdit="1"/>
-          </p:cNvSpPr>
-          <p:nvPr>
-            <p:extLst>
-              <p:ext uri="{386F3935-93C4-4BCD-93E2-E3B085C9AB24}">
-                <p16:designElem xmlns:p16="http://schemas.microsoft.com/office/powerpoint/2015/main" val="1"/>
-              </p:ext>
-            </p:extLst>
-          </p:nvPr>
-        </p:nvSpPr>
-        <p:spPr>
-          <a:xfrm>
-            <a:off x="0" y="0"/>
-            <a:ext cx="12192000" cy="6858000"/>
-          </a:xfrm>
-          <a:prstGeom prst="rect">
-            <a:avLst/>
-          </a:prstGeom>
-          <a:ln>
-            <a:noFill/>
-          </a:ln>
-        </p:spPr>
-        <p:style>
-          <a:lnRef idx="2">
-            <a:schemeClr val="accent1">
-              <a:shade val="50000"/>
-            </a:schemeClr>
-          </a:lnRef>
-          <a:fillRef idx="1">
-            <a:schemeClr val="accent1"/>
-          </a:fillRef>
-          <a:effectRef idx="0">
-            <a:schemeClr val="accent1"/>
-          </a:effectRef>
-          <a:fontRef idx="minor">
-            <a:schemeClr val="lt1"/>
-          </a:fontRef>
-        </p:style>
-        <p:txBody>
-          <a:bodyPr rtlCol="0" anchor="ctr"/>
-          <a:lstStyle/>
-          <a:p>
-            <a:pPr marL="0" marR="0" lvl="0" indent="0" algn="ctr" defTabSz="457200" rtl="0" eaLnBrk="1" fontAlgn="auto" latinLnBrk="0" hangingPunct="1">
-              <a:lnSpc>
-                <a:spcPct val="100000"/>
-              </a:lnSpc>
-              <a:spcBef>
-                <a:spcPts val="0"/>
-              </a:spcBef>
-              <a:spcAft>
-                <a:spcPts val="0"/>
-              </a:spcAft>
-              <a:buClrTx/>
-              <a:buSzTx/>
-              <a:buFontTx/>
-              <a:buNone/>
-              <a:tabLst/>
-              <a:defRPr/>
-            </a:pPr>
-            <a:endParaRPr kumimoji="0" lang="en-US" sz="1800" b="0" i="0" u="none" strike="noStrike" kern="1200" cap="none" spc="0" normalizeH="0" baseline="0" noProof="0">
-              <a:ln>
-                <a:noFill/>
-              </a:ln>
-              <a:solidFill>
-                <a:srgbClr val="FFFFFF"/>
-              </a:solidFill>
-              <a:effectLst/>
-              <a:uLnTx/>
-              <a:uFillTx/>
-              <a:latin typeface="Calibri"/>
-              <a:ea typeface="+mn-ea"/>
-              <a:cs typeface="+mn-cs"/>
-            </a:endParaRPr>
-          </a:p>
-        </p:txBody>
-      </p:sp>
-      <p:sp>
-        <p:nvSpPr>
-          <p:cNvPr id="46" name="Rectangle 45">
-            <a:extLst>
-              <a:ext uri="{FF2B5EF4-FFF2-40B4-BE49-F238E27FC236}">
-                <a16:creationId xmlns:a16="http://schemas.microsoft.com/office/drawing/2014/main" id="{06C973F6-5187-412F-AACC-6E3FF8A6A12C}"/>
-              </a:ext>
-              <a:ext uri="{C183D7F6-B498-43B3-948B-1728B52AA6E4}">
-                <adec:decorative xmlns:adec="http://schemas.microsoft.com/office/drawing/2017/decorative" val="1"/>
-              </a:ext>
-            </a:extLst>
-          </p:cNvPr>
-          <p:cNvSpPr>
-            <a:spLocks noGrp="1" noRot="1" noChangeAspect="1" noMove="1" noResize="1" noEditPoints="1" noAdjustHandles="1" noChangeArrowheads="1" noChangeShapeType="1" noTextEdit="1"/>
-          </p:cNvSpPr>
-          <p:nvPr>
-            <p:extLst>
-              <p:ext uri="{386F3935-93C4-4BCD-93E2-E3B085C9AB24}">
-                <p16:designElem xmlns:p16="http://schemas.microsoft.com/office/powerpoint/2015/main" val="1"/>
-              </p:ext>
-            </p:extLst>
-          </p:nvPr>
-        </p:nvSpPr>
-        <p:spPr>
-          <a:xfrm>
-            <a:off x="509628" y="496959"/>
-            <a:ext cx="1106164" cy="5859735"/>
-          </a:xfrm>
-          <a:prstGeom prst="rect">
-            <a:avLst/>
-          </a:prstGeom>
-          <a:solidFill>
-            <a:srgbClr val="465359"/>
-          </a:solidFill>
-          <a:ln>
-            <a:noFill/>
-          </a:ln>
-          <a:effectLst/>
-        </p:spPr>
-        <p:style>
-          <a:lnRef idx="1">
-            <a:schemeClr val="accent1"/>
-          </a:lnRef>
-          <a:fillRef idx="3">
-            <a:schemeClr val="accent1"/>
-          </a:fillRef>
-          <a:effectRef idx="2">
-            <a:schemeClr val="accent1"/>
-          </a:effectRef>
-          <a:fontRef idx="minor">
-            <a:schemeClr val="lt1"/>
-          </a:fontRef>
-        </p:style>
-        <p:txBody>
-          <a:bodyPr/>
-          <a:lstStyle/>
-          <a:p>
-            <a:pPr marL="0" marR="0" lvl="0" indent="0" algn="l" defTabSz="457200" rtl="0" eaLnBrk="1" fontAlgn="auto" latinLnBrk="0" hangingPunct="1">
-              <a:lnSpc>
-                <a:spcPct val="100000"/>
-              </a:lnSpc>
-              <a:spcBef>
-                <a:spcPts val="0"/>
-              </a:spcBef>
-              <a:spcAft>
-                <a:spcPts val="0"/>
-              </a:spcAft>
-              <a:buClrTx/>
-              <a:buSzTx/>
-              <a:buFontTx/>
-              <a:buNone/>
-              <a:tabLst/>
-              <a:defRPr/>
-            </a:pPr>
-            <a:endParaRPr kumimoji="0" lang="en-US" sz="1800" b="0" i="0" u="none" strike="noStrike" kern="1200" cap="none" spc="0" normalizeH="0" baseline="0" noProof="0">
-              <a:ln>
-                <a:noFill/>
-              </a:ln>
-              <a:solidFill>
-                <a:srgbClr val="FFFFFF"/>
-              </a:solidFill>
-              <a:effectLst/>
-              <a:uLnTx/>
-              <a:uFillTx/>
-              <a:latin typeface="Calibri"/>
-              <a:ea typeface="+mn-ea"/>
-              <a:cs typeface="+mn-cs"/>
-            </a:endParaRPr>
-          </a:p>
-        </p:txBody>
-      </p:sp>
-      <p:sp>
-        <p:nvSpPr>
-          <p:cNvPr id="48" name="Rectangle 47">
-            <a:extLst>
-              <a:ext uri="{FF2B5EF4-FFF2-40B4-BE49-F238E27FC236}">
-                <a16:creationId xmlns:a16="http://schemas.microsoft.com/office/drawing/2014/main" id="{D11AE14F-1B7E-41E6-B579-2F71D135036C}"/>
-              </a:ext>
-              <a:ext uri="{C183D7F6-B498-43B3-948B-1728B52AA6E4}">
-                <adec:decorative xmlns:adec="http://schemas.microsoft.com/office/drawing/2017/decorative" val="1"/>
-              </a:ext>
-            </a:extLst>
-          </p:cNvPr>
-          <p:cNvSpPr>
-            <a:spLocks noGrp="1" noRot="1" noChangeAspect="1" noMove="1" noResize="1" noEditPoints="1" noAdjustHandles="1" noChangeArrowheads="1" noChangeShapeType="1" noTextEdit="1"/>
-          </p:cNvSpPr>
-          <p:nvPr>
-            <p:extLst>
-              <p:ext uri="{386F3935-93C4-4BCD-93E2-E3B085C9AB24}">
-                <p16:designElem xmlns:p16="http://schemas.microsoft.com/office/powerpoint/2015/main" val="1"/>
-              </p:ext>
-            </p:extLst>
-          </p:nvPr>
-        </p:nvSpPr>
-        <p:spPr>
-          <a:xfrm>
-            <a:off x="1712856" y="496958"/>
-            <a:ext cx="9961047" cy="3678072"/>
-          </a:xfrm>
-          <a:prstGeom prst="rect">
-            <a:avLst/>
-          </a:prstGeom>
-          <a:solidFill>
-            <a:schemeClr val="accent1"/>
-          </a:solidFill>
-          <a:ln>
-            <a:noFill/>
-          </a:ln>
-          <a:effectLst/>
-        </p:spPr>
-        <p:style>
-          <a:lnRef idx="1">
-            <a:schemeClr val="accent1"/>
-          </a:lnRef>
-          <a:fillRef idx="3">
-            <a:schemeClr val="accent1"/>
-          </a:fillRef>
-          <a:effectRef idx="2">
-            <a:schemeClr val="accent1"/>
-          </a:effectRef>
-          <a:fontRef idx="minor">
-            <a:schemeClr val="lt1"/>
-          </a:fontRef>
-        </p:style>
-        <p:txBody>
-          <a:bodyPr/>
-          <a:lstStyle/>
-          <a:p>
-            <a:pPr marL="0" marR="0" lvl="0" indent="0" algn="l" defTabSz="457200" rtl="0" eaLnBrk="1" fontAlgn="auto" latinLnBrk="0" hangingPunct="1">
-              <a:lnSpc>
-                <a:spcPct val="100000"/>
-              </a:lnSpc>
-              <a:spcBef>
-                <a:spcPts val="0"/>
-              </a:spcBef>
-              <a:spcAft>
-                <a:spcPts val="0"/>
-              </a:spcAft>
-              <a:buClrTx/>
-              <a:buSzTx/>
-              <a:buFontTx/>
-              <a:buNone/>
-              <a:tabLst/>
-              <a:defRPr/>
-            </a:pPr>
-            <a:endParaRPr kumimoji="0" lang="en-US" sz="1800" b="0" i="0" u="none" strike="noStrike" kern="1200" cap="none" spc="0" normalizeH="0" baseline="0" noProof="0">
-              <a:ln>
-                <a:noFill/>
-              </a:ln>
-              <a:solidFill>
-                <a:srgbClr val="FFFFFF"/>
-              </a:solidFill>
-              <a:effectLst/>
-              <a:uLnTx/>
-              <a:uFillTx/>
-              <a:latin typeface="Calibri"/>
-              <a:ea typeface="+mn-ea"/>
-              <a:cs typeface="+mn-cs"/>
-            </a:endParaRPr>
-          </a:p>
-        </p:txBody>
-      </p:sp>
-      <p:sp>
-        <p:nvSpPr>
-          <p:cNvPr id="2" name="Title 1">
-            <a:extLst>
-              <a:ext uri="{FF2B5EF4-FFF2-40B4-BE49-F238E27FC236}">
-                <a16:creationId xmlns:a16="http://schemas.microsoft.com/office/drawing/2014/main" id="{3778BAB5-C1DE-8DAD-E76F-BECA6F24C1F4}"/>
-              </a:ext>
-            </a:extLst>
-          </p:cNvPr>
-          <p:cNvSpPr>
-            <a:spLocks noGrp="1"/>
-          </p:cNvSpPr>
-          <p:nvPr>
-            <p:ph type="title"/>
-          </p:nvPr>
-        </p:nvSpPr>
-        <p:spPr>
-          <a:xfrm>
-            <a:off x="1893715" y="708498"/>
-            <a:ext cx="9618581" cy="3330055"/>
-          </a:xfrm>
-        </p:spPr>
-        <p:txBody>
-          <a:bodyPr vert="horz" lIns="91440" tIns="45720" rIns="91440" bIns="45720" rtlCol="0" anchor="ctr">
-            <a:normAutofit/>
-          </a:bodyPr>
-          <a:lstStyle/>
-          <a:p>
-            <a:r>
-              <a:rPr lang="en-US" sz="6000" b="0" kern="1200" cap="all" dirty="0">
-                <a:solidFill>
-                  <a:srgbClr val="FFFFFF"/>
-                </a:solidFill>
-                <a:latin typeface="+mj-lt"/>
-                <a:ea typeface="+mj-ea"/>
-                <a:cs typeface="+mj-cs"/>
-              </a:rPr>
-              <a:t>2.1.1 </a:t>
-            </a:r>
-            <a:br>
-              <a:rPr lang="en-US" sz="6000" b="0" kern="1200" cap="all" dirty="0">
-                <a:solidFill>
-                  <a:srgbClr val="FFFFFF"/>
-                </a:solidFill>
-                <a:latin typeface="+mj-lt"/>
-                <a:ea typeface="+mj-ea"/>
-                <a:cs typeface="+mj-cs"/>
-              </a:rPr>
-            </a:br>
-            <a:r>
-              <a:rPr lang="en-US" sz="6000" b="0" kern="1200" cap="all" dirty="0">
-                <a:solidFill>
-                  <a:srgbClr val="FFFFFF"/>
-                </a:solidFill>
-                <a:latin typeface="+mj-lt"/>
-                <a:ea typeface="+mj-ea"/>
-                <a:cs typeface="+mj-cs"/>
-              </a:rPr>
-              <a:t>population and sample</a:t>
-            </a:r>
-          </a:p>
-        </p:txBody>
-      </p:sp>
-      <p:sp>
-        <p:nvSpPr>
-          <p:cNvPr id="50" name="Rectangle 49">
-            <a:extLst>
-              <a:ext uri="{FF2B5EF4-FFF2-40B4-BE49-F238E27FC236}">
-                <a16:creationId xmlns:a16="http://schemas.microsoft.com/office/drawing/2014/main" id="{752BB805-F7B7-4B80-A1C5-385D4DAF74D0}"/>
-              </a:ext>
-              <a:ext uri="{C183D7F6-B498-43B3-948B-1728B52AA6E4}">
-                <adec:decorative xmlns:adec="http://schemas.microsoft.com/office/drawing/2017/decorative" val="1"/>
-              </a:ext>
-            </a:extLst>
-          </p:cNvPr>
-          <p:cNvSpPr>
-            <a:spLocks noGrp="1" noRot="1" noChangeAspect="1" noMove="1" noResize="1" noEditPoints="1" noAdjustHandles="1" noChangeArrowheads="1" noChangeShapeType="1" noTextEdit="1"/>
-          </p:cNvSpPr>
-          <p:nvPr>
-            <p:extLst>
-              <p:ext uri="{386F3935-93C4-4BCD-93E2-E3B085C9AB24}">
-                <p16:designElem xmlns:p16="http://schemas.microsoft.com/office/powerpoint/2015/main" val="1"/>
-              </p:ext>
-            </p:extLst>
-          </p:nvPr>
-        </p:nvSpPr>
-        <p:spPr>
-          <a:xfrm>
-            <a:off x="1712789" y="4284212"/>
-            <a:ext cx="9961115" cy="2072481"/>
-          </a:xfrm>
-          <a:prstGeom prst="rect">
-            <a:avLst/>
-          </a:prstGeom>
-          <a:solidFill>
-            <a:srgbClr val="6C7781">
-              <a:alpha val="80000"/>
-            </a:srgbClr>
-          </a:solidFill>
-          <a:ln>
-            <a:noFill/>
-          </a:ln>
-          <a:effectLst/>
-        </p:spPr>
-        <p:style>
-          <a:lnRef idx="1">
-            <a:schemeClr val="accent1"/>
-          </a:lnRef>
-          <a:fillRef idx="3">
-            <a:schemeClr val="accent1"/>
-          </a:fillRef>
-          <a:effectRef idx="2">
-            <a:schemeClr val="accent1"/>
-          </a:effectRef>
-          <a:fontRef idx="minor">
-            <a:schemeClr val="lt1"/>
-          </a:fontRef>
-        </p:style>
-        <p:txBody>
-          <a:bodyPr/>
-          <a:lstStyle/>
-          <a:p>
-            <a:pPr marL="0" marR="0" lvl="0" indent="0" algn="l" defTabSz="457200" rtl="0" eaLnBrk="1" fontAlgn="auto" latinLnBrk="0" hangingPunct="1">
-              <a:lnSpc>
-                <a:spcPct val="100000"/>
-              </a:lnSpc>
-              <a:spcBef>
-                <a:spcPts val="0"/>
-              </a:spcBef>
-              <a:spcAft>
-                <a:spcPts val="0"/>
-              </a:spcAft>
-              <a:buClrTx/>
-              <a:buSzTx/>
-              <a:buFontTx/>
-              <a:buNone/>
-              <a:tabLst/>
-              <a:defRPr/>
-            </a:pPr>
-            <a:endParaRPr kumimoji="0" lang="en-US" sz="1800" b="0" i="0" u="none" strike="noStrike" kern="1200" cap="none" spc="0" normalizeH="0" baseline="0" noProof="0">
-              <a:ln>
-                <a:noFill/>
-              </a:ln>
-              <a:solidFill>
-                <a:srgbClr val="FFFFFF"/>
-              </a:solidFill>
-              <a:effectLst/>
-              <a:uLnTx/>
-              <a:uFillTx/>
-              <a:latin typeface="Calibri"/>
-              <a:ea typeface="+mn-ea"/>
-              <a:cs typeface="+mn-cs"/>
-            </a:endParaRPr>
-          </a:p>
-        </p:txBody>
-      </p:sp>
-    </p:spTree>
-    <p:extLst>
-      <p:ext uri="{BB962C8B-B14F-4D97-AF65-F5344CB8AC3E}">
-        <p14:creationId xmlns:p14="http://schemas.microsoft.com/office/powerpoint/2010/main" val="1586883875"/>
-      </p:ext>
-    </p:extLst>
-  </p:cSld>
-  <p:clrMapOvr>
-    <a:masterClrMapping/>
-  </p:clrMapOvr>
-  <p:timing>
-    <p:tnLst>
-      <p:par>
-        <p:cTn id="1" dur="indefinite" restart="never" nodeType="tmRoot">
-          <p:childTnLst>
-            <p:seq concurrent="1" nextAc="seek">
-              <p:cTn id="2" dur="indefinite" nodeType="mainSeq">
-                <p:childTnLst>
-                  <p:par>
-                    <p:cTn id="3" fill="hold">
-                      <p:stCondLst>
-                        <p:cond delay="indefinite"/>
-                        <p:cond evt="onBegin" delay="0">
-                          <p:tn val="2"/>
-                        </p:cond>
-                      </p:stCondLst>
-                      <p:childTnLst>
-                        <p:par>
-                          <p:cTn id="4" fill="hold">
-                            <p:stCondLst>
-                              <p:cond delay="0"/>
-                            </p:stCondLst>
-                            <p:childTnLst>
-                              <p:par>
-                                <p:cTn id="5" presetID="10" presetClass="entr" presetSubtype="0" fill="hold" grpId="0" nodeType="withEffect">
-                                  <p:stCondLst>
-                                    <p:cond delay="500"/>
-                                  </p:stCondLst>
-                                  <p:iterate type="wd">
-                                    <p:tmPct val="15000"/>
-                                  </p:iterate>
-                                  <p:childTnLst>
-                                    <p:set>
-                                      <p:cBhvr>
-                                        <p:cTn id="6" dur="1" fill="hold">
-                                          <p:stCondLst>
-                                            <p:cond delay="0"/>
-                                          </p:stCondLst>
-                                        </p:cTn>
-                                        <p:tgtEl>
-                                          <p:spTgt spid="2"/>
-                                        </p:tgtEl>
-                                        <p:attrNameLst>
-                                          <p:attrName>style.visibility</p:attrName>
-                                        </p:attrNameLst>
-                                      </p:cBhvr>
-                                      <p:to>
-                                        <p:strVal val="visible"/>
-                                      </p:to>
-                                    </p:set>
-                                    <p:animEffect transition="in" filter="fade">
-                                      <p:cBhvr>
-                                        <p:cTn id="7" dur="1000"/>
-                                        <p:tgtEl>
-                                          <p:spTgt spid="2"/>
-                                        </p:tgtEl>
-                                      </p:cBhvr>
-                                    </p:animEffect>
-                                  </p:childTnLst>
-                                </p:cTn>
-                              </p:par>
-                            </p:childTnLst>
-                          </p:cTn>
-                        </p:par>
-                      </p:childTnLst>
-                    </p:cTn>
-                  </p:par>
-                </p:childTnLst>
-              </p:cTn>
-              <p:prevCondLst>
-                <p:cond evt="onPrev" delay="0">
-                  <p:tgtEl>
-                    <p:sldTgt/>
-                  </p:tgtEl>
-                </p:cond>
-              </p:prevCondLst>
-              <p:nextCondLst>
-                <p:cond evt="onNext" delay="0">
-                  <p:tgtEl>
-                    <p:sldTgt/>
-                  </p:tgtEl>
-                </p:cond>
-              </p:nextCondLst>
-            </p:seq>
-          </p:childTnLst>
-        </p:cTn>
-      </p:par>
-    </p:tnLst>
-    <p:bldLst>
-      <p:bldP spid="2" grpId="0"/>
-    </p:bldLst>
-  </p:timing>
-</p:sld>
-</file>
-
-<file path=ppt/slides/slide20.xml><?xml version="1.0" encoding="utf-8"?>
+<file path=ppt/slides/slide19.xml><?xml version="1.0" encoding="utf-8"?>
 <p:sld xmlns:a="http://schemas.openxmlformats.org/drawingml/2006/main" xmlns:r="http://schemas.openxmlformats.org/officeDocument/2006/relationships" xmlns:p="http://schemas.openxmlformats.org/presentationml/2006/main">
   <p:cSld>
     <p:spTree>
@@ -13821,7 +13554,928 @@
 </p:sld>
 </file>
 
-<file path=ppt/slides/slide21.xml><?xml version="1.0" encoding="utf-8"?>
+<file path=ppt/slides/slide2.xml><?xml version="1.0" encoding="utf-8"?>
+<p:sld xmlns:a="http://schemas.openxmlformats.org/drawingml/2006/main" xmlns:r="http://schemas.openxmlformats.org/officeDocument/2006/relationships" xmlns:p="http://schemas.openxmlformats.org/presentationml/2006/main">
+  <p:cSld>
+    <p:bg>
+      <p:bgPr>
+        <a:solidFill>
+          <a:schemeClr val="bg1"/>
+        </a:solidFill>
+        <a:effectLst/>
+      </p:bgPr>
+    </p:bg>
+    <p:spTree>
+      <p:nvGrpSpPr>
+        <p:cNvPr id="1" name=""/>
+        <p:cNvGrpSpPr/>
+        <p:nvPr/>
+      </p:nvGrpSpPr>
+      <p:grpSpPr>
+        <a:xfrm>
+          <a:off x="0" y="0"/>
+          <a:ext cx="0" cy="0"/>
+          <a:chOff x="0" y="0"/>
+          <a:chExt cx="0" cy="0"/>
+        </a:xfrm>
+      </p:grpSpPr>
+      <p:sp>
+        <p:nvSpPr>
+          <p:cNvPr id="36" name="Rectangle 35">
+            <a:extLst>
+              <a:ext uri="{FF2B5EF4-FFF2-40B4-BE49-F238E27FC236}">
+                <a16:creationId xmlns:a16="http://schemas.microsoft.com/office/drawing/2014/main" id="{DCF4EB5C-ED25-4675-8255-2F5B12CFFCF0}"/>
+              </a:ext>
+              <a:ext uri="{C183D7F6-B498-43B3-948B-1728B52AA6E4}">
+                <adec:decorative xmlns:adec="http://schemas.microsoft.com/office/drawing/2017/decorative" val="1"/>
+              </a:ext>
+            </a:extLst>
+          </p:cNvPr>
+          <p:cNvSpPr>
+            <a:spLocks noGrp="1" noRot="1" noChangeAspect="1" noMove="1" noResize="1" noEditPoints="1" noAdjustHandles="1" noChangeArrowheads="1" noChangeShapeType="1" noTextEdit="1"/>
+          </p:cNvSpPr>
+          <p:nvPr>
+            <p:extLst>
+              <p:ext uri="{386F3935-93C4-4BCD-93E2-E3B085C9AB24}">
+                <p16:designElem xmlns:p16="http://schemas.microsoft.com/office/powerpoint/2015/main" val="1"/>
+              </p:ext>
+            </p:extLst>
+          </p:nvPr>
+        </p:nvSpPr>
+        <p:spPr>
+          <a:xfrm>
+            <a:off x="446534" y="457200"/>
+            <a:ext cx="3703320" cy="94997"/>
+          </a:xfrm>
+          <a:prstGeom prst="rect">
+            <a:avLst/>
+          </a:prstGeom>
+          <a:solidFill>
+            <a:srgbClr val="465359"/>
+          </a:solidFill>
+          <a:ln>
+            <a:noFill/>
+          </a:ln>
+          <a:effectLst/>
+        </p:spPr>
+        <p:style>
+          <a:lnRef idx="1">
+            <a:schemeClr val="accent1"/>
+          </a:lnRef>
+          <a:fillRef idx="3">
+            <a:schemeClr val="accent1"/>
+          </a:fillRef>
+          <a:effectRef idx="2">
+            <a:schemeClr val="accent1"/>
+          </a:effectRef>
+          <a:fontRef idx="minor">
+            <a:schemeClr val="lt1"/>
+          </a:fontRef>
+        </p:style>
+        <p:txBody>
+          <a:bodyPr/>
+          <a:lstStyle/>
+          <a:p>
+            <a:pPr marL="0" marR="0" lvl="0" indent="0" algn="l" defTabSz="457200" rtl="0" eaLnBrk="1" fontAlgn="auto" latinLnBrk="0" hangingPunct="1">
+              <a:lnSpc>
+                <a:spcPct val="100000"/>
+              </a:lnSpc>
+              <a:spcBef>
+                <a:spcPts val="0"/>
+              </a:spcBef>
+              <a:spcAft>
+                <a:spcPts val="0"/>
+              </a:spcAft>
+              <a:buClrTx/>
+              <a:buSzTx/>
+              <a:buFontTx/>
+              <a:buNone/>
+              <a:tabLst/>
+              <a:defRPr/>
+            </a:pPr>
+            <a:endParaRPr kumimoji="0" lang="en-US" sz="1800" b="0" i="0" u="none" strike="noStrike" kern="1200" cap="none" spc="0" normalizeH="0" baseline="0" noProof="0">
+              <a:ln>
+                <a:noFill/>
+              </a:ln>
+              <a:solidFill>
+                <a:srgbClr val="FFFFFF"/>
+              </a:solidFill>
+              <a:effectLst/>
+              <a:uLnTx/>
+              <a:uFillTx/>
+              <a:latin typeface="Calibri"/>
+              <a:ea typeface="+mn-ea"/>
+              <a:cs typeface="+mn-cs"/>
+            </a:endParaRPr>
+          </a:p>
+        </p:txBody>
+      </p:sp>
+      <p:sp>
+        <p:nvSpPr>
+          <p:cNvPr id="38" name="Rectangle 37">
+            <a:extLst>
+              <a:ext uri="{FF2B5EF4-FFF2-40B4-BE49-F238E27FC236}">
+                <a16:creationId xmlns:a16="http://schemas.microsoft.com/office/drawing/2014/main" id="{9514EC6E-A557-42A2-BCDC-3ABFFC5E564D}"/>
+              </a:ext>
+              <a:ext uri="{C183D7F6-B498-43B3-948B-1728B52AA6E4}">
+                <adec:decorative xmlns:adec="http://schemas.microsoft.com/office/drawing/2017/decorative" val="1"/>
+              </a:ext>
+            </a:extLst>
+          </p:cNvPr>
+          <p:cNvSpPr>
+            <a:spLocks noGrp="1" noRot="1" noChangeAspect="1" noMove="1" noResize="1" noEditPoints="1" noAdjustHandles="1" noChangeArrowheads="1" noChangeShapeType="1" noTextEdit="1"/>
+          </p:cNvSpPr>
+          <p:nvPr>
+            <p:extLst>
+              <p:ext uri="{386F3935-93C4-4BCD-93E2-E3B085C9AB24}">
+                <p16:designElem xmlns:p16="http://schemas.microsoft.com/office/powerpoint/2015/main" val="1"/>
+              </p:ext>
+            </p:extLst>
+          </p:nvPr>
+        </p:nvSpPr>
+        <p:spPr>
+          <a:xfrm>
+            <a:off x="8042147" y="453643"/>
+            <a:ext cx="3703320" cy="98554"/>
+          </a:xfrm>
+          <a:prstGeom prst="rect">
+            <a:avLst/>
+          </a:prstGeom>
+          <a:solidFill>
+            <a:srgbClr val="969FA7"/>
+          </a:solidFill>
+          <a:ln>
+            <a:noFill/>
+          </a:ln>
+          <a:effectLst/>
+        </p:spPr>
+        <p:style>
+          <a:lnRef idx="1">
+            <a:schemeClr val="accent1"/>
+          </a:lnRef>
+          <a:fillRef idx="3">
+            <a:schemeClr val="accent1"/>
+          </a:fillRef>
+          <a:effectRef idx="2">
+            <a:schemeClr val="accent1"/>
+          </a:effectRef>
+          <a:fontRef idx="minor">
+            <a:schemeClr val="lt1"/>
+          </a:fontRef>
+        </p:style>
+        <p:txBody>
+          <a:bodyPr/>
+          <a:lstStyle/>
+          <a:p>
+            <a:pPr marL="0" marR="0" lvl="0" indent="0" algn="l" defTabSz="457200" rtl="0" eaLnBrk="1" fontAlgn="auto" latinLnBrk="0" hangingPunct="1">
+              <a:lnSpc>
+                <a:spcPct val="100000"/>
+              </a:lnSpc>
+              <a:spcBef>
+                <a:spcPts val="0"/>
+              </a:spcBef>
+              <a:spcAft>
+                <a:spcPts val="0"/>
+              </a:spcAft>
+              <a:buClrTx/>
+              <a:buSzTx/>
+              <a:buFontTx/>
+              <a:buNone/>
+              <a:tabLst/>
+              <a:defRPr/>
+            </a:pPr>
+            <a:endParaRPr kumimoji="0" lang="en-US" sz="1800" b="0" i="0" u="none" strike="noStrike" kern="1200" cap="none" spc="0" normalizeH="0" baseline="0" noProof="0">
+              <a:ln>
+                <a:noFill/>
+              </a:ln>
+              <a:solidFill>
+                <a:srgbClr val="FFFFFF"/>
+              </a:solidFill>
+              <a:effectLst/>
+              <a:uLnTx/>
+              <a:uFillTx/>
+              <a:latin typeface="Calibri"/>
+              <a:ea typeface="+mn-ea"/>
+              <a:cs typeface="+mn-cs"/>
+            </a:endParaRPr>
+          </a:p>
+        </p:txBody>
+      </p:sp>
+      <p:sp>
+        <p:nvSpPr>
+          <p:cNvPr id="40" name="Rectangle 39">
+            <a:extLst>
+              <a:ext uri="{FF2B5EF4-FFF2-40B4-BE49-F238E27FC236}">
+                <a16:creationId xmlns:a16="http://schemas.microsoft.com/office/drawing/2014/main" id="{905482C9-EB42-4BFE-95BF-7FD661F07657}"/>
+              </a:ext>
+              <a:ext uri="{C183D7F6-B498-43B3-948B-1728B52AA6E4}">
+                <adec:decorative xmlns:adec="http://schemas.microsoft.com/office/drawing/2017/decorative" val="1"/>
+              </a:ext>
+            </a:extLst>
+          </p:cNvPr>
+          <p:cNvSpPr>
+            <a:spLocks noGrp="1" noRot="1" noChangeAspect="1" noMove="1" noResize="1" noEditPoints="1" noAdjustHandles="1" noChangeArrowheads="1" noChangeShapeType="1" noTextEdit="1"/>
+          </p:cNvSpPr>
+          <p:nvPr>
+            <p:extLst>
+              <p:ext uri="{386F3935-93C4-4BCD-93E2-E3B085C9AB24}">
+                <p16:designElem xmlns:p16="http://schemas.microsoft.com/office/powerpoint/2015/main" val="1"/>
+              </p:ext>
+            </p:extLst>
+          </p:nvPr>
+        </p:nvSpPr>
+        <p:spPr>
+          <a:xfrm>
+            <a:off x="4241830" y="457200"/>
+            <a:ext cx="3703320" cy="91440"/>
+          </a:xfrm>
+          <a:prstGeom prst="rect">
+            <a:avLst/>
+          </a:prstGeom>
+          <a:solidFill>
+            <a:schemeClr val="accent1"/>
+          </a:solidFill>
+          <a:ln>
+            <a:noFill/>
+          </a:ln>
+          <a:effectLst/>
+        </p:spPr>
+        <p:style>
+          <a:lnRef idx="1">
+            <a:schemeClr val="accent1"/>
+          </a:lnRef>
+          <a:fillRef idx="3">
+            <a:schemeClr val="accent1"/>
+          </a:fillRef>
+          <a:effectRef idx="2">
+            <a:schemeClr val="accent1"/>
+          </a:effectRef>
+          <a:fontRef idx="minor">
+            <a:schemeClr val="lt1"/>
+          </a:fontRef>
+        </p:style>
+        <p:txBody>
+          <a:bodyPr/>
+          <a:lstStyle/>
+          <a:p>
+            <a:pPr marL="0" marR="0" lvl="0" indent="0" algn="l" defTabSz="457200" rtl="0" eaLnBrk="1" fontAlgn="auto" latinLnBrk="0" hangingPunct="1">
+              <a:lnSpc>
+                <a:spcPct val="100000"/>
+              </a:lnSpc>
+              <a:spcBef>
+                <a:spcPts val="0"/>
+              </a:spcBef>
+              <a:spcAft>
+                <a:spcPts val="0"/>
+              </a:spcAft>
+              <a:buClrTx/>
+              <a:buSzTx/>
+              <a:buFontTx/>
+              <a:buNone/>
+              <a:tabLst/>
+              <a:defRPr/>
+            </a:pPr>
+            <a:endParaRPr kumimoji="0" lang="en-US" sz="1800" b="0" i="0" u="none" strike="noStrike" kern="1200" cap="none" spc="0" normalizeH="0" baseline="0" noProof="0">
+              <a:ln>
+                <a:noFill/>
+              </a:ln>
+              <a:solidFill>
+                <a:srgbClr val="FFFFFF"/>
+              </a:solidFill>
+              <a:effectLst/>
+              <a:uLnTx/>
+              <a:uFillTx/>
+              <a:latin typeface="Calibri"/>
+              <a:ea typeface="+mn-ea"/>
+              <a:cs typeface="+mn-cs"/>
+            </a:endParaRPr>
+          </a:p>
+        </p:txBody>
+      </p:sp>
+      <p:sp>
+        <p:nvSpPr>
+          <p:cNvPr id="42" name="Rectangle 41">
+            <a:extLst>
+              <a:ext uri="{FF2B5EF4-FFF2-40B4-BE49-F238E27FC236}">
+                <a16:creationId xmlns:a16="http://schemas.microsoft.com/office/drawing/2014/main" id="{7539E646-A625-4A26-86ED-BD90EDD329F7}"/>
+              </a:ext>
+              <a:ext uri="{C183D7F6-B498-43B3-948B-1728B52AA6E4}">
+                <adec:decorative xmlns:adec="http://schemas.microsoft.com/office/drawing/2017/decorative" val="1"/>
+              </a:ext>
+            </a:extLst>
+          </p:cNvPr>
+          <p:cNvSpPr>
+            <a:spLocks noGrp="1" noRot="1" noChangeAspect="1" noMove="1" noResize="1" noEditPoints="1" noAdjustHandles="1" noChangeArrowheads="1" noChangeShapeType="1" noTextEdit="1"/>
+          </p:cNvSpPr>
+          <p:nvPr>
+            <p:extLst>
+              <p:ext uri="{386F3935-93C4-4BCD-93E2-E3B085C9AB24}">
+                <p16:designElem xmlns:p16="http://schemas.microsoft.com/office/powerpoint/2015/main" val="1"/>
+              </p:ext>
+            </p:extLst>
+          </p:nvPr>
+        </p:nvSpPr>
+        <p:spPr>
+          <a:xfrm>
+            <a:off x="446534" y="3085764"/>
+            <a:ext cx="11298932" cy="3338149"/>
+          </a:xfrm>
+          <a:prstGeom prst="rect">
+            <a:avLst/>
+          </a:prstGeom>
+          <a:solidFill>
+            <a:srgbClr val="465359"/>
+          </a:solidFill>
+          <a:ln>
+            <a:noFill/>
+          </a:ln>
+          <a:effectLst/>
+        </p:spPr>
+        <p:style>
+          <a:lnRef idx="1">
+            <a:schemeClr val="accent1"/>
+          </a:lnRef>
+          <a:fillRef idx="3">
+            <a:schemeClr val="accent1"/>
+          </a:fillRef>
+          <a:effectRef idx="2">
+            <a:schemeClr val="accent1"/>
+          </a:effectRef>
+          <a:fontRef idx="minor">
+            <a:schemeClr val="lt1"/>
+          </a:fontRef>
+        </p:style>
+        <p:txBody>
+          <a:bodyPr/>
+          <a:lstStyle/>
+          <a:p>
+            <a:pPr marL="0" marR="0" lvl="0" indent="0" algn="l" defTabSz="457200" rtl="0" eaLnBrk="1" fontAlgn="auto" latinLnBrk="0" hangingPunct="1">
+              <a:lnSpc>
+                <a:spcPct val="100000"/>
+              </a:lnSpc>
+              <a:spcBef>
+                <a:spcPts val="0"/>
+              </a:spcBef>
+              <a:spcAft>
+                <a:spcPts val="0"/>
+              </a:spcAft>
+              <a:buClrTx/>
+              <a:buSzTx/>
+              <a:buFontTx/>
+              <a:buNone/>
+              <a:tabLst/>
+              <a:defRPr/>
+            </a:pPr>
+            <a:endParaRPr kumimoji="0" lang="en-US" sz="1800" b="0" i="0" u="none" strike="noStrike" kern="1200" cap="none" spc="0" normalizeH="0" baseline="0" noProof="0">
+              <a:ln>
+                <a:noFill/>
+              </a:ln>
+              <a:solidFill>
+                <a:srgbClr val="FFFFFF"/>
+              </a:solidFill>
+              <a:effectLst/>
+              <a:uLnTx/>
+              <a:uFillTx/>
+              <a:latin typeface="Calibri"/>
+              <a:ea typeface="+mn-ea"/>
+              <a:cs typeface="+mn-cs"/>
+            </a:endParaRPr>
+          </a:p>
+        </p:txBody>
+      </p:sp>
+      <p:sp useBgFill="1">
+        <p:nvSpPr>
+          <p:cNvPr id="44" name="Rectangle 43">
+            <a:extLst>
+              <a:ext uri="{FF2B5EF4-FFF2-40B4-BE49-F238E27FC236}">
+                <a16:creationId xmlns:a16="http://schemas.microsoft.com/office/drawing/2014/main" id="{39171204-6A50-40E1-B631-84CEDFC9396A}"/>
+              </a:ext>
+              <a:ext uri="{C183D7F6-B498-43B3-948B-1728B52AA6E4}">
+                <adec:decorative xmlns:adec="http://schemas.microsoft.com/office/drawing/2017/decorative" val="1"/>
+              </a:ext>
+            </a:extLst>
+          </p:cNvPr>
+          <p:cNvSpPr>
+            <a:spLocks noGrp="1" noRot="1" noChangeAspect="1" noMove="1" noResize="1" noEditPoints="1" noAdjustHandles="1" noChangeArrowheads="1" noChangeShapeType="1" noTextEdit="1"/>
+          </p:cNvSpPr>
+          <p:nvPr>
+            <p:extLst>
+              <p:ext uri="{386F3935-93C4-4BCD-93E2-E3B085C9AB24}">
+                <p16:designElem xmlns:p16="http://schemas.microsoft.com/office/powerpoint/2015/main" val="1"/>
+              </p:ext>
+            </p:extLst>
+          </p:nvPr>
+        </p:nvSpPr>
+        <p:spPr>
+          <a:xfrm>
+            <a:off x="0" y="0"/>
+            <a:ext cx="12192000" cy="6858000"/>
+          </a:xfrm>
+          <a:prstGeom prst="rect">
+            <a:avLst/>
+          </a:prstGeom>
+          <a:ln>
+            <a:noFill/>
+          </a:ln>
+        </p:spPr>
+        <p:style>
+          <a:lnRef idx="2">
+            <a:schemeClr val="accent1">
+              <a:shade val="50000"/>
+            </a:schemeClr>
+          </a:lnRef>
+          <a:fillRef idx="1">
+            <a:schemeClr val="accent1"/>
+          </a:fillRef>
+          <a:effectRef idx="0">
+            <a:schemeClr val="accent1"/>
+          </a:effectRef>
+          <a:fontRef idx="minor">
+            <a:schemeClr val="lt1"/>
+          </a:fontRef>
+        </p:style>
+        <p:txBody>
+          <a:bodyPr rtlCol="0" anchor="ctr"/>
+          <a:lstStyle/>
+          <a:p>
+            <a:pPr marL="0" marR="0" lvl="0" indent="0" algn="ctr" defTabSz="457200" rtl="0" eaLnBrk="1" fontAlgn="auto" latinLnBrk="0" hangingPunct="1">
+              <a:lnSpc>
+                <a:spcPct val="100000"/>
+              </a:lnSpc>
+              <a:spcBef>
+                <a:spcPts val="0"/>
+              </a:spcBef>
+              <a:spcAft>
+                <a:spcPts val="0"/>
+              </a:spcAft>
+              <a:buClrTx/>
+              <a:buSzTx/>
+              <a:buFontTx/>
+              <a:buNone/>
+              <a:tabLst/>
+              <a:defRPr/>
+            </a:pPr>
+            <a:endParaRPr kumimoji="0" lang="en-US" sz="1800" b="0" i="0" u="none" strike="noStrike" kern="1200" cap="none" spc="0" normalizeH="0" baseline="0" noProof="0">
+              <a:ln>
+                <a:noFill/>
+              </a:ln>
+              <a:solidFill>
+                <a:srgbClr val="FFFFFF"/>
+              </a:solidFill>
+              <a:effectLst/>
+              <a:uLnTx/>
+              <a:uFillTx/>
+              <a:latin typeface="Calibri"/>
+              <a:ea typeface="+mn-ea"/>
+              <a:cs typeface="+mn-cs"/>
+            </a:endParaRPr>
+          </a:p>
+        </p:txBody>
+      </p:sp>
+      <p:sp>
+        <p:nvSpPr>
+          <p:cNvPr id="46" name="Rectangle 45">
+            <a:extLst>
+              <a:ext uri="{FF2B5EF4-FFF2-40B4-BE49-F238E27FC236}">
+                <a16:creationId xmlns:a16="http://schemas.microsoft.com/office/drawing/2014/main" id="{06C973F6-5187-412F-AACC-6E3FF8A6A12C}"/>
+              </a:ext>
+              <a:ext uri="{C183D7F6-B498-43B3-948B-1728B52AA6E4}">
+                <adec:decorative xmlns:adec="http://schemas.microsoft.com/office/drawing/2017/decorative" val="1"/>
+              </a:ext>
+            </a:extLst>
+          </p:cNvPr>
+          <p:cNvSpPr>
+            <a:spLocks noGrp="1" noRot="1" noChangeAspect="1" noMove="1" noResize="1" noEditPoints="1" noAdjustHandles="1" noChangeArrowheads="1" noChangeShapeType="1" noTextEdit="1"/>
+          </p:cNvSpPr>
+          <p:nvPr>
+            <p:extLst>
+              <p:ext uri="{386F3935-93C4-4BCD-93E2-E3B085C9AB24}">
+                <p16:designElem xmlns:p16="http://schemas.microsoft.com/office/powerpoint/2015/main" val="1"/>
+              </p:ext>
+            </p:extLst>
+          </p:nvPr>
+        </p:nvSpPr>
+        <p:spPr>
+          <a:xfrm>
+            <a:off x="509628" y="496959"/>
+            <a:ext cx="1106164" cy="5859735"/>
+          </a:xfrm>
+          <a:prstGeom prst="rect">
+            <a:avLst/>
+          </a:prstGeom>
+          <a:solidFill>
+            <a:srgbClr val="465359"/>
+          </a:solidFill>
+          <a:ln>
+            <a:noFill/>
+          </a:ln>
+          <a:effectLst/>
+        </p:spPr>
+        <p:style>
+          <a:lnRef idx="1">
+            <a:schemeClr val="accent1"/>
+          </a:lnRef>
+          <a:fillRef idx="3">
+            <a:schemeClr val="accent1"/>
+          </a:fillRef>
+          <a:effectRef idx="2">
+            <a:schemeClr val="accent1"/>
+          </a:effectRef>
+          <a:fontRef idx="minor">
+            <a:schemeClr val="lt1"/>
+          </a:fontRef>
+        </p:style>
+        <p:txBody>
+          <a:bodyPr/>
+          <a:lstStyle/>
+          <a:p>
+            <a:pPr marL="0" marR="0" lvl="0" indent="0" algn="l" defTabSz="457200" rtl="0" eaLnBrk="1" fontAlgn="auto" latinLnBrk="0" hangingPunct="1">
+              <a:lnSpc>
+                <a:spcPct val="100000"/>
+              </a:lnSpc>
+              <a:spcBef>
+                <a:spcPts val="0"/>
+              </a:spcBef>
+              <a:spcAft>
+                <a:spcPts val="0"/>
+              </a:spcAft>
+              <a:buClrTx/>
+              <a:buSzTx/>
+              <a:buFontTx/>
+              <a:buNone/>
+              <a:tabLst/>
+              <a:defRPr/>
+            </a:pPr>
+            <a:endParaRPr kumimoji="0" lang="en-US" sz="1800" b="0" i="0" u="none" strike="noStrike" kern="1200" cap="none" spc="0" normalizeH="0" baseline="0" noProof="0">
+              <a:ln>
+                <a:noFill/>
+              </a:ln>
+              <a:solidFill>
+                <a:srgbClr val="FFFFFF"/>
+              </a:solidFill>
+              <a:effectLst/>
+              <a:uLnTx/>
+              <a:uFillTx/>
+              <a:latin typeface="Calibri"/>
+              <a:ea typeface="+mn-ea"/>
+              <a:cs typeface="+mn-cs"/>
+            </a:endParaRPr>
+          </a:p>
+        </p:txBody>
+      </p:sp>
+      <p:sp>
+        <p:nvSpPr>
+          <p:cNvPr id="48" name="Rectangle 47">
+            <a:extLst>
+              <a:ext uri="{FF2B5EF4-FFF2-40B4-BE49-F238E27FC236}">
+                <a16:creationId xmlns:a16="http://schemas.microsoft.com/office/drawing/2014/main" id="{D11AE14F-1B7E-41E6-B579-2F71D135036C}"/>
+              </a:ext>
+              <a:ext uri="{C183D7F6-B498-43B3-948B-1728B52AA6E4}">
+                <adec:decorative xmlns:adec="http://schemas.microsoft.com/office/drawing/2017/decorative" val="1"/>
+              </a:ext>
+            </a:extLst>
+          </p:cNvPr>
+          <p:cNvSpPr>
+            <a:spLocks noGrp="1" noRot="1" noChangeAspect="1" noMove="1" noResize="1" noEditPoints="1" noAdjustHandles="1" noChangeArrowheads="1" noChangeShapeType="1" noTextEdit="1"/>
+          </p:cNvSpPr>
+          <p:nvPr>
+            <p:extLst>
+              <p:ext uri="{386F3935-93C4-4BCD-93E2-E3B085C9AB24}">
+                <p16:designElem xmlns:p16="http://schemas.microsoft.com/office/powerpoint/2015/main" val="1"/>
+              </p:ext>
+            </p:extLst>
+          </p:nvPr>
+        </p:nvSpPr>
+        <p:spPr>
+          <a:xfrm>
+            <a:off x="1712856" y="496958"/>
+            <a:ext cx="9961047" cy="3678072"/>
+          </a:xfrm>
+          <a:prstGeom prst="rect">
+            <a:avLst/>
+          </a:prstGeom>
+          <a:solidFill>
+            <a:schemeClr val="accent1"/>
+          </a:solidFill>
+          <a:ln>
+            <a:noFill/>
+          </a:ln>
+          <a:effectLst/>
+        </p:spPr>
+        <p:style>
+          <a:lnRef idx="1">
+            <a:schemeClr val="accent1"/>
+          </a:lnRef>
+          <a:fillRef idx="3">
+            <a:schemeClr val="accent1"/>
+          </a:fillRef>
+          <a:effectRef idx="2">
+            <a:schemeClr val="accent1"/>
+          </a:effectRef>
+          <a:fontRef idx="minor">
+            <a:schemeClr val="lt1"/>
+          </a:fontRef>
+        </p:style>
+        <p:txBody>
+          <a:bodyPr/>
+          <a:lstStyle/>
+          <a:p>
+            <a:pPr marL="0" marR="0" lvl="0" indent="0" algn="l" defTabSz="457200" rtl="0" eaLnBrk="1" fontAlgn="auto" latinLnBrk="0" hangingPunct="1">
+              <a:lnSpc>
+                <a:spcPct val="100000"/>
+              </a:lnSpc>
+              <a:spcBef>
+                <a:spcPts val="0"/>
+              </a:spcBef>
+              <a:spcAft>
+                <a:spcPts val="0"/>
+              </a:spcAft>
+              <a:buClrTx/>
+              <a:buSzTx/>
+              <a:buFontTx/>
+              <a:buNone/>
+              <a:tabLst/>
+              <a:defRPr/>
+            </a:pPr>
+            <a:endParaRPr kumimoji="0" lang="en-US" sz="1800" b="0" i="0" u="none" strike="noStrike" kern="1200" cap="none" spc="0" normalizeH="0" baseline="0" noProof="0">
+              <a:ln>
+                <a:noFill/>
+              </a:ln>
+              <a:solidFill>
+                <a:srgbClr val="FFFFFF"/>
+              </a:solidFill>
+              <a:effectLst/>
+              <a:uLnTx/>
+              <a:uFillTx/>
+              <a:latin typeface="Calibri"/>
+              <a:ea typeface="+mn-ea"/>
+              <a:cs typeface="+mn-cs"/>
+            </a:endParaRPr>
+          </a:p>
+        </p:txBody>
+      </p:sp>
+      <p:sp>
+        <p:nvSpPr>
+          <p:cNvPr id="2" name="Title 1">
+            <a:extLst>
+              <a:ext uri="{FF2B5EF4-FFF2-40B4-BE49-F238E27FC236}">
+                <a16:creationId xmlns:a16="http://schemas.microsoft.com/office/drawing/2014/main" id="{3778BAB5-C1DE-8DAD-E76F-BECA6F24C1F4}"/>
+              </a:ext>
+            </a:extLst>
+          </p:cNvPr>
+          <p:cNvSpPr>
+            <a:spLocks noGrp="1"/>
+          </p:cNvSpPr>
+          <p:nvPr>
+            <p:ph type="title"/>
+          </p:nvPr>
+        </p:nvSpPr>
+        <p:spPr>
+          <a:xfrm>
+            <a:off x="1893715" y="708498"/>
+            <a:ext cx="9618581" cy="3330055"/>
+          </a:xfrm>
+        </p:spPr>
+        <p:txBody>
+          <a:bodyPr vert="horz" lIns="91440" tIns="45720" rIns="91440" bIns="45720" rtlCol="0" anchor="ctr">
+            <a:normAutofit/>
+          </a:bodyPr>
+          <a:lstStyle/>
+          <a:p>
+            <a:r>
+              <a:rPr lang="en-US" sz="6000" b="0" kern="1200" cap="all" dirty="0">
+                <a:solidFill>
+                  <a:srgbClr val="FFFFFF"/>
+                </a:solidFill>
+                <a:latin typeface="+mj-lt"/>
+                <a:ea typeface="+mj-ea"/>
+                <a:cs typeface="+mj-cs"/>
+              </a:rPr>
+              <a:t>2.1.1 </a:t>
+            </a:r>
+            <a:br>
+              <a:rPr lang="en-US" sz="6000" b="0" kern="1200" cap="all" dirty="0">
+                <a:solidFill>
+                  <a:srgbClr val="FFFFFF"/>
+                </a:solidFill>
+                <a:latin typeface="+mj-lt"/>
+                <a:ea typeface="+mj-ea"/>
+                <a:cs typeface="+mj-cs"/>
+              </a:rPr>
+            </a:br>
+            <a:r>
+              <a:rPr lang="en-US" sz="6000" b="0" kern="1200" cap="all" dirty="0">
+                <a:solidFill>
+                  <a:srgbClr val="FFFFFF"/>
+                </a:solidFill>
+                <a:latin typeface="+mj-lt"/>
+                <a:ea typeface="+mj-ea"/>
+                <a:cs typeface="+mj-cs"/>
+              </a:rPr>
+              <a:t>population and sample</a:t>
+            </a:r>
+          </a:p>
+        </p:txBody>
+      </p:sp>
+      <p:sp>
+        <p:nvSpPr>
+          <p:cNvPr id="50" name="Rectangle 49">
+            <a:extLst>
+              <a:ext uri="{FF2B5EF4-FFF2-40B4-BE49-F238E27FC236}">
+                <a16:creationId xmlns:a16="http://schemas.microsoft.com/office/drawing/2014/main" id="{752BB805-F7B7-4B80-A1C5-385D4DAF74D0}"/>
+              </a:ext>
+              <a:ext uri="{C183D7F6-B498-43B3-948B-1728B52AA6E4}">
+                <adec:decorative xmlns:adec="http://schemas.microsoft.com/office/drawing/2017/decorative" val="1"/>
+              </a:ext>
+            </a:extLst>
+          </p:cNvPr>
+          <p:cNvSpPr>
+            <a:spLocks noGrp="1" noRot="1" noChangeAspect="1" noMove="1" noResize="1" noEditPoints="1" noAdjustHandles="1" noChangeArrowheads="1" noChangeShapeType="1" noTextEdit="1"/>
+          </p:cNvSpPr>
+          <p:nvPr>
+            <p:extLst>
+              <p:ext uri="{386F3935-93C4-4BCD-93E2-E3B085C9AB24}">
+                <p16:designElem xmlns:p16="http://schemas.microsoft.com/office/powerpoint/2015/main" val="1"/>
+              </p:ext>
+            </p:extLst>
+          </p:nvPr>
+        </p:nvSpPr>
+        <p:spPr>
+          <a:xfrm>
+            <a:off x="1712789" y="4284212"/>
+            <a:ext cx="9961115" cy="2072481"/>
+          </a:xfrm>
+          <a:prstGeom prst="rect">
+            <a:avLst/>
+          </a:prstGeom>
+          <a:solidFill>
+            <a:srgbClr val="6C7781">
+              <a:alpha val="80000"/>
+            </a:srgbClr>
+          </a:solidFill>
+          <a:ln>
+            <a:noFill/>
+          </a:ln>
+          <a:effectLst/>
+        </p:spPr>
+        <p:style>
+          <a:lnRef idx="1">
+            <a:schemeClr val="accent1"/>
+          </a:lnRef>
+          <a:fillRef idx="3">
+            <a:schemeClr val="accent1"/>
+          </a:fillRef>
+          <a:effectRef idx="2">
+            <a:schemeClr val="accent1"/>
+          </a:effectRef>
+          <a:fontRef idx="minor">
+            <a:schemeClr val="lt1"/>
+          </a:fontRef>
+        </p:style>
+        <p:txBody>
+          <a:bodyPr/>
+          <a:lstStyle/>
+          <a:p>
+            <a:pPr marL="0" marR="0" lvl="0" indent="0" algn="l" defTabSz="457200" rtl="0" eaLnBrk="1" fontAlgn="auto" latinLnBrk="0" hangingPunct="1">
+              <a:lnSpc>
+                <a:spcPct val="100000"/>
+              </a:lnSpc>
+              <a:spcBef>
+                <a:spcPts val="0"/>
+              </a:spcBef>
+              <a:spcAft>
+                <a:spcPts val="0"/>
+              </a:spcAft>
+              <a:buClrTx/>
+              <a:buSzTx/>
+              <a:buFontTx/>
+              <a:buNone/>
+              <a:tabLst/>
+              <a:defRPr/>
+            </a:pPr>
+            <a:endParaRPr kumimoji="0" lang="en-US" sz="1800" b="0" i="0" u="none" strike="noStrike" kern="1200" cap="none" spc="0" normalizeH="0" baseline="0" noProof="0">
+              <a:ln>
+                <a:noFill/>
+              </a:ln>
+              <a:solidFill>
+                <a:srgbClr val="FFFFFF"/>
+              </a:solidFill>
+              <a:effectLst/>
+              <a:uLnTx/>
+              <a:uFillTx/>
+              <a:latin typeface="Calibri"/>
+              <a:ea typeface="+mn-ea"/>
+              <a:cs typeface="+mn-cs"/>
+            </a:endParaRPr>
+          </a:p>
+        </p:txBody>
+      </p:sp>
+    </p:spTree>
+    <p:extLst>
+      <p:ext uri="{BB962C8B-B14F-4D97-AF65-F5344CB8AC3E}">
+        <p14:creationId xmlns:p14="http://schemas.microsoft.com/office/powerpoint/2010/main" val="1586883875"/>
+      </p:ext>
+    </p:extLst>
+  </p:cSld>
+  <p:clrMapOvr>
+    <a:masterClrMapping/>
+  </p:clrMapOvr>
+  <p:timing>
+    <p:tnLst>
+      <p:par>
+        <p:cTn id="1" dur="indefinite" restart="never" nodeType="tmRoot">
+          <p:childTnLst>
+            <p:seq concurrent="1" nextAc="seek">
+              <p:cTn id="2" dur="indefinite" nodeType="mainSeq">
+                <p:childTnLst>
+                  <p:par>
+                    <p:cTn id="3" fill="hold">
+                      <p:stCondLst>
+                        <p:cond delay="indefinite"/>
+                        <p:cond evt="onBegin" delay="0">
+                          <p:tn val="2"/>
+                        </p:cond>
+                      </p:stCondLst>
+                      <p:childTnLst>
+                        <p:par>
+                          <p:cTn id="4" fill="hold">
+                            <p:stCondLst>
+                              <p:cond delay="0"/>
+                            </p:stCondLst>
+                            <p:childTnLst>
+                              <p:par>
+                                <p:cTn id="5" presetID="10" presetClass="entr" presetSubtype="0" fill="hold" grpId="0" nodeType="withEffect">
+                                  <p:stCondLst>
+                                    <p:cond delay="500"/>
+                                  </p:stCondLst>
+                                  <p:iterate type="wd">
+                                    <p:tmPct val="15000"/>
+                                  </p:iterate>
+                                  <p:childTnLst>
+                                    <p:set>
+                                      <p:cBhvr>
+                                        <p:cTn id="6" dur="1" fill="hold">
+                                          <p:stCondLst>
+                                            <p:cond delay="0"/>
+                                          </p:stCondLst>
+                                        </p:cTn>
+                                        <p:tgtEl>
+                                          <p:spTgt spid="2"/>
+                                        </p:tgtEl>
+                                        <p:attrNameLst>
+                                          <p:attrName>style.visibility</p:attrName>
+                                        </p:attrNameLst>
+                                      </p:cBhvr>
+                                      <p:to>
+                                        <p:strVal val="visible"/>
+                                      </p:to>
+                                    </p:set>
+                                    <p:animEffect transition="in" filter="fade">
+                                      <p:cBhvr>
+                                        <p:cTn id="7" dur="1000"/>
+                                        <p:tgtEl>
+                                          <p:spTgt spid="2"/>
+                                        </p:tgtEl>
+                                      </p:cBhvr>
+                                    </p:animEffect>
+                                  </p:childTnLst>
+                                </p:cTn>
+                              </p:par>
+                            </p:childTnLst>
+                          </p:cTn>
+                        </p:par>
+                      </p:childTnLst>
+                    </p:cTn>
+                  </p:par>
+                </p:childTnLst>
+              </p:cTn>
+              <p:prevCondLst>
+                <p:cond evt="onPrev" delay="0">
+                  <p:tgtEl>
+                    <p:sldTgt/>
+                  </p:tgtEl>
+                </p:cond>
+              </p:prevCondLst>
+              <p:nextCondLst>
+                <p:cond evt="onNext" delay="0">
+                  <p:tgtEl>
+                    <p:sldTgt/>
+                  </p:tgtEl>
+                </p:cond>
+              </p:nextCondLst>
+            </p:seq>
+          </p:childTnLst>
+        </p:cTn>
+      </p:par>
+    </p:tnLst>
+    <p:bldLst>
+      <p:bldP spid="2" grpId="0"/>
+    </p:bldLst>
+  </p:timing>
+</p:sld>
+</file>
+
+<file path=ppt/slides/slide20.xml><?xml version="1.0" encoding="utf-8"?>
 <p:sld xmlns:a="http://schemas.openxmlformats.org/drawingml/2006/main" xmlns:r="http://schemas.openxmlformats.org/officeDocument/2006/relationships" xmlns:p="http://schemas.openxmlformats.org/presentationml/2006/main">
   <p:cSld>
     <p:spTree>
@@ -15537,24 +16191,26 @@
           </a:xfrm>
         </p:spPr>
         <p:txBody>
-          <a:bodyPr/>
+          <a:bodyPr>
+            <a:normAutofit/>
+          </a:bodyPr>
           <a:lstStyle/>
           <a:p>
             <a:r>
-              <a:rPr lang="en-US" dirty="0"/>
+              <a:rPr lang="en-US" sz="2400" dirty="0"/>
               <a:t>Sample statistics: A value that describes your sample.</a:t>
             </a:r>
           </a:p>
           <a:p>
             <a:r>
-              <a:rPr lang="en-US" dirty="0"/>
-              <a:t>Point estimates: The use of a sample statistic to estimate a population parameter</a:t>
-            </a:r>
-          </a:p>
-        </p:txBody>
-      </p:sp>
-      <mc:AlternateContent xmlns:mc="http://schemas.openxmlformats.org/markup-compatibility/2006" xmlns:a14="http://schemas.microsoft.com/office/drawing/2010/main">
-        <mc:Choice Requires="a14">
+              <a:rPr lang="en-US" sz="2400" dirty="0"/>
+              <a:t>Point estimates: A single value used to approximate a population parameter</a:t>
+            </a:r>
+          </a:p>
+        </p:txBody>
+      </p:sp>
+      <mc:AlternateContent xmlns:mc="http://schemas.openxmlformats.org/markup-compatibility/2006">
+        <mc:Choice xmlns:a14="http://schemas.microsoft.com/office/drawing/2010/main" Requires="a14">
           <p:graphicFrame>
             <p:nvGraphicFramePr>
               <p:cNvPr id="4" name="Table 3">
@@ -15570,7 +16226,7 @@
               <p:nvPr>
                 <p:extLst>
                   <p:ext uri="{D42A27DB-BD31-4B8C-83A1-F6EECF244321}">
-                    <p14:modId xmlns:p14="http://schemas.microsoft.com/office/powerpoint/2010/main" val="3638954476"/>
+                    <p14:modId xmlns:p14="http://schemas.microsoft.com/office/powerpoint/2010/main" val="2056331454"/>
                   </p:ext>
                 </p:extLst>
               </p:nvPr>
@@ -15661,12 +16317,36 @@
                           </a:pPr>
                           <a:r>
                             <a:rPr lang="en-US" dirty="0"/>
-                            <a:t>Population Mean (</a:t>
+                            <a:t>Sample Mean (</a:t>
                           </a:r>
-                          <a:r>
-                            <a:rPr lang="el-GR" dirty="0"/>
-                            <a:t>μ</a:t>
-                          </a:r>
+                          <a14:m>
+                            <m:oMath xmlns:m="http://schemas.openxmlformats.org/officeDocument/2006/math">
+                              <m:acc>
+                                <m:accPr>
+                                  <m:chr m:val="̅"/>
+                                  <m:ctrlPr>
+                                    <a:rPr lang="en-US" i="1" smtClean="0">
+                                      <a:solidFill>
+                                        <a:srgbClr val="000000"/>
+                                      </a:solidFill>
+                                      <a:latin typeface="Cambria Math" panose="02040503050406030204" pitchFamily="18" charset="0"/>
+                                    </a:rPr>
+                                  </m:ctrlPr>
+                                </m:accPr>
+                                <m:e>
+                                  <m:r>
+                                    <a:rPr lang="en-US" b="0" i="1" smtClean="0">
+                                      <a:solidFill>
+                                        <a:srgbClr val="000000"/>
+                                      </a:solidFill>
+                                      <a:latin typeface="Cambria Math" panose="02040503050406030204" pitchFamily="18" charset="0"/>
+                                    </a:rPr>
+                                    <m:t>𝑥</m:t>
+                                  </m:r>
+                                </m:e>
+                              </m:acc>
+                            </m:oMath>
+                          </a14:m>
                           <a:r>
                             <a:rPr lang="en-US" dirty="0"/>
                             <a:t>)</a:t>
@@ -15837,7 +16517,33 @@
                           <a:pPr algn="ctr"/>
                           <a:r>
                             <a:rPr lang="en-US" dirty="0"/>
-                            <a:t>Population Proportion (p)</a:t>
+                            <a:t>Sample Proportion (</a:t>
+                          </a:r>
+                          <a14:m>
+                            <m:oMath xmlns:m="http://schemas.openxmlformats.org/officeDocument/2006/math">
+                              <m:acc>
+                                <m:accPr>
+                                  <m:chr m:val="̂"/>
+                                  <m:ctrlPr>
+                                    <a:rPr lang="en-US" b="0" i="1" smtClean="0">
+                                      <a:latin typeface="Cambria Math" panose="02040503050406030204" pitchFamily="18" charset="0"/>
+                                    </a:rPr>
+                                  </m:ctrlPr>
+                                </m:accPr>
+                                <m:e>
+                                  <m:r>
+                                    <a:rPr lang="en-US" b="0" i="1" smtClean="0">
+                                      <a:latin typeface="Cambria Math" panose="02040503050406030204" pitchFamily="18" charset="0"/>
+                                    </a:rPr>
+                                    <m:t>𝑝</m:t>
+                                  </m:r>
+                                </m:e>
+                              </m:acc>
+                            </m:oMath>
+                          </a14:m>
+                          <a:r>
+                            <a:rPr lang="en-US" dirty="0"/>
+                            <a:t>)</a:t>
                           </a:r>
                         </a:p>
                       </a:txBody>
@@ -15943,11 +16649,40 @@
                           <a:pPr algn="ctr"/>
                           <a:r>
                             <a:rPr lang="en-US" dirty="0"/>
-                            <a:t>Population Variance (</a:t>
+                            <a:t>Sample Variance (</a:t>
                           </a:r>
+                          <a14:m>
+                            <m:oMath xmlns:m="http://schemas.openxmlformats.org/officeDocument/2006/math">
+                              <m:sSup>
+                                <m:sSupPr>
+                                  <m:ctrlPr>
+                                    <a:rPr lang="en-US" b="0" i="1" smtClean="0">
+                                      <a:latin typeface="Cambria Math" panose="02040503050406030204" pitchFamily="18" charset="0"/>
+                                    </a:rPr>
+                                  </m:ctrlPr>
+                                </m:sSupPr>
+                                <m:e>
+                                  <m:r>
+                                    <a:rPr lang="en-US" b="0" i="1" smtClean="0">
+                                      <a:latin typeface="Cambria Math" panose="02040503050406030204" pitchFamily="18" charset="0"/>
+                                    </a:rPr>
+                                    <m:t>𝑠</m:t>
+                                  </m:r>
+                                </m:e>
+                                <m:sup>
+                                  <m:r>
+                                    <a:rPr lang="en-US" b="0" i="1" smtClean="0">
+                                      <a:latin typeface="Cambria Math" panose="02040503050406030204" pitchFamily="18" charset="0"/>
+                                    </a:rPr>
+                                    <m:t>2</m:t>
+                                  </m:r>
+                                </m:sup>
+                              </m:sSup>
+                            </m:oMath>
+                          </a14:m>
                           <a:r>
                             <a:rPr lang="el-GR" dirty="0"/>
-                            <a:t>σ²)</a:t>
+                            <a:t>)</a:t>
                           </a:r>
                           <a:endParaRPr lang="en-US" dirty="0"/>
                         </a:p>
@@ -16193,7 +16928,7 @@
             </a:graphic>
           </p:graphicFrame>
         </mc:Choice>
-        <mc:Fallback xmlns="">
+        <mc:Fallback>
           <p:graphicFrame>
             <p:nvGraphicFramePr>
               <p:cNvPr id="4" name="Table 3">
@@ -16209,7 +16944,7 @@
               <p:nvPr>
                 <p:extLst>
                   <p:ext uri="{D42A27DB-BD31-4B8C-83A1-F6EECF244321}">
-                    <p14:modId xmlns:p14="http://schemas.microsoft.com/office/powerpoint/2010/main" val="3638954476"/>
+                    <p14:modId xmlns:p14="http://schemas.microsoft.com/office/powerpoint/2010/main" val="2056331454"/>
                   </p:ext>
                 </p:extLst>
               </p:nvPr>
@@ -16281,38 +17016,17 @@
                         <a:bodyPr/>
                         <a:lstStyle/>
                         <a:p>
-                          <a:pPr marL="0" marR="0" lvl="0" indent="0" algn="ctr" defTabSz="457200" rtl="0" eaLnBrk="1" fontAlgn="auto" latinLnBrk="0" hangingPunct="1">
-                            <a:lnSpc>
-                              <a:spcPct val="100000"/>
-                            </a:lnSpc>
-                            <a:spcBef>
-                              <a:spcPts val="0"/>
-                            </a:spcBef>
-                            <a:spcAft>
-                              <a:spcPts val="0"/>
-                            </a:spcAft>
-                            <a:buClrTx/>
-                            <a:buSzTx/>
-                            <a:buFontTx/>
-                            <a:buNone/>
-                            <a:tabLst/>
-                            <a:defRPr/>
-                          </a:pPr>
-                          <a:r>
-                            <a:rPr lang="en-US" dirty="0"/>
-                            <a:t>Population Mean (</a:t>
-                          </a:r>
-                          <a:r>
-                            <a:rPr lang="el-GR" dirty="0"/>
-                            <a:t>μ</a:t>
-                          </a:r>
-                          <a:r>
-                            <a:rPr lang="en-US" dirty="0"/>
-                            <a:t>)</a:t>
-                          </a:r>
+                          <a:endParaRPr lang="en-US"/>
                         </a:p>
                       </a:txBody>
-                      <a:tcPr/>
+                      <a:tcPr>
+                        <a:blipFill>
+                          <a:blip r:embed="rId2"/>
+                          <a:stretch>
+                            <a:fillRect l="-150" t="-63107" r="-100600" b="-271845"/>
+                          </a:stretch>
+                        </a:blipFill>
+                      </a:tcPr>
                     </a:tc>
                     <a:tc>
                       <a:txBody>
@@ -16343,14 +17057,17 @@
                         <a:bodyPr/>
                         <a:lstStyle/>
                         <a:p>
-                          <a:pPr algn="ctr"/>
-                          <a:r>
-                            <a:rPr lang="en-US" dirty="0"/>
-                            <a:t>Population Proportion (p)</a:t>
-                          </a:r>
+                          <a:endParaRPr lang="en-US"/>
                         </a:p>
                       </a:txBody>
-                      <a:tcPr/>
+                      <a:tcPr>
+                        <a:blipFill>
+                          <a:blip r:embed="rId2"/>
+                          <a:stretch>
+                            <a:fillRect l="-150" t="-169697" r="-100600" b="-182828"/>
+                          </a:stretch>
+                        </a:blipFill>
+                      </a:tcPr>
                     </a:tc>
                     <a:tc>
                       <a:txBody>
@@ -16381,19 +17098,17 @@
                         <a:bodyPr/>
                         <a:lstStyle/>
                         <a:p>
-                          <a:pPr algn="ctr"/>
-                          <a:r>
-                            <a:rPr lang="en-US" dirty="0"/>
-                            <a:t>Population Variance (</a:t>
-                          </a:r>
-                          <a:r>
-                            <a:rPr lang="el-GR" dirty="0"/>
-                            <a:t>σ²)</a:t>
-                          </a:r>
-                          <a:endParaRPr lang="en-US" dirty="0"/>
+                          <a:endParaRPr lang="en-US"/>
                         </a:p>
                       </a:txBody>
-                      <a:tcPr/>
+                      <a:tcPr>
+                        <a:blipFill>
+                          <a:blip r:embed="rId2"/>
+                          <a:stretch>
+                            <a:fillRect l="-150" t="-251887" r="-100600" b="-70755"/>
+                          </a:stretch>
+                        </a:blipFill>
+                      </a:tcPr>
                     </a:tc>
                     <a:tc>
                       <a:txBody>
@@ -16550,25 +17265,16 @@
           </a:bodyPr>
           <a:lstStyle/>
           <a:p>
-            <a:pPr marL="0" indent="0">
-              <a:buNone/>
-            </a:pPr>
-            <a:r>
-              <a:rPr lang="en-US" dirty="0"/>
+            <a:r>
+              <a:rPr lang="en-US" sz="2400" dirty="0"/>
               <a:t>Descriptive statistics describe data.</a:t>
             </a:r>
           </a:p>
           <a:p>
-            <a:pPr marL="0" indent="0">
-              <a:buNone/>
-            </a:pPr>
-            <a:r>
-              <a:rPr lang="en-US" dirty="0"/>
+            <a:r>
+              <a:rPr lang="en-US" sz="2400" dirty="0"/>
               <a:t>Inferential statistics compute metrics from a sample to make inferences concerning parameters in a population. Inferential statistics is a subset of descriptive statistics.</a:t>
             </a:r>
-          </a:p>
-          <a:p>
-            <a:endParaRPr lang="en-US" dirty="0"/>
           </a:p>
         </p:txBody>
       </p:sp>
@@ -16637,6 +17343,128 @@
           <p:cNvPr id="2" name="Title 1">
             <a:extLst>
               <a:ext uri="{FF2B5EF4-FFF2-40B4-BE49-F238E27FC236}">
+                <a16:creationId xmlns:a16="http://schemas.microsoft.com/office/drawing/2014/main" id="{35F84706-4C6A-20D2-707E-D5E93376D70E}"/>
+              </a:ext>
+            </a:extLst>
+          </p:cNvPr>
+          <p:cNvSpPr>
+            <a:spLocks noGrp="1"/>
+          </p:cNvSpPr>
+          <p:nvPr>
+            <p:ph type="title"/>
+          </p:nvPr>
+        </p:nvSpPr>
+        <p:spPr>
+          <a:xfrm>
+            <a:off x="581192" y="702156"/>
+            <a:ext cx="11029616" cy="593244"/>
+          </a:xfrm>
+        </p:spPr>
+        <p:txBody>
+          <a:bodyPr/>
+          <a:lstStyle/>
+          <a:p>
+            <a:r>
+              <a:rPr lang="en-US" dirty="0"/>
+              <a:t>Descriptive? Or inferential? </a:t>
+            </a:r>
+          </a:p>
+        </p:txBody>
+      </p:sp>
+      <p:sp>
+        <p:nvSpPr>
+          <p:cNvPr id="3" name="Content Placeholder 2">
+            <a:extLst>
+              <a:ext uri="{FF2B5EF4-FFF2-40B4-BE49-F238E27FC236}">
+                <a16:creationId xmlns:a16="http://schemas.microsoft.com/office/drawing/2014/main" id="{36E57786-A895-BDA9-4BEC-2F552AA9E5DC}"/>
+              </a:ext>
+            </a:extLst>
+          </p:cNvPr>
+          <p:cNvSpPr>
+            <a:spLocks noGrp="1"/>
+          </p:cNvSpPr>
+          <p:nvPr>
+            <p:ph idx="1"/>
+          </p:nvPr>
+        </p:nvSpPr>
+        <p:spPr>
+          <a:xfrm>
+            <a:off x="1673392" y="1604265"/>
+            <a:ext cx="7047276" cy="3043936"/>
+          </a:xfrm>
+        </p:spPr>
+        <p:txBody>
+          <a:bodyPr>
+            <a:noAutofit/>
+          </a:bodyPr>
+          <a:lstStyle/>
+          <a:p>
+            <a:r>
+              <a:rPr lang="en-US" sz="2400" dirty="0"/>
+              <a:t>Mean</a:t>
+            </a:r>
+          </a:p>
+          <a:p>
+            <a:r>
+              <a:rPr lang="en-US" sz="2400" dirty="0"/>
+              <a:t>Standard Deviation</a:t>
+            </a:r>
+          </a:p>
+          <a:p>
+            <a:r>
+              <a:rPr lang="en-US" sz="2400" dirty="0"/>
+              <a:t>Hypothesis Testing</a:t>
+            </a:r>
+          </a:p>
+          <a:p>
+            <a:r>
+              <a:rPr lang="en-US" sz="2400" dirty="0"/>
+              <a:t>Variance</a:t>
+            </a:r>
+          </a:p>
+          <a:p>
+            <a:r>
+              <a:rPr lang="en-US" sz="2400" dirty="0"/>
+              <a:t>Confidence Interval</a:t>
+            </a:r>
+          </a:p>
+        </p:txBody>
+      </p:sp>
+    </p:spTree>
+    <p:extLst>
+      <p:ext uri="{BB962C8B-B14F-4D97-AF65-F5344CB8AC3E}">
+        <p14:creationId xmlns:p14="http://schemas.microsoft.com/office/powerpoint/2010/main" val="4014961653"/>
+      </p:ext>
+    </p:extLst>
+  </p:cSld>
+  <p:clrMapOvr>
+    <a:masterClrMapping/>
+  </p:clrMapOvr>
+</p:sld>
+</file>
+
+<file path=ppt/slides/slide8.xml><?xml version="1.0" encoding="utf-8"?>
+<p:sld xmlns:a="http://schemas.openxmlformats.org/drawingml/2006/main" xmlns:r="http://schemas.openxmlformats.org/officeDocument/2006/relationships" xmlns:p="http://schemas.openxmlformats.org/presentationml/2006/main">
+  <p:cSld>
+    <p:spTree>
+      <p:nvGrpSpPr>
+        <p:cNvPr id="1" name=""/>
+        <p:cNvGrpSpPr/>
+        <p:nvPr/>
+      </p:nvGrpSpPr>
+      <p:grpSpPr>
+        <a:xfrm>
+          <a:off x="0" y="0"/>
+          <a:ext cx="0" cy="0"/>
+          <a:chOff x="0" y="0"/>
+          <a:chExt cx="0" cy="0"/>
+        </a:xfrm>
+      </p:grpSpPr>
+      <p:sp>
+        <p:nvSpPr>
+          <p:cNvPr id="2" name="Title 1">
+            <a:extLst>
+              <a:ext uri="{FF2B5EF4-FFF2-40B4-BE49-F238E27FC236}">
                 <a16:creationId xmlns:a16="http://schemas.microsoft.com/office/drawing/2014/main" id="{E54FB701-84FD-F8CC-DF85-2E164A27D4FB}"/>
               </a:ext>
             </a:extLst>
@@ -16687,19 +17515,21 @@
         </p:nvSpPr>
         <p:spPr>
           <a:xfrm>
-            <a:off x="581193" y="1554480"/>
+            <a:off x="581193" y="1960880"/>
             <a:ext cx="11029615" cy="868680"/>
           </a:xfrm>
         </p:spPr>
         <p:txBody>
-          <a:bodyPr/>
+          <a:bodyPr>
+            <a:noAutofit/>
+          </a:bodyPr>
           <a:lstStyle/>
           <a:p>
             <a:pPr marL="0" indent="0">
               <a:buNone/>
             </a:pPr>
             <a:r>
-              <a:rPr lang="en-US" dirty="0"/>
+              <a:rPr lang="en-US" sz="2400" dirty="0"/>
               <a:t>If you have collected data from an entire population (a census), do you need to perform inferential statistics?</a:t>
             </a:r>
           </a:p>
@@ -16718,7 +17548,7 @@
 </p:sld>
 </file>
 
-<file path=ppt/slides/slide8.xml><?xml version="1.0" encoding="utf-8"?>
+<file path=ppt/slides/slide9.xml><?xml version="1.0" encoding="utf-8"?>
 <p:sld xmlns:a="http://schemas.openxmlformats.org/drawingml/2006/main" xmlns:r="http://schemas.openxmlformats.org/officeDocument/2006/relationships" xmlns:p="http://schemas.openxmlformats.org/presentationml/2006/main">
   <p:cSld>
     <p:spTree>
@@ -16887,250 +17717,6 @@
     <p:extLst>
       <p:ext uri="{BB962C8B-B14F-4D97-AF65-F5344CB8AC3E}">
         <p14:creationId xmlns:p14="http://schemas.microsoft.com/office/powerpoint/2010/main" val="1659532104"/>
-      </p:ext>
-    </p:extLst>
-  </p:cSld>
-  <p:clrMapOvr>
-    <a:masterClrMapping/>
-  </p:clrMapOvr>
-</p:sld>
-</file>
-
-<file path=ppt/slides/slide9.xml><?xml version="1.0" encoding="utf-8"?>
-<p:sld xmlns:a="http://schemas.openxmlformats.org/drawingml/2006/main" xmlns:r="http://schemas.openxmlformats.org/officeDocument/2006/relationships" xmlns:p="http://schemas.openxmlformats.org/presentationml/2006/main">
-  <p:cSld>
-    <p:spTree>
-      <p:nvGrpSpPr>
-        <p:cNvPr id="1" name=""/>
-        <p:cNvGrpSpPr/>
-        <p:nvPr/>
-      </p:nvGrpSpPr>
-      <p:grpSpPr>
-        <a:xfrm>
-          <a:off x="0" y="0"/>
-          <a:ext cx="0" cy="0"/>
-          <a:chOff x="0" y="0"/>
-          <a:chExt cx="0" cy="0"/>
-        </a:xfrm>
-      </p:grpSpPr>
-      <p:sp>
-        <p:nvSpPr>
-          <p:cNvPr id="2" name="Title 1">
-            <a:extLst>
-              <a:ext uri="{FF2B5EF4-FFF2-40B4-BE49-F238E27FC236}">
-                <a16:creationId xmlns:a16="http://schemas.microsoft.com/office/drawing/2014/main" id="{537094F2-B422-0BC8-908F-E0B2363D73A4}"/>
-              </a:ext>
-            </a:extLst>
-          </p:cNvPr>
-          <p:cNvSpPr>
-            <a:spLocks noGrp="1"/>
-          </p:cNvSpPr>
-          <p:nvPr>
-            <p:ph type="title"/>
-          </p:nvPr>
-        </p:nvSpPr>
-        <p:spPr>
-          <a:xfrm>
-            <a:off x="581192" y="702156"/>
-            <a:ext cx="11029616" cy="587148"/>
-          </a:xfrm>
-        </p:spPr>
-        <p:txBody>
-          <a:bodyPr/>
-          <a:lstStyle/>
-          <a:p>
-            <a:r>
-              <a:rPr lang="en-US" dirty="0"/>
-              <a:t>Sampling distribution - proportion</a:t>
-            </a:r>
-          </a:p>
-        </p:txBody>
-      </p:sp>
-      <p:sp>
-        <p:nvSpPr>
-          <p:cNvPr id="3" name="Content Placeholder 2">
-            <a:extLst>
-              <a:ext uri="{FF2B5EF4-FFF2-40B4-BE49-F238E27FC236}">
-                <a16:creationId xmlns:a16="http://schemas.microsoft.com/office/drawing/2014/main" id="{7694D7BB-6BF0-A493-85F7-84E250180321}"/>
-              </a:ext>
-            </a:extLst>
-          </p:cNvPr>
-          <p:cNvSpPr>
-            <a:spLocks noGrp="1"/>
-          </p:cNvSpPr>
-          <p:nvPr>
-            <p:ph idx="1"/>
-          </p:nvPr>
-        </p:nvSpPr>
-        <p:spPr>
-          <a:xfrm>
-            <a:off x="581192" y="1481328"/>
-            <a:ext cx="11029615" cy="996696"/>
-          </a:xfrm>
-        </p:spPr>
-        <p:txBody>
-          <a:bodyPr>
-            <a:normAutofit/>
-          </a:bodyPr>
-          <a:lstStyle/>
-          <a:p>
-            <a:pPr marL="0" indent="0" algn="l">
-              <a:buNone/>
-            </a:pPr>
-            <a:r>
-              <a:rPr lang="en-US" sz="1800" b="0" i="0" u="none" strike="noStrike" baseline="0" dirty="0">
-                <a:solidFill>
-                  <a:schemeClr val="tx1"/>
-                </a:solidFill>
-                <a:latin typeface="NimbusSanL-Regu"/>
-              </a:rPr>
-              <a:t>you might sample from the population and use your sample proportion as the best guess for the unknown population proportion.</a:t>
-            </a:r>
-            <a:endParaRPr lang="en-US" dirty="0">
-              <a:solidFill>
-                <a:schemeClr val="tx1"/>
-              </a:solidFill>
-            </a:endParaRPr>
-          </a:p>
-        </p:txBody>
-      </p:sp>
-      <p:sp>
-        <p:nvSpPr>
-          <p:cNvPr id="6" name="TextBox 5">
-            <a:extLst>
-              <a:ext uri="{FF2B5EF4-FFF2-40B4-BE49-F238E27FC236}">
-                <a16:creationId xmlns:a16="http://schemas.microsoft.com/office/drawing/2014/main" id="{32B5B42C-B228-AA52-0B77-FB87EAC51F6E}"/>
-              </a:ext>
-            </a:extLst>
-          </p:cNvPr>
-          <p:cNvSpPr txBox="1"/>
-          <p:nvPr/>
-        </p:nvSpPr>
-        <p:spPr>
-          <a:xfrm>
-            <a:off x="1266992" y="4361689"/>
-            <a:ext cx="9266896" cy="1465016"/>
-          </a:xfrm>
-          <a:prstGeom prst="rect">
-            <a:avLst/>
-          </a:prstGeom>
-          <a:noFill/>
-        </p:spPr>
-        <p:txBody>
-          <a:bodyPr wrap="square" rtlCol="0">
-            <a:spAutoFit/>
-          </a:bodyPr>
-          <a:lstStyle/>
-          <a:p>
-            <a:pPr marL="342900" indent="-342900">
-              <a:spcBef>
-                <a:spcPct val="20000"/>
-              </a:spcBef>
-              <a:spcAft>
-                <a:spcPts val="600"/>
-              </a:spcAft>
-              <a:buClr>
-                <a:schemeClr val="accent1"/>
-              </a:buClr>
-              <a:buSzPct val="92000"/>
-              <a:buFont typeface="+mj-lt"/>
-              <a:buAutoNum type="arabicParenR"/>
-            </a:pPr>
-            <a:r>
-              <a:rPr lang="en-US" dirty="0">
-                <a:latin typeface="NimbusSanL-Regu-Slant_167"/>
-              </a:rPr>
-              <a:t>Sample, with replacement, 1000 students from the population, and record whether they use public transportation or not</a:t>
-            </a:r>
-          </a:p>
-          <a:p>
-            <a:pPr marL="342900" indent="-342900">
-              <a:spcBef>
-                <a:spcPct val="20000"/>
-              </a:spcBef>
-              <a:spcAft>
-                <a:spcPts val="600"/>
-              </a:spcAft>
-              <a:buClr>
-                <a:schemeClr val="accent1"/>
-              </a:buClr>
-              <a:buSzPct val="92000"/>
-              <a:buFont typeface="+mj-lt"/>
-              <a:buAutoNum type="arabicParenR"/>
-            </a:pPr>
-            <a:r>
-              <a:rPr lang="en-US" dirty="0">
-                <a:latin typeface="NimbusSanL-Regu-Slant_167"/>
-              </a:rPr>
-              <a:t>Find the sample proportion.</a:t>
-            </a:r>
-          </a:p>
-          <a:p>
-            <a:pPr marL="342900" indent="-342900">
-              <a:spcBef>
-                <a:spcPct val="20000"/>
-              </a:spcBef>
-              <a:spcAft>
-                <a:spcPts val="600"/>
-              </a:spcAft>
-              <a:buClr>
-                <a:schemeClr val="accent1"/>
-              </a:buClr>
-              <a:buSzPct val="92000"/>
-              <a:buFont typeface="+mj-lt"/>
-              <a:buAutoNum type="arabicParenR"/>
-            </a:pPr>
-            <a:r>
-              <a:rPr lang="en-US" dirty="0">
-                <a:latin typeface="NimbusSanL-Regu-Slant_167"/>
-              </a:rPr>
-              <a:t>Plot the distribution of the sample proportions obtained</a:t>
-            </a:r>
-          </a:p>
-        </p:txBody>
-      </p:sp>
-      <p:sp>
-        <p:nvSpPr>
-          <p:cNvPr id="8" name="TextBox 7">
-            <a:extLst>
-              <a:ext uri="{FF2B5EF4-FFF2-40B4-BE49-F238E27FC236}">
-                <a16:creationId xmlns:a16="http://schemas.microsoft.com/office/drawing/2014/main" id="{E35F2196-D279-405A-33AD-F746233A4605}"/>
-              </a:ext>
-            </a:extLst>
-          </p:cNvPr>
-          <p:cNvSpPr txBox="1"/>
-          <p:nvPr/>
-        </p:nvSpPr>
-        <p:spPr>
-          <a:xfrm>
-            <a:off x="802660" y="2670048"/>
-            <a:ext cx="10195560" cy="1200329"/>
-          </a:xfrm>
-          <a:prstGeom prst="rect">
-            <a:avLst/>
-          </a:prstGeom>
-          <a:noFill/>
-        </p:spPr>
-        <p:txBody>
-          <a:bodyPr wrap="square">
-            <a:spAutoFit/>
-          </a:bodyPr>
-          <a:lstStyle/>
-          <a:p>
-            <a:pPr algn="just"/>
-            <a:r>
-              <a:rPr lang="en-US" sz="1800" b="0" i="0" u="none" strike="noStrike" baseline="0" dirty="0">
-                <a:latin typeface="NimbusSanL-Regu"/>
-              </a:rPr>
-              <a:t>Suppose you want to estimate the proportion of university students who regularly use public transportation, but you don’t have access to the entire student population. In this case, you could take a sample of students from different campuses and use the proportion of students in your sample who use public transportation as your best guess for the unknown proportion in the overall student population.</a:t>
-            </a:r>
-          </a:p>
-        </p:txBody>
-      </p:sp>
-    </p:spTree>
-    <p:extLst>
-      <p:ext uri="{BB962C8B-B14F-4D97-AF65-F5344CB8AC3E}">
-        <p14:creationId xmlns:p14="http://schemas.microsoft.com/office/powerpoint/2010/main" val="3228938181"/>
       </p:ext>
     </p:extLst>
   </p:cSld>
@@ -17548,4 +18134,319 @@
     </a:ext>
   </a:extLst>
 </a:theme>
+</file>
+
+<file path=ppt/theme/theme3.xml><?xml version="1.0" encoding="utf-8"?>
+<a:theme xmlns:a="http://schemas.openxmlformats.org/drawingml/2006/main" name="Office Theme">
+  <a:themeElements>
+    <a:clrScheme name="Office">
+      <a:dk1>
+        <a:sysClr val="windowText" lastClr="000000"/>
+      </a:dk1>
+      <a:lt1>
+        <a:sysClr val="window" lastClr="FFFFFF"/>
+      </a:lt1>
+      <a:dk2>
+        <a:srgbClr val="0E2841"/>
+      </a:dk2>
+      <a:lt2>
+        <a:srgbClr val="E8E8E8"/>
+      </a:lt2>
+      <a:accent1>
+        <a:srgbClr val="156082"/>
+      </a:accent1>
+      <a:accent2>
+        <a:srgbClr val="E97132"/>
+      </a:accent2>
+      <a:accent3>
+        <a:srgbClr val="196B24"/>
+      </a:accent3>
+      <a:accent4>
+        <a:srgbClr val="0F9ED5"/>
+      </a:accent4>
+      <a:accent5>
+        <a:srgbClr val="A02B93"/>
+      </a:accent5>
+      <a:accent6>
+        <a:srgbClr val="4EA72E"/>
+      </a:accent6>
+      <a:hlink>
+        <a:srgbClr val="467886"/>
+      </a:hlink>
+      <a:folHlink>
+        <a:srgbClr val="96607D"/>
+      </a:folHlink>
+    </a:clrScheme>
+    <a:fontScheme name="Office">
+      <a:majorFont>
+        <a:latin typeface="Aptos Display" panose="02110004020202020204"/>
+        <a:ea typeface=""/>
+        <a:cs typeface=""/>
+        <a:font script="Jpan" typeface="游ゴシック Light"/>
+        <a:font script="Hang" typeface="맑은 고딕"/>
+        <a:font script="Hans" typeface="等线 Light"/>
+        <a:font script="Hant" typeface="新細明體"/>
+        <a:font script="Arab" typeface="Times New Roman"/>
+        <a:font script="Hebr" typeface="Times New Roman"/>
+        <a:font script="Thai" typeface="Angsana New"/>
+        <a:font script="Ethi" typeface="Nyala"/>
+        <a:font script="Beng" typeface="Vrinda"/>
+        <a:font script="Gujr" typeface="Shruti"/>
+        <a:font script="Khmr" typeface="MoolBoran"/>
+        <a:font script="Knda" typeface="Tunga"/>
+        <a:font script="Guru" typeface="Raavi"/>
+        <a:font script="Cans" typeface="Euphemia"/>
+        <a:font script="Cher" typeface="Plantagenet Cherokee"/>
+        <a:font script="Yiii" typeface="Microsoft Yi Baiti"/>
+        <a:font script="Tibt" typeface="Microsoft Himalaya"/>
+        <a:font script="Thaa" typeface="MV Boli"/>
+        <a:font script="Deva" typeface="Mangal"/>
+        <a:font script="Telu" typeface="Gautami"/>
+        <a:font script="Taml" typeface="Latha"/>
+        <a:font script="Syrc" typeface="Estrangelo Edessa"/>
+        <a:font script="Orya" typeface="Kalinga"/>
+        <a:font script="Mlym" typeface="Kartika"/>
+        <a:font script="Laoo" typeface="DokChampa"/>
+        <a:font script="Sinh" typeface="Iskoola Pota"/>
+        <a:font script="Mong" typeface="Mongolian Baiti"/>
+        <a:font script="Viet" typeface="Times New Roman"/>
+        <a:font script="Uigh" typeface="Microsoft Uighur"/>
+        <a:font script="Geor" typeface="Sylfaen"/>
+        <a:font script="Armn" typeface="Arial"/>
+        <a:font script="Bugi" typeface="Leelawadee UI"/>
+        <a:font script="Bopo" typeface="Microsoft JhengHei"/>
+        <a:font script="Java" typeface="Javanese Text"/>
+        <a:font script="Lisu" typeface="Segoe UI"/>
+        <a:font script="Mymr" typeface="Myanmar Text"/>
+        <a:font script="Nkoo" typeface="Ebrima"/>
+        <a:font script="Olck" typeface="Nirmala UI"/>
+        <a:font script="Osma" typeface="Ebrima"/>
+        <a:font script="Phag" typeface="Phagspa"/>
+        <a:font script="Syrn" typeface="Estrangelo Edessa"/>
+        <a:font script="Syrj" typeface="Estrangelo Edessa"/>
+        <a:font script="Syre" typeface="Estrangelo Edessa"/>
+        <a:font script="Sora" typeface="Nirmala UI"/>
+        <a:font script="Tale" typeface="Microsoft Tai Le"/>
+        <a:font script="Talu" typeface="Microsoft New Tai Lue"/>
+        <a:font script="Tfng" typeface="Ebrima"/>
+      </a:majorFont>
+      <a:minorFont>
+        <a:latin typeface="Aptos" panose="02110004020202020204"/>
+        <a:ea typeface=""/>
+        <a:cs typeface=""/>
+        <a:font script="Jpan" typeface="游ゴシック"/>
+        <a:font script="Hang" typeface="맑은 고딕"/>
+        <a:font script="Hans" typeface="等线"/>
+        <a:font script="Hant" typeface="新細明體"/>
+        <a:font script="Arab" typeface="Arial"/>
+        <a:font script="Hebr" typeface="Arial"/>
+        <a:font script="Thai" typeface="Cordia New"/>
+        <a:font script="Ethi" typeface="Nyala"/>
+        <a:font script="Beng" typeface="Vrinda"/>
+        <a:font script="Gujr" typeface="Shruti"/>
+        <a:font script="Khmr" typeface="DaunPenh"/>
+        <a:font script="Knda" typeface="Tunga"/>
+        <a:font script="Guru" typeface="Raavi"/>
+        <a:font script="Cans" typeface="Euphemia"/>
+        <a:font script="Cher" typeface="Plantagenet Cherokee"/>
+        <a:font script="Yiii" typeface="Microsoft Yi Baiti"/>
+        <a:font script="Tibt" typeface="Microsoft Himalaya"/>
+        <a:font script="Thaa" typeface="MV Boli"/>
+        <a:font script="Deva" typeface="Mangal"/>
+        <a:font script="Telu" typeface="Gautami"/>
+        <a:font script="Taml" typeface="Latha"/>
+        <a:font script="Syrc" typeface="Estrangelo Edessa"/>
+        <a:font script="Orya" typeface="Kalinga"/>
+        <a:font script="Mlym" typeface="Kartika"/>
+        <a:font script="Laoo" typeface="DokChampa"/>
+        <a:font script="Sinh" typeface="Iskoola Pota"/>
+        <a:font script="Mong" typeface="Mongolian Baiti"/>
+        <a:font script="Viet" typeface="Arial"/>
+        <a:font script="Uigh" typeface="Microsoft Uighur"/>
+        <a:font script="Geor" typeface="Sylfaen"/>
+        <a:font script="Armn" typeface="Arial"/>
+        <a:font script="Bugi" typeface="Leelawadee UI"/>
+        <a:font script="Bopo" typeface="Microsoft JhengHei"/>
+        <a:font script="Java" typeface="Javanese Text"/>
+        <a:font script="Lisu" typeface="Segoe UI"/>
+        <a:font script="Mymr" typeface="Myanmar Text"/>
+        <a:font script="Nkoo" typeface="Ebrima"/>
+        <a:font script="Olck" typeface="Nirmala UI"/>
+        <a:font script="Osma" typeface="Ebrima"/>
+        <a:font script="Phag" typeface="Phagspa"/>
+        <a:font script="Syrn" typeface="Estrangelo Edessa"/>
+        <a:font script="Syrj" typeface="Estrangelo Edessa"/>
+        <a:font script="Syre" typeface="Estrangelo Edessa"/>
+        <a:font script="Sora" typeface="Nirmala UI"/>
+        <a:font script="Tale" typeface="Microsoft Tai Le"/>
+        <a:font script="Talu" typeface="Microsoft New Tai Lue"/>
+        <a:font script="Tfng" typeface="Ebrima"/>
+      </a:minorFont>
+    </a:fontScheme>
+    <a:fmtScheme name="Office">
+      <a:fillStyleLst>
+        <a:solidFill>
+          <a:schemeClr val="phClr"/>
+        </a:solidFill>
+        <a:gradFill rotWithShape="1">
+          <a:gsLst>
+            <a:gs pos="0">
+              <a:schemeClr val="phClr">
+                <a:lumMod val="110000"/>
+                <a:satMod val="105000"/>
+                <a:tint val="67000"/>
+              </a:schemeClr>
+            </a:gs>
+            <a:gs pos="50000">
+              <a:schemeClr val="phClr">
+                <a:lumMod val="105000"/>
+                <a:satMod val="103000"/>
+                <a:tint val="73000"/>
+              </a:schemeClr>
+            </a:gs>
+            <a:gs pos="100000">
+              <a:schemeClr val="phClr">
+                <a:lumMod val="105000"/>
+                <a:satMod val="109000"/>
+                <a:tint val="81000"/>
+              </a:schemeClr>
+            </a:gs>
+          </a:gsLst>
+          <a:lin ang="5400000" scaled="0"/>
+        </a:gradFill>
+        <a:gradFill rotWithShape="1">
+          <a:gsLst>
+            <a:gs pos="0">
+              <a:schemeClr val="phClr">
+                <a:satMod val="103000"/>
+                <a:lumMod val="102000"/>
+                <a:tint val="94000"/>
+              </a:schemeClr>
+            </a:gs>
+            <a:gs pos="50000">
+              <a:schemeClr val="phClr">
+                <a:satMod val="110000"/>
+                <a:lumMod val="100000"/>
+                <a:shade val="100000"/>
+              </a:schemeClr>
+            </a:gs>
+            <a:gs pos="100000">
+              <a:schemeClr val="phClr">
+                <a:lumMod val="99000"/>
+                <a:satMod val="120000"/>
+                <a:shade val="78000"/>
+              </a:schemeClr>
+            </a:gs>
+          </a:gsLst>
+          <a:lin ang="5400000" scaled="0"/>
+        </a:gradFill>
+      </a:fillStyleLst>
+      <a:lnStyleLst>
+        <a:ln w="12700" cap="flat" cmpd="sng" algn="ctr">
+          <a:solidFill>
+            <a:schemeClr val="phClr"/>
+          </a:solidFill>
+          <a:prstDash val="solid"/>
+          <a:miter lim="800000"/>
+        </a:ln>
+        <a:ln w="19050" cap="flat" cmpd="sng" algn="ctr">
+          <a:solidFill>
+            <a:schemeClr val="phClr"/>
+          </a:solidFill>
+          <a:prstDash val="solid"/>
+          <a:miter lim="800000"/>
+        </a:ln>
+        <a:ln w="25400" cap="flat" cmpd="sng" algn="ctr">
+          <a:solidFill>
+            <a:schemeClr val="phClr"/>
+          </a:solidFill>
+          <a:prstDash val="solid"/>
+          <a:miter lim="800000"/>
+        </a:ln>
+      </a:lnStyleLst>
+      <a:effectStyleLst>
+        <a:effectStyle>
+          <a:effectLst/>
+        </a:effectStyle>
+        <a:effectStyle>
+          <a:effectLst/>
+        </a:effectStyle>
+        <a:effectStyle>
+          <a:effectLst>
+            <a:outerShdw blurRad="57150" dist="19050" dir="5400000" algn="ctr" rotWithShape="0">
+              <a:srgbClr val="000000">
+                <a:alpha val="63000"/>
+              </a:srgbClr>
+            </a:outerShdw>
+          </a:effectLst>
+        </a:effectStyle>
+      </a:effectStyleLst>
+      <a:bgFillStyleLst>
+        <a:solidFill>
+          <a:schemeClr val="phClr"/>
+        </a:solidFill>
+        <a:solidFill>
+          <a:schemeClr val="phClr">
+            <a:tint val="95000"/>
+            <a:satMod val="170000"/>
+          </a:schemeClr>
+        </a:solidFill>
+        <a:gradFill rotWithShape="1">
+          <a:gsLst>
+            <a:gs pos="0">
+              <a:schemeClr val="phClr">
+                <a:tint val="93000"/>
+                <a:satMod val="150000"/>
+                <a:shade val="98000"/>
+                <a:lumMod val="102000"/>
+              </a:schemeClr>
+            </a:gs>
+            <a:gs pos="50000">
+              <a:schemeClr val="phClr">
+                <a:tint val="98000"/>
+                <a:satMod val="130000"/>
+                <a:shade val="90000"/>
+                <a:lumMod val="103000"/>
+              </a:schemeClr>
+            </a:gs>
+            <a:gs pos="100000">
+              <a:schemeClr val="phClr">
+                <a:shade val="63000"/>
+                <a:satMod val="120000"/>
+              </a:schemeClr>
+            </a:gs>
+          </a:gsLst>
+          <a:lin ang="5400000" scaled="0"/>
+        </a:gradFill>
+      </a:bgFillStyleLst>
+    </a:fmtScheme>
+  </a:themeElements>
+  <a:objectDefaults>
+    <a:lnDef>
+      <a:spPr/>
+      <a:bodyPr/>
+      <a:lstStyle/>
+      <a:style>
+        <a:lnRef idx="2">
+          <a:schemeClr val="accent1"/>
+        </a:lnRef>
+        <a:fillRef idx="0">
+          <a:schemeClr val="accent1"/>
+        </a:fillRef>
+        <a:effectRef idx="1">
+          <a:schemeClr val="accent1"/>
+        </a:effectRef>
+        <a:fontRef idx="minor">
+          <a:schemeClr val="tx1"/>
+        </a:fontRef>
+      </a:style>
+    </a:lnDef>
+  </a:objectDefaults>
+  <a:extraClrSchemeLst/>
+  <a:extLst>
+    <a:ext uri="{05A4C25C-085E-4340-85A3-A5531E510DB2}">
+      <thm15:themeFamily xmlns:thm15="http://schemas.microsoft.com/office/thememl/2012/main" name="Office Theme" id="{2E142A2C-CD16-42D6-873A-C26D2A0506FA}" vid="{1BDDFF52-6CD6-40A5-AB3C-68EB2F1E4D0A}"/>
+    </a:ext>
+  </a:extLst>
+</a:theme>
 </file>
--- a/docs/Lectures/Week02/Week02_InferentialStas.pptx
+++ b/docs/Lectures/Week02/Week02_InferentialStas.pptx
@@ -6,7 +6,7 @@
     <p:sldMasterId id="2147483686" r:id="rId2"/>
   </p:sldMasterIdLst>
   <p:notesMasterIdLst>
-    <p:notesMasterId r:id="rId23"/>
+    <p:notesMasterId r:id="rId25"/>
   </p:notesMasterIdLst>
   <p:sldIdLst>
     <p:sldId id="256" r:id="rId3"/>
@@ -18,17 +18,19 @@
     <p:sldId id="858" r:id="rId9"/>
     <p:sldId id="847" r:id="rId10"/>
     <p:sldId id="843" r:id="rId11"/>
-    <p:sldId id="930" r:id="rId12"/>
-    <p:sldId id="849" r:id="rId13"/>
-    <p:sldId id="848" r:id="rId14"/>
-    <p:sldId id="964" r:id="rId15"/>
-    <p:sldId id="852" r:id="rId16"/>
-    <p:sldId id="853" r:id="rId17"/>
-    <p:sldId id="854" r:id="rId18"/>
-    <p:sldId id="855" r:id="rId19"/>
-    <p:sldId id="857" r:id="rId20"/>
-    <p:sldId id="856" r:id="rId21"/>
-    <p:sldId id="265" r:id="rId22"/>
+    <p:sldId id="966" r:id="rId12"/>
+    <p:sldId id="965" r:id="rId13"/>
+    <p:sldId id="930" r:id="rId14"/>
+    <p:sldId id="849" r:id="rId15"/>
+    <p:sldId id="848" r:id="rId16"/>
+    <p:sldId id="964" r:id="rId17"/>
+    <p:sldId id="852" r:id="rId18"/>
+    <p:sldId id="853" r:id="rId19"/>
+    <p:sldId id="854" r:id="rId20"/>
+    <p:sldId id="855" r:id="rId21"/>
+    <p:sldId id="857" r:id="rId22"/>
+    <p:sldId id="856" r:id="rId23"/>
+    <p:sldId id="265" r:id="rId24"/>
   </p:sldIdLst>
   <p:sldSz cx="12192000" cy="6858000"/>
   <p:notesSz cx="6858000" cy="9144000"/>
@@ -217,7 +219,7 @@
           <a:p>
             <a:fld id="{1DA9B3D4-E602-49D2-A308-0F82597276F4}" type="datetimeFigureOut">
               <a:rPr lang="en-US" smtClean="0"/>
-              <a:t>1/21/2025</a:t>
+              <a:t>1/22/2025</a:t>
             </a:fld>
             <a:endParaRPr lang="en-US"/>
           </a:p>
@@ -831,7 +833,7 @@
           <a:p>
             <a:fld id="{ED291B17-9318-49DB-B28B-6E5994AE9581}" type="datetime1">
               <a:rPr lang="en-US" smtClean="0"/>
-              <a:t>1/21/2025</a:t>
+              <a:t>1/22/2025</a:t>
             </a:fld>
             <a:endParaRPr lang="en-US" dirty="0"/>
           </a:p>
@@ -1034,7 +1036,7 @@
           <a:p>
             <a:fld id="{2CED4963-E985-44C4-B8C4-FDD613B7C2F8}" type="datetime1">
               <a:rPr lang="en-US" smtClean="0"/>
-              <a:t>1/21/2025</a:t>
+              <a:t>1/22/2025</a:t>
             </a:fld>
             <a:endParaRPr lang="en-US" dirty="0"/>
           </a:p>
@@ -1396,7 +1398,7 @@
           <a:p>
             <a:fld id="{ED291B17-9318-49DB-B28B-6E5994AE9581}" type="datetime1">
               <a:rPr lang="en-US" smtClean="0"/>
-              <a:t>1/21/2025</a:t>
+              <a:t>1/22/2025</a:t>
             </a:fld>
             <a:endParaRPr lang="en-US" dirty="0"/>
           </a:p>
@@ -2065,7 +2067,7 @@
           <a:p>
             <a:fld id="{ED291B17-9318-49DB-B28B-6E5994AE9581}" type="datetime1">
               <a:rPr lang="en-US" smtClean="0"/>
-              <a:t>1/21/2025</a:t>
+              <a:t>1/22/2025</a:t>
             </a:fld>
             <a:endParaRPr lang="en-US" dirty="0"/>
           </a:p>
@@ -2262,7 +2264,7 @@
           <a:p>
             <a:fld id="{78DD82B9-B8EE-4375-B6FF-88FA6ABB15D9}" type="datetime1">
               <a:rPr lang="en-US" smtClean="0"/>
-              <a:t>1/21/2025</a:t>
+              <a:t>1/22/2025</a:t>
             </a:fld>
             <a:endParaRPr lang="en-US" dirty="0"/>
           </a:p>
@@ -2573,7 +2575,7 @@
           <a:p>
             <a:fld id="{B2497495-0637-405E-AE64-5CC7506D51F5}" type="datetime1">
               <a:rPr lang="en-US" smtClean="0"/>
-              <a:t>1/21/2025</a:t>
+              <a:t>1/22/2025</a:t>
             </a:fld>
             <a:endParaRPr lang="en-US" dirty="0"/>
           </a:p>
@@ -2826,7 +2828,7 @@
           <a:p>
             <a:fld id="{7BFFD690-9426-415D-8B65-26881E07B2D4}" type="datetime1">
               <a:rPr lang="en-US" smtClean="0"/>
-              <a:t>1/21/2025</a:t>
+              <a:t>1/22/2025</a:t>
             </a:fld>
             <a:endParaRPr lang="en-US" dirty="0"/>
           </a:p>
@@ -3248,7 +3250,7 @@
           <a:p>
             <a:fld id="{04C4989A-474C-40DE-95B9-011C28B71673}" type="datetime1">
               <a:rPr lang="en-US" smtClean="0"/>
-              <a:t>1/21/2025</a:t>
+              <a:t>1/22/2025</a:t>
             </a:fld>
             <a:endParaRPr lang="en-US" dirty="0"/>
           </a:p>
@@ -3371,7 +3373,7 @@
           <a:p>
             <a:fld id="{5DB4ED54-5B5E-4A04-93D3-5772E3CE3818}" type="datetime1">
               <a:rPr lang="en-US" smtClean="0"/>
-              <a:t>1/21/2025</a:t>
+              <a:t>1/22/2025</a:t>
             </a:fld>
             <a:endParaRPr lang="en-US" dirty="0"/>
           </a:p>
@@ -3466,7 +3468,7 @@
           <a:p>
             <a:fld id="{4EDE50D6-574B-40AF-946F-D52A04ADE379}" type="datetime1">
               <a:rPr lang="en-US" smtClean="0"/>
-              <a:t>1/21/2025</a:t>
+              <a:t>1/22/2025</a:t>
             </a:fld>
             <a:endParaRPr lang="en-US" dirty="0"/>
           </a:p>
@@ -3650,7 +3652,7 @@
           <a:p>
             <a:fld id="{78DD82B9-B8EE-4375-B6FF-88FA6ABB15D9}" type="datetime1">
               <a:rPr lang="en-US" smtClean="0"/>
-              <a:t>1/21/2025</a:t>
+              <a:t>1/22/2025</a:t>
             </a:fld>
             <a:endParaRPr lang="en-US" dirty="0"/>
           </a:p>
@@ -4038,7 +4040,7 @@
           <a:p>
             <a:fld id="{D82884F1-FFEA-405F-9602-3DCA865EDA4E}" type="datetime1">
               <a:rPr lang="en-US" smtClean="0"/>
-              <a:t>1/21/2025</a:t>
+              <a:t>1/22/2025</a:t>
             </a:fld>
             <a:endParaRPr lang="en-US" dirty="0"/>
           </a:p>
@@ -4331,7 +4333,7 @@
           <a:p>
             <a:fld id="{7E18DB4A-8810-4A10-AD5C-D5E2C667F5B3}" type="datetime1">
               <a:rPr lang="en-US" smtClean="0"/>
-              <a:t>1/21/2025</a:t>
+              <a:t>1/22/2025</a:t>
             </a:fld>
             <a:endParaRPr lang="en-US" dirty="0"/>
           </a:p>
@@ -4523,7 +4525,7 @@
           <a:p>
             <a:fld id="{2CED4963-E985-44C4-B8C4-FDD613B7C2F8}" type="datetime1">
               <a:rPr lang="en-US" smtClean="0"/>
-              <a:t>1/21/2025</a:t>
+              <a:t>1/22/2025</a:t>
             </a:fld>
             <a:endParaRPr lang="en-US" dirty="0"/>
           </a:p>
@@ -4885,7 +4887,7 @@
           <a:p>
             <a:fld id="{ED291B17-9318-49DB-B28B-6E5994AE9581}" type="datetime1">
               <a:rPr lang="en-US" smtClean="0"/>
-              <a:t>1/21/2025</a:t>
+              <a:t>1/22/2025</a:t>
             </a:fld>
             <a:endParaRPr lang="en-US" dirty="0"/>
           </a:p>
@@ -5361,7 +5363,7 @@
           <a:p>
             <a:fld id="{B2497495-0637-405E-AE64-5CC7506D51F5}" type="datetime1">
               <a:rPr lang="en-US" smtClean="0"/>
-              <a:t>1/21/2025</a:t>
+              <a:t>1/22/2025</a:t>
             </a:fld>
             <a:endParaRPr lang="en-US" dirty="0"/>
           </a:p>
@@ -5612,7 +5614,7 @@
           <a:p>
             <a:fld id="{7BFFD690-9426-415D-8B65-26881E07B2D4}" type="datetime1">
               <a:rPr lang="en-US" smtClean="0"/>
-              <a:t>1/21/2025</a:t>
+              <a:t>1/22/2025</a:t>
             </a:fld>
             <a:endParaRPr lang="en-US" dirty="0"/>
           </a:p>
@@ -6033,7 +6035,7 @@
           <a:p>
             <a:fld id="{04C4989A-474C-40DE-95B9-011C28B71673}" type="datetime1">
               <a:rPr lang="en-US" smtClean="0"/>
-              <a:t>1/21/2025</a:t>
+              <a:t>1/22/2025</a:t>
             </a:fld>
             <a:endParaRPr lang="en-US" dirty="0"/>
           </a:p>
@@ -6156,7 +6158,7 @@
           <a:p>
             <a:fld id="{5DB4ED54-5B5E-4A04-93D3-5772E3CE3818}" type="datetime1">
               <a:rPr lang="en-US" smtClean="0"/>
-              <a:t>1/21/2025</a:t>
+              <a:t>1/22/2025</a:t>
             </a:fld>
             <a:endParaRPr lang="en-US" dirty="0"/>
           </a:p>
@@ -6251,7 +6253,7 @@
           <a:p>
             <a:fld id="{4EDE50D6-574B-40AF-946F-D52A04ADE379}" type="datetime1">
               <a:rPr lang="en-US" smtClean="0"/>
-              <a:t>1/21/2025</a:t>
+              <a:t>1/22/2025</a:t>
             </a:fld>
             <a:endParaRPr lang="en-US" dirty="0"/>
           </a:p>
@@ -6627,7 +6629,7 @@
           <a:p>
             <a:fld id="{D82884F1-FFEA-405F-9602-3DCA865EDA4E}" type="datetime1">
               <a:rPr lang="en-US" smtClean="0"/>
-              <a:t>1/21/2025</a:t>
+              <a:t>1/22/2025</a:t>
             </a:fld>
             <a:endParaRPr lang="en-US" dirty="0"/>
           </a:p>
@@ -6920,7 +6922,7 @@
           <a:p>
             <a:fld id="{7E18DB4A-8810-4A10-AD5C-D5E2C667F5B3}" type="datetime1">
               <a:rPr lang="en-US" smtClean="0"/>
-              <a:t>1/21/2025</a:t>
+              <a:t>1/22/2025</a:t>
             </a:fld>
             <a:endParaRPr lang="en-US" dirty="0"/>
           </a:p>
@@ -7135,7 +7137,7 @@
           <a:p>
             <a:fld id="{ED291B17-9318-49DB-B28B-6E5994AE9581}" type="datetime1">
               <a:rPr lang="en-US" smtClean="0"/>
-              <a:t>1/21/2025</a:t>
+              <a:t>1/22/2025</a:t>
             </a:fld>
             <a:endParaRPr lang="en-US" dirty="0"/>
           </a:p>
@@ -7915,7 +7917,7 @@
           <a:p>
             <a:fld id="{ED291B17-9318-49DB-B28B-6E5994AE9581}" type="datetime1">
               <a:rPr lang="en-US" smtClean="0"/>
-              <a:t>1/21/2025</a:t>
+              <a:t>1/22/2025</a:t>
             </a:fld>
             <a:endParaRPr lang="en-US" dirty="0"/>
           </a:p>
@@ -8958,6 +8960,908 @@
       </p:grpSpPr>
       <p:sp>
         <p:nvSpPr>
+          <p:cNvPr id="2" name="Title 1">
+            <a:extLst>
+              <a:ext uri="{FF2B5EF4-FFF2-40B4-BE49-F238E27FC236}">
+                <a16:creationId xmlns:a16="http://schemas.microsoft.com/office/drawing/2014/main" id="{40C6F8A6-591E-2169-564E-DB00C3D60780}"/>
+              </a:ext>
+            </a:extLst>
+          </p:cNvPr>
+          <p:cNvSpPr>
+            <a:spLocks noGrp="1"/>
+          </p:cNvSpPr>
+          <p:nvPr>
+            <p:ph type="title"/>
+          </p:nvPr>
+        </p:nvSpPr>
+        <p:spPr>
+          <a:xfrm>
+            <a:off x="387229" y="548592"/>
+            <a:ext cx="11029616" cy="537826"/>
+          </a:xfrm>
+        </p:spPr>
+        <p:txBody>
+          <a:bodyPr/>
+          <a:lstStyle/>
+          <a:p>
+            <a:r>
+              <a:rPr lang="en-US" dirty="0"/>
+              <a:t>Experiment: variability of the sample</a:t>
+            </a:r>
+          </a:p>
+        </p:txBody>
+      </p:sp>
+      <p:pic>
+        <p:nvPicPr>
+          <p:cNvPr id="5" name="Content Placeholder 4" descr="Group of people with solid fill">
+            <a:extLst>
+              <a:ext uri="{FF2B5EF4-FFF2-40B4-BE49-F238E27FC236}">
+                <a16:creationId xmlns:a16="http://schemas.microsoft.com/office/drawing/2014/main" id="{DF1EFDFE-AB55-B7A7-EDA4-95498F5932C4}"/>
+              </a:ext>
+            </a:extLst>
+          </p:cNvPr>
+          <p:cNvPicPr>
+            <a:picLocks noGrp="1" noChangeAspect="1"/>
+          </p:cNvPicPr>
+          <p:nvPr>
+            <p:ph idx="1"/>
+          </p:nvPr>
+        </p:nvPicPr>
+        <p:blipFill>
+          <a:blip r:embed="rId2">
+            <a:extLst>
+              <a:ext uri="{96DAC541-7B7A-43D3-8B79-37D633B846F1}">
+                <asvg:svgBlip xmlns:asvg="http://schemas.microsoft.com/office/drawing/2016/SVG/main" r:embed="rId3"/>
+              </a:ext>
+            </a:extLst>
+          </a:blip>
+          <a:stretch>
+            <a:fillRect/>
+          </a:stretch>
+        </p:blipFill>
+        <p:spPr>
+          <a:xfrm>
+            <a:off x="2547625" y="2933562"/>
+            <a:ext cx="2018253" cy="2018253"/>
+          </a:xfrm>
+        </p:spPr>
+      </p:pic>
+      <p:pic>
+        <p:nvPicPr>
+          <p:cNvPr id="7" name="Graphic 6" descr="Group of women outline">
+            <a:extLst>
+              <a:ext uri="{FF2B5EF4-FFF2-40B4-BE49-F238E27FC236}">
+                <a16:creationId xmlns:a16="http://schemas.microsoft.com/office/drawing/2014/main" id="{80B82F91-7898-2D4A-E7BF-61ACFAE0159A}"/>
+              </a:ext>
+            </a:extLst>
+          </p:cNvPr>
+          <p:cNvPicPr>
+            <a:picLocks noChangeAspect="1"/>
+          </p:cNvPicPr>
+          <p:nvPr/>
+        </p:nvPicPr>
+        <p:blipFill>
+          <a:blip r:embed="rId4">
+            <a:extLst>
+              <a:ext uri="{96DAC541-7B7A-43D3-8B79-37D633B846F1}">
+                <asvg:svgBlip xmlns:asvg="http://schemas.microsoft.com/office/drawing/2016/SVG/main" r:embed="rId5"/>
+              </a:ext>
+            </a:extLst>
+          </a:blip>
+          <a:stretch>
+            <a:fillRect/>
+          </a:stretch>
+        </p:blipFill>
+        <p:spPr>
+          <a:xfrm>
+            <a:off x="6747540" y="1863276"/>
+            <a:ext cx="914400" cy="914400"/>
+          </a:xfrm>
+          <a:prstGeom prst="rect">
+            <a:avLst/>
+          </a:prstGeom>
+        </p:spPr>
+      </p:pic>
+      <p:pic>
+        <p:nvPicPr>
+          <p:cNvPr id="9" name="Graphic 8" descr="Group of men with solid fill">
+            <a:extLst>
+              <a:ext uri="{FF2B5EF4-FFF2-40B4-BE49-F238E27FC236}">
+                <a16:creationId xmlns:a16="http://schemas.microsoft.com/office/drawing/2014/main" id="{7B93E96A-F8D0-B2A0-5EA5-39A16BEBE14F}"/>
+              </a:ext>
+            </a:extLst>
+          </p:cNvPr>
+          <p:cNvPicPr>
+            <a:picLocks noChangeAspect="1"/>
+          </p:cNvPicPr>
+          <p:nvPr/>
+        </p:nvPicPr>
+        <p:blipFill>
+          <a:blip r:embed="rId6">
+            <a:extLst>
+              <a:ext uri="{96DAC541-7B7A-43D3-8B79-37D633B846F1}">
+                <asvg:svgBlip xmlns:asvg="http://schemas.microsoft.com/office/drawing/2016/SVG/main" r:embed="rId7"/>
+              </a:ext>
+            </a:extLst>
+          </a:blip>
+          <a:stretch>
+            <a:fillRect/>
+          </a:stretch>
+        </p:blipFill>
+        <p:spPr>
+          <a:xfrm>
+            <a:off x="6747540" y="3502369"/>
+            <a:ext cx="914400" cy="914400"/>
+          </a:xfrm>
+          <a:prstGeom prst="rect">
+            <a:avLst/>
+          </a:prstGeom>
+        </p:spPr>
+      </p:pic>
+      <mc:AlternateContent xmlns:mc="http://schemas.openxmlformats.org/markup-compatibility/2006" xmlns:a14="http://schemas.microsoft.com/office/drawing/2010/main">
+        <mc:Choice Requires="a14">
+          <p:sp>
+            <p:nvSpPr>
+              <p:cNvPr id="10" name="TextBox 9">
+                <a:extLst>
+                  <a:ext uri="{FF2B5EF4-FFF2-40B4-BE49-F238E27FC236}">
+                    <a16:creationId xmlns:a16="http://schemas.microsoft.com/office/drawing/2014/main" id="{C21B1883-D74F-225F-1369-624D816654F1}"/>
+                  </a:ext>
+                </a:extLst>
+              </p:cNvPr>
+              <p:cNvSpPr txBox="1"/>
+              <p:nvPr/>
+            </p:nvSpPr>
+            <p:spPr>
+              <a:xfrm>
+                <a:off x="2547625" y="2072383"/>
+                <a:ext cx="2643963" cy="646331"/>
+              </a:xfrm>
+              <a:prstGeom prst="rect">
+                <a:avLst/>
+              </a:prstGeom>
+              <a:noFill/>
+            </p:spPr>
+            <p:txBody>
+              <a:bodyPr wrap="square" rtlCol="0">
+                <a:spAutoFit/>
+              </a:bodyPr>
+              <a:lstStyle/>
+              <a:p>
+                <a14:m>
+                  <m:oMath xmlns:m="http://schemas.openxmlformats.org/officeDocument/2006/math">
+                    <m:r>
+                      <a:rPr lang="en-US" b="0" i="1" smtClean="0">
+                        <a:latin typeface="Cambria Math" panose="02040503050406030204" pitchFamily="18" charset="0"/>
+                      </a:rPr>
+                      <m:t>𝑝</m:t>
+                    </m:r>
+                    <m:r>
+                      <a:rPr lang="en-US" b="0" i="1" smtClean="0">
+                        <a:latin typeface="Cambria Math" panose="02040503050406030204" pitchFamily="18" charset="0"/>
+                      </a:rPr>
+                      <m:t>: </m:t>
+                    </m:r>
+                  </m:oMath>
+                </a14:m>
+                <a:r>
+                  <a:rPr lang="en-US" dirty="0"/>
+                  <a:t>88% support energy expansion</a:t>
+                </a:r>
+              </a:p>
+            </p:txBody>
+          </p:sp>
+        </mc:Choice>
+        <mc:Fallback xmlns="">
+          <p:sp>
+            <p:nvSpPr>
+              <p:cNvPr id="10" name="TextBox 9">
+                <a:extLst>
+                  <a:ext uri="{FF2B5EF4-FFF2-40B4-BE49-F238E27FC236}">
+                    <a16:creationId xmlns:a16="http://schemas.microsoft.com/office/drawing/2014/main" id="{C21B1883-D74F-225F-1369-624D816654F1}"/>
+                  </a:ext>
+                </a:extLst>
+              </p:cNvPr>
+              <p:cNvSpPr txBox="1">
+                <a:spLocks noRot="1" noChangeAspect="1" noMove="1" noResize="1" noEditPoints="1" noAdjustHandles="1" noChangeArrowheads="1" noChangeShapeType="1" noTextEdit="1"/>
+              </p:cNvSpPr>
+              <p:nvPr/>
+            </p:nvSpPr>
+            <p:spPr>
+              <a:xfrm>
+                <a:off x="2547625" y="2072383"/>
+                <a:ext cx="2643963" cy="646331"/>
+              </a:xfrm>
+              <a:prstGeom prst="rect">
+                <a:avLst/>
+              </a:prstGeom>
+              <a:blipFill>
+                <a:blip r:embed="rId8"/>
+                <a:stretch>
+                  <a:fillRect l="-2074" t="-5660" b="-14151"/>
+                </a:stretch>
+              </a:blipFill>
+            </p:spPr>
+            <p:txBody>
+              <a:bodyPr/>
+              <a:lstStyle/>
+              <a:p>
+                <a:r>
+                  <a:rPr lang="en-US">
+                    <a:noFill/>
+                  </a:rPr>
+                  <a:t> </a:t>
+                </a:r>
+              </a:p>
+            </p:txBody>
+          </p:sp>
+        </mc:Fallback>
+      </mc:AlternateContent>
+      <mc:AlternateContent xmlns:mc="http://schemas.openxmlformats.org/markup-compatibility/2006" xmlns:a14="http://schemas.microsoft.com/office/drawing/2010/main">
+        <mc:Choice Requires="a14">
+          <p:sp>
+            <p:nvSpPr>
+              <p:cNvPr id="11" name="TextBox 10">
+                <a:extLst>
+                  <a:ext uri="{FF2B5EF4-FFF2-40B4-BE49-F238E27FC236}">
+                    <a16:creationId xmlns:a16="http://schemas.microsoft.com/office/drawing/2014/main" id="{CF1F681C-5B7F-685C-C0DF-C6053A2ECC2C}"/>
+                  </a:ext>
+                </a:extLst>
+              </p:cNvPr>
+              <p:cNvSpPr txBox="1"/>
+              <p:nvPr/>
+            </p:nvSpPr>
+            <p:spPr>
+              <a:xfrm>
+                <a:off x="6067002" y="1347689"/>
+                <a:ext cx="2643963" cy="646331"/>
+              </a:xfrm>
+              <a:prstGeom prst="rect">
+                <a:avLst/>
+              </a:prstGeom>
+              <a:noFill/>
+            </p:spPr>
+            <p:txBody>
+              <a:bodyPr wrap="square" rtlCol="0">
+                <a:spAutoFit/>
+              </a:bodyPr>
+              <a:lstStyle/>
+              <a:p>
+                <a14:m>
+                  <m:oMath xmlns:m="http://schemas.openxmlformats.org/officeDocument/2006/math">
+                    <m:sSub>
+                      <m:sSubPr>
+                        <m:ctrlPr>
+                          <a:rPr lang="en-US" b="0" i="1" smtClean="0">
+                            <a:latin typeface="Cambria Math" panose="02040503050406030204" pitchFamily="18" charset="0"/>
+                          </a:rPr>
+                        </m:ctrlPr>
+                      </m:sSubPr>
+                      <m:e>
+                        <m:acc>
+                          <m:accPr>
+                            <m:chr m:val="̂"/>
+                            <m:ctrlPr>
+                              <a:rPr lang="en-US" b="0" i="1" smtClean="0">
+                                <a:latin typeface="Cambria Math" panose="02040503050406030204" pitchFamily="18" charset="0"/>
+                              </a:rPr>
+                            </m:ctrlPr>
+                          </m:accPr>
+                          <m:e>
+                            <m:r>
+                              <a:rPr lang="en-US" b="0" i="1" smtClean="0">
+                                <a:latin typeface="Cambria Math" panose="02040503050406030204" pitchFamily="18" charset="0"/>
+                              </a:rPr>
+                              <m:t>𝑝</m:t>
+                            </m:r>
+                          </m:e>
+                        </m:acc>
+                      </m:e>
+                      <m:sub>
+                        <m:r>
+                          <a:rPr lang="en-US" b="0" i="1" smtClean="0">
+                            <a:latin typeface="Cambria Math" panose="02040503050406030204" pitchFamily="18" charset="0"/>
+                          </a:rPr>
+                          <m:t>1</m:t>
+                        </m:r>
+                      </m:sub>
+                    </m:sSub>
+                  </m:oMath>
+                </a14:m>
+                <a:r>
+                  <a:rPr lang="en-US" dirty="0"/>
+                  <a:t>: </a:t>
+                </a:r>
+                <a14:m>
+                  <m:oMath xmlns:m="http://schemas.openxmlformats.org/officeDocument/2006/math">
+                    <m:r>
+                      <a:rPr lang="en-US" b="0" i="1" smtClean="0">
+                        <a:latin typeface="Cambria Math" panose="02040503050406030204" pitchFamily="18" charset="0"/>
+                      </a:rPr>
+                      <m:t>?%</m:t>
+                    </m:r>
+                  </m:oMath>
+                </a14:m>
+                <a:r>
+                  <a:rPr lang="en-US" dirty="0"/>
+                  <a:t> support energy expansion</a:t>
+                </a:r>
+              </a:p>
+            </p:txBody>
+          </p:sp>
+        </mc:Choice>
+        <mc:Fallback xmlns="">
+          <p:sp>
+            <p:nvSpPr>
+              <p:cNvPr id="11" name="TextBox 10">
+                <a:extLst>
+                  <a:ext uri="{FF2B5EF4-FFF2-40B4-BE49-F238E27FC236}">
+                    <a16:creationId xmlns:a16="http://schemas.microsoft.com/office/drawing/2014/main" id="{CF1F681C-5B7F-685C-C0DF-C6053A2ECC2C}"/>
+                  </a:ext>
+                </a:extLst>
+              </p:cNvPr>
+              <p:cNvSpPr txBox="1">
+                <a:spLocks noRot="1" noChangeAspect="1" noMove="1" noResize="1" noEditPoints="1" noAdjustHandles="1" noChangeArrowheads="1" noChangeShapeType="1" noTextEdit="1"/>
+              </p:cNvSpPr>
+              <p:nvPr/>
+            </p:nvSpPr>
+            <p:spPr>
+              <a:xfrm>
+                <a:off x="6067002" y="1347689"/>
+                <a:ext cx="2643963" cy="646331"/>
+              </a:xfrm>
+              <a:prstGeom prst="rect">
+                <a:avLst/>
+              </a:prstGeom>
+              <a:blipFill>
+                <a:blip r:embed="rId9"/>
+                <a:stretch>
+                  <a:fillRect l="-1843" t="-4717" b="-14151"/>
+                </a:stretch>
+              </a:blipFill>
+            </p:spPr>
+            <p:txBody>
+              <a:bodyPr/>
+              <a:lstStyle/>
+              <a:p>
+                <a:r>
+                  <a:rPr lang="en-US">
+                    <a:noFill/>
+                  </a:rPr>
+                  <a:t> </a:t>
+                </a:r>
+              </a:p>
+            </p:txBody>
+          </p:sp>
+        </mc:Fallback>
+      </mc:AlternateContent>
+      <mc:AlternateContent xmlns:mc="http://schemas.openxmlformats.org/markup-compatibility/2006" xmlns:a14="http://schemas.microsoft.com/office/drawing/2010/main">
+        <mc:Choice Requires="a14">
+          <p:sp>
+            <p:nvSpPr>
+              <p:cNvPr id="12" name="TextBox 11">
+                <a:extLst>
+                  <a:ext uri="{FF2B5EF4-FFF2-40B4-BE49-F238E27FC236}">
+                    <a16:creationId xmlns:a16="http://schemas.microsoft.com/office/drawing/2014/main" id="{D22C86B8-5539-4275-9571-0027F2FBD14F}"/>
+                  </a:ext>
+                </a:extLst>
+              </p:cNvPr>
+              <p:cNvSpPr txBox="1"/>
+              <p:nvPr/>
+            </p:nvSpPr>
+            <p:spPr>
+              <a:xfrm>
+                <a:off x="6096000" y="2856038"/>
+                <a:ext cx="2643963" cy="646331"/>
+              </a:xfrm>
+              <a:prstGeom prst="rect">
+                <a:avLst/>
+              </a:prstGeom>
+              <a:noFill/>
+            </p:spPr>
+            <p:txBody>
+              <a:bodyPr wrap="square" rtlCol="0">
+                <a:spAutoFit/>
+              </a:bodyPr>
+              <a:lstStyle/>
+              <a:p>
+                <a14:m>
+                  <m:oMath xmlns:m="http://schemas.openxmlformats.org/officeDocument/2006/math">
+                    <m:sSub>
+                      <m:sSubPr>
+                        <m:ctrlPr>
+                          <a:rPr lang="en-US" b="0" i="1" smtClean="0">
+                            <a:latin typeface="Cambria Math" panose="02040503050406030204" pitchFamily="18" charset="0"/>
+                          </a:rPr>
+                        </m:ctrlPr>
+                      </m:sSubPr>
+                      <m:e>
+                        <m:acc>
+                          <m:accPr>
+                            <m:chr m:val="̂"/>
+                            <m:ctrlPr>
+                              <a:rPr lang="en-US" b="0" i="1" smtClean="0">
+                                <a:latin typeface="Cambria Math" panose="02040503050406030204" pitchFamily="18" charset="0"/>
+                              </a:rPr>
+                            </m:ctrlPr>
+                          </m:accPr>
+                          <m:e>
+                            <m:r>
+                              <a:rPr lang="en-US" b="0" i="1" smtClean="0">
+                                <a:latin typeface="Cambria Math" panose="02040503050406030204" pitchFamily="18" charset="0"/>
+                              </a:rPr>
+                              <m:t>𝑝</m:t>
+                            </m:r>
+                          </m:e>
+                        </m:acc>
+                      </m:e>
+                      <m:sub>
+                        <m:r>
+                          <a:rPr lang="en-US" b="0" i="1" smtClean="0">
+                            <a:latin typeface="Cambria Math" panose="02040503050406030204" pitchFamily="18" charset="0"/>
+                          </a:rPr>
+                          <m:t>2</m:t>
+                        </m:r>
+                      </m:sub>
+                    </m:sSub>
+                  </m:oMath>
+                </a14:m>
+                <a:r>
+                  <a:rPr lang="en-US" dirty="0"/>
+                  <a:t>: </a:t>
+                </a:r>
+                <a14:m>
+                  <m:oMath xmlns:m="http://schemas.openxmlformats.org/officeDocument/2006/math">
+                    <m:r>
+                      <a:rPr lang="en-US" b="0" i="1" smtClean="0">
+                        <a:latin typeface="Cambria Math" panose="02040503050406030204" pitchFamily="18" charset="0"/>
+                      </a:rPr>
+                      <m:t>?%</m:t>
+                    </m:r>
+                  </m:oMath>
+                </a14:m>
+                <a:r>
+                  <a:rPr lang="en-US" dirty="0"/>
+                  <a:t> support energy expansion</a:t>
+                </a:r>
+              </a:p>
+            </p:txBody>
+          </p:sp>
+        </mc:Choice>
+        <mc:Fallback xmlns="">
+          <p:sp>
+            <p:nvSpPr>
+              <p:cNvPr id="12" name="TextBox 11">
+                <a:extLst>
+                  <a:ext uri="{FF2B5EF4-FFF2-40B4-BE49-F238E27FC236}">
+                    <a16:creationId xmlns:a16="http://schemas.microsoft.com/office/drawing/2014/main" id="{D22C86B8-5539-4275-9571-0027F2FBD14F}"/>
+                  </a:ext>
+                </a:extLst>
+              </p:cNvPr>
+              <p:cNvSpPr txBox="1">
+                <a:spLocks noRot="1" noChangeAspect="1" noMove="1" noResize="1" noEditPoints="1" noAdjustHandles="1" noChangeArrowheads="1" noChangeShapeType="1" noTextEdit="1"/>
+              </p:cNvSpPr>
+              <p:nvPr/>
+            </p:nvSpPr>
+            <p:spPr>
+              <a:xfrm>
+                <a:off x="6096000" y="2856038"/>
+                <a:ext cx="2643963" cy="646331"/>
+              </a:xfrm>
+              <a:prstGeom prst="rect">
+                <a:avLst/>
+              </a:prstGeom>
+              <a:blipFill>
+                <a:blip r:embed="rId10"/>
+                <a:stretch>
+                  <a:fillRect l="-1843" t="-5660" b="-14151"/>
+                </a:stretch>
+              </a:blipFill>
+            </p:spPr>
+            <p:txBody>
+              <a:bodyPr/>
+              <a:lstStyle/>
+              <a:p>
+                <a:r>
+                  <a:rPr lang="en-US">
+                    <a:noFill/>
+                  </a:rPr>
+                  <a:t> </a:t>
+                </a:r>
+              </a:p>
+            </p:txBody>
+          </p:sp>
+        </mc:Fallback>
+      </mc:AlternateContent>
+      <mc:AlternateContent xmlns:mc="http://schemas.openxmlformats.org/markup-compatibility/2006" xmlns:a14="http://schemas.microsoft.com/office/drawing/2010/main">
+        <mc:Choice Requires="a14">
+          <p:sp>
+            <p:nvSpPr>
+              <p:cNvPr id="13" name="TextBox 12">
+                <a:extLst>
+                  <a:ext uri="{FF2B5EF4-FFF2-40B4-BE49-F238E27FC236}">
+                    <a16:creationId xmlns:a16="http://schemas.microsoft.com/office/drawing/2014/main" id="{B2E5D265-F6BC-8361-46C6-5BF5A5783849}"/>
+                  </a:ext>
+                </a:extLst>
+              </p:cNvPr>
+              <p:cNvSpPr txBox="1"/>
+              <p:nvPr/>
+            </p:nvSpPr>
+            <p:spPr>
+              <a:xfrm>
+                <a:off x="5882758" y="4767149"/>
+                <a:ext cx="2643963" cy="369332"/>
+              </a:xfrm>
+              <a:prstGeom prst="rect">
+                <a:avLst/>
+              </a:prstGeom>
+              <a:noFill/>
+            </p:spPr>
+            <p:txBody>
+              <a:bodyPr wrap="square" rtlCol="0">
+                <a:spAutoFit/>
+              </a:bodyPr>
+              <a:lstStyle/>
+              <a:p>
+                <a:pPr/>
+                <a14:m>
+                  <m:oMathPara xmlns:m="http://schemas.openxmlformats.org/officeDocument/2006/math">
+                    <m:oMathParaPr>
+                      <m:jc m:val="centerGroup"/>
+                    </m:oMathParaPr>
+                    <m:oMath xmlns:m="http://schemas.openxmlformats.org/officeDocument/2006/math">
+                      <m:r>
+                        <a:rPr lang="en-US" b="0" i="1" smtClean="0">
+                          <a:latin typeface="Cambria Math" panose="02040503050406030204" pitchFamily="18" charset="0"/>
+                        </a:rPr>
+                        <m:t>…</m:t>
+                      </m:r>
+                    </m:oMath>
+                  </m:oMathPara>
+                </a14:m>
+                <a:endParaRPr lang="en-US" dirty="0"/>
+              </a:p>
+            </p:txBody>
+          </p:sp>
+        </mc:Choice>
+        <mc:Fallback xmlns="">
+          <p:sp>
+            <p:nvSpPr>
+              <p:cNvPr id="13" name="TextBox 12">
+                <a:extLst>
+                  <a:ext uri="{FF2B5EF4-FFF2-40B4-BE49-F238E27FC236}">
+                    <a16:creationId xmlns:a16="http://schemas.microsoft.com/office/drawing/2014/main" id="{B2E5D265-F6BC-8361-46C6-5BF5A5783849}"/>
+                  </a:ext>
+                </a:extLst>
+              </p:cNvPr>
+              <p:cNvSpPr txBox="1">
+                <a:spLocks noRot="1" noChangeAspect="1" noMove="1" noResize="1" noEditPoints="1" noAdjustHandles="1" noChangeArrowheads="1" noChangeShapeType="1" noTextEdit="1"/>
+              </p:cNvSpPr>
+              <p:nvPr/>
+            </p:nvSpPr>
+            <p:spPr>
+              <a:xfrm>
+                <a:off x="5882758" y="4767149"/>
+                <a:ext cx="2643963" cy="369332"/>
+              </a:xfrm>
+              <a:prstGeom prst="rect">
+                <a:avLst/>
+              </a:prstGeom>
+              <a:blipFill>
+                <a:blip r:embed="rId11"/>
+                <a:stretch>
+                  <a:fillRect/>
+                </a:stretch>
+              </a:blipFill>
+            </p:spPr>
+            <p:txBody>
+              <a:bodyPr/>
+              <a:lstStyle/>
+              <a:p>
+                <a:r>
+                  <a:rPr lang="en-US">
+                    <a:noFill/>
+                  </a:rPr>
+                  <a:t> </a:t>
+                </a:r>
+              </a:p>
+            </p:txBody>
+          </p:sp>
+        </mc:Fallback>
+      </mc:AlternateContent>
+      <mc:AlternateContent xmlns:mc="http://schemas.openxmlformats.org/markup-compatibility/2006" xmlns:a14="http://schemas.microsoft.com/office/drawing/2010/main">
+        <mc:Choice Requires="a14">
+          <p:sp>
+            <p:nvSpPr>
+              <p:cNvPr id="14" name="TextBox 13">
+                <a:extLst>
+                  <a:ext uri="{FF2B5EF4-FFF2-40B4-BE49-F238E27FC236}">
+                    <a16:creationId xmlns:a16="http://schemas.microsoft.com/office/drawing/2014/main" id="{CC2AFB6A-6E02-06BA-9E6D-9F7D603BC4DA}"/>
+                  </a:ext>
+                </a:extLst>
+              </p:cNvPr>
+              <p:cNvSpPr txBox="1"/>
+              <p:nvPr/>
+            </p:nvSpPr>
+            <p:spPr>
+              <a:xfrm>
+                <a:off x="6158345" y="5358383"/>
+                <a:ext cx="2643963" cy="646331"/>
+              </a:xfrm>
+              <a:prstGeom prst="rect">
+                <a:avLst/>
+              </a:prstGeom>
+              <a:noFill/>
+            </p:spPr>
+            <p:txBody>
+              <a:bodyPr wrap="square" rtlCol="0">
+                <a:spAutoFit/>
+              </a:bodyPr>
+              <a:lstStyle/>
+              <a:p>
+                <a14:m>
+                  <m:oMath xmlns:m="http://schemas.openxmlformats.org/officeDocument/2006/math">
+                    <m:sSub>
+                      <m:sSubPr>
+                        <m:ctrlPr>
+                          <a:rPr lang="en-US" b="0" i="1" smtClean="0">
+                            <a:latin typeface="Cambria Math" panose="02040503050406030204" pitchFamily="18" charset="0"/>
+                          </a:rPr>
+                        </m:ctrlPr>
+                      </m:sSubPr>
+                      <m:e>
+                        <m:acc>
+                          <m:accPr>
+                            <m:chr m:val="̂"/>
+                            <m:ctrlPr>
+                              <a:rPr lang="en-US" b="0" i="1" smtClean="0">
+                                <a:latin typeface="Cambria Math" panose="02040503050406030204" pitchFamily="18" charset="0"/>
+                              </a:rPr>
+                            </m:ctrlPr>
+                          </m:accPr>
+                          <m:e>
+                            <m:r>
+                              <a:rPr lang="en-US" b="0" i="1" smtClean="0">
+                                <a:latin typeface="Cambria Math" panose="02040503050406030204" pitchFamily="18" charset="0"/>
+                              </a:rPr>
+                              <m:t>𝑝</m:t>
+                            </m:r>
+                          </m:e>
+                        </m:acc>
+                      </m:e>
+                      <m:sub>
+                        <m:r>
+                          <a:rPr lang="en-US" b="0" i="1" smtClean="0">
+                            <a:latin typeface="Cambria Math" panose="02040503050406030204" pitchFamily="18" charset="0"/>
+                          </a:rPr>
+                          <m:t>1000</m:t>
+                        </m:r>
+                      </m:sub>
+                    </m:sSub>
+                  </m:oMath>
+                </a14:m>
+                <a:r>
+                  <a:rPr lang="en-US" dirty="0"/>
+                  <a:t>: </a:t>
+                </a:r>
+                <a14:m>
+                  <m:oMath xmlns:m="http://schemas.openxmlformats.org/officeDocument/2006/math">
+                    <m:r>
+                      <a:rPr lang="en-US" b="0" i="1" smtClean="0">
+                        <a:latin typeface="Cambria Math" panose="02040503050406030204" pitchFamily="18" charset="0"/>
+                      </a:rPr>
+                      <m:t>?%</m:t>
+                    </m:r>
+                  </m:oMath>
+                </a14:m>
+                <a:r>
+                  <a:rPr lang="en-US" dirty="0"/>
+                  <a:t> support energy expansion</a:t>
+                </a:r>
+              </a:p>
+            </p:txBody>
+          </p:sp>
+        </mc:Choice>
+        <mc:Fallback xmlns="">
+          <p:sp>
+            <p:nvSpPr>
+              <p:cNvPr id="14" name="TextBox 13">
+                <a:extLst>
+                  <a:ext uri="{FF2B5EF4-FFF2-40B4-BE49-F238E27FC236}">
+                    <a16:creationId xmlns:a16="http://schemas.microsoft.com/office/drawing/2014/main" id="{CC2AFB6A-6E02-06BA-9E6D-9F7D603BC4DA}"/>
+                  </a:ext>
+                </a:extLst>
+              </p:cNvPr>
+              <p:cNvSpPr txBox="1">
+                <a:spLocks noRot="1" noChangeAspect="1" noMove="1" noResize="1" noEditPoints="1" noAdjustHandles="1" noChangeArrowheads="1" noChangeShapeType="1" noTextEdit="1"/>
+              </p:cNvSpPr>
+              <p:nvPr/>
+            </p:nvSpPr>
+            <p:spPr>
+              <a:xfrm>
+                <a:off x="6158345" y="5358383"/>
+                <a:ext cx="2643963" cy="646331"/>
+              </a:xfrm>
+              <a:prstGeom prst="rect">
+                <a:avLst/>
+              </a:prstGeom>
+              <a:blipFill>
+                <a:blip r:embed="rId12"/>
+                <a:stretch>
+                  <a:fillRect l="-1843" t="-4717" r="-2765" b="-14151"/>
+                </a:stretch>
+              </a:blipFill>
+            </p:spPr>
+            <p:txBody>
+              <a:bodyPr/>
+              <a:lstStyle/>
+              <a:p>
+                <a:r>
+                  <a:rPr lang="en-US">
+                    <a:noFill/>
+                  </a:rPr>
+                  <a:t> </a:t>
+                </a:r>
+              </a:p>
+            </p:txBody>
+          </p:sp>
+        </mc:Fallback>
+      </mc:AlternateContent>
+    </p:spTree>
+    <p:extLst>
+      <p:ext uri="{BB962C8B-B14F-4D97-AF65-F5344CB8AC3E}">
+        <p14:creationId xmlns:p14="http://schemas.microsoft.com/office/powerpoint/2010/main" val="2370513882"/>
+      </p:ext>
+    </p:extLst>
+  </p:cSld>
+  <p:clrMapOvr>
+    <a:masterClrMapping/>
+  </p:clrMapOvr>
+</p:sld>
+</file>
+
+<file path=ppt/slides/slide11.xml><?xml version="1.0" encoding="utf-8"?>
+<p:sld xmlns:a="http://schemas.openxmlformats.org/drawingml/2006/main" xmlns:r="http://schemas.openxmlformats.org/officeDocument/2006/relationships" xmlns:p="http://schemas.openxmlformats.org/presentationml/2006/main">
+  <p:cSld>
+    <p:spTree>
+      <p:nvGrpSpPr>
+        <p:cNvPr id="1" name=""/>
+        <p:cNvGrpSpPr/>
+        <p:nvPr/>
+      </p:nvGrpSpPr>
+      <p:grpSpPr>
+        <a:xfrm>
+          <a:off x="0" y="0"/>
+          <a:ext cx="0" cy="0"/>
+          <a:chOff x="0" y="0"/>
+          <a:chExt cx="0" cy="0"/>
+        </a:xfrm>
+      </p:grpSpPr>
+      <p:sp>
+        <p:nvSpPr>
+          <p:cNvPr id="2" name="Title 1">
+            <a:extLst>
+              <a:ext uri="{FF2B5EF4-FFF2-40B4-BE49-F238E27FC236}">
+                <a16:creationId xmlns:a16="http://schemas.microsoft.com/office/drawing/2014/main" id="{F91E3A50-5AD6-E662-2CFF-95FE6FAEC37E}"/>
+              </a:ext>
+            </a:extLst>
+          </p:cNvPr>
+          <p:cNvSpPr>
+            <a:spLocks noGrp="1"/>
+          </p:cNvSpPr>
+          <p:nvPr>
+            <p:ph type="title"/>
+          </p:nvPr>
+        </p:nvSpPr>
+        <p:spPr>
+          <a:xfrm>
+            <a:off x="581192" y="606810"/>
+            <a:ext cx="11029616" cy="551680"/>
+          </a:xfrm>
+        </p:spPr>
+        <p:txBody>
+          <a:bodyPr/>
+          <a:lstStyle/>
+          <a:p>
+            <a:r>
+              <a:rPr lang="en-US" dirty="0"/>
+              <a:t>Central limit theorem</a:t>
+            </a:r>
+          </a:p>
+        </p:txBody>
+      </p:sp>
+      <p:pic>
+        <p:nvPicPr>
+          <p:cNvPr id="5" name="Picture 4">
+            <a:extLst>
+              <a:ext uri="{FF2B5EF4-FFF2-40B4-BE49-F238E27FC236}">
+                <a16:creationId xmlns:a16="http://schemas.microsoft.com/office/drawing/2014/main" id="{4750239F-B3CD-8281-08C1-15AFD120796F}"/>
+              </a:ext>
+            </a:extLst>
+          </p:cNvPr>
+          <p:cNvPicPr>
+            <a:picLocks noChangeAspect="1"/>
+          </p:cNvPicPr>
+          <p:nvPr/>
+        </p:nvPicPr>
+        <p:blipFill>
+          <a:blip r:embed="rId2"/>
+          <a:stretch>
+            <a:fillRect/>
+          </a:stretch>
+        </p:blipFill>
+        <p:spPr>
+          <a:xfrm>
+            <a:off x="453603" y="1311571"/>
+            <a:ext cx="5904668" cy="1600200"/>
+          </a:xfrm>
+          <a:prstGeom prst="rect">
+            <a:avLst/>
+          </a:prstGeom>
+        </p:spPr>
+      </p:pic>
+      <p:pic>
+        <p:nvPicPr>
+          <p:cNvPr id="7" name="Picture 6">
+            <a:extLst>
+              <a:ext uri="{FF2B5EF4-FFF2-40B4-BE49-F238E27FC236}">
+                <a16:creationId xmlns:a16="http://schemas.microsoft.com/office/drawing/2014/main" id="{5544B43E-A2FA-774F-7238-72B671D040E7}"/>
+              </a:ext>
+            </a:extLst>
+          </p:cNvPr>
+          <p:cNvPicPr>
+            <a:picLocks noChangeAspect="1"/>
+          </p:cNvPicPr>
+          <p:nvPr/>
+        </p:nvPicPr>
+        <p:blipFill>
+          <a:blip r:embed="rId3"/>
+          <a:stretch>
+            <a:fillRect/>
+          </a:stretch>
+        </p:blipFill>
+        <p:spPr>
+          <a:xfrm>
+            <a:off x="5789704" y="3319468"/>
+            <a:ext cx="5821104" cy="3538532"/>
+          </a:xfrm>
+          <a:prstGeom prst="rect">
+            <a:avLst/>
+          </a:prstGeom>
+        </p:spPr>
+      </p:pic>
+    </p:spTree>
+    <p:extLst>
+      <p:ext uri="{BB962C8B-B14F-4D97-AF65-F5344CB8AC3E}">
+        <p14:creationId xmlns:p14="http://schemas.microsoft.com/office/powerpoint/2010/main" val="532060875"/>
+      </p:ext>
+    </p:extLst>
+  </p:cSld>
+  <p:clrMapOvr>
+    <a:masterClrMapping/>
+  </p:clrMapOvr>
+</p:sld>
+</file>
+
+<file path=ppt/slides/slide12.xml><?xml version="1.0" encoding="utf-8"?>
+<p:sld xmlns:a="http://schemas.openxmlformats.org/drawingml/2006/main" xmlns:r="http://schemas.openxmlformats.org/officeDocument/2006/relationships" xmlns:p="http://schemas.openxmlformats.org/presentationml/2006/main">
+  <p:cSld>
+    <p:spTree>
+      <p:nvGrpSpPr>
+        <p:cNvPr id="1" name=""/>
+        <p:cNvGrpSpPr/>
+        <p:nvPr/>
+      </p:nvGrpSpPr>
+      <p:grpSpPr>
+        <a:xfrm>
+          <a:off x="0" y="0"/>
+          <a:ext cx="0" cy="0"/>
+          <a:chOff x="0" y="0"/>
+          <a:chExt cx="0" cy="0"/>
+        </a:xfrm>
+      </p:grpSpPr>
+      <p:sp>
+        <p:nvSpPr>
           <p:cNvPr id="2" name="Title 1"/>
           <p:cNvSpPr>
             <a:spLocks noGrp="1"/>
@@ -9048,7 +9952,7 @@
           <a:p>
             <a:fld id="{385401C2-AC7F-4F33-8F2D-F0C2C119B8B2}" type="slidenum">
               <a:rPr lang="en-US" smtClean="0"/>
-              <a:t>10</a:t>
+              <a:t>12</a:t>
             </a:fld>
             <a:endParaRPr lang="en-US"/>
           </a:p>
@@ -9077,8 +9981,8 @@
           </a:prstGeom>
         </p:spPr>
       </p:pic>
-      <mc:AlternateContent xmlns:mc="http://schemas.openxmlformats.org/markup-compatibility/2006">
-        <mc:Choice xmlns:a14="http://schemas.microsoft.com/office/drawing/2010/main" Requires="a14">
+      <mc:AlternateContent xmlns:mc="http://schemas.openxmlformats.org/markup-compatibility/2006" xmlns:a14="http://schemas.microsoft.com/office/drawing/2010/main">
+        <mc:Choice Requires="a14">
           <p:sp>
             <p:nvSpPr>
               <p:cNvPr id="8" name="TextBox 7"/>
@@ -9173,7 +10077,7 @@
             </p:txBody>
           </p:sp>
         </mc:Choice>
-        <mc:Fallback>
+        <mc:Fallback xmlns="">
           <p:sp>
             <p:nvSpPr>
               <p:cNvPr id="8" name="TextBox 7"/>
@@ -9225,7 +10129,7 @@
 </p:sld>
 </file>
 
-<file path=ppt/slides/slide11.xml><?xml version="1.0" encoding="utf-8"?>
+<file path=ppt/slides/slide13.xml><?xml version="1.0" encoding="utf-8"?>
 <p:sld xmlns:a="http://schemas.openxmlformats.org/drawingml/2006/main" xmlns:r="http://schemas.openxmlformats.org/officeDocument/2006/relationships" xmlns:p="http://schemas.openxmlformats.org/presentationml/2006/main">
   <p:cSld>
     <p:bg>
@@ -9928,7 +10832,7 @@
                 <a:ea typeface="+mj-ea"/>
                 <a:cs typeface="+mj-cs"/>
               </a:rPr>
-              <a:t>2.1.2 Confidence interval</a:t>
+              <a:t>2.2 Confidence interval</a:t>
             </a:r>
           </a:p>
         </p:txBody>
@@ -10131,7 +11035,7 @@
 </p:sld>
 </file>
 
-<file path=ppt/slides/slide12.xml><?xml version="1.0" encoding="utf-8"?>
+<file path=ppt/slides/slide14.xml><?xml version="1.0" encoding="utf-8"?>
 <p:sld xmlns:a="http://schemas.openxmlformats.org/drawingml/2006/main" xmlns:r="http://schemas.openxmlformats.org/officeDocument/2006/relationships" xmlns:p="http://schemas.openxmlformats.org/presentationml/2006/main">
   <p:cSld>
     <p:spTree>
@@ -10284,7 +11188,7 @@
 </p:sld>
 </file>
 
-<file path=ppt/slides/slide13.xml><?xml version="1.0" encoding="utf-8"?>
+<file path=ppt/slides/slide15.xml><?xml version="1.0" encoding="utf-8"?>
 <p:sld xmlns:a="http://schemas.openxmlformats.org/drawingml/2006/main" xmlns:r="http://schemas.openxmlformats.org/officeDocument/2006/relationships" xmlns:p="http://schemas.openxmlformats.org/presentationml/2006/main">
   <p:cSld>
     <p:spTree>
@@ -10613,7 +11517,7 @@
             <a:fld id="{00000000-1234-1234-1234-123412341234}" type="slidenum">
               <a:rPr lang="en" smtClean="0"/>
               <a:pPr/>
-              <a:t>13</a:t>
+              <a:t>15</a:t>
             </a:fld>
             <a:endParaRPr lang="en"/>
           </a:p>
@@ -10632,7 +11536,7 @@
 </p:sld>
 </file>
 
-<file path=ppt/slides/slide14.xml><?xml version="1.0" encoding="utf-8"?>
+<file path=ppt/slides/slide16.xml><?xml version="1.0" encoding="utf-8"?>
 <p:sld xmlns:a="http://schemas.openxmlformats.org/drawingml/2006/main" xmlns:r="http://schemas.openxmlformats.org/officeDocument/2006/relationships" xmlns:p="http://schemas.openxmlformats.org/presentationml/2006/main">
   <p:cSld>
     <p:spTree>
@@ -10754,7 +11658,7 @@
               <a:p>
                 <a:r>
                   <a:rPr lang="en-US" dirty="0"/>
-                  <a:t> = point estimate </a:t>
+                  <a:t> CI = point estimate </a:t>
                 </a:r>
                 <a14:m>
                   <m:oMath xmlns:m="http://schemas.openxmlformats.org/officeDocument/2006/math">
@@ -11100,7 +12004,7 @@
 </p:sld>
 </file>
 
-<file path=ppt/slides/slide15.xml><?xml version="1.0" encoding="utf-8"?>
+<file path=ppt/slides/slide17.xml><?xml version="1.0" encoding="utf-8"?>
 <p:sld xmlns:a="http://schemas.openxmlformats.org/drawingml/2006/main" xmlns:r="http://schemas.openxmlformats.org/officeDocument/2006/relationships" xmlns:p="http://schemas.openxmlformats.org/presentationml/2006/main">
   <p:cSld>
     <p:bg>
@@ -11803,7 +12707,7 @@
                 <a:ea typeface="+mj-ea"/>
                 <a:cs typeface="+mj-cs"/>
               </a:rPr>
-              <a:t>2.1.2 hypothesis testing</a:t>
+              <a:t>2.3 hypothesis testing</a:t>
             </a:r>
           </a:p>
         </p:txBody>
@@ -12006,7 +12910,7 @@
 </p:sld>
 </file>
 
-<file path=ppt/slides/slide16.xml><?xml version="1.0" encoding="utf-8"?>
+<file path=ppt/slides/slide18.xml><?xml version="1.0" encoding="utf-8"?>
 <p:sld xmlns:a="http://schemas.openxmlformats.org/drawingml/2006/main" xmlns:r="http://schemas.openxmlformats.org/officeDocument/2006/relationships" xmlns:p="http://schemas.openxmlformats.org/presentationml/2006/main">
   <p:cSld>
     <p:spTree>
@@ -12368,7 +13272,7 @@
 </p:sld>
 </file>
 
-<file path=ppt/slides/slide17.xml><?xml version="1.0" encoding="utf-8"?>
+<file path=ppt/slides/slide19.xml><?xml version="1.0" encoding="utf-8"?>
 <p:sld xmlns:a="http://schemas.openxmlformats.org/drawingml/2006/main" xmlns:r="http://schemas.openxmlformats.org/officeDocument/2006/relationships" xmlns:p="http://schemas.openxmlformats.org/presentationml/2006/main">
   <p:cSld>
     <p:spTree>
@@ -12403,7 +13307,7 @@
         </p:nvSpPr>
         <p:spPr>
           <a:xfrm>
-            <a:off x="581192" y="702156"/>
+            <a:off x="581193" y="602919"/>
             <a:ext cx="11029616" cy="687732"/>
           </a:xfrm>
         </p:spPr>
@@ -12542,7 +13446,928 @@
 </p:sld>
 </file>
 
-<file path=ppt/slides/slide18.xml><?xml version="1.0" encoding="utf-8"?>
+<file path=ppt/slides/slide2.xml><?xml version="1.0" encoding="utf-8"?>
+<p:sld xmlns:a="http://schemas.openxmlformats.org/drawingml/2006/main" xmlns:r="http://schemas.openxmlformats.org/officeDocument/2006/relationships" xmlns:p="http://schemas.openxmlformats.org/presentationml/2006/main">
+  <p:cSld>
+    <p:bg>
+      <p:bgPr>
+        <a:solidFill>
+          <a:schemeClr val="bg1"/>
+        </a:solidFill>
+        <a:effectLst/>
+      </p:bgPr>
+    </p:bg>
+    <p:spTree>
+      <p:nvGrpSpPr>
+        <p:cNvPr id="1" name=""/>
+        <p:cNvGrpSpPr/>
+        <p:nvPr/>
+      </p:nvGrpSpPr>
+      <p:grpSpPr>
+        <a:xfrm>
+          <a:off x="0" y="0"/>
+          <a:ext cx="0" cy="0"/>
+          <a:chOff x="0" y="0"/>
+          <a:chExt cx="0" cy="0"/>
+        </a:xfrm>
+      </p:grpSpPr>
+      <p:sp>
+        <p:nvSpPr>
+          <p:cNvPr id="36" name="Rectangle 35">
+            <a:extLst>
+              <a:ext uri="{FF2B5EF4-FFF2-40B4-BE49-F238E27FC236}">
+                <a16:creationId xmlns:a16="http://schemas.microsoft.com/office/drawing/2014/main" id="{DCF4EB5C-ED25-4675-8255-2F5B12CFFCF0}"/>
+              </a:ext>
+              <a:ext uri="{C183D7F6-B498-43B3-948B-1728B52AA6E4}">
+                <adec:decorative xmlns:adec="http://schemas.microsoft.com/office/drawing/2017/decorative" val="1"/>
+              </a:ext>
+            </a:extLst>
+          </p:cNvPr>
+          <p:cNvSpPr>
+            <a:spLocks noGrp="1" noRot="1" noChangeAspect="1" noMove="1" noResize="1" noEditPoints="1" noAdjustHandles="1" noChangeArrowheads="1" noChangeShapeType="1" noTextEdit="1"/>
+          </p:cNvSpPr>
+          <p:nvPr>
+            <p:extLst>
+              <p:ext uri="{386F3935-93C4-4BCD-93E2-E3B085C9AB24}">
+                <p16:designElem xmlns:p16="http://schemas.microsoft.com/office/powerpoint/2015/main" val="1"/>
+              </p:ext>
+            </p:extLst>
+          </p:nvPr>
+        </p:nvSpPr>
+        <p:spPr>
+          <a:xfrm>
+            <a:off x="446534" y="457200"/>
+            <a:ext cx="3703320" cy="94997"/>
+          </a:xfrm>
+          <a:prstGeom prst="rect">
+            <a:avLst/>
+          </a:prstGeom>
+          <a:solidFill>
+            <a:srgbClr val="465359"/>
+          </a:solidFill>
+          <a:ln>
+            <a:noFill/>
+          </a:ln>
+          <a:effectLst/>
+        </p:spPr>
+        <p:style>
+          <a:lnRef idx="1">
+            <a:schemeClr val="accent1"/>
+          </a:lnRef>
+          <a:fillRef idx="3">
+            <a:schemeClr val="accent1"/>
+          </a:fillRef>
+          <a:effectRef idx="2">
+            <a:schemeClr val="accent1"/>
+          </a:effectRef>
+          <a:fontRef idx="minor">
+            <a:schemeClr val="lt1"/>
+          </a:fontRef>
+        </p:style>
+        <p:txBody>
+          <a:bodyPr/>
+          <a:lstStyle/>
+          <a:p>
+            <a:pPr marL="0" marR="0" lvl="0" indent="0" algn="l" defTabSz="457200" rtl="0" eaLnBrk="1" fontAlgn="auto" latinLnBrk="0" hangingPunct="1">
+              <a:lnSpc>
+                <a:spcPct val="100000"/>
+              </a:lnSpc>
+              <a:spcBef>
+                <a:spcPts val="0"/>
+              </a:spcBef>
+              <a:spcAft>
+                <a:spcPts val="0"/>
+              </a:spcAft>
+              <a:buClrTx/>
+              <a:buSzTx/>
+              <a:buFontTx/>
+              <a:buNone/>
+              <a:tabLst/>
+              <a:defRPr/>
+            </a:pPr>
+            <a:endParaRPr kumimoji="0" lang="en-US" sz="1800" b="0" i="0" u="none" strike="noStrike" kern="1200" cap="none" spc="0" normalizeH="0" baseline="0" noProof="0">
+              <a:ln>
+                <a:noFill/>
+              </a:ln>
+              <a:solidFill>
+                <a:srgbClr val="FFFFFF"/>
+              </a:solidFill>
+              <a:effectLst/>
+              <a:uLnTx/>
+              <a:uFillTx/>
+              <a:latin typeface="Calibri"/>
+              <a:ea typeface="+mn-ea"/>
+              <a:cs typeface="+mn-cs"/>
+            </a:endParaRPr>
+          </a:p>
+        </p:txBody>
+      </p:sp>
+      <p:sp>
+        <p:nvSpPr>
+          <p:cNvPr id="38" name="Rectangle 37">
+            <a:extLst>
+              <a:ext uri="{FF2B5EF4-FFF2-40B4-BE49-F238E27FC236}">
+                <a16:creationId xmlns:a16="http://schemas.microsoft.com/office/drawing/2014/main" id="{9514EC6E-A557-42A2-BCDC-3ABFFC5E564D}"/>
+              </a:ext>
+              <a:ext uri="{C183D7F6-B498-43B3-948B-1728B52AA6E4}">
+                <adec:decorative xmlns:adec="http://schemas.microsoft.com/office/drawing/2017/decorative" val="1"/>
+              </a:ext>
+            </a:extLst>
+          </p:cNvPr>
+          <p:cNvSpPr>
+            <a:spLocks noGrp="1" noRot="1" noChangeAspect="1" noMove="1" noResize="1" noEditPoints="1" noAdjustHandles="1" noChangeArrowheads="1" noChangeShapeType="1" noTextEdit="1"/>
+          </p:cNvSpPr>
+          <p:nvPr>
+            <p:extLst>
+              <p:ext uri="{386F3935-93C4-4BCD-93E2-E3B085C9AB24}">
+                <p16:designElem xmlns:p16="http://schemas.microsoft.com/office/powerpoint/2015/main" val="1"/>
+              </p:ext>
+            </p:extLst>
+          </p:nvPr>
+        </p:nvSpPr>
+        <p:spPr>
+          <a:xfrm>
+            <a:off x="8042147" y="453643"/>
+            <a:ext cx="3703320" cy="98554"/>
+          </a:xfrm>
+          <a:prstGeom prst="rect">
+            <a:avLst/>
+          </a:prstGeom>
+          <a:solidFill>
+            <a:srgbClr val="969FA7"/>
+          </a:solidFill>
+          <a:ln>
+            <a:noFill/>
+          </a:ln>
+          <a:effectLst/>
+        </p:spPr>
+        <p:style>
+          <a:lnRef idx="1">
+            <a:schemeClr val="accent1"/>
+          </a:lnRef>
+          <a:fillRef idx="3">
+            <a:schemeClr val="accent1"/>
+          </a:fillRef>
+          <a:effectRef idx="2">
+            <a:schemeClr val="accent1"/>
+          </a:effectRef>
+          <a:fontRef idx="minor">
+            <a:schemeClr val="lt1"/>
+          </a:fontRef>
+        </p:style>
+        <p:txBody>
+          <a:bodyPr/>
+          <a:lstStyle/>
+          <a:p>
+            <a:pPr marL="0" marR="0" lvl="0" indent="0" algn="l" defTabSz="457200" rtl="0" eaLnBrk="1" fontAlgn="auto" latinLnBrk="0" hangingPunct="1">
+              <a:lnSpc>
+                <a:spcPct val="100000"/>
+              </a:lnSpc>
+              <a:spcBef>
+                <a:spcPts val="0"/>
+              </a:spcBef>
+              <a:spcAft>
+                <a:spcPts val="0"/>
+              </a:spcAft>
+              <a:buClrTx/>
+              <a:buSzTx/>
+              <a:buFontTx/>
+              <a:buNone/>
+              <a:tabLst/>
+              <a:defRPr/>
+            </a:pPr>
+            <a:endParaRPr kumimoji="0" lang="en-US" sz="1800" b="0" i="0" u="none" strike="noStrike" kern="1200" cap="none" spc="0" normalizeH="0" baseline="0" noProof="0">
+              <a:ln>
+                <a:noFill/>
+              </a:ln>
+              <a:solidFill>
+                <a:srgbClr val="FFFFFF"/>
+              </a:solidFill>
+              <a:effectLst/>
+              <a:uLnTx/>
+              <a:uFillTx/>
+              <a:latin typeface="Calibri"/>
+              <a:ea typeface="+mn-ea"/>
+              <a:cs typeface="+mn-cs"/>
+            </a:endParaRPr>
+          </a:p>
+        </p:txBody>
+      </p:sp>
+      <p:sp>
+        <p:nvSpPr>
+          <p:cNvPr id="40" name="Rectangle 39">
+            <a:extLst>
+              <a:ext uri="{FF2B5EF4-FFF2-40B4-BE49-F238E27FC236}">
+                <a16:creationId xmlns:a16="http://schemas.microsoft.com/office/drawing/2014/main" id="{905482C9-EB42-4BFE-95BF-7FD661F07657}"/>
+              </a:ext>
+              <a:ext uri="{C183D7F6-B498-43B3-948B-1728B52AA6E4}">
+                <adec:decorative xmlns:adec="http://schemas.microsoft.com/office/drawing/2017/decorative" val="1"/>
+              </a:ext>
+            </a:extLst>
+          </p:cNvPr>
+          <p:cNvSpPr>
+            <a:spLocks noGrp="1" noRot="1" noChangeAspect="1" noMove="1" noResize="1" noEditPoints="1" noAdjustHandles="1" noChangeArrowheads="1" noChangeShapeType="1" noTextEdit="1"/>
+          </p:cNvSpPr>
+          <p:nvPr>
+            <p:extLst>
+              <p:ext uri="{386F3935-93C4-4BCD-93E2-E3B085C9AB24}">
+                <p16:designElem xmlns:p16="http://schemas.microsoft.com/office/powerpoint/2015/main" val="1"/>
+              </p:ext>
+            </p:extLst>
+          </p:nvPr>
+        </p:nvSpPr>
+        <p:spPr>
+          <a:xfrm>
+            <a:off x="4241830" y="457200"/>
+            <a:ext cx="3703320" cy="91440"/>
+          </a:xfrm>
+          <a:prstGeom prst="rect">
+            <a:avLst/>
+          </a:prstGeom>
+          <a:solidFill>
+            <a:schemeClr val="accent1"/>
+          </a:solidFill>
+          <a:ln>
+            <a:noFill/>
+          </a:ln>
+          <a:effectLst/>
+        </p:spPr>
+        <p:style>
+          <a:lnRef idx="1">
+            <a:schemeClr val="accent1"/>
+          </a:lnRef>
+          <a:fillRef idx="3">
+            <a:schemeClr val="accent1"/>
+          </a:fillRef>
+          <a:effectRef idx="2">
+            <a:schemeClr val="accent1"/>
+          </a:effectRef>
+          <a:fontRef idx="minor">
+            <a:schemeClr val="lt1"/>
+          </a:fontRef>
+        </p:style>
+        <p:txBody>
+          <a:bodyPr/>
+          <a:lstStyle/>
+          <a:p>
+            <a:pPr marL="0" marR="0" lvl="0" indent="0" algn="l" defTabSz="457200" rtl="0" eaLnBrk="1" fontAlgn="auto" latinLnBrk="0" hangingPunct="1">
+              <a:lnSpc>
+                <a:spcPct val="100000"/>
+              </a:lnSpc>
+              <a:spcBef>
+                <a:spcPts val="0"/>
+              </a:spcBef>
+              <a:spcAft>
+                <a:spcPts val="0"/>
+              </a:spcAft>
+              <a:buClrTx/>
+              <a:buSzTx/>
+              <a:buFontTx/>
+              <a:buNone/>
+              <a:tabLst/>
+              <a:defRPr/>
+            </a:pPr>
+            <a:endParaRPr kumimoji="0" lang="en-US" sz="1800" b="0" i="0" u="none" strike="noStrike" kern="1200" cap="none" spc="0" normalizeH="0" baseline="0" noProof="0">
+              <a:ln>
+                <a:noFill/>
+              </a:ln>
+              <a:solidFill>
+                <a:srgbClr val="FFFFFF"/>
+              </a:solidFill>
+              <a:effectLst/>
+              <a:uLnTx/>
+              <a:uFillTx/>
+              <a:latin typeface="Calibri"/>
+              <a:ea typeface="+mn-ea"/>
+              <a:cs typeface="+mn-cs"/>
+            </a:endParaRPr>
+          </a:p>
+        </p:txBody>
+      </p:sp>
+      <p:sp>
+        <p:nvSpPr>
+          <p:cNvPr id="42" name="Rectangle 41">
+            <a:extLst>
+              <a:ext uri="{FF2B5EF4-FFF2-40B4-BE49-F238E27FC236}">
+                <a16:creationId xmlns:a16="http://schemas.microsoft.com/office/drawing/2014/main" id="{7539E646-A625-4A26-86ED-BD90EDD329F7}"/>
+              </a:ext>
+              <a:ext uri="{C183D7F6-B498-43B3-948B-1728B52AA6E4}">
+                <adec:decorative xmlns:adec="http://schemas.microsoft.com/office/drawing/2017/decorative" val="1"/>
+              </a:ext>
+            </a:extLst>
+          </p:cNvPr>
+          <p:cNvSpPr>
+            <a:spLocks noGrp="1" noRot="1" noChangeAspect="1" noMove="1" noResize="1" noEditPoints="1" noAdjustHandles="1" noChangeArrowheads="1" noChangeShapeType="1" noTextEdit="1"/>
+          </p:cNvSpPr>
+          <p:nvPr>
+            <p:extLst>
+              <p:ext uri="{386F3935-93C4-4BCD-93E2-E3B085C9AB24}">
+                <p16:designElem xmlns:p16="http://schemas.microsoft.com/office/powerpoint/2015/main" val="1"/>
+              </p:ext>
+            </p:extLst>
+          </p:nvPr>
+        </p:nvSpPr>
+        <p:spPr>
+          <a:xfrm>
+            <a:off x="446534" y="3085764"/>
+            <a:ext cx="11298932" cy="3338149"/>
+          </a:xfrm>
+          <a:prstGeom prst="rect">
+            <a:avLst/>
+          </a:prstGeom>
+          <a:solidFill>
+            <a:srgbClr val="465359"/>
+          </a:solidFill>
+          <a:ln>
+            <a:noFill/>
+          </a:ln>
+          <a:effectLst/>
+        </p:spPr>
+        <p:style>
+          <a:lnRef idx="1">
+            <a:schemeClr val="accent1"/>
+          </a:lnRef>
+          <a:fillRef idx="3">
+            <a:schemeClr val="accent1"/>
+          </a:fillRef>
+          <a:effectRef idx="2">
+            <a:schemeClr val="accent1"/>
+          </a:effectRef>
+          <a:fontRef idx="minor">
+            <a:schemeClr val="lt1"/>
+          </a:fontRef>
+        </p:style>
+        <p:txBody>
+          <a:bodyPr/>
+          <a:lstStyle/>
+          <a:p>
+            <a:pPr marL="0" marR="0" lvl="0" indent="0" algn="l" defTabSz="457200" rtl="0" eaLnBrk="1" fontAlgn="auto" latinLnBrk="0" hangingPunct="1">
+              <a:lnSpc>
+                <a:spcPct val="100000"/>
+              </a:lnSpc>
+              <a:spcBef>
+                <a:spcPts val="0"/>
+              </a:spcBef>
+              <a:spcAft>
+                <a:spcPts val="0"/>
+              </a:spcAft>
+              <a:buClrTx/>
+              <a:buSzTx/>
+              <a:buFontTx/>
+              <a:buNone/>
+              <a:tabLst/>
+              <a:defRPr/>
+            </a:pPr>
+            <a:endParaRPr kumimoji="0" lang="en-US" sz="1800" b="0" i="0" u="none" strike="noStrike" kern="1200" cap="none" spc="0" normalizeH="0" baseline="0" noProof="0">
+              <a:ln>
+                <a:noFill/>
+              </a:ln>
+              <a:solidFill>
+                <a:srgbClr val="FFFFFF"/>
+              </a:solidFill>
+              <a:effectLst/>
+              <a:uLnTx/>
+              <a:uFillTx/>
+              <a:latin typeface="Calibri"/>
+              <a:ea typeface="+mn-ea"/>
+              <a:cs typeface="+mn-cs"/>
+            </a:endParaRPr>
+          </a:p>
+        </p:txBody>
+      </p:sp>
+      <p:sp useBgFill="1">
+        <p:nvSpPr>
+          <p:cNvPr id="44" name="Rectangle 43">
+            <a:extLst>
+              <a:ext uri="{FF2B5EF4-FFF2-40B4-BE49-F238E27FC236}">
+                <a16:creationId xmlns:a16="http://schemas.microsoft.com/office/drawing/2014/main" id="{39171204-6A50-40E1-B631-84CEDFC9396A}"/>
+              </a:ext>
+              <a:ext uri="{C183D7F6-B498-43B3-948B-1728B52AA6E4}">
+                <adec:decorative xmlns:adec="http://schemas.microsoft.com/office/drawing/2017/decorative" val="1"/>
+              </a:ext>
+            </a:extLst>
+          </p:cNvPr>
+          <p:cNvSpPr>
+            <a:spLocks noGrp="1" noRot="1" noChangeAspect="1" noMove="1" noResize="1" noEditPoints="1" noAdjustHandles="1" noChangeArrowheads="1" noChangeShapeType="1" noTextEdit="1"/>
+          </p:cNvSpPr>
+          <p:nvPr>
+            <p:extLst>
+              <p:ext uri="{386F3935-93C4-4BCD-93E2-E3B085C9AB24}">
+                <p16:designElem xmlns:p16="http://schemas.microsoft.com/office/powerpoint/2015/main" val="1"/>
+              </p:ext>
+            </p:extLst>
+          </p:nvPr>
+        </p:nvSpPr>
+        <p:spPr>
+          <a:xfrm>
+            <a:off x="0" y="0"/>
+            <a:ext cx="12192000" cy="6858000"/>
+          </a:xfrm>
+          <a:prstGeom prst="rect">
+            <a:avLst/>
+          </a:prstGeom>
+          <a:ln>
+            <a:noFill/>
+          </a:ln>
+        </p:spPr>
+        <p:style>
+          <a:lnRef idx="2">
+            <a:schemeClr val="accent1">
+              <a:shade val="50000"/>
+            </a:schemeClr>
+          </a:lnRef>
+          <a:fillRef idx="1">
+            <a:schemeClr val="accent1"/>
+          </a:fillRef>
+          <a:effectRef idx="0">
+            <a:schemeClr val="accent1"/>
+          </a:effectRef>
+          <a:fontRef idx="minor">
+            <a:schemeClr val="lt1"/>
+          </a:fontRef>
+        </p:style>
+        <p:txBody>
+          <a:bodyPr rtlCol="0" anchor="ctr"/>
+          <a:lstStyle/>
+          <a:p>
+            <a:pPr marL="0" marR="0" lvl="0" indent="0" algn="ctr" defTabSz="457200" rtl="0" eaLnBrk="1" fontAlgn="auto" latinLnBrk="0" hangingPunct="1">
+              <a:lnSpc>
+                <a:spcPct val="100000"/>
+              </a:lnSpc>
+              <a:spcBef>
+                <a:spcPts val="0"/>
+              </a:spcBef>
+              <a:spcAft>
+                <a:spcPts val="0"/>
+              </a:spcAft>
+              <a:buClrTx/>
+              <a:buSzTx/>
+              <a:buFontTx/>
+              <a:buNone/>
+              <a:tabLst/>
+              <a:defRPr/>
+            </a:pPr>
+            <a:endParaRPr kumimoji="0" lang="en-US" sz="1800" b="0" i="0" u="none" strike="noStrike" kern="1200" cap="none" spc="0" normalizeH="0" baseline="0" noProof="0">
+              <a:ln>
+                <a:noFill/>
+              </a:ln>
+              <a:solidFill>
+                <a:srgbClr val="FFFFFF"/>
+              </a:solidFill>
+              <a:effectLst/>
+              <a:uLnTx/>
+              <a:uFillTx/>
+              <a:latin typeface="Calibri"/>
+              <a:ea typeface="+mn-ea"/>
+              <a:cs typeface="+mn-cs"/>
+            </a:endParaRPr>
+          </a:p>
+        </p:txBody>
+      </p:sp>
+      <p:sp>
+        <p:nvSpPr>
+          <p:cNvPr id="46" name="Rectangle 45">
+            <a:extLst>
+              <a:ext uri="{FF2B5EF4-FFF2-40B4-BE49-F238E27FC236}">
+                <a16:creationId xmlns:a16="http://schemas.microsoft.com/office/drawing/2014/main" id="{06C973F6-5187-412F-AACC-6E3FF8A6A12C}"/>
+              </a:ext>
+              <a:ext uri="{C183D7F6-B498-43B3-948B-1728B52AA6E4}">
+                <adec:decorative xmlns:adec="http://schemas.microsoft.com/office/drawing/2017/decorative" val="1"/>
+              </a:ext>
+            </a:extLst>
+          </p:cNvPr>
+          <p:cNvSpPr>
+            <a:spLocks noGrp="1" noRot="1" noChangeAspect="1" noMove="1" noResize="1" noEditPoints="1" noAdjustHandles="1" noChangeArrowheads="1" noChangeShapeType="1" noTextEdit="1"/>
+          </p:cNvSpPr>
+          <p:nvPr>
+            <p:extLst>
+              <p:ext uri="{386F3935-93C4-4BCD-93E2-E3B085C9AB24}">
+                <p16:designElem xmlns:p16="http://schemas.microsoft.com/office/powerpoint/2015/main" val="1"/>
+              </p:ext>
+            </p:extLst>
+          </p:nvPr>
+        </p:nvSpPr>
+        <p:spPr>
+          <a:xfrm>
+            <a:off x="509628" y="496959"/>
+            <a:ext cx="1106164" cy="5859735"/>
+          </a:xfrm>
+          <a:prstGeom prst="rect">
+            <a:avLst/>
+          </a:prstGeom>
+          <a:solidFill>
+            <a:srgbClr val="465359"/>
+          </a:solidFill>
+          <a:ln>
+            <a:noFill/>
+          </a:ln>
+          <a:effectLst/>
+        </p:spPr>
+        <p:style>
+          <a:lnRef idx="1">
+            <a:schemeClr val="accent1"/>
+          </a:lnRef>
+          <a:fillRef idx="3">
+            <a:schemeClr val="accent1"/>
+          </a:fillRef>
+          <a:effectRef idx="2">
+            <a:schemeClr val="accent1"/>
+          </a:effectRef>
+          <a:fontRef idx="minor">
+            <a:schemeClr val="lt1"/>
+          </a:fontRef>
+        </p:style>
+        <p:txBody>
+          <a:bodyPr/>
+          <a:lstStyle/>
+          <a:p>
+            <a:pPr marL="0" marR="0" lvl="0" indent="0" algn="l" defTabSz="457200" rtl="0" eaLnBrk="1" fontAlgn="auto" latinLnBrk="0" hangingPunct="1">
+              <a:lnSpc>
+                <a:spcPct val="100000"/>
+              </a:lnSpc>
+              <a:spcBef>
+                <a:spcPts val="0"/>
+              </a:spcBef>
+              <a:spcAft>
+                <a:spcPts val="0"/>
+              </a:spcAft>
+              <a:buClrTx/>
+              <a:buSzTx/>
+              <a:buFontTx/>
+              <a:buNone/>
+              <a:tabLst/>
+              <a:defRPr/>
+            </a:pPr>
+            <a:endParaRPr kumimoji="0" lang="en-US" sz="1800" b="0" i="0" u="none" strike="noStrike" kern="1200" cap="none" spc="0" normalizeH="0" baseline="0" noProof="0">
+              <a:ln>
+                <a:noFill/>
+              </a:ln>
+              <a:solidFill>
+                <a:srgbClr val="FFFFFF"/>
+              </a:solidFill>
+              <a:effectLst/>
+              <a:uLnTx/>
+              <a:uFillTx/>
+              <a:latin typeface="Calibri"/>
+              <a:ea typeface="+mn-ea"/>
+              <a:cs typeface="+mn-cs"/>
+            </a:endParaRPr>
+          </a:p>
+        </p:txBody>
+      </p:sp>
+      <p:sp>
+        <p:nvSpPr>
+          <p:cNvPr id="48" name="Rectangle 47">
+            <a:extLst>
+              <a:ext uri="{FF2B5EF4-FFF2-40B4-BE49-F238E27FC236}">
+                <a16:creationId xmlns:a16="http://schemas.microsoft.com/office/drawing/2014/main" id="{D11AE14F-1B7E-41E6-B579-2F71D135036C}"/>
+              </a:ext>
+              <a:ext uri="{C183D7F6-B498-43B3-948B-1728B52AA6E4}">
+                <adec:decorative xmlns:adec="http://schemas.microsoft.com/office/drawing/2017/decorative" val="1"/>
+              </a:ext>
+            </a:extLst>
+          </p:cNvPr>
+          <p:cNvSpPr>
+            <a:spLocks noGrp="1" noRot="1" noChangeAspect="1" noMove="1" noResize="1" noEditPoints="1" noAdjustHandles="1" noChangeArrowheads="1" noChangeShapeType="1" noTextEdit="1"/>
+          </p:cNvSpPr>
+          <p:nvPr>
+            <p:extLst>
+              <p:ext uri="{386F3935-93C4-4BCD-93E2-E3B085C9AB24}">
+                <p16:designElem xmlns:p16="http://schemas.microsoft.com/office/powerpoint/2015/main" val="1"/>
+              </p:ext>
+            </p:extLst>
+          </p:nvPr>
+        </p:nvSpPr>
+        <p:spPr>
+          <a:xfrm>
+            <a:off x="1712856" y="496958"/>
+            <a:ext cx="9961047" cy="3678072"/>
+          </a:xfrm>
+          <a:prstGeom prst="rect">
+            <a:avLst/>
+          </a:prstGeom>
+          <a:solidFill>
+            <a:schemeClr val="accent1"/>
+          </a:solidFill>
+          <a:ln>
+            <a:noFill/>
+          </a:ln>
+          <a:effectLst/>
+        </p:spPr>
+        <p:style>
+          <a:lnRef idx="1">
+            <a:schemeClr val="accent1"/>
+          </a:lnRef>
+          <a:fillRef idx="3">
+            <a:schemeClr val="accent1"/>
+          </a:fillRef>
+          <a:effectRef idx="2">
+            <a:schemeClr val="accent1"/>
+          </a:effectRef>
+          <a:fontRef idx="minor">
+            <a:schemeClr val="lt1"/>
+          </a:fontRef>
+        </p:style>
+        <p:txBody>
+          <a:bodyPr/>
+          <a:lstStyle/>
+          <a:p>
+            <a:pPr marL="0" marR="0" lvl="0" indent="0" algn="l" defTabSz="457200" rtl="0" eaLnBrk="1" fontAlgn="auto" latinLnBrk="0" hangingPunct="1">
+              <a:lnSpc>
+                <a:spcPct val="100000"/>
+              </a:lnSpc>
+              <a:spcBef>
+                <a:spcPts val="0"/>
+              </a:spcBef>
+              <a:spcAft>
+                <a:spcPts val="0"/>
+              </a:spcAft>
+              <a:buClrTx/>
+              <a:buSzTx/>
+              <a:buFontTx/>
+              <a:buNone/>
+              <a:tabLst/>
+              <a:defRPr/>
+            </a:pPr>
+            <a:endParaRPr kumimoji="0" lang="en-US" sz="1800" b="0" i="0" u="none" strike="noStrike" kern="1200" cap="none" spc="0" normalizeH="0" baseline="0" noProof="0">
+              <a:ln>
+                <a:noFill/>
+              </a:ln>
+              <a:solidFill>
+                <a:srgbClr val="FFFFFF"/>
+              </a:solidFill>
+              <a:effectLst/>
+              <a:uLnTx/>
+              <a:uFillTx/>
+              <a:latin typeface="Calibri"/>
+              <a:ea typeface="+mn-ea"/>
+              <a:cs typeface="+mn-cs"/>
+            </a:endParaRPr>
+          </a:p>
+        </p:txBody>
+      </p:sp>
+      <p:sp>
+        <p:nvSpPr>
+          <p:cNvPr id="2" name="Title 1">
+            <a:extLst>
+              <a:ext uri="{FF2B5EF4-FFF2-40B4-BE49-F238E27FC236}">
+                <a16:creationId xmlns:a16="http://schemas.microsoft.com/office/drawing/2014/main" id="{3778BAB5-C1DE-8DAD-E76F-BECA6F24C1F4}"/>
+              </a:ext>
+            </a:extLst>
+          </p:cNvPr>
+          <p:cNvSpPr>
+            <a:spLocks noGrp="1"/>
+          </p:cNvSpPr>
+          <p:nvPr>
+            <p:ph type="title"/>
+          </p:nvPr>
+        </p:nvSpPr>
+        <p:spPr>
+          <a:xfrm>
+            <a:off x="1893715" y="708498"/>
+            <a:ext cx="9618581" cy="3330055"/>
+          </a:xfrm>
+        </p:spPr>
+        <p:txBody>
+          <a:bodyPr vert="horz" lIns="91440" tIns="45720" rIns="91440" bIns="45720" rtlCol="0" anchor="ctr">
+            <a:normAutofit/>
+          </a:bodyPr>
+          <a:lstStyle/>
+          <a:p>
+            <a:r>
+              <a:rPr lang="en-US" sz="6000" b="0" kern="1200" cap="all" dirty="0">
+                <a:solidFill>
+                  <a:srgbClr val="FFFFFF"/>
+                </a:solidFill>
+                <a:latin typeface="+mj-lt"/>
+                <a:ea typeface="+mj-ea"/>
+                <a:cs typeface="+mj-cs"/>
+              </a:rPr>
+              <a:t>2.1</a:t>
+            </a:r>
+            <a:br>
+              <a:rPr lang="en-US" sz="6000" b="0" kern="1200" cap="all" dirty="0">
+                <a:solidFill>
+                  <a:srgbClr val="FFFFFF"/>
+                </a:solidFill>
+                <a:latin typeface="+mj-lt"/>
+                <a:ea typeface="+mj-ea"/>
+                <a:cs typeface="+mj-cs"/>
+              </a:rPr>
+            </a:br>
+            <a:r>
+              <a:rPr lang="en-US" sz="6000" b="0" kern="1200" cap="all" dirty="0">
+                <a:solidFill>
+                  <a:srgbClr val="FFFFFF"/>
+                </a:solidFill>
+                <a:latin typeface="+mj-lt"/>
+                <a:ea typeface="+mj-ea"/>
+                <a:cs typeface="+mj-cs"/>
+              </a:rPr>
+              <a:t>population and sample</a:t>
+            </a:r>
+          </a:p>
+        </p:txBody>
+      </p:sp>
+      <p:sp>
+        <p:nvSpPr>
+          <p:cNvPr id="50" name="Rectangle 49">
+            <a:extLst>
+              <a:ext uri="{FF2B5EF4-FFF2-40B4-BE49-F238E27FC236}">
+                <a16:creationId xmlns:a16="http://schemas.microsoft.com/office/drawing/2014/main" id="{752BB805-F7B7-4B80-A1C5-385D4DAF74D0}"/>
+              </a:ext>
+              <a:ext uri="{C183D7F6-B498-43B3-948B-1728B52AA6E4}">
+                <adec:decorative xmlns:adec="http://schemas.microsoft.com/office/drawing/2017/decorative" val="1"/>
+              </a:ext>
+            </a:extLst>
+          </p:cNvPr>
+          <p:cNvSpPr>
+            <a:spLocks noGrp="1" noRot="1" noChangeAspect="1" noMove="1" noResize="1" noEditPoints="1" noAdjustHandles="1" noChangeArrowheads="1" noChangeShapeType="1" noTextEdit="1"/>
+          </p:cNvSpPr>
+          <p:nvPr>
+            <p:extLst>
+              <p:ext uri="{386F3935-93C4-4BCD-93E2-E3B085C9AB24}">
+                <p16:designElem xmlns:p16="http://schemas.microsoft.com/office/powerpoint/2015/main" val="1"/>
+              </p:ext>
+            </p:extLst>
+          </p:nvPr>
+        </p:nvSpPr>
+        <p:spPr>
+          <a:xfrm>
+            <a:off x="1712789" y="4284212"/>
+            <a:ext cx="9961115" cy="2072481"/>
+          </a:xfrm>
+          <a:prstGeom prst="rect">
+            <a:avLst/>
+          </a:prstGeom>
+          <a:solidFill>
+            <a:srgbClr val="6C7781">
+              <a:alpha val="80000"/>
+            </a:srgbClr>
+          </a:solidFill>
+          <a:ln>
+            <a:noFill/>
+          </a:ln>
+          <a:effectLst/>
+        </p:spPr>
+        <p:style>
+          <a:lnRef idx="1">
+            <a:schemeClr val="accent1"/>
+          </a:lnRef>
+          <a:fillRef idx="3">
+            <a:schemeClr val="accent1"/>
+          </a:fillRef>
+          <a:effectRef idx="2">
+            <a:schemeClr val="accent1"/>
+          </a:effectRef>
+          <a:fontRef idx="minor">
+            <a:schemeClr val="lt1"/>
+          </a:fontRef>
+        </p:style>
+        <p:txBody>
+          <a:bodyPr/>
+          <a:lstStyle/>
+          <a:p>
+            <a:pPr marL="0" marR="0" lvl="0" indent="0" algn="l" defTabSz="457200" rtl="0" eaLnBrk="1" fontAlgn="auto" latinLnBrk="0" hangingPunct="1">
+              <a:lnSpc>
+                <a:spcPct val="100000"/>
+              </a:lnSpc>
+              <a:spcBef>
+                <a:spcPts val="0"/>
+              </a:spcBef>
+              <a:spcAft>
+                <a:spcPts val="0"/>
+              </a:spcAft>
+              <a:buClrTx/>
+              <a:buSzTx/>
+              <a:buFontTx/>
+              <a:buNone/>
+              <a:tabLst/>
+              <a:defRPr/>
+            </a:pPr>
+            <a:endParaRPr kumimoji="0" lang="en-US" sz="1800" b="0" i="0" u="none" strike="noStrike" kern="1200" cap="none" spc="0" normalizeH="0" baseline="0" noProof="0">
+              <a:ln>
+                <a:noFill/>
+              </a:ln>
+              <a:solidFill>
+                <a:srgbClr val="FFFFFF"/>
+              </a:solidFill>
+              <a:effectLst/>
+              <a:uLnTx/>
+              <a:uFillTx/>
+              <a:latin typeface="Calibri"/>
+              <a:ea typeface="+mn-ea"/>
+              <a:cs typeface="+mn-cs"/>
+            </a:endParaRPr>
+          </a:p>
+        </p:txBody>
+      </p:sp>
+    </p:spTree>
+    <p:extLst>
+      <p:ext uri="{BB962C8B-B14F-4D97-AF65-F5344CB8AC3E}">
+        <p14:creationId xmlns:p14="http://schemas.microsoft.com/office/powerpoint/2010/main" val="1586883875"/>
+      </p:ext>
+    </p:extLst>
+  </p:cSld>
+  <p:clrMapOvr>
+    <a:masterClrMapping/>
+  </p:clrMapOvr>
+  <p:timing>
+    <p:tnLst>
+      <p:par>
+        <p:cTn id="1" dur="indefinite" restart="never" nodeType="tmRoot">
+          <p:childTnLst>
+            <p:seq concurrent="1" nextAc="seek">
+              <p:cTn id="2" dur="indefinite" nodeType="mainSeq">
+                <p:childTnLst>
+                  <p:par>
+                    <p:cTn id="3" fill="hold">
+                      <p:stCondLst>
+                        <p:cond delay="indefinite"/>
+                        <p:cond evt="onBegin" delay="0">
+                          <p:tn val="2"/>
+                        </p:cond>
+                      </p:stCondLst>
+                      <p:childTnLst>
+                        <p:par>
+                          <p:cTn id="4" fill="hold">
+                            <p:stCondLst>
+                              <p:cond delay="0"/>
+                            </p:stCondLst>
+                            <p:childTnLst>
+                              <p:par>
+                                <p:cTn id="5" presetID="10" presetClass="entr" presetSubtype="0" fill="hold" grpId="0" nodeType="withEffect">
+                                  <p:stCondLst>
+                                    <p:cond delay="500"/>
+                                  </p:stCondLst>
+                                  <p:iterate type="wd">
+                                    <p:tmPct val="15000"/>
+                                  </p:iterate>
+                                  <p:childTnLst>
+                                    <p:set>
+                                      <p:cBhvr>
+                                        <p:cTn id="6" dur="1" fill="hold">
+                                          <p:stCondLst>
+                                            <p:cond delay="0"/>
+                                          </p:stCondLst>
+                                        </p:cTn>
+                                        <p:tgtEl>
+                                          <p:spTgt spid="2"/>
+                                        </p:tgtEl>
+                                        <p:attrNameLst>
+                                          <p:attrName>style.visibility</p:attrName>
+                                        </p:attrNameLst>
+                                      </p:cBhvr>
+                                      <p:to>
+                                        <p:strVal val="visible"/>
+                                      </p:to>
+                                    </p:set>
+                                    <p:animEffect transition="in" filter="fade">
+                                      <p:cBhvr>
+                                        <p:cTn id="7" dur="1000"/>
+                                        <p:tgtEl>
+                                          <p:spTgt spid="2"/>
+                                        </p:tgtEl>
+                                      </p:cBhvr>
+                                    </p:animEffect>
+                                  </p:childTnLst>
+                                </p:cTn>
+                              </p:par>
+                            </p:childTnLst>
+                          </p:cTn>
+                        </p:par>
+                      </p:childTnLst>
+                    </p:cTn>
+                  </p:par>
+                </p:childTnLst>
+              </p:cTn>
+              <p:prevCondLst>
+                <p:cond evt="onPrev" delay="0">
+                  <p:tgtEl>
+                    <p:sldTgt/>
+                  </p:tgtEl>
+                </p:cond>
+              </p:prevCondLst>
+              <p:nextCondLst>
+                <p:cond evt="onNext" delay="0">
+                  <p:tgtEl>
+                    <p:sldTgt/>
+                  </p:tgtEl>
+                </p:cond>
+              </p:nextCondLst>
+            </p:seq>
+          </p:childTnLst>
+        </p:cTn>
+      </p:par>
+    </p:tnLst>
+    <p:bldLst>
+      <p:bldP spid="2" grpId="0"/>
+    </p:bldLst>
+  </p:timing>
+</p:sld>
+</file>
+
+<file path=ppt/slides/slide20.xml><?xml version="1.0" encoding="utf-8"?>
 <p:sld xmlns:a="http://schemas.openxmlformats.org/drawingml/2006/main" xmlns:r="http://schemas.openxmlformats.org/officeDocument/2006/relationships" xmlns:p="http://schemas.openxmlformats.org/presentationml/2006/main">
   <p:cSld>
     <p:spTree>
@@ -13174,7 +14999,7 @@
 </p:sld>
 </file>
 
-<file path=ppt/slides/slide19.xml><?xml version="1.0" encoding="utf-8"?>
+<file path=ppt/slides/slide21.xml><?xml version="1.0" encoding="utf-8"?>
 <p:sld xmlns:a="http://schemas.openxmlformats.org/drawingml/2006/main" xmlns:r="http://schemas.openxmlformats.org/officeDocument/2006/relationships" xmlns:p="http://schemas.openxmlformats.org/presentationml/2006/main">
   <p:cSld>
     <p:spTree>
@@ -13554,928 +15379,7 @@
 </p:sld>
 </file>
 
-<file path=ppt/slides/slide2.xml><?xml version="1.0" encoding="utf-8"?>
-<p:sld xmlns:a="http://schemas.openxmlformats.org/drawingml/2006/main" xmlns:r="http://schemas.openxmlformats.org/officeDocument/2006/relationships" xmlns:p="http://schemas.openxmlformats.org/presentationml/2006/main">
-  <p:cSld>
-    <p:bg>
-      <p:bgPr>
-        <a:solidFill>
-          <a:schemeClr val="bg1"/>
-        </a:solidFill>
-        <a:effectLst/>
-      </p:bgPr>
-    </p:bg>
-    <p:spTree>
-      <p:nvGrpSpPr>
-        <p:cNvPr id="1" name=""/>
-        <p:cNvGrpSpPr/>
-        <p:nvPr/>
-      </p:nvGrpSpPr>
-      <p:grpSpPr>
-        <a:xfrm>
-          <a:off x="0" y="0"/>
-          <a:ext cx="0" cy="0"/>
-          <a:chOff x="0" y="0"/>
-          <a:chExt cx="0" cy="0"/>
-        </a:xfrm>
-      </p:grpSpPr>
-      <p:sp>
-        <p:nvSpPr>
-          <p:cNvPr id="36" name="Rectangle 35">
-            <a:extLst>
-              <a:ext uri="{FF2B5EF4-FFF2-40B4-BE49-F238E27FC236}">
-                <a16:creationId xmlns:a16="http://schemas.microsoft.com/office/drawing/2014/main" id="{DCF4EB5C-ED25-4675-8255-2F5B12CFFCF0}"/>
-              </a:ext>
-              <a:ext uri="{C183D7F6-B498-43B3-948B-1728B52AA6E4}">
-                <adec:decorative xmlns:adec="http://schemas.microsoft.com/office/drawing/2017/decorative" val="1"/>
-              </a:ext>
-            </a:extLst>
-          </p:cNvPr>
-          <p:cNvSpPr>
-            <a:spLocks noGrp="1" noRot="1" noChangeAspect="1" noMove="1" noResize="1" noEditPoints="1" noAdjustHandles="1" noChangeArrowheads="1" noChangeShapeType="1" noTextEdit="1"/>
-          </p:cNvSpPr>
-          <p:nvPr>
-            <p:extLst>
-              <p:ext uri="{386F3935-93C4-4BCD-93E2-E3B085C9AB24}">
-                <p16:designElem xmlns:p16="http://schemas.microsoft.com/office/powerpoint/2015/main" val="1"/>
-              </p:ext>
-            </p:extLst>
-          </p:nvPr>
-        </p:nvSpPr>
-        <p:spPr>
-          <a:xfrm>
-            <a:off x="446534" y="457200"/>
-            <a:ext cx="3703320" cy="94997"/>
-          </a:xfrm>
-          <a:prstGeom prst="rect">
-            <a:avLst/>
-          </a:prstGeom>
-          <a:solidFill>
-            <a:srgbClr val="465359"/>
-          </a:solidFill>
-          <a:ln>
-            <a:noFill/>
-          </a:ln>
-          <a:effectLst/>
-        </p:spPr>
-        <p:style>
-          <a:lnRef idx="1">
-            <a:schemeClr val="accent1"/>
-          </a:lnRef>
-          <a:fillRef idx="3">
-            <a:schemeClr val="accent1"/>
-          </a:fillRef>
-          <a:effectRef idx="2">
-            <a:schemeClr val="accent1"/>
-          </a:effectRef>
-          <a:fontRef idx="minor">
-            <a:schemeClr val="lt1"/>
-          </a:fontRef>
-        </p:style>
-        <p:txBody>
-          <a:bodyPr/>
-          <a:lstStyle/>
-          <a:p>
-            <a:pPr marL="0" marR="0" lvl="0" indent="0" algn="l" defTabSz="457200" rtl="0" eaLnBrk="1" fontAlgn="auto" latinLnBrk="0" hangingPunct="1">
-              <a:lnSpc>
-                <a:spcPct val="100000"/>
-              </a:lnSpc>
-              <a:spcBef>
-                <a:spcPts val="0"/>
-              </a:spcBef>
-              <a:spcAft>
-                <a:spcPts val="0"/>
-              </a:spcAft>
-              <a:buClrTx/>
-              <a:buSzTx/>
-              <a:buFontTx/>
-              <a:buNone/>
-              <a:tabLst/>
-              <a:defRPr/>
-            </a:pPr>
-            <a:endParaRPr kumimoji="0" lang="en-US" sz="1800" b="0" i="0" u="none" strike="noStrike" kern="1200" cap="none" spc="0" normalizeH="0" baseline="0" noProof="0">
-              <a:ln>
-                <a:noFill/>
-              </a:ln>
-              <a:solidFill>
-                <a:srgbClr val="FFFFFF"/>
-              </a:solidFill>
-              <a:effectLst/>
-              <a:uLnTx/>
-              <a:uFillTx/>
-              <a:latin typeface="Calibri"/>
-              <a:ea typeface="+mn-ea"/>
-              <a:cs typeface="+mn-cs"/>
-            </a:endParaRPr>
-          </a:p>
-        </p:txBody>
-      </p:sp>
-      <p:sp>
-        <p:nvSpPr>
-          <p:cNvPr id="38" name="Rectangle 37">
-            <a:extLst>
-              <a:ext uri="{FF2B5EF4-FFF2-40B4-BE49-F238E27FC236}">
-                <a16:creationId xmlns:a16="http://schemas.microsoft.com/office/drawing/2014/main" id="{9514EC6E-A557-42A2-BCDC-3ABFFC5E564D}"/>
-              </a:ext>
-              <a:ext uri="{C183D7F6-B498-43B3-948B-1728B52AA6E4}">
-                <adec:decorative xmlns:adec="http://schemas.microsoft.com/office/drawing/2017/decorative" val="1"/>
-              </a:ext>
-            </a:extLst>
-          </p:cNvPr>
-          <p:cNvSpPr>
-            <a:spLocks noGrp="1" noRot="1" noChangeAspect="1" noMove="1" noResize="1" noEditPoints="1" noAdjustHandles="1" noChangeArrowheads="1" noChangeShapeType="1" noTextEdit="1"/>
-          </p:cNvSpPr>
-          <p:nvPr>
-            <p:extLst>
-              <p:ext uri="{386F3935-93C4-4BCD-93E2-E3B085C9AB24}">
-                <p16:designElem xmlns:p16="http://schemas.microsoft.com/office/powerpoint/2015/main" val="1"/>
-              </p:ext>
-            </p:extLst>
-          </p:nvPr>
-        </p:nvSpPr>
-        <p:spPr>
-          <a:xfrm>
-            <a:off x="8042147" y="453643"/>
-            <a:ext cx="3703320" cy="98554"/>
-          </a:xfrm>
-          <a:prstGeom prst="rect">
-            <a:avLst/>
-          </a:prstGeom>
-          <a:solidFill>
-            <a:srgbClr val="969FA7"/>
-          </a:solidFill>
-          <a:ln>
-            <a:noFill/>
-          </a:ln>
-          <a:effectLst/>
-        </p:spPr>
-        <p:style>
-          <a:lnRef idx="1">
-            <a:schemeClr val="accent1"/>
-          </a:lnRef>
-          <a:fillRef idx="3">
-            <a:schemeClr val="accent1"/>
-          </a:fillRef>
-          <a:effectRef idx="2">
-            <a:schemeClr val="accent1"/>
-          </a:effectRef>
-          <a:fontRef idx="minor">
-            <a:schemeClr val="lt1"/>
-          </a:fontRef>
-        </p:style>
-        <p:txBody>
-          <a:bodyPr/>
-          <a:lstStyle/>
-          <a:p>
-            <a:pPr marL="0" marR="0" lvl="0" indent="0" algn="l" defTabSz="457200" rtl="0" eaLnBrk="1" fontAlgn="auto" latinLnBrk="0" hangingPunct="1">
-              <a:lnSpc>
-                <a:spcPct val="100000"/>
-              </a:lnSpc>
-              <a:spcBef>
-                <a:spcPts val="0"/>
-              </a:spcBef>
-              <a:spcAft>
-                <a:spcPts val="0"/>
-              </a:spcAft>
-              <a:buClrTx/>
-              <a:buSzTx/>
-              <a:buFontTx/>
-              <a:buNone/>
-              <a:tabLst/>
-              <a:defRPr/>
-            </a:pPr>
-            <a:endParaRPr kumimoji="0" lang="en-US" sz="1800" b="0" i="0" u="none" strike="noStrike" kern="1200" cap="none" spc="0" normalizeH="0" baseline="0" noProof="0">
-              <a:ln>
-                <a:noFill/>
-              </a:ln>
-              <a:solidFill>
-                <a:srgbClr val="FFFFFF"/>
-              </a:solidFill>
-              <a:effectLst/>
-              <a:uLnTx/>
-              <a:uFillTx/>
-              <a:latin typeface="Calibri"/>
-              <a:ea typeface="+mn-ea"/>
-              <a:cs typeface="+mn-cs"/>
-            </a:endParaRPr>
-          </a:p>
-        </p:txBody>
-      </p:sp>
-      <p:sp>
-        <p:nvSpPr>
-          <p:cNvPr id="40" name="Rectangle 39">
-            <a:extLst>
-              <a:ext uri="{FF2B5EF4-FFF2-40B4-BE49-F238E27FC236}">
-                <a16:creationId xmlns:a16="http://schemas.microsoft.com/office/drawing/2014/main" id="{905482C9-EB42-4BFE-95BF-7FD661F07657}"/>
-              </a:ext>
-              <a:ext uri="{C183D7F6-B498-43B3-948B-1728B52AA6E4}">
-                <adec:decorative xmlns:adec="http://schemas.microsoft.com/office/drawing/2017/decorative" val="1"/>
-              </a:ext>
-            </a:extLst>
-          </p:cNvPr>
-          <p:cNvSpPr>
-            <a:spLocks noGrp="1" noRot="1" noChangeAspect="1" noMove="1" noResize="1" noEditPoints="1" noAdjustHandles="1" noChangeArrowheads="1" noChangeShapeType="1" noTextEdit="1"/>
-          </p:cNvSpPr>
-          <p:nvPr>
-            <p:extLst>
-              <p:ext uri="{386F3935-93C4-4BCD-93E2-E3B085C9AB24}">
-                <p16:designElem xmlns:p16="http://schemas.microsoft.com/office/powerpoint/2015/main" val="1"/>
-              </p:ext>
-            </p:extLst>
-          </p:nvPr>
-        </p:nvSpPr>
-        <p:spPr>
-          <a:xfrm>
-            <a:off x="4241830" y="457200"/>
-            <a:ext cx="3703320" cy="91440"/>
-          </a:xfrm>
-          <a:prstGeom prst="rect">
-            <a:avLst/>
-          </a:prstGeom>
-          <a:solidFill>
-            <a:schemeClr val="accent1"/>
-          </a:solidFill>
-          <a:ln>
-            <a:noFill/>
-          </a:ln>
-          <a:effectLst/>
-        </p:spPr>
-        <p:style>
-          <a:lnRef idx="1">
-            <a:schemeClr val="accent1"/>
-          </a:lnRef>
-          <a:fillRef idx="3">
-            <a:schemeClr val="accent1"/>
-          </a:fillRef>
-          <a:effectRef idx="2">
-            <a:schemeClr val="accent1"/>
-          </a:effectRef>
-          <a:fontRef idx="minor">
-            <a:schemeClr val="lt1"/>
-          </a:fontRef>
-        </p:style>
-        <p:txBody>
-          <a:bodyPr/>
-          <a:lstStyle/>
-          <a:p>
-            <a:pPr marL="0" marR="0" lvl="0" indent="0" algn="l" defTabSz="457200" rtl="0" eaLnBrk="1" fontAlgn="auto" latinLnBrk="0" hangingPunct="1">
-              <a:lnSpc>
-                <a:spcPct val="100000"/>
-              </a:lnSpc>
-              <a:spcBef>
-                <a:spcPts val="0"/>
-              </a:spcBef>
-              <a:spcAft>
-                <a:spcPts val="0"/>
-              </a:spcAft>
-              <a:buClrTx/>
-              <a:buSzTx/>
-              <a:buFontTx/>
-              <a:buNone/>
-              <a:tabLst/>
-              <a:defRPr/>
-            </a:pPr>
-            <a:endParaRPr kumimoji="0" lang="en-US" sz="1800" b="0" i="0" u="none" strike="noStrike" kern="1200" cap="none" spc="0" normalizeH="0" baseline="0" noProof="0">
-              <a:ln>
-                <a:noFill/>
-              </a:ln>
-              <a:solidFill>
-                <a:srgbClr val="FFFFFF"/>
-              </a:solidFill>
-              <a:effectLst/>
-              <a:uLnTx/>
-              <a:uFillTx/>
-              <a:latin typeface="Calibri"/>
-              <a:ea typeface="+mn-ea"/>
-              <a:cs typeface="+mn-cs"/>
-            </a:endParaRPr>
-          </a:p>
-        </p:txBody>
-      </p:sp>
-      <p:sp>
-        <p:nvSpPr>
-          <p:cNvPr id="42" name="Rectangle 41">
-            <a:extLst>
-              <a:ext uri="{FF2B5EF4-FFF2-40B4-BE49-F238E27FC236}">
-                <a16:creationId xmlns:a16="http://schemas.microsoft.com/office/drawing/2014/main" id="{7539E646-A625-4A26-86ED-BD90EDD329F7}"/>
-              </a:ext>
-              <a:ext uri="{C183D7F6-B498-43B3-948B-1728B52AA6E4}">
-                <adec:decorative xmlns:adec="http://schemas.microsoft.com/office/drawing/2017/decorative" val="1"/>
-              </a:ext>
-            </a:extLst>
-          </p:cNvPr>
-          <p:cNvSpPr>
-            <a:spLocks noGrp="1" noRot="1" noChangeAspect="1" noMove="1" noResize="1" noEditPoints="1" noAdjustHandles="1" noChangeArrowheads="1" noChangeShapeType="1" noTextEdit="1"/>
-          </p:cNvSpPr>
-          <p:nvPr>
-            <p:extLst>
-              <p:ext uri="{386F3935-93C4-4BCD-93E2-E3B085C9AB24}">
-                <p16:designElem xmlns:p16="http://schemas.microsoft.com/office/powerpoint/2015/main" val="1"/>
-              </p:ext>
-            </p:extLst>
-          </p:nvPr>
-        </p:nvSpPr>
-        <p:spPr>
-          <a:xfrm>
-            <a:off x="446534" y="3085764"/>
-            <a:ext cx="11298932" cy="3338149"/>
-          </a:xfrm>
-          <a:prstGeom prst="rect">
-            <a:avLst/>
-          </a:prstGeom>
-          <a:solidFill>
-            <a:srgbClr val="465359"/>
-          </a:solidFill>
-          <a:ln>
-            <a:noFill/>
-          </a:ln>
-          <a:effectLst/>
-        </p:spPr>
-        <p:style>
-          <a:lnRef idx="1">
-            <a:schemeClr val="accent1"/>
-          </a:lnRef>
-          <a:fillRef idx="3">
-            <a:schemeClr val="accent1"/>
-          </a:fillRef>
-          <a:effectRef idx="2">
-            <a:schemeClr val="accent1"/>
-          </a:effectRef>
-          <a:fontRef idx="minor">
-            <a:schemeClr val="lt1"/>
-          </a:fontRef>
-        </p:style>
-        <p:txBody>
-          <a:bodyPr/>
-          <a:lstStyle/>
-          <a:p>
-            <a:pPr marL="0" marR="0" lvl="0" indent="0" algn="l" defTabSz="457200" rtl="0" eaLnBrk="1" fontAlgn="auto" latinLnBrk="0" hangingPunct="1">
-              <a:lnSpc>
-                <a:spcPct val="100000"/>
-              </a:lnSpc>
-              <a:spcBef>
-                <a:spcPts val="0"/>
-              </a:spcBef>
-              <a:spcAft>
-                <a:spcPts val="0"/>
-              </a:spcAft>
-              <a:buClrTx/>
-              <a:buSzTx/>
-              <a:buFontTx/>
-              <a:buNone/>
-              <a:tabLst/>
-              <a:defRPr/>
-            </a:pPr>
-            <a:endParaRPr kumimoji="0" lang="en-US" sz="1800" b="0" i="0" u="none" strike="noStrike" kern="1200" cap="none" spc="0" normalizeH="0" baseline="0" noProof="0">
-              <a:ln>
-                <a:noFill/>
-              </a:ln>
-              <a:solidFill>
-                <a:srgbClr val="FFFFFF"/>
-              </a:solidFill>
-              <a:effectLst/>
-              <a:uLnTx/>
-              <a:uFillTx/>
-              <a:latin typeface="Calibri"/>
-              <a:ea typeface="+mn-ea"/>
-              <a:cs typeface="+mn-cs"/>
-            </a:endParaRPr>
-          </a:p>
-        </p:txBody>
-      </p:sp>
-      <p:sp useBgFill="1">
-        <p:nvSpPr>
-          <p:cNvPr id="44" name="Rectangle 43">
-            <a:extLst>
-              <a:ext uri="{FF2B5EF4-FFF2-40B4-BE49-F238E27FC236}">
-                <a16:creationId xmlns:a16="http://schemas.microsoft.com/office/drawing/2014/main" id="{39171204-6A50-40E1-B631-84CEDFC9396A}"/>
-              </a:ext>
-              <a:ext uri="{C183D7F6-B498-43B3-948B-1728B52AA6E4}">
-                <adec:decorative xmlns:adec="http://schemas.microsoft.com/office/drawing/2017/decorative" val="1"/>
-              </a:ext>
-            </a:extLst>
-          </p:cNvPr>
-          <p:cNvSpPr>
-            <a:spLocks noGrp="1" noRot="1" noChangeAspect="1" noMove="1" noResize="1" noEditPoints="1" noAdjustHandles="1" noChangeArrowheads="1" noChangeShapeType="1" noTextEdit="1"/>
-          </p:cNvSpPr>
-          <p:nvPr>
-            <p:extLst>
-              <p:ext uri="{386F3935-93C4-4BCD-93E2-E3B085C9AB24}">
-                <p16:designElem xmlns:p16="http://schemas.microsoft.com/office/powerpoint/2015/main" val="1"/>
-              </p:ext>
-            </p:extLst>
-          </p:nvPr>
-        </p:nvSpPr>
-        <p:spPr>
-          <a:xfrm>
-            <a:off x="0" y="0"/>
-            <a:ext cx="12192000" cy="6858000"/>
-          </a:xfrm>
-          <a:prstGeom prst="rect">
-            <a:avLst/>
-          </a:prstGeom>
-          <a:ln>
-            <a:noFill/>
-          </a:ln>
-        </p:spPr>
-        <p:style>
-          <a:lnRef idx="2">
-            <a:schemeClr val="accent1">
-              <a:shade val="50000"/>
-            </a:schemeClr>
-          </a:lnRef>
-          <a:fillRef idx="1">
-            <a:schemeClr val="accent1"/>
-          </a:fillRef>
-          <a:effectRef idx="0">
-            <a:schemeClr val="accent1"/>
-          </a:effectRef>
-          <a:fontRef idx="minor">
-            <a:schemeClr val="lt1"/>
-          </a:fontRef>
-        </p:style>
-        <p:txBody>
-          <a:bodyPr rtlCol="0" anchor="ctr"/>
-          <a:lstStyle/>
-          <a:p>
-            <a:pPr marL="0" marR="0" lvl="0" indent="0" algn="ctr" defTabSz="457200" rtl="0" eaLnBrk="1" fontAlgn="auto" latinLnBrk="0" hangingPunct="1">
-              <a:lnSpc>
-                <a:spcPct val="100000"/>
-              </a:lnSpc>
-              <a:spcBef>
-                <a:spcPts val="0"/>
-              </a:spcBef>
-              <a:spcAft>
-                <a:spcPts val="0"/>
-              </a:spcAft>
-              <a:buClrTx/>
-              <a:buSzTx/>
-              <a:buFontTx/>
-              <a:buNone/>
-              <a:tabLst/>
-              <a:defRPr/>
-            </a:pPr>
-            <a:endParaRPr kumimoji="0" lang="en-US" sz="1800" b="0" i="0" u="none" strike="noStrike" kern="1200" cap="none" spc="0" normalizeH="0" baseline="0" noProof="0">
-              <a:ln>
-                <a:noFill/>
-              </a:ln>
-              <a:solidFill>
-                <a:srgbClr val="FFFFFF"/>
-              </a:solidFill>
-              <a:effectLst/>
-              <a:uLnTx/>
-              <a:uFillTx/>
-              <a:latin typeface="Calibri"/>
-              <a:ea typeface="+mn-ea"/>
-              <a:cs typeface="+mn-cs"/>
-            </a:endParaRPr>
-          </a:p>
-        </p:txBody>
-      </p:sp>
-      <p:sp>
-        <p:nvSpPr>
-          <p:cNvPr id="46" name="Rectangle 45">
-            <a:extLst>
-              <a:ext uri="{FF2B5EF4-FFF2-40B4-BE49-F238E27FC236}">
-                <a16:creationId xmlns:a16="http://schemas.microsoft.com/office/drawing/2014/main" id="{06C973F6-5187-412F-AACC-6E3FF8A6A12C}"/>
-              </a:ext>
-              <a:ext uri="{C183D7F6-B498-43B3-948B-1728B52AA6E4}">
-                <adec:decorative xmlns:adec="http://schemas.microsoft.com/office/drawing/2017/decorative" val="1"/>
-              </a:ext>
-            </a:extLst>
-          </p:cNvPr>
-          <p:cNvSpPr>
-            <a:spLocks noGrp="1" noRot="1" noChangeAspect="1" noMove="1" noResize="1" noEditPoints="1" noAdjustHandles="1" noChangeArrowheads="1" noChangeShapeType="1" noTextEdit="1"/>
-          </p:cNvSpPr>
-          <p:nvPr>
-            <p:extLst>
-              <p:ext uri="{386F3935-93C4-4BCD-93E2-E3B085C9AB24}">
-                <p16:designElem xmlns:p16="http://schemas.microsoft.com/office/powerpoint/2015/main" val="1"/>
-              </p:ext>
-            </p:extLst>
-          </p:nvPr>
-        </p:nvSpPr>
-        <p:spPr>
-          <a:xfrm>
-            <a:off x="509628" y="496959"/>
-            <a:ext cx="1106164" cy="5859735"/>
-          </a:xfrm>
-          <a:prstGeom prst="rect">
-            <a:avLst/>
-          </a:prstGeom>
-          <a:solidFill>
-            <a:srgbClr val="465359"/>
-          </a:solidFill>
-          <a:ln>
-            <a:noFill/>
-          </a:ln>
-          <a:effectLst/>
-        </p:spPr>
-        <p:style>
-          <a:lnRef idx="1">
-            <a:schemeClr val="accent1"/>
-          </a:lnRef>
-          <a:fillRef idx="3">
-            <a:schemeClr val="accent1"/>
-          </a:fillRef>
-          <a:effectRef idx="2">
-            <a:schemeClr val="accent1"/>
-          </a:effectRef>
-          <a:fontRef idx="minor">
-            <a:schemeClr val="lt1"/>
-          </a:fontRef>
-        </p:style>
-        <p:txBody>
-          <a:bodyPr/>
-          <a:lstStyle/>
-          <a:p>
-            <a:pPr marL="0" marR="0" lvl="0" indent="0" algn="l" defTabSz="457200" rtl="0" eaLnBrk="1" fontAlgn="auto" latinLnBrk="0" hangingPunct="1">
-              <a:lnSpc>
-                <a:spcPct val="100000"/>
-              </a:lnSpc>
-              <a:spcBef>
-                <a:spcPts val="0"/>
-              </a:spcBef>
-              <a:spcAft>
-                <a:spcPts val="0"/>
-              </a:spcAft>
-              <a:buClrTx/>
-              <a:buSzTx/>
-              <a:buFontTx/>
-              <a:buNone/>
-              <a:tabLst/>
-              <a:defRPr/>
-            </a:pPr>
-            <a:endParaRPr kumimoji="0" lang="en-US" sz="1800" b="0" i="0" u="none" strike="noStrike" kern="1200" cap="none" spc="0" normalizeH="0" baseline="0" noProof="0">
-              <a:ln>
-                <a:noFill/>
-              </a:ln>
-              <a:solidFill>
-                <a:srgbClr val="FFFFFF"/>
-              </a:solidFill>
-              <a:effectLst/>
-              <a:uLnTx/>
-              <a:uFillTx/>
-              <a:latin typeface="Calibri"/>
-              <a:ea typeface="+mn-ea"/>
-              <a:cs typeface="+mn-cs"/>
-            </a:endParaRPr>
-          </a:p>
-        </p:txBody>
-      </p:sp>
-      <p:sp>
-        <p:nvSpPr>
-          <p:cNvPr id="48" name="Rectangle 47">
-            <a:extLst>
-              <a:ext uri="{FF2B5EF4-FFF2-40B4-BE49-F238E27FC236}">
-                <a16:creationId xmlns:a16="http://schemas.microsoft.com/office/drawing/2014/main" id="{D11AE14F-1B7E-41E6-B579-2F71D135036C}"/>
-              </a:ext>
-              <a:ext uri="{C183D7F6-B498-43B3-948B-1728B52AA6E4}">
-                <adec:decorative xmlns:adec="http://schemas.microsoft.com/office/drawing/2017/decorative" val="1"/>
-              </a:ext>
-            </a:extLst>
-          </p:cNvPr>
-          <p:cNvSpPr>
-            <a:spLocks noGrp="1" noRot="1" noChangeAspect="1" noMove="1" noResize="1" noEditPoints="1" noAdjustHandles="1" noChangeArrowheads="1" noChangeShapeType="1" noTextEdit="1"/>
-          </p:cNvSpPr>
-          <p:nvPr>
-            <p:extLst>
-              <p:ext uri="{386F3935-93C4-4BCD-93E2-E3B085C9AB24}">
-                <p16:designElem xmlns:p16="http://schemas.microsoft.com/office/powerpoint/2015/main" val="1"/>
-              </p:ext>
-            </p:extLst>
-          </p:nvPr>
-        </p:nvSpPr>
-        <p:spPr>
-          <a:xfrm>
-            <a:off x="1712856" y="496958"/>
-            <a:ext cx="9961047" cy="3678072"/>
-          </a:xfrm>
-          <a:prstGeom prst="rect">
-            <a:avLst/>
-          </a:prstGeom>
-          <a:solidFill>
-            <a:schemeClr val="accent1"/>
-          </a:solidFill>
-          <a:ln>
-            <a:noFill/>
-          </a:ln>
-          <a:effectLst/>
-        </p:spPr>
-        <p:style>
-          <a:lnRef idx="1">
-            <a:schemeClr val="accent1"/>
-          </a:lnRef>
-          <a:fillRef idx="3">
-            <a:schemeClr val="accent1"/>
-          </a:fillRef>
-          <a:effectRef idx="2">
-            <a:schemeClr val="accent1"/>
-          </a:effectRef>
-          <a:fontRef idx="minor">
-            <a:schemeClr val="lt1"/>
-          </a:fontRef>
-        </p:style>
-        <p:txBody>
-          <a:bodyPr/>
-          <a:lstStyle/>
-          <a:p>
-            <a:pPr marL="0" marR="0" lvl="0" indent="0" algn="l" defTabSz="457200" rtl="0" eaLnBrk="1" fontAlgn="auto" latinLnBrk="0" hangingPunct="1">
-              <a:lnSpc>
-                <a:spcPct val="100000"/>
-              </a:lnSpc>
-              <a:spcBef>
-                <a:spcPts val="0"/>
-              </a:spcBef>
-              <a:spcAft>
-                <a:spcPts val="0"/>
-              </a:spcAft>
-              <a:buClrTx/>
-              <a:buSzTx/>
-              <a:buFontTx/>
-              <a:buNone/>
-              <a:tabLst/>
-              <a:defRPr/>
-            </a:pPr>
-            <a:endParaRPr kumimoji="0" lang="en-US" sz="1800" b="0" i="0" u="none" strike="noStrike" kern="1200" cap="none" spc="0" normalizeH="0" baseline="0" noProof="0">
-              <a:ln>
-                <a:noFill/>
-              </a:ln>
-              <a:solidFill>
-                <a:srgbClr val="FFFFFF"/>
-              </a:solidFill>
-              <a:effectLst/>
-              <a:uLnTx/>
-              <a:uFillTx/>
-              <a:latin typeface="Calibri"/>
-              <a:ea typeface="+mn-ea"/>
-              <a:cs typeface="+mn-cs"/>
-            </a:endParaRPr>
-          </a:p>
-        </p:txBody>
-      </p:sp>
-      <p:sp>
-        <p:nvSpPr>
-          <p:cNvPr id="2" name="Title 1">
-            <a:extLst>
-              <a:ext uri="{FF2B5EF4-FFF2-40B4-BE49-F238E27FC236}">
-                <a16:creationId xmlns:a16="http://schemas.microsoft.com/office/drawing/2014/main" id="{3778BAB5-C1DE-8DAD-E76F-BECA6F24C1F4}"/>
-              </a:ext>
-            </a:extLst>
-          </p:cNvPr>
-          <p:cNvSpPr>
-            <a:spLocks noGrp="1"/>
-          </p:cNvSpPr>
-          <p:nvPr>
-            <p:ph type="title"/>
-          </p:nvPr>
-        </p:nvSpPr>
-        <p:spPr>
-          <a:xfrm>
-            <a:off x="1893715" y="708498"/>
-            <a:ext cx="9618581" cy="3330055"/>
-          </a:xfrm>
-        </p:spPr>
-        <p:txBody>
-          <a:bodyPr vert="horz" lIns="91440" tIns="45720" rIns="91440" bIns="45720" rtlCol="0" anchor="ctr">
-            <a:normAutofit/>
-          </a:bodyPr>
-          <a:lstStyle/>
-          <a:p>
-            <a:r>
-              <a:rPr lang="en-US" sz="6000" b="0" kern="1200" cap="all" dirty="0">
-                <a:solidFill>
-                  <a:srgbClr val="FFFFFF"/>
-                </a:solidFill>
-                <a:latin typeface="+mj-lt"/>
-                <a:ea typeface="+mj-ea"/>
-                <a:cs typeface="+mj-cs"/>
-              </a:rPr>
-              <a:t>2.1.1 </a:t>
-            </a:r>
-            <a:br>
-              <a:rPr lang="en-US" sz="6000" b="0" kern="1200" cap="all" dirty="0">
-                <a:solidFill>
-                  <a:srgbClr val="FFFFFF"/>
-                </a:solidFill>
-                <a:latin typeface="+mj-lt"/>
-                <a:ea typeface="+mj-ea"/>
-                <a:cs typeface="+mj-cs"/>
-              </a:rPr>
-            </a:br>
-            <a:r>
-              <a:rPr lang="en-US" sz="6000" b="0" kern="1200" cap="all" dirty="0">
-                <a:solidFill>
-                  <a:srgbClr val="FFFFFF"/>
-                </a:solidFill>
-                <a:latin typeface="+mj-lt"/>
-                <a:ea typeface="+mj-ea"/>
-                <a:cs typeface="+mj-cs"/>
-              </a:rPr>
-              <a:t>population and sample</a:t>
-            </a:r>
-          </a:p>
-        </p:txBody>
-      </p:sp>
-      <p:sp>
-        <p:nvSpPr>
-          <p:cNvPr id="50" name="Rectangle 49">
-            <a:extLst>
-              <a:ext uri="{FF2B5EF4-FFF2-40B4-BE49-F238E27FC236}">
-                <a16:creationId xmlns:a16="http://schemas.microsoft.com/office/drawing/2014/main" id="{752BB805-F7B7-4B80-A1C5-385D4DAF74D0}"/>
-              </a:ext>
-              <a:ext uri="{C183D7F6-B498-43B3-948B-1728B52AA6E4}">
-                <adec:decorative xmlns:adec="http://schemas.microsoft.com/office/drawing/2017/decorative" val="1"/>
-              </a:ext>
-            </a:extLst>
-          </p:cNvPr>
-          <p:cNvSpPr>
-            <a:spLocks noGrp="1" noRot="1" noChangeAspect="1" noMove="1" noResize="1" noEditPoints="1" noAdjustHandles="1" noChangeArrowheads="1" noChangeShapeType="1" noTextEdit="1"/>
-          </p:cNvSpPr>
-          <p:nvPr>
-            <p:extLst>
-              <p:ext uri="{386F3935-93C4-4BCD-93E2-E3B085C9AB24}">
-                <p16:designElem xmlns:p16="http://schemas.microsoft.com/office/powerpoint/2015/main" val="1"/>
-              </p:ext>
-            </p:extLst>
-          </p:nvPr>
-        </p:nvSpPr>
-        <p:spPr>
-          <a:xfrm>
-            <a:off x="1712789" y="4284212"/>
-            <a:ext cx="9961115" cy="2072481"/>
-          </a:xfrm>
-          <a:prstGeom prst="rect">
-            <a:avLst/>
-          </a:prstGeom>
-          <a:solidFill>
-            <a:srgbClr val="6C7781">
-              <a:alpha val="80000"/>
-            </a:srgbClr>
-          </a:solidFill>
-          <a:ln>
-            <a:noFill/>
-          </a:ln>
-          <a:effectLst/>
-        </p:spPr>
-        <p:style>
-          <a:lnRef idx="1">
-            <a:schemeClr val="accent1"/>
-          </a:lnRef>
-          <a:fillRef idx="3">
-            <a:schemeClr val="accent1"/>
-          </a:fillRef>
-          <a:effectRef idx="2">
-            <a:schemeClr val="accent1"/>
-          </a:effectRef>
-          <a:fontRef idx="minor">
-            <a:schemeClr val="lt1"/>
-          </a:fontRef>
-        </p:style>
-        <p:txBody>
-          <a:bodyPr/>
-          <a:lstStyle/>
-          <a:p>
-            <a:pPr marL="0" marR="0" lvl="0" indent="0" algn="l" defTabSz="457200" rtl="0" eaLnBrk="1" fontAlgn="auto" latinLnBrk="0" hangingPunct="1">
-              <a:lnSpc>
-                <a:spcPct val="100000"/>
-              </a:lnSpc>
-              <a:spcBef>
-                <a:spcPts val="0"/>
-              </a:spcBef>
-              <a:spcAft>
-                <a:spcPts val="0"/>
-              </a:spcAft>
-              <a:buClrTx/>
-              <a:buSzTx/>
-              <a:buFontTx/>
-              <a:buNone/>
-              <a:tabLst/>
-              <a:defRPr/>
-            </a:pPr>
-            <a:endParaRPr kumimoji="0" lang="en-US" sz="1800" b="0" i="0" u="none" strike="noStrike" kern="1200" cap="none" spc="0" normalizeH="0" baseline="0" noProof="0">
-              <a:ln>
-                <a:noFill/>
-              </a:ln>
-              <a:solidFill>
-                <a:srgbClr val="FFFFFF"/>
-              </a:solidFill>
-              <a:effectLst/>
-              <a:uLnTx/>
-              <a:uFillTx/>
-              <a:latin typeface="Calibri"/>
-              <a:ea typeface="+mn-ea"/>
-              <a:cs typeface="+mn-cs"/>
-            </a:endParaRPr>
-          </a:p>
-        </p:txBody>
-      </p:sp>
-    </p:spTree>
-    <p:extLst>
-      <p:ext uri="{BB962C8B-B14F-4D97-AF65-F5344CB8AC3E}">
-        <p14:creationId xmlns:p14="http://schemas.microsoft.com/office/powerpoint/2010/main" val="1586883875"/>
-      </p:ext>
-    </p:extLst>
-  </p:cSld>
-  <p:clrMapOvr>
-    <a:masterClrMapping/>
-  </p:clrMapOvr>
-  <p:timing>
-    <p:tnLst>
-      <p:par>
-        <p:cTn id="1" dur="indefinite" restart="never" nodeType="tmRoot">
-          <p:childTnLst>
-            <p:seq concurrent="1" nextAc="seek">
-              <p:cTn id="2" dur="indefinite" nodeType="mainSeq">
-                <p:childTnLst>
-                  <p:par>
-                    <p:cTn id="3" fill="hold">
-                      <p:stCondLst>
-                        <p:cond delay="indefinite"/>
-                        <p:cond evt="onBegin" delay="0">
-                          <p:tn val="2"/>
-                        </p:cond>
-                      </p:stCondLst>
-                      <p:childTnLst>
-                        <p:par>
-                          <p:cTn id="4" fill="hold">
-                            <p:stCondLst>
-                              <p:cond delay="0"/>
-                            </p:stCondLst>
-                            <p:childTnLst>
-                              <p:par>
-                                <p:cTn id="5" presetID="10" presetClass="entr" presetSubtype="0" fill="hold" grpId="0" nodeType="withEffect">
-                                  <p:stCondLst>
-                                    <p:cond delay="500"/>
-                                  </p:stCondLst>
-                                  <p:iterate type="wd">
-                                    <p:tmPct val="15000"/>
-                                  </p:iterate>
-                                  <p:childTnLst>
-                                    <p:set>
-                                      <p:cBhvr>
-                                        <p:cTn id="6" dur="1" fill="hold">
-                                          <p:stCondLst>
-                                            <p:cond delay="0"/>
-                                          </p:stCondLst>
-                                        </p:cTn>
-                                        <p:tgtEl>
-                                          <p:spTgt spid="2"/>
-                                        </p:tgtEl>
-                                        <p:attrNameLst>
-                                          <p:attrName>style.visibility</p:attrName>
-                                        </p:attrNameLst>
-                                      </p:cBhvr>
-                                      <p:to>
-                                        <p:strVal val="visible"/>
-                                      </p:to>
-                                    </p:set>
-                                    <p:animEffect transition="in" filter="fade">
-                                      <p:cBhvr>
-                                        <p:cTn id="7" dur="1000"/>
-                                        <p:tgtEl>
-                                          <p:spTgt spid="2"/>
-                                        </p:tgtEl>
-                                      </p:cBhvr>
-                                    </p:animEffect>
-                                  </p:childTnLst>
-                                </p:cTn>
-                              </p:par>
-                            </p:childTnLst>
-                          </p:cTn>
-                        </p:par>
-                      </p:childTnLst>
-                    </p:cTn>
-                  </p:par>
-                </p:childTnLst>
-              </p:cTn>
-              <p:prevCondLst>
-                <p:cond evt="onPrev" delay="0">
-                  <p:tgtEl>
-                    <p:sldTgt/>
-                  </p:tgtEl>
-                </p:cond>
-              </p:prevCondLst>
-              <p:nextCondLst>
-                <p:cond evt="onNext" delay="0">
-                  <p:tgtEl>
-                    <p:sldTgt/>
-                  </p:tgtEl>
-                </p:cond>
-              </p:nextCondLst>
-            </p:seq>
-          </p:childTnLst>
-        </p:cTn>
-      </p:par>
-    </p:tnLst>
-    <p:bldLst>
-      <p:bldP spid="2" grpId="0"/>
-    </p:bldLst>
-  </p:timing>
-</p:sld>
-</file>
-
-<file path=ppt/slides/slide20.xml><?xml version="1.0" encoding="utf-8"?>
+<file path=ppt/slides/slide22.xml><?xml version="1.0" encoding="utf-8"?>
 <p:sld xmlns:a="http://schemas.openxmlformats.org/drawingml/2006/main" xmlns:r="http://schemas.openxmlformats.org/officeDocument/2006/relationships" xmlns:p="http://schemas.openxmlformats.org/presentationml/2006/main">
   <p:cSld>
     <p:spTree>
@@ -15995,7 +16899,7 @@
         </p:nvSpPr>
         <p:spPr>
           <a:xfrm>
-            <a:off x="581192" y="702156"/>
+            <a:off x="581192" y="627622"/>
             <a:ext cx="11029616" cy="596292"/>
           </a:xfrm>
         </p:spPr>
@@ -16028,7 +16932,7 @@
         </p:nvSpPr>
         <p:spPr>
           <a:xfrm>
-            <a:off x="480608" y="1618488"/>
+            <a:off x="480607" y="1462544"/>
             <a:ext cx="11029615" cy="832104"/>
           </a:xfrm>
         </p:spPr>
@@ -16209,8 +17113,8 @@
           </a:p>
         </p:txBody>
       </p:sp>
-      <mc:AlternateContent xmlns:mc="http://schemas.openxmlformats.org/markup-compatibility/2006">
-        <mc:Choice xmlns:a14="http://schemas.microsoft.com/office/drawing/2010/main" Requires="a14">
+      <mc:AlternateContent xmlns:mc="http://schemas.openxmlformats.org/markup-compatibility/2006" xmlns:a14="http://schemas.microsoft.com/office/drawing/2010/main">
+        <mc:Choice Requires="a14">
           <p:graphicFrame>
             <p:nvGraphicFramePr>
               <p:cNvPr id="4" name="Table 3">
@@ -16928,7 +17832,7 @@
             </a:graphic>
           </p:graphicFrame>
         </mc:Choice>
-        <mc:Fallback>
+        <mc:Fallback xmlns="">
           <p:graphicFrame>
             <p:nvGraphicFramePr>
               <p:cNvPr id="4" name="Table 3">
@@ -17389,7 +18293,7 @@
         </p:nvSpPr>
         <p:spPr>
           <a:xfrm>
-            <a:off x="1673392" y="1604265"/>
+            <a:off x="2162490" y="1568824"/>
             <a:ext cx="7047276" cy="3043936"/>
           </a:xfrm>
         </p:spPr>
